--- a/reports/8-20220520-一周工作进展.pptx
+++ b/reports/8-20220520-一周工作进展.pptx
@@ -3,19 +3,26 @@
 <p:presentation xmlns:a="http://schemas.openxmlformats.org/drawingml/2006/main" xmlns:r="http://schemas.openxmlformats.org/officeDocument/2006/relationships" xmlns:p="http://schemas.openxmlformats.org/presentationml/2006/main" showSpecialPlsOnTitleSld="0">
   <p:sldMasterIdLst>
     <p:sldMasterId id="2147483648" r:id="rId1"/>
-    <p:sldMasterId id="2147483660" r:id="rId2"/>
+    <p:sldMasterId id="2147483660" r:id="rId3"/>
   </p:sldMasterIdLst>
   <p:notesMasterIdLst>
-    <p:notesMasterId r:id="rId10"/>
+    <p:notesMasterId r:id="rId5"/>
   </p:notesMasterIdLst>
   <p:sldIdLst>
-    <p:sldId id="1290" r:id="rId3"/>
-    <p:sldId id="1291" r:id="rId4"/>
-    <p:sldId id="1292" r:id="rId5"/>
-    <p:sldId id="1293" r:id="rId6"/>
-    <p:sldId id="1294" r:id="rId7"/>
-    <p:sldId id="1195" r:id="rId8"/>
-    <p:sldId id="1196" r:id="rId9"/>
+    <p:sldId id="1302" r:id="rId4"/>
+    <p:sldId id="1290" r:id="rId6"/>
+    <p:sldId id="1291" r:id="rId7"/>
+    <p:sldId id="1292" r:id="rId8"/>
+    <p:sldId id="1293" r:id="rId9"/>
+    <p:sldId id="1294" r:id="rId10"/>
+    <p:sldId id="1297" r:id="rId11"/>
+    <p:sldId id="1298" r:id="rId12"/>
+    <p:sldId id="1299" r:id="rId13"/>
+    <p:sldId id="1300" r:id="rId14"/>
+    <p:sldId id="1301" r:id="rId15"/>
+    <p:sldId id="1195" r:id="rId16"/>
+    <p:sldId id="1196" r:id="rId17"/>
+    <p:sldId id="1303" r:id="rId18"/>
   </p:sldIdLst>
   <p:sldSz cx="12192000" cy="6858000"/>
   <p:notesSz cx="6858000" cy="9144000"/>
@@ -126,23 +133,16 @@
             <p14:sldId id="1294"/>
             <p14:sldId id="1195"/>
             <p14:sldId id="1196"/>
+            <p14:sldId id="1297"/>
+            <p14:sldId id="1298"/>
+            <p14:sldId id="1299"/>
+            <p14:sldId id="1300"/>
+            <p14:sldId id="1301"/>
+            <p14:sldId id="1302"/>
+            <p14:sldId id="1303"/>
           </p14:sldIdLst>
         </p14:section>
       </p14:sectionLst>
-    </p:ext>
-    <p:ext uri="{EFAFB233-063F-42B5-8137-9DF3F51BA10A}">
-      <p15:sldGuideLst xmlns:p15="http://schemas.microsoft.com/office/powerpoint/2012/main">
-        <p15:guide id="1" orient="horz" pos="2203">
-          <p15:clr>
-            <a:srgbClr val="A4A3A4"/>
-          </p15:clr>
-        </p15:guide>
-        <p15:guide id="2" pos="3840">
-          <p15:clr>
-            <a:srgbClr val="A4A3A4"/>
-          </p15:clr>
-        </p15:guide>
-      </p15:sldGuideLst>
     </p:ext>
   </p:extLst>
 </p:presentation>
@@ -237,7 +237,6 @@
           <a:p>
             <a:fld id="{A511C7D4-4CB6-4CEA-B712-C7C229DBCFE5}" type="datetimeFigureOut">
               <a:rPr lang="zh-CN" altLang="en-US" smtClean="0"/>
-              <a:t>2022/5/20</a:t>
             </a:fld>
             <a:endParaRPr lang="zh-CN" altLang="en-US"/>
           </a:p>
@@ -304,6 +303,7 @@
               <a:rPr lang="zh-CN" altLang="en-US"/>
               <a:t>单击此处编辑母版文本样式</a:t>
             </a:r>
+            <a:endParaRPr lang="zh-CN" altLang="en-US"/>
           </a:p>
           <a:p>
             <a:pPr lvl="1"/>
@@ -311,6 +311,7 @@
               <a:rPr lang="zh-CN" altLang="en-US"/>
               <a:t>第二级</a:t>
             </a:r>
+            <a:endParaRPr lang="zh-CN" altLang="en-US"/>
           </a:p>
           <a:p>
             <a:pPr lvl="2"/>
@@ -318,6 +319,7 @@
               <a:rPr lang="zh-CN" altLang="en-US"/>
               <a:t>第三级</a:t>
             </a:r>
+            <a:endParaRPr lang="zh-CN" altLang="en-US"/>
           </a:p>
           <a:p>
             <a:pPr lvl="3"/>
@@ -325,6 +327,7 @@
               <a:rPr lang="zh-CN" altLang="en-US"/>
               <a:t>第四级</a:t>
             </a:r>
+            <a:endParaRPr lang="zh-CN" altLang="en-US"/>
           </a:p>
           <a:p>
             <a:pPr lvl="4"/>
@@ -332,6 +335,7 @@
               <a:rPr lang="zh-CN" altLang="en-US"/>
               <a:t>第五级</a:t>
             </a:r>
+            <a:endParaRPr lang="zh-CN" altLang="en-US"/>
           </a:p>
         </p:txBody>
       </p:sp>
@@ -395,7 +399,6 @@
           <a:p>
             <a:fld id="{9B5BD0AE-A23C-4B71-BCCA-077F02B28D69}" type="slidenum">
               <a:rPr lang="zh-CN" altLang="en-US" smtClean="0"/>
-              <a:t>‹#›</a:t>
             </a:fld>
             <a:endParaRPr lang="zh-CN" altLang="en-US"/>
           </a:p>
@@ -526,7 +529,12 @@
             <p:ph type="sldImg"/>
           </p:nvPr>
         </p:nvSpPr>
-        <p:spPr/>
+        <p:spPr>
+          <a:xfrm>
+            <a:off x="685800" y="1143000"/>
+            <a:ext cx="5486400" cy="3086100"/>
+          </a:xfrm>
+        </p:spPr>
       </p:sp>
       <p:sp>
         <p:nvSpPr>
@@ -543,7 +551,7 @@
           <a:bodyPr/>
           <a:lstStyle/>
           <a:p>
-            <a:endParaRPr kumimoji="1" lang="zh-CN" altLang="en-US" dirty="0"/>
+            <a:endParaRPr lang="zh-CN" altLang="en-US" dirty="0"/>
           </a:p>
         </p:txBody>
       </p:sp>
@@ -554,7 +562,7 @@
             <a:spLocks noGrp="1"/>
           </p:cNvSpPr>
           <p:nvPr>
-            <p:ph type="sldNum" sz="quarter" idx="5"/>
+            <p:ph type="sldNum" sz="quarter" idx="10"/>
           </p:nvPr>
         </p:nvSpPr>
         <p:spPr/>
@@ -564,9 +572,404 @@
           <a:p>
             <a:fld id="{9B5BD0AE-A23C-4B71-BCCA-077F02B28D69}" type="slidenum">
               <a:rPr lang="zh-CN" altLang="en-US" smtClean="0"/>
-              <a:t>1</a:t>
             </a:fld>
             <a:endParaRPr lang="zh-CN" altLang="en-US"/>
+          </a:p>
+        </p:txBody>
+      </p:sp>
+    </p:spTree>
+  </p:cSld>
+  <p:clrMapOvr>
+    <a:masterClrMapping/>
+  </p:clrMapOvr>
+</p:notes>
+</file>
+
+<file path=ppt/notesSlides/notesSlide10.xml><?xml version="1.0" encoding="utf-8"?>
+<p:notes xmlns:a="http://schemas.openxmlformats.org/drawingml/2006/main" xmlns:r="http://schemas.openxmlformats.org/officeDocument/2006/relationships" xmlns:p="http://schemas.openxmlformats.org/presentationml/2006/main">
+  <p:cSld>
+    <p:spTree>
+      <p:nvGrpSpPr>
+        <p:cNvPr id="1" name=""/>
+        <p:cNvGrpSpPr/>
+        <p:nvPr/>
+      </p:nvGrpSpPr>
+      <p:grpSpPr>
+        <a:xfrm>
+          <a:off x="0" y="0"/>
+          <a:ext cx="0" cy="0"/>
+          <a:chOff x="0" y="0"/>
+          <a:chExt cx="0" cy="0"/>
+        </a:xfrm>
+      </p:grpSpPr>
+      <p:sp>
+        <p:nvSpPr>
+          <p:cNvPr id="2" name="幻灯片图像占位符 1"/>
+          <p:cNvSpPr>
+            <a:spLocks noGrp="1" noRot="1" noChangeAspect="1"/>
+          </p:cNvSpPr>
+          <p:nvPr>
+            <p:ph type="sldImg"/>
+          </p:nvPr>
+        </p:nvSpPr>
+        <p:spPr/>
+      </p:sp>
+      <p:sp>
+        <p:nvSpPr>
+          <p:cNvPr id="3" name="备注占位符 2"/>
+          <p:cNvSpPr>
+            <a:spLocks noGrp="1"/>
+          </p:cNvSpPr>
+          <p:nvPr>
+            <p:ph type="body" idx="1"/>
+          </p:nvPr>
+        </p:nvSpPr>
+        <p:spPr/>
+        <p:txBody>
+          <a:bodyPr/>
+          <a:lstStyle/>
+          <a:p>
+            <a:endParaRPr kumimoji="1" lang="zh-CN" altLang="en-US" dirty="0"/>
+          </a:p>
+        </p:txBody>
+      </p:sp>
+      <p:sp>
+        <p:nvSpPr>
+          <p:cNvPr id="4" name="灯片编号占位符 3"/>
+          <p:cNvSpPr>
+            <a:spLocks noGrp="1"/>
+          </p:cNvSpPr>
+          <p:nvPr>
+            <p:ph type="sldNum" sz="quarter" idx="5"/>
+          </p:nvPr>
+        </p:nvSpPr>
+        <p:spPr/>
+        <p:txBody>
+          <a:bodyPr/>
+          <a:lstStyle/>
+          <a:p>
+            <a:fld id="{9B5BD0AE-A23C-4B71-BCCA-077F02B28D69}" type="slidenum">
+              <a:rPr lang="zh-CN" altLang="en-US" smtClean="0"/>
+            </a:fld>
+            <a:endParaRPr lang="zh-CN" altLang="en-US"/>
+          </a:p>
+        </p:txBody>
+      </p:sp>
+    </p:spTree>
+  </p:cSld>
+  <p:clrMapOvr>
+    <a:masterClrMapping/>
+  </p:clrMapOvr>
+</p:notes>
+</file>
+
+<file path=ppt/notesSlides/notesSlide11.xml><?xml version="1.0" encoding="utf-8"?>
+<p:notes xmlns:a="http://schemas.openxmlformats.org/drawingml/2006/main" xmlns:r="http://schemas.openxmlformats.org/officeDocument/2006/relationships" xmlns:p="http://schemas.openxmlformats.org/presentationml/2006/main">
+  <p:cSld>
+    <p:spTree>
+      <p:nvGrpSpPr>
+        <p:cNvPr id="1" name=""/>
+        <p:cNvGrpSpPr/>
+        <p:nvPr/>
+      </p:nvGrpSpPr>
+      <p:grpSpPr>
+        <a:xfrm>
+          <a:off x="0" y="0"/>
+          <a:ext cx="0" cy="0"/>
+          <a:chOff x="0" y="0"/>
+          <a:chExt cx="0" cy="0"/>
+        </a:xfrm>
+      </p:grpSpPr>
+      <p:sp>
+        <p:nvSpPr>
+          <p:cNvPr id="2" name="幻灯片图像占位符 1"/>
+          <p:cNvSpPr>
+            <a:spLocks noGrp="1" noRot="1" noChangeAspect="1"/>
+          </p:cNvSpPr>
+          <p:nvPr>
+            <p:ph type="sldImg"/>
+          </p:nvPr>
+        </p:nvSpPr>
+        <p:spPr/>
+      </p:sp>
+      <p:sp>
+        <p:nvSpPr>
+          <p:cNvPr id="3" name="备注占位符 2"/>
+          <p:cNvSpPr>
+            <a:spLocks noGrp="1"/>
+          </p:cNvSpPr>
+          <p:nvPr>
+            <p:ph type="body" idx="1"/>
+          </p:nvPr>
+        </p:nvSpPr>
+        <p:spPr/>
+        <p:txBody>
+          <a:bodyPr/>
+          <a:lstStyle/>
+          <a:p>
+            <a:endParaRPr kumimoji="1" lang="zh-CN" altLang="en-US" dirty="0"/>
+          </a:p>
+        </p:txBody>
+      </p:sp>
+      <p:sp>
+        <p:nvSpPr>
+          <p:cNvPr id="4" name="灯片编号占位符 3"/>
+          <p:cNvSpPr>
+            <a:spLocks noGrp="1"/>
+          </p:cNvSpPr>
+          <p:nvPr>
+            <p:ph type="sldNum" sz="quarter" idx="5"/>
+          </p:nvPr>
+        </p:nvSpPr>
+        <p:spPr/>
+        <p:txBody>
+          <a:bodyPr/>
+          <a:lstStyle/>
+          <a:p>
+            <a:fld id="{9B5BD0AE-A23C-4B71-BCCA-077F02B28D69}" type="slidenum">
+              <a:rPr lang="zh-CN" altLang="en-US" smtClean="0"/>
+            </a:fld>
+            <a:endParaRPr lang="zh-CN" altLang="en-US"/>
+          </a:p>
+        </p:txBody>
+      </p:sp>
+    </p:spTree>
+  </p:cSld>
+  <p:clrMapOvr>
+    <a:masterClrMapping/>
+  </p:clrMapOvr>
+</p:notes>
+</file>
+
+<file path=ppt/notesSlides/notesSlide12.xml><?xml version="1.0" encoding="utf-8"?>
+<p:notes xmlns:a="http://schemas.openxmlformats.org/drawingml/2006/main" xmlns:r="http://schemas.openxmlformats.org/officeDocument/2006/relationships" xmlns:p="http://schemas.openxmlformats.org/presentationml/2006/main">
+  <p:cSld>
+    <p:spTree>
+      <p:nvGrpSpPr>
+        <p:cNvPr id="1" name=""/>
+        <p:cNvGrpSpPr/>
+        <p:nvPr/>
+      </p:nvGrpSpPr>
+      <p:grpSpPr>
+        <a:xfrm>
+          <a:off x="0" y="0"/>
+          <a:ext cx="0" cy="0"/>
+          <a:chOff x="0" y="0"/>
+          <a:chExt cx="0" cy="0"/>
+        </a:xfrm>
+      </p:grpSpPr>
+      <p:sp>
+        <p:nvSpPr>
+          <p:cNvPr id="2" name="幻灯片图像占位符 1"/>
+          <p:cNvSpPr>
+            <a:spLocks noGrp="1" noRot="1" noChangeAspect="1"/>
+          </p:cNvSpPr>
+          <p:nvPr>
+            <p:ph type="sldImg"/>
+          </p:nvPr>
+        </p:nvSpPr>
+        <p:spPr/>
+      </p:sp>
+      <p:sp>
+        <p:nvSpPr>
+          <p:cNvPr id="3" name="备注占位符 2"/>
+          <p:cNvSpPr>
+            <a:spLocks noGrp="1"/>
+          </p:cNvSpPr>
+          <p:nvPr>
+            <p:ph type="body" idx="1"/>
+          </p:nvPr>
+        </p:nvSpPr>
+        <p:spPr/>
+        <p:txBody>
+          <a:bodyPr/>
+          <a:lstStyle/>
+          <a:p>
+            <a:endParaRPr lang="en-US" altLang="zh-CN" dirty="0"/>
+          </a:p>
+        </p:txBody>
+      </p:sp>
+      <p:sp>
+        <p:nvSpPr>
+          <p:cNvPr id="4" name="灯片编号占位符 3"/>
+          <p:cNvSpPr>
+            <a:spLocks noGrp="1"/>
+          </p:cNvSpPr>
+          <p:nvPr>
+            <p:ph type="sldNum" sz="quarter" idx="5"/>
+          </p:nvPr>
+        </p:nvSpPr>
+        <p:spPr/>
+        <p:txBody>
+          <a:bodyPr/>
+          <a:lstStyle/>
+          <a:p>
+            <a:pPr marL="0" marR="0" lvl="0" indent="0" algn="r" defTabSz="457200" rtl="0" eaLnBrk="1" fontAlgn="auto" latinLnBrk="0" hangingPunct="1">
+              <a:lnSpc>
+                <a:spcPct val="100000"/>
+              </a:lnSpc>
+              <a:spcBef>
+                <a:spcPts val="0"/>
+              </a:spcBef>
+              <a:spcAft>
+                <a:spcPts val="0"/>
+              </a:spcAft>
+              <a:buClrTx/>
+              <a:buSzTx/>
+              <a:buFontTx/>
+              <a:buNone/>
+              <a:defRPr/>
+            </a:pPr>
+            <a:fld id="{9B5BD0AE-A23C-4B71-BCCA-077F02B28D69}" type="slidenum">
+              <a:rPr kumimoji="0" lang="zh-CN" altLang="en-US" sz="1200" b="0" i="0" u="none" strike="noStrike" kern="1200" cap="none" spc="0" normalizeH="0" baseline="0" noProof="0" smtClean="0">
+                <a:ln>
+                  <a:noFill/>
+                </a:ln>
+                <a:solidFill>
+                  <a:prstClr val="black"/>
+                </a:solidFill>
+                <a:effectLst/>
+                <a:uLnTx/>
+                <a:uFillTx/>
+                <a:latin typeface="Calibri"/>
+                <a:ea typeface="宋体" pitchFamily="2" charset="-122"/>
+                <a:cs typeface="+mn-cs"/>
+              </a:rPr>
+            </a:fld>
+            <a:endParaRPr kumimoji="0" lang="zh-CN" altLang="en-US" sz="1200" b="0" i="0" u="none" strike="noStrike" kern="1200" cap="none" spc="0" normalizeH="0" baseline="0" noProof="0">
+              <a:ln>
+                <a:noFill/>
+              </a:ln>
+              <a:solidFill>
+                <a:prstClr val="black"/>
+              </a:solidFill>
+              <a:effectLst/>
+              <a:uLnTx/>
+              <a:uFillTx/>
+              <a:latin typeface="Calibri"/>
+              <a:ea typeface="宋体" pitchFamily="2" charset="-122"/>
+              <a:cs typeface="+mn-cs"/>
+            </a:endParaRPr>
+          </a:p>
+        </p:txBody>
+      </p:sp>
+    </p:spTree>
+  </p:cSld>
+  <p:clrMapOvr>
+    <a:masterClrMapping/>
+  </p:clrMapOvr>
+</p:notes>
+</file>
+
+<file path=ppt/notesSlides/notesSlide13.xml><?xml version="1.0" encoding="utf-8"?>
+<p:notes xmlns:a="http://schemas.openxmlformats.org/drawingml/2006/main" xmlns:r="http://schemas.openxmlformats.org/officeDocument/2006/relationships" xmlns:p="http://schemas.openxmlformats.org/presentationml/2006/main">
+  <p:cSld>
+    <p:spTree>
+      <p:nvGrpSpPr>
+        <p:cNvPr id="1" name=""/>
+        <p:cNvGrpSpPr/>
+        <p:nvPr/>
+      </p:nvGrpSpPr>
+      <p:grpSpPr>
+        <a:xfrm>
+          <a:off x="0" y="0"/>
+          <a:ext cx="0" cy="0"/>
+          <a:chOff x="0" y="0"/>
+          <a:chExt cx="0" cy="0"/>
+        </a:xfrm>
+      </p:grpSpPr>
+      <p:sp>
+        <p:nvSpPr>
+          <p:cNvPr id="2" name="幻灯片图像占位符 1"/>
+          <p:cNvSpPr>
+            <a:spLocks noGrp="1" noRot="1" noChangeAspect="1"/>
+          </p:cNvSpPr>
+          <p:nvPr>
+            <p:ph type="sldImg"/>
+          </p:nvPr>
+        </p:nvSpPr>
+        <p:spPr/>
+      </p:sp>
+      <p:sp>
+        <p:nvSpPr>
+          <p:cNvPr id="3" name="备注占位符 2"/>
+          <p:cNvSpPr>
+            <a:spLocks noGrp="1"/>
+          </p:cNvSpPr>
+          <p:nvPr>
+            <p:ph type="body" idx="1"/>
+          </p:nvPr>
+        </p:nvSpPr>
+        <p:spPr/>
+        <p:txBody>
+          <a:bodyPr/>
+          <a:lstStyle/>
+          <a:p>
+            <a:endParaRPr lang="en-US" altLang="zh-CN" dirty="0"/>
+          </a:p>
+        </p:txBody>
+      </p:sp>
+      <p:sp>
+        <p:nvSpPr>
+          <p:cNvPr id="4" name="灯片编号占位符 3"/>
+          <p:cNvSpPr>
+            <a:spLocks noGrp="1"/>
+          </p:cNvSpPr>
+          <p:nvPr>
+            <p:ph type="sldNum" sz="quarter" idx="5"/>
+          </p:nvPr>
+        </p:nvSpPr>
+        <p:spPr/>
+        <p:txBody>
+          <a:bodyPr/>
+          <a:lstStyle/>
+          <a:p>
+            <a:pPr marL="0" marR="0" lvl="0" indent="0" algn="r" defTabSz="914400" rtl="0" eaLnBrk="1" fontAlgn="auto" latinLnBrk="0" hangingPunct="1">
+              <a:lnSpc>
+                <a:spcPct val="100000"/>
+              </a:lnSpc>
+              <a:spcBef>
+                <a:spcPts val="0"/>
+              </a:spcBef>
+              <a:spcAft>
+                <a:spcPts val="0"/>
+              </a:spcAft>
+              <a:buClrTx/>
+              <a:buSzTx/>
+              <a:buFontTx/>
+              <a:buNone/>
+              <a:defRPr/>
+            </a:pPr>
+            <a:fld id="{9B5BD0AE-A23C-4B71-BCCA-077F02B28D69}" type="slidenum">
+              <a:rPr kumimoji="0" lang="zh-CN" altLang="en-US" sz="1200" b="0" i="0" u="none" strike="noStrike" kern="1200" cap="none" spc="0" normalizeH="0" baseline="0" noProof="0" smtClean="0">
+                <a:ln>
+                  <a:noFill/>
+                </a:ln>
+                <a:solidFill>
+                  <a:prstClr val="black"/>
+                </a:solidFill>
+                <a:effectLst/>
+                <a:uLnTx/>
+                <a:uFillTx/>
+                <a:latin typeface="等线" panose="020F0502020204030204"/>
+                <a:ea typeface="等线" panose="02010600030101010101" pitchFamily="2" charset="-122"/>
+                <a:cs typeface="+mn-cs"/>
+              </a:rPr>
+            </a:fld>
+            <a:endParaRPr kumimoji="0" lang="zh-CN" altLang="en-US" sz="1200" b="0" i="0" u="none" strike="noStrike" kern="1200" cap="none" spc="0" normalizeH="0" baseline="0" noProof="0">
+              <a:ln>
+                <a:noFill/>
+              </a:ln>
+              <a:solidFill>
+                <a:prstClr val="black"/>
+              </a:solidFill>
+              <a:effectLst/>
+              <a:uLnTx/>
+              <a:uFillTx/>
+              <a:latin typeface="等线" panose="020F0502020204030204"/>
+              <a:ea typeface="等线" panose="02010600030101010101" pitchFamily="2" charset="-122"/>
+              <a:cs typeface="+mn-cs"/>
+            </a:endParaRPr>
           </a:p>
         </p:txBody>
       </p:sp>
@@ -643,7 +1046,6 @@
           <a:p>
             <a:fld id="{9B5BD0AE-A23C-4B71-BCCA-077F02B28D69}" type="slidenum">
               <a:rPr lang="zh-CN" altLang="en-US" smtClean="0"/>
-              <a:t>2</a:t>
             </a:fld>
             <a:endParaRPr lang="zh-CN" altLang="en-US"/>
           </a:p>
@@ -722,7 +1124,6 @@
           <a:p>
             <a:fld id="{9B5BD0AE-A23C-4B71-BCCA-077F02B28D69}" type="slidenum">
               <a:rPr lang="zh-CN" altLang="en-US" smtClean="0"/>
-              <a:t>3</a:t>
             </a:fld>
             <a:endParaRPr lang="zh-CN" altLang="en-US"/>
           </a:p>
@@ -801,7 +1202,6 @@
           <a:p>
             <a:fld id="{9B5BD0AE-A23C-4B71-BCCA-077F02B28D69}" type="slidenum">
               <a:rPr lang="zh-CN" altLang="en-US" smtClean="0"/>
-              <a:t>4</a:t>
             </a:fld>
             <a:endParaRPr lang="zh-CN" altLang="en-US"/>
           </a:p>
@@ -880,7 +1280,6 @@
           <a:p>
             <a:fld id="{9B5BD0AE-A23C-4B71-BCCA-077F02B28D69}" type="slidenum">
               <a:rPr lang="zh-CN" altLang="en-US" smtClean="0"/>
-              <a:t>5</a:t>
             </a:fld>
             <a:endParaRPr lang="zh-CN" altLang="en-US"/>
           </a:p>
@@ -938,7 +1337,7 @@
           <a:bodyPr/>
           <a:lstStyle/>
           <a:p>
-            <a:endParaRPr lang="en-US" altLang="zh-CN" dirty="0"/>
+            <a:endParaRPr kumimoji="1" lang="zh-CN" altLang="en-US" dirty="0"/>
           </a:p>
         </p:txBody>
       </p:sp>
@@ -957,80 +1356,14 @@
           <a:bodyPr/>
           <a:lstStyle/>
           <a:p>
-            <a:pPr marL="0" marR="0" lvl="0" indent="0" algn="r" defTabSz="457200" rtl="0" eaLnBrk="1" fontAlgn="auto" latinLnBrk="0" hangingPunct="1">
-              <a:lnSpc>
-                <a:spcPct val="100000"/>
-              </a:lnSpc>
-              <a:spcBef>
-                <a:spcPts val="0"/>
-              </a:spcBef>
-              <a:spcAft>
-                <a:spcPts val="0"/>
-              </a:spcAft>
-              <a:buClrTx/>
-              <a:buSzTx/>
-              <a:buFontTx/>
-              <a:buNone/>
-              <a:tabLst/>
-              <a:defRPr/>
-            </a:pPr>
             <a:fld id="{9B5BD0AE-A23C-4B71-BCCA-077F02B28D69}" type="slidenum">
-              <a:rPr kumimoji="0" lang="zh-CN" altLang="en-US" sz="1200" b="0" i="0" u="none" strike="noStrike" kern="1200" cap="none" spc="0" normalizeH="0" baseline="0" noProof="0" smtClean="0">
-                <a:ln>
-                  <a:noFill/>
-                </a:ln>
-                <a:solidFill>
-                  <a:prstClr val="black"/>
-                </a:solidFill>
-                <a:effectLst/>
-                <a:uLnTx/>
-                <a:uFillTx/>
-                <a:latin typeface="Calibri" panose="020F0502020204030204"/>
-                <a:ea typeface="宋体" panose="02010600030101010101" pitchFamily="2" charset="-122"/>
-                <a:cs typeface="+mn-cs"/>
-              </a:rPr>
-              <a:pPr marL="0" marR="0" lvl="0" indent="0" algn="r" defTabSz="457200" rtl="0" eaLnBrk="1" fontAlgn="auto" latinLnBrk="0" hangingPunct="1">
-                <a:lnSpc>
-                  <a:spcPct val="100000"/>
-                </a:lnSpc>
-                <a:spcBef>
-                  <a:spcPts val="0"/>
-                </a:spcBef>
-                <a:spcAft>
-                  <a:spcPts val="0"/>
-                </a:spcAft>
-                <a:buClrTx/>
-                <a:buSzTx/>
-                <a:buFontTx/>
-                <a:buNone/>
-                <a:tabLst/>
-                <a:defRPr/>
-              </a:pPr>
-              <a:t>6</a:t>
+              <a:rPr lang="zh-CN" altLang="en-US" smtClean="0"/>
             </a:fld>
-            <a:endParaRPr kumimoji="0" lang="zh-CN" altLang="en-US" sz="1200" b="0" i="0" u="none" strike="noStrike" kern="1200" cap="none" spc="0" normalizeH="0" baseline="0" noProof="0">
-              <a:ln>
-                <a:noFill/>
-              </a:ln>
-              <a:solidFill>
-                <a:prstClr val="black"/>
-              </a:solidFill>
-              <a:effectLst/>
-              <a:uLnTx/>
-              <a:uFillTx/>
-              <a:latin typeface="Calibri" panose="020F0502020204030204"/>
-              <a:ea typeface="宋体" panose="02010600030101010101" pitchFamily="2" charset="-122"/>
-              <a:cs typeface="+mn-cs"/>
-            </a:endParaRPr>
+            <a:endParaRPr lang="zh-CN" altLang="en-US"/>
           </a:p>
         </p:txBody>
       </p:sp>
     </p:spTree>
-    <p:extLst>
-      <p:ext uri="{BB962C8B-B14F-4D97-AF65-F5344CB8AC3E}">
-        <p14:creationId xmlns:p14="http://schemas.microsoft.com/office/powerpoint/2010/main" val="1053112821"/>
-      </p:ext>
-    </p:extLst>
   </p:cSld>
   <p:clrMapOvr>
     <a:masterClrMapping/>
@@ -1082,7 +1415,7 @@
           <a:bodyPr/>
           <a:lstStyle/>
           <a:p>
-            <a:endParaRPr lang="en-US" altLang="zh-CN" dirty="0"/>
+            <a:endParaRPr kumimoji="1" lang="zh-CN" altLang="en-US" dirty="0"/>
           </a:p>
         </p:txBody>
       </p:sp>
@@ -1101,80 +1434,170 @@
           <a:bodyPr/>
           <a:lstStyle/>
           <a:p>
-            <a:pPr marL="0" marR="0" lvl="0" indent="0" algn="r" defTabSz="914400" rtl="0" eaLnBrk="1" fontAlgn="auto" latinLnBrk="0" hangingPunct="1">
-              <a:lnSpc>
-                <a:spcPct val="100000"/>
-              </a:lnSpc>
-              <a:spcBef>
-                <a:spcPts val="0"/>
-              </a:spcBef>
-              <a:spcAft>
-                <a:spcPts val="0"/>
-              </a:spcAft>
-              <a:buClrTx/>
-              <a:buSzTx/>
-              <a:buFontTx/>
-              <a:buNone/>
-              <a:tabLst/>
-              <a:defRPr/>
-            </a:pPr>
             <a:fld id="{9B5BD0AE-A23C-4B71-BCCA-077F02B28D69}" type="slidenum">
-              <a:rPr kumimoji="0" lang="zh-CN" altLang="en-US" sz="1200" b="0" i="0" u="none" strike="noStrike" kern="1200" cap="none" spc="0" normalizeH="0" baseline="0" noProof="0" smtClean="0">
-                <a:ln>
-                  <a:noFill/>
-                </a:ln>
-                <a:solidFill>
-                  <a:prstClr val="black"/>
-                </a:solidFill>
-                <a:effectLst/>
-                <a:uLnTx/>
-                <a:uFillTx/>
-                <a:latin typeface="等线" panose="020F0502020204030204"/>
-                <a:ea typeface="等线" panose="02010600030101010101" pitchFamily="2" charset="-122"/>
-                <a:cs typeface="+mn-cs"/>
-              </a:rPr>
-              <a:pPr marL="0" marR="0" lvl="0" indent="0" algn="r" defTabSz="914400" rtl="0" eaLnBrk="1" fontAlgn="auto" latinLnBrk="0" hangingPunct="1">
-                <a:lnSpc>
-                  <a:spcPct val="100000"/>
-                </a:lnSpc>
-                <a:spcBef>
-                  <a:spcPts val="0"/>
-                </a:spcBef>
-                <a:spcAft>
-                  <a:spcPts val="0"/>
-                </a:spcAft>
-                <a:buClrTx/>
-                <a:buSzTx/>
-                <a:buFontTx/>
-                <a:buNone/>
-                <a:tabLst/>
-                <a:defRPr/>
-              </a:pPr>
-              <a:t>7</a:t>
+              <a:rPr lang="zh-CN" altLang="en-US" smtClean="0"/>
             </a:fld>
-            <a:endParaRPr kumimoji="0" lang="zh-CN" altLang="en-US" sz="1200" b="0" i="0" u="none" strike="noStrike" kern="1200" cap="none" spc="0" normalizeH="0" baseline="0" noProof="0">
-              <a:ln>
-                <a:noFill/>
-              </a:ln>
-              <a:solidFill>
-                <a:prstClr val="black"/>
-              </a:solidFill>
-              <a:effectLst/>
-              <a:uLnTx/>
-              <a:uFillTx/>
-              <a:latin typeface="等线" panose="020F0502020204030204"/>
-              <a:ea typeface="等线" panose="02010600030101010101" pitchFamily="2" charset="-122"/>
-              <a:cs typeface="+mn-cs"/>
-            </a:endParaRPr>
+            <a:endParaRPr lang="zh-CN" altLang="en-US"/>
           </a:p>
         </p:txBody>
       </p:sp>
     </p:spTree>
-    <p:extLst>
-      <p:ext uri="{BB962C8B-B14F-4D97-AF65-F5344CB8AC3E}">
-        <p14:creationId xmlns:p14="http://schemas.microsoft.com/office/powerpoint/2010/main" val="1053112821"/>
-      </p:ext>
-    </p:extLst>
+  </p:cSld>
+  <p:clrMapOvr>
+    <a:masterClrMapping/>
+  </p:clrMapOvr>
+</p:notes>
+</file>
+
+<file path=ppt/notesSlides/notesSlide8.xml><?xml version="1.0" encoding="utf-8"?>
+<p:notes xmlns:a="http://schemas.openxmlformats.org/drawingml/2006/main" xmlns:r="http://schemas.openxmlformats.org/officeDocument/2006/relationships" xmlns:p="http://schemas.openxmlformats.org/presentationml/2006/main">
+  <p:cSld>
+    <p:spTree>
+      <p:nvGrpSpPr>
+        <p:cNvPr id="1" name=""/>
+        <p:cNvGrpSpPr/>
+        <p:nvPr/>
+      </p:nvGrpSpPr>
+      <p:grpSpPr>
+        <a:xfrm>
+          <a:off x="0" y="0"/>
+          <a:ext cx="0" cy="0"/>
+          <a:chOff x="0" y="0"/>
+          <a:chExt cx="0" cy="0"/>
+        </a:xfrm>
+      </p:grpSpPr>
+      <p:sp>
+        <p:nvSpPr>
+          <p:cNvPr id="2" name="幻灯片图像占位符 1"/>
+          <p:cNvSpPr>
+            <a:spLocks noGrp="1" noRot="1" noChangeAspect="1"/>
+          </p:cNvSpPr>
+          <p:nvPr>
+            <p:ph type="sldImg"/>
+          </p:nvPr>
+        </p:nvSpPr>
+        <p:spPr/>
+      </p:sp>
+      <p:sp>
+        <p:nvSpPr>
+          <p:cNvPr id="3" name="备注占位符 2"/>
+          <p:cNvSpPr>
+            <a:spLocks noGrp="1"/>
+          </p:cNvSpPr>
+          <p:nvPr>
+            <p:ph type="body" idx="1"/>
+          </p:nvPr>
+        </p:nvSpPr>
+        <p:spPr/>
+        <p:txBody>
+          <a:bodyPr/>
+          <a:lstStyle/>
+          <a:p>
+            <a:endParaRPr kumimoji="1" lang="zh-CN" altLang="en-US" dirty="0"/>
+          </a:p>
+        </p:txBody>
+      </p:sp>
+      <p:sp>
+        <p:nvSpPr>
+          <p:cNvPr id="4" name="灯片编号占位符 3"/>
+          <p:cNvSpPr>
+            <a:spLocks noGrp="1"/>
+          </p:cNvSpPr>
+          <p:nvPr>
+            <p:ph type="sldNum" sz="quarter" idx="5"/>
+          </p:nvPr>
+        </p:nvSpPr>
+        <p:spPr/>
+        <p:txBody>
+          <a:bodyPr/>
+          <a:lstStyle/>
+          <a:p>
+            <a:fld id="{9B5BD0AE-A23C-4B71-BCCA-077F02B28D69}" type="slidenum">
+              <a:rPr lang="zh-CN" altLang="en-US" smtClean="0"/>
+            </a:fld>
+            <a:endParaRPr lang="zh-CN" altLang="en-US"/>
+          </a:p>
+        </p:txBody>
+      </p:sp>
+    </p:spTree>
+  </p:cSld>
+  <p:clrMapOvr>
+    <a:masterClrMapping/>
+  </p:clrMapOvr>
+</p:notes>
+</file>
+
+<file path=ppt/notesSlides/notesSlide9.xml><?xml version="1.0" encoding="utf-8"?>
+<p:notes xmlns:a="http://schemas.openxmlformats.org/drawingml/2006/main" xmlns:r="http://schemas.openxmlformats.org/officeDocument/2006/relationships" xmlns:p="http://schemas.openxmlformats.org/presentationml/2006/main">
+  <p:cSld>
+    <p:spTree>
+      <p:nvGrpSpPr>
+        <p:cNvPr id="1" name=""/>
+        <p:cNvGrpSpPr/>
+        <p:nvPr/>
+      </p:nvGrpSpPr>
+      <p:grpSpPr>
+        <a:xfrm>
+          <a:off x="0" y="0"/>
+          <a:ext cx="0" cy="0"/>
+          <a:chOff x="0" y="0"/>
+          <a:chExt cx="0" cy="0"/>
+        </a:xfrm>
+      </p:grpSpPr>
+      <p:sp>
+        <p:nvSpPr>
+          <p:cNvPr id="2" name="幻灯片图像占位符 1"/>
+          <p:cNvSpPr>
+            <a:spLocks noGrp="1" noRot="1" noChangeAspect="1"/>
+          </p:cNvSpPr>
+          <p:nvPr>
+            <p:ph type="sldImg"/>
+          </p:nvPr>
+        </p:nvSpPr>
+        <p:spPr/>
+      </p:sp>
+      <p:sp>
+        <p:nvSpPr>
+          <p:cNvPr id="3" name="备注占位符 2"/>
+          <p:cNvSpPr>
+            <a:spLocks noGrp="1"/>
+          </p:cNvSpPr>
+          <p:nvPr>
+            <p:ph type="body" idx="1"/>
+          </p:nvPr>
+        </p:nvSpPr>
+        <p:spPr/>
+        <p:txBody>
+          <a:bodyPr/>
+          <a:lstStyle/>
+          <a:p>
+            <a:endParaRPr kumimoji="1" lang="zh-CN" altLang="en-US" dirty="0"/>
+          </a:p>
+        </p:txBody>
+      </p:sp>
+      <p:sp>
+        <p:nvSpPr>
+          <p:cNvPr id="4" name="灯片编号占位符 3"/>
+          <p:cNvSpPr>
+            <a:spLocks noGrp="1"/>
+          </p:cNvSpPr>
+          <p:nvPr>
+            <p:ph type="sldNum" sz="quarter" idx="5"/>
+          </p:nvPr>
+        </p:nvSpPr>
+        <p:spPr/>
+        <p:txBody>
+          <a:bodyPr/>
+          <a:lstStyle/>
+          <a:p>
+            <a:fld id="{9B5BD0AE-A23C-4B71-BCCA-077F02B28D69}" type="slidenum">
+              <a:rPr lang="zh-CN" altLang="en-US" smtClean="0"/>
+            </a:fld>
+            <a:endParaRPr lang="zh-CN" altLang="en-US"/>
+          </a:p>
+        </p:txBody>
+      </p:sp>
+    </p:spTree>
   </p:cSld>
   <p:clrMapOvr>
     <a:masterClrMapping/>
@@ -1313,7 +1736,6 @@
           <a:p>
             <a:fld id="{E70B94D0-8669-3144-8F8F-7E417FABCF03}" type="datetime1">
               <a:rPr lang="zh-CN" altLang="en-US" smtClean="0"/>
-              <a:t>2022/5/20</a:t>
             </a:fld>
             <a:endParaRPr lang="zh-CN" altLang="en-US"/>
           </a:p>
@@ -1363,7 +1785,6 @@
           <a:p>
             <a:fld id="{FDF96B62-0E79-44B5-BB83-6AF64255BCDF}" type="slidenum">
               <a:rPr lang="zh-CN" altLang="en-US" smtClean="0"/>
-              <a:t>‹#›</a:t>
             </a:fld>
             <a:endParaRPr lang="zh-CN" altLang="en-US"/>
           </a:p>
@@ -1437,6 +1858,7 @@
               <a:rPr lang="zh-CN" altLang="en-US"/>
               <a:t>编辑母版文本样式</a:t>
             </a:r>
+            <a:endParaRPr lang="zh-CN" altLang="en-US"/>
           </a:p>
           <a:p>
             <a:pPr lvl="1"/>
@@ -1444,6 +1866,7 @@
               <a:rPr lang="zh-CN" altLang="en-US"/>
               <a:t>第二级</a:t>
             </a:r>
+            <a:endParaRPr lang="zh-CN" altLang="en-US"/>
           </a:p>
           <a:p>
             <a:pPr lvl="2"/>
@@ -1451,6 +1874,7 @@
               <a:rPr lang="zh-CN" altLang="en-US"/>
               <a:t>第三级</a:t>
             </a:r>
+            <a:endParaRPr lang="zh-CN" altLang="en-US"/>
           </a:p>
           <a:p>
             <a:pPr lvl="3"/>
@@ -1458,6 +1882,7 @@
               <a:rPr lang="zh-CN" altLang="en-US"/>
               <a:t>第四级</a:t>
             </a:r>
+            <a:endParaRPr lang="zh-CN" altLang="en-US"/>
           </a:p>
           <a:p>
             <a:pPr lvl="4"/>
@@ -1486,7 +1911,6 @@
           <a:p>
             <a:fld id="{9A138790-0635-AB45-A5E1-65F121CC739A}" type="datetime1">
               <a:rPr lang="zh-CN" altLang="en-US" smtClean="0"/>
-              <a:t>2022/5/20</a:t>
             </a:fld>
             <a:endParaRPr lang="zh-CN" altLang="en-US"/>
           </a:p>
@@ -1536,7 +1960,6 @@
           <a:p>
             <a:fld id="{FDF96B62-0E79-44B5-BB83-6AF64255BCDF}" type="slidenum">
               <a:rPr lang="zh-CN" altLang="en-US" smtClean="0"/>
-              <a:t>‹#›</a:t>
             </a:fld>
             <a:endParaRPr lang="zh-CN" altLang="en-US"/>
           </a:p>
@@ -1620,6 +2043,7 @@
               <a:rPr lang="zh-CN" altLang="en-US"/>
               <a:t>编辑母版文本样式</a:t>
             </a:r>
+            <a:endParaRPr lang="zh-CN" altLang="en-US"/>
           </a:p>
           <a:p>
             <a:pPr lvl="1"/>
@@ -1627,6 +2051,7 @@
               <a:rPr lang="zh-CN" altLang="en-US"/>
               <a:t>第二级</a:t>
             </a:r>
+            <a:endParaRPr lang="zh-CN" altLang="en-US"/>
           </a:p>
           <a:p>
             <a:pPr lvl="2"/>
@@ -1634,6 +2059,7 @@
               <a:rPr lang="zh-CN" altLang="en-US"/>
               <a:t>第三级</a:t>
             </a:r>
+            <a:endParaRPr lang="zh-CN" altLang="en-US"/>
           </a:p>
           <a:p>
             <a:pPr lvl="3"/>
@@ -1641,6 +2067,7 @@
               <a:rPr lang="zh-CN" altLang="en-US"/>
               <a:t>第四级</a:t>
             </a:r>
+            <a:endParaRPr lang="zh-CN" altLang="en-US"/>
           </a:p>
           <a:p>
             <a:pPr lvl="4"/>
@@ -1669,7 +2096,6 @@
           <a:p>
             <a:fld id="{9B74181A-97AB-6041-9C31-2DFA4FC7EAF6}" type="datetime1">
               <a:rPr lang="zh-CN" altLang="en-US" smtClean="0"/>
-              <a:t>2022/5/20</a:t>
             </a:fld>
             <a:endParaRPr lang="zh-CN" altLang="en-US"/>
           </a:p>
@@ -1719,7 +2145,6 @@
           <a:p>
             <a:fld id="{FDF96B62-0E79-44B5-BB83-6AF64255BCDF}" type="slidenum">
               <a:rPr lang="zh-CN" altLang="en-US" smtClean="0"/>
-              <a:t>‹#›</a:t>
             </a:fld>
             <a:endParaRPr lang="zh-CN" altLang="en-US"/>
           </a:p>
@@ -1864,7 +2289,6 @@
           <a:p>
             <a:fld id="{AE35C004-D17D-B54B-96C2-C6F2C789EF49}" type="datetime1">
               <a:rPr lang="zh-CN" altLang="en-US" smtClean="0"/>
-              <a:t>2022/5/20</a:t>
             </a:fld>
             <a:endParaRPr lang="zh-CN" altLang="en-US"/>
           </a:p>
@@ -1910,18 +2334,12 @@
           <a:p>
             <a:fld id="{FDF96B62-0E79-44B5-BB83-6AF64255BCDF}" type="slidenum">
               <a:rPr lang="zh-CN" altLang="en-US" smtClean="0"/>
-              <a:t>‹#›</a:t>
             </a:fld>
             <a:endParaRPr lang="zh-CN" altLang="en-US"/>
           </a:p>
         </p:txBody>
       </p:sp>
     </p:spTree>
-    <p:extLst>
-      <p:ext uri="{BB962C8B-B14F-4D97-AF65-F5344CB8AC3E}">
-        <p14:creationId xmlns:p14="http://schemas.microsoft.com/office/powerpoint/2010/main" val="1559219109"/>
-      </p:ext>
-    </p:extLst>
   </p:cSld>
   <p:clrMapOvr>
     <a:masterClrMapping/>
@@ -1981,7 +2399,7 @@
             <a:spLocks noGrp="1"/>
           </p:cNvSpPr>
           <p:nvPr>
-            <p:ph idx="1"/>
+            <p:ph idx="1" hasCustomPrompt="1"/>
           </p:nvPr>
         </p:nvSpPr>
         <p:spPr>
@@ -1999,6 +2417,7 @@
               <a:rPr lang="zh-CN" altLang="en-US" dirty="0"/>
               <a:t>编辑母版文本样式</a:t>
             </a:r>
+            <a:endParaRPr lang="zh-CN" altLang="en-US" dirty="0"/>
           </a:p>
           <a:p>
             <a:pPr lvl="1"/>
@@ -2006,6 +2425,7 @@
               <a:rPr lang="zh-CN" altLang="en-US" dirty="0"/>
               <a:t>第二级</a:t>
             </a:r>
+            <a:endParaRPr lang="zh-CN" altLang="en-US" dirty="0"/>
           </a:p>
           <a:p>
             <a:pPr lvl="2"/>
@@ -2013,6 +2433,7 @@
               <a:rPr lang="zh-CN" altLang="en-US" dirty="0"/>
               <a:t>第三级</a:t>
             </a:r>
+            <a:endParaRPr lang="zh-CN" altLang="en-US" dirty="0"/>
           </a:p>
           <a:p>
             <a:pPr lvl="3"/>
@@ -2020,6 +2441,7 @@
               <a:rPr lang="zh-CN" altLang="en-US" dirty="0"/>
               <a:t>第四级</a:t>
             </a:r>
+            <a:endParaRPr lang="zh-CN" altLang="en-US" dirty="0"/>
           </a:p>
           <a:p>
             <a:pPr lvl="4"/>
@@ -2048,7 +2470,6 @@
           <a:p>
             <a:fld id="{3EBB2535-92C8-2247-B38D-62A0CA30BC62}" type="datetime1">
               <a:rPr lang="zh-CN" altLang="en-US" smtClean="0"/>
-              <a:t>2022/5/20</a:t>
             </a:fld>
             <a:endParaRPr lang="zh-CN" altLang="en-US"/>
           </a:p>
@@ -2094,18 +2515,12 @@
           <a:p>
             <a:fld id="{FDF96B62-0E79-44B5-BB83-6AF64255BCDF}" type="slidenum">
               <a:rPr lang="zh-CN" altLang="en-US" smtClean="0"/>
-              <a:t>‹#›</a:t>
             </a:fld>
             <a:endParaRPr lang="zh-CN" altLang="en-US"/>
           </a:p>
         </p:txBody>
       </p:sp>
     </p:spTree>
-    <p:extLst>
-      <p:ext uri="{BB962C8B-B14F-4D97-AF65-F5344CB8AC3E}">
-        <p14:creationId xmlns:p14="http://schemas.microsoft.com/office/powerpoint/2010/main" val="2366696585"/>
-      </p:ext>
-    </p:extLst>
   </p:cSld>
   <p:clrMapOvr>
     <a:masterClrMapping/>
@@ -2169,7 +2584,7 @@
             <a:spLocks noGrp="1"/>
           </p:cNvSpPr>
           <p:nvPr>
-            <p:ph type="body" idx="1"/>
+            <p:ph type="body" idx="1" hasCustomPrompt="1"/>
           </p:nvPr>
         </p:nvSpPr>
         <p:spPr>
@@ -2278,6 +2693,7 @@
               <a:rPr lang="zh-CN" altLang="en-US"/>
               <a:t>编辑母版文本样式</a:t>
             </a:r>
+            <a:endParaRPr lang="zh-CN" altLang="en-US"/>
           </a:p>
         </p:txBody>
       </p:sp>
@@ -2298,7 +2714,6 @@
           <a:p>
             <a:fld id="{37FF271B-DCC8-5349-9886-7069EDED0F48}" type="datetime1">
               <a:rPr lang="zh-CN" altLang="en-US" smtClean="0"/>
-              <a:t>2022/5/20</a:t>
             </a:fld>
             <a:endParaRPr lang="zh-CN" altLang="en-US"/>
           </a:p>
@@ -2344,18 +2759,12 @@
           <a:p>
             <a:fld id="{FDF96B62-0E79-44B5-BB83-6AF64255BCDF}" type="slidenum">
               <a:rPr lang="zh-CN" altLang="en-US" smtClean="0"/>
-              <a:t>‹#›</a:t>
             </a:fld>
             <a:endParaRPr lang="zh-CN" altLang="en-US"/>
           </a:p>
         </p:txBody>
       </p:sp>
     </p:spTree>
-    <p:extLst>
-      <p:ext uri="{BB962C8B-B14F-4D97-AF65-F5344CB8AC3E}">
-        <p14:creationId xmlns:p14="http://schemas.microsoft.com/office/powerpoint/2010/main" val="2611542778"/>
-      </p:ext>
-    </p:extLst>
   </p:cSld>
   <p:clrMapOvr>
     <a:masterClrMapping/>
@@ -2410,7 +2819,7 @@
             <a:spLocks noGrp="1"/>
           </p:cNvSpPr>
           <p:nvPr>
-            <p:ph sz="half" idx="1"/>
+            <p:ph sz="half" idx="1" hasCustomPrompt="1"/>
           </p:nvPr>
         </p:nvSpPr>
         <p:spPr>
@@ -2428,6 +2837,7 @@
               <a:rPr lang="zh-CN" altLang="en-US"/>
               <a:t>编辑母版文本样式</a:t>
             </a:r>
+            <a:endParaRPr lang="zh-CN" altLang="en-US"/>
           </a:p>
           <a:p>
             <a:pPr lvl="1"/>
@@ -2435,6 +2845,7 @@
               <a:rPr lang="zh-CN" altLang="en-US"/>
               <a:t>第二级</a:t>
             </a:r>
+            <a:endParaRPr lang="zh-CN" altLang="en-US"/>
           </a:p>
           <a:p>
             <a:pPr lvl="2"/>
@@ -2442,6 +2853,7 @@
               <a:rPr lang="zh-CN" altLang="en-US"/>
               <a:t>第三级</a:t>
             </a:r>
+            <a:endParaRPr lang="zh-CN" altLang="en-US"/>
           </a:p>
           <a:p>
             <a:pPr lvl="3"/>
@@ -2449,6 +2861,7 @@
               <a:rPr lang="zh-CN" altLang="en-US"/>
               <a:t>第四级</a:t>
             </a:r>
+            <a:endParaRPr lang="zh-CN" altLang="en-US"/>
           </a:p>
           <a:p>
             <a:pPr lvl="4"/>
@@ -2467,7 +2880,7 @@
             <a:spLocks noGrp="1"/>
           </p:cNvSpPr>
           <p:nvPr>
-            <p:ph sz="half" idx="2"/>
+            <p:ph sz="half" idx="2" hasCustomPrompt="1"/>
           </p:nvPr>
         </p:nvSpPr>
         <p:spPr>
@@ -2485,6 +2898,7 @@
               <a:rPr lang="zh-CN" altLang="en-US"/>
               <a:t>编辑母版文本样式</a:t>
             </a:r>
+            <a:endParaRPr lang="zh-CN" altLang="en-US"/>
           </a:p>
           <a:p>
             <a:pPr lvl="1"/>
@@ -2492,6 +2906,7 @@
               <a:rPr lang="zh-CN" altLang="en-US"/>
               <a:t>第二级</a:t>
             </a:r>
+            <a:endParaRPr lang="zh-CN" altLang="en-US"/>
           </a:p>
           <a:p>
             <a:pPr lvl="2"/>
@@ -2499,6 +2914,7 @@
               <a:rPr lang="zh-CN" altLang="en-US"/>
               <a:t>第三级</a:t>
             </a:r>
+            <a:endParaRPr lang="zh-CN" altLang="en-US"/>
           </a:p>
           <a:p>
             <a:pPr lvl="3"/>
@@ -2506,6 +2922,7 @@
               <a:rPr lang="zh-CN" altLang="en-US"/>
               <a:t>第四级</a:t>
             </a:r>
+            <a:endParaRPr lang="zh-CN" altLang="en-US"/>
           </a:p>
           <a:p>
             <a:pPr lvl="4"/>
@@ -2534,7 +2951,6 @@
           <a:p>
             <a:fld id="{712C3F82-2905-7747-A16D-B174DEE52523}" type="datetime1">
               <a:rPr lang="zh-CN" altLang="en-US" smtClean="0"/>
-              <a:t>2022/5/20</a:t>
             </a:fld>
             <a:endParaRPr lang="zh-CN" altLang="en-US"/>
           </a:p>
@@ -2580,18 +2996,12 @@
           <a:p>
             <a:fld id="{FDF96B62-0E79-44B5-BB83-6AF64255BCDF}" type="slidenum">
               <a:rPr lang="zh-CN" altLang="en-US" smtClean="0"/>
-              <a:t>‹#›</a:t>
             </a:fld>
             <a:endParaRPr lang="zh-CN" altLang="en-US"/>
           </a:p>
         </p:txBody>
       </p:sp>
     </p:spTree>
-    <p:extLst>
-      <p:ext uri="{BB962C8B-B14F-4D97-AF65-F5344CB8AC3E}">
-        <p14:creationId xmlns:p14="http://schemas.microsoft.com/office/powerpoint/2010/main" val="548667497"/>
-      </p:ext>
-    </p:extLst>
   </p:cSld>
   <p:clrMapOvr>
     <a:masterClrMapping/>
@@ -2651,7 +3061,7 @@
             <a:spLocks noGrp="1"/>
           </p:cNvSpPr>
           <p:nvPr>
-            <p:ph type="body" idx="1"/>
+            <p:ph type="body" idx="1" hasCustomPrompt="1"/>
           </p:nvPr>
         </p:nvSpPr>
         <p:spPr>
@@ -2706,6 +3116,7 @@
               <a:rPr lang="zh-CN" altLang="en-US"/>
               <a:t>编辑母版文本样式</a:t>
             </a:r>
+            <a:endParaRPr lang="zh-CN" altLang="en-US"/>
           </a:p>
         </p:txBody>
       </p:sp>
@@ -2716,7 +3127,7 @@
             <a:spLocks noGrp="1"/>
           </p:cNvSpPr>
           <p:nvPr>
-            <p:ph sz="half" idx="2"/>
+            <p:ph sz="half" idx="2" hasCustomPrompt="1"/>
           </p:nvPr>
         </p:nvSpPr>
         <p:spPr>
@@ -2734,6 +3145,7 @@
               <a:rPr lang="zh-CN" altLang="en-US"/>
               <a:t>编辑母版文本样式</a:t>
             </a:r>
+            <a:endParaRPr lang="zh-CN" altLang="en-US"/>
           </a:p>
           <a:p>
             <a:pPr lvl="1"/>
@@ -2741,6 +3153,7 @@
               <a:rPr lang="zh-CN" altLang="en-US"/>
               <a:t>第二级</a:t>
             </a:r>
+            <a:endParaRPr lang="zh-CN" altLang="en-US"/>
           </a:p>
           <a:p>
             <a:pPr lvl="2"/>
@@ -2748,6 +3161,7 @@
               <a:rPr lang="zh-CN" altLang="en-US"/>
               <a:t>第三级</a:t>
             </a:r>
+            <a:endParaRPr lang="zh-CN" altLang="en-US"/>
           </a:p>
           <a:p>
             <a:pPr lvl="3"/>
@@ -2755,6 +3169,7 @@
               <a:rPr lang="zh-CN" altLang="en-US"/>
               <a:t>第四级</a:t>
             </a:r>
+            <a:endParaRPr lang="zh-CN" altLang="en-US"/>
           </a:p>
           <a:p>
             <a:pPr lvl="4"/>
@@ -2773,7 +3188,7 @@
             <a:spLocks noGrp="1"/>
           </p:cNvSpPr>
           <p:nvPr>
-            <p:ph type="body" sz="quarter" idx="3"/>
+            <p:ph type="body" sz="quarter" idx="3" hasCustomPrompt="1"/>
           </p:nvPr>
         </p:nvSpPr>
         <p:spPr>
@@ -2828,6 +3243,7 @@
               <a:rPr lang="zh-CN" altLang="en-US"/>
               <a:t>编辑母版文本样式</a:t>
             </a:r>
+            <a:endParaRPr lang="zh-CN" altLang="en-US"/>
           </a:p>
         </p:txBody>
       </p:sp>
@@ -2838,7 +3254,7 @@
             <a:spLocks noGrp="1"/>
           </p:cNvSpPr>
           <p:nvPr>
-            <p:ph sz="quarter" idx="4"/>
+            <p:ph sz="quarter" idx="4" hasCustomPrompt="1"/>
           </p:nvPr>
         </p:nvSpPr>
         <p:spPr>
@@ -2856,6 +3272,7 @@
               <a:rPr lang="zh-CN" altLang="en-US"/>
               <a:t>编辑母版文本样式</a:t>
             </a:r>
+            <a:endParaRPr lang="zh-CN" altLang="en-US"/>
           </a:p>
           <a:p>
             <a:pPr lvl="1"/>
@@ -2863,6 +3280,7 @@
               <a:rPr lang="zh-CN" altLang="en-US"/>
               <a:t>第二级</a:t>
             </a:r>
+            <a:endParaRPr lang="zh-CN" altLang="en-US"/>
           </a:p>
           <a:p>
             <a:pPr lvl="2"/>
@@ -2870,6 +3288,7 @@
               <a:rPr lang="zh-CN" altLang="en-US"/>
               <a:t>第三级</a:t>
             </a:r>
+            <a:endParaRPr lang="zh-CN" altLang="en-US"/>
           </a:p>
           <a:p>
             <a:pPr lvl="3"/>
@@ -2877,6 +3296,7 @@
               <a:rPr lang="zh-CN" altLang="en-US"/>
               <a:t>第四级</a:t>
             </a:r>
+            <a:endParaRPr lang="zh-CN" altLang="en-US"/>
           </a:p>
           <a:p>
             <a:pPr lvl="4"/>
@@ -2905,7 +3325,6 @@
           <a:p>
             <a:fld id="{91E68CC6-7BA7-9944-8987-57EC298C061D}" type="datetime1">
               <a:rPr lang="zh-CN" altLang="en-US" smtClean="0"/>
-              <a:t>2022/5/20</a:t>
             </a:fld>
             <a:endParaRPr lang="zh-CN" altLang="en-US"/>
           </a:p>
@@ -2951,18 +3370,12 @@
           <a:p>
             <a:fld id="{FDF96B62-0E79-44B5-BB83-6AF64255BCDF}" type="slidenum">
               <a:rPr lang="zh-CN" altLang="en-US" smtClean="0"/>
-              <a:t>‹#›</a:t>
             </a:fld>
             <a:endParaRPr lang="zh-CN" altLang="en-US"/>
           </a:p>
         </p:txBody>
       </p:sp>
     </p:spTree>
-    <p:extLst>
-      <p:ext uri="{BB962C8B-B14F-4D97-AF65-F5344CB8AC3E}">
-        <p14:creationId xmlns:p14="http://schemas.microsoft.com/office/powerpoint/2010/main" val="1349511629"/>
-      </p:ext>
-    </p:extLst>
   </p:cSld>
   <p:clrMapOvr>
     <a:masterClrMapping/>
@@ -3027,7 +3440,6 @@
           <a:p>
             <a:fld id="{4A7F96D5-8463-1E46-91DD-3FBC72B92AF1}" type="datetime1">
               <a:rPr lang="zh-CN" altLang="en-US" smtClean="0"/>
-              <a:t>2022/5/20</a:t>
             </a:fld>
             <a:endParaRPr lang="zh-CN" altLang="en-US"/>
           </a:p>
@@ -3073,18 +3485,12 @@
           <a:p>
             <a:fld id="{FDF96B62-0E79-44B5-BB83-6AF64255BCDF}" type="slidenum">
               <a:rPr lang="zh-CN" altLang="en-US" smtClean="0"/>
-              <a:t>‹#›</a:t>
             </a:fld>
             <a:endParaRPr lang="zh-CN" altLang="en-US"/>
           </a:p>
         </p:txBody>
       </p:sp>
     </p:spTree>
-    <p:extLst>
-      <p:ext uri="{BB962C8B-B14F-4D97-AF65-F5344CB8AC3E}">
-        <p14:creationId xmlns:p14="http://schemas.microsoft.com/office/powerpoint/2010/main" val="748689661"/>
-      </p:ext>
-    </p:extLst>
   </p:cSld>
   <p:clrMapOvr>
     <a:masterClrMapping/>
@@ -3126,7 +3532,6 @@
           <a:p>
             <a:fld id="{CB95B7B2-6606-254B-A2B7-D0F29E379D18}" type="datetime1">
               <a:rPr lang="zh-CN" altLang="en-US" smtClean="0"/>
-              <a:t>2022/5/20</a:t>
             </a:fld>
             <a:endParaRPr lang="zh-CN" altLang="en-US"/>
           </a:p>
@@ -3172,18 +3577,12 @@
           <a:p>
             <a:fld id="{FDF96B62-0E79-44B5-BB83-6AF64255BCDF}" type="slidenum">
               <a:rPr lang="zh-CN" altLang="en-US" smtClean="0"/>
-              <a:t>‹#›</a:t>
             </a:fld>
             <a:endParaRPr lang="zh-CN" altLang="en-US"/>
           </a:p>
         </p:txBody>
       </p:sp>
     </p:spTree>
-    <p:extLst>
-      <p:ext uri="{BB962C8B-B14F-4D97-AF65-F5344CB8AC3E}">
-        <p14:creationId xmlns:p14="http://schemas.microsoft.com/office/powerpoint/2010/main" val="33282063"/>
-      </p:ext>
-    </p:extLst>
   </p:cSld>
   <p:clrMapOvr>
     <a:masterClrMapping/>
@@ -3247,7 +3646,7 @@
             <a:spLocks noGrp="1"/>
           </p:cNvSpPr>
           <p:nvPr>
-            <p:ph idx="1"/>
+            <p:ph idx="1" hasCustomPrompt="1"/>
           </p:nvPr>
         </p:nvSpPr>
         <p:spPr>
@@ -3293,6 +3692,7 @@
               <a:rPr lang="zh-CN" altLang="en-US"/>
               <a:t>编辑母版文本样式</a:t>
             </a:r>
+            <a:endParaRPr lang="zh-CN" altLang="en-US"/>
           </a:p>
           <a:p>
             <a:pPr lvl="1"/>
@@ -3300,6 +3700,7 @@
               <a:rPr lang="zh-CN" altLang="en-US"/>
               <a:t>第二级</a:t>
             </a:r>
+            <a:endParaRPr lang="zh-CN" altLang="en-US"/>
           </a:p>
           <a:p>
             <a:pPr lvl="2"/>
@@ -3307,6 +3708,7 @@
               <a:rPr lang="zh-CN" altLang="en-US"/>
               <a:t>第三级</a:t>
             </a:r>
+            <a:endParaRPr lang="zh-CN" altLang="en-US"/>
           </a:p>
           <a:p>
             <a:pPr lvl="3"/>
@@ -3314,6 +3716,7 @@
               <a:rPr lang="zh-CN" altLang="en-US"/>
               <a:t>第四级</a:t>
             </a:r>
+            <a:endParaRPr lang="zh-CN" altLang="en-US"/>
           </a:p>
           <a:p>
             <a:pPr lvl="4"/>
@@ -3332,7 +3735,7 @@
             <a:spLocks noGrp="1"/>
           </p:cNvSpPr>
           <p:nvPr>
-            <p:ph type="body" sz="half" idx="2"/>
+            <p:ph type="body" sz="half" idx="2" hasCustomPrompt="1"/>
           </p:nvPr>
         </p:nvSpPr>
         <p:spPr>
@@ -3387,6 +3790,7 @@
               <a:rPr lang="zh-CN" altLang="en-US"/>
               <a:t>编辑母版文本样式</a:t>
             </a:r>
+            <a:endParaRPr lang="zh-CN" altLang="en-US"/>
           </a:p>
         </p:txBody>
       </p:sp>
@@ -3407,7 +3811,6 @@
           <a:p>
             <a:fld id="{AB178173-A751-DA48-A069-E717F01103DD}" type="datetime1">
               <a:rPr lang="zh-CN" altLang="en-US" smtClean="0"/>
-              <a:t>2022/5/20</a:t>
             </a:fld>
             <a:endParaRPr lang="zh-CN" altLang="en-US"/>
           </a:p>
@@ -3453,18 +3856,12 @@
           <a:p>
             <a:fld id="{FDF96B62-0E79-44B5-BB83-6AF64255BCDF}" type="slidenum">
               <a:rPr lang="zh-CN" altLang="en-US" smtClean="0"/>
-              <a:t>‹#›</a:t>
             </a:fld>
             <a:endParaRPr lang="zh-CN" altLang="en-US"/>
           </a:p>
         </p:txBody>
       </p:sp>
     </p:spTree>
-    <p:extLst>
-      <p:ext uri="{BB962C8B-B14F-4D97-AF65-F5344CB8AC3E}">
-        <p14:creationId xmlns:p14="http://schemas.microsoft.com/office/powerpoint/2010/main" val="653416002"/>
-      </p:ext>
-    </p:extLst>
   </p:cSld>
   <p:clrMapOvr>
     <a:masterClrMapping/>
@@ -3542,6 +3939,7 @@
               <a:rPr lang="zh-CN" altLang="en-US" dirty="0"/>
               <a:t>编辑母版文本样式</a:t>
             </a:r>
+            <a:endParaRPr lang="zh-CN" altLang="en-US" dirty="0"/>
           </a:p>
           <a:p>
             <a:pPr lvl="1"/>
@@ -3549,6 +3947,7 @@
               <a:rPr lang="zh-CN" altLang="en-US" dirty="0"/>
               <a:t>第二级</a:t>
             </a:r>
+            <a:endParaRPr lang="zh-CN" altLang="en-US" dirty="0"/>
           </a:p>
           <a:p>
             <a:pPr lvl="2"/>
@@ -3556,6 +3955,7 @@
               <a:rPr lang="zh-CN" altLang="en-US" dirty="0"/>
               <a:t>第三级</a:t>
             </a:r>
+            <a:endParaRPr lang="zh-CN" altLang="en-US" dirty="0"/>
           </a:p>
           <a:p>
             <a:pPr lvl="3"/>
@@ -3563,6 +3963,7 @@
               <a:rPr lang="zh-CN" altLang="en-US" dirty="0"/>
               <a:t>第四级</a:t>
             </a:r>
+            <a:endParaRPr lang="zh-CN" altLang="en-US" dirty="0"/>
           </a:p>
           <a:p>
             <a:pPr lvl="4"/>
@@ -3591,7 +3992,6 @@
           <a:p>
             <a:fld id="{BAA9370E-DE07-DD4A-B38D-E6CAB0058F61}" type="datetime1">
               <a:rPr lang="zh-CN" altLang="en-US" smtClean="0"/>
-              <a:t>2022/5/20</a:t>
             </a:fld>
             <a:endParaRPr lang="zh-CN" altLang="en-US"/>
           </a:p>
@@ -3641,7 +4041,6 @@
           <a:p>
             <a:fld id="{FDF96B62-0E79-44B5-BB83-6AF64255BCDF}" type="slidenum">
               <a:rPr lang="zh-CN" altLang="en-US" smtClean="0"/>
-              <a:t>‹#›</a:t>
             </a:fld>
             <a:endParaRPr lang="zh-CN" altLang="en-US"/>
           </a:p>
@@ -3776,7 +4175,7 @@
             <a:spLocks noGrp="1"/>
           </p:cNvSpPr>
           <p:nvPr>
-            <p:ph type="body" sz="half" idx="2"/>
+            <p:ph type="body" sz="half" idx="2" hasCustomPrompt="1"/>
           </p:nvPr>
         </p:nvSpPr>
         <p:spPr>
@@ -3831,6 +4230,7 @@
               <a:rPr lang="zh-CN" altLang="en-US"/>
               <a:t>编辑母版文本样式</a:t>
             </a:r>
+            <a:endParaRPr lang="zh-CN" altLang="en-US"/>
           </a:p>
         </p:txBody>
       </p:sp>
@@ -3851,7 +4251,6 @@
           <a:p>
             <a:fld id="{4694F919-6FBD-C142-8F2C-E6305D9A5890}" type="datetime1">
               <a:rPr lang="zh-CN" altLang="en-US" smtClean="0"/>
-              <a:t>2022/5/20</a:t>
             </a:fld>
             <a:endParaRPr lang="zh-CN" altLang="en-US"/>
           </a:p>
@@ -3897,18 +4296,12 @@
           <a:p>
             <a:fld id="{FDF96B62-0E79-44B5-BB83-6AF64255BCDF}" type="slidenum">
               <a:rPr lang="zh-CN" altLang="en-US" smtClean="0"/>
-              <a:t>‹#›</a:t>
             </a:fld>
             <a:endParaRPr lang="zh-CN" altLang="en-US"/>
           </a:p>
         </p:txBody>
       </p:sp>
     </p:spTree>
-    <p:extLst>
-      <p:ext uri="{BB962C8B-B14F-4D97-AF65-F5344CB8AC3E}">
-        <p14:creationId xmlns:p14="http://schemas.microsoft.com/office/powerpoint/2010/main" val="1562817581"/>
-      </p:ext>
-    </p:extLst>
   </p:cSld>
   <p:clrMapOvr>
     <a:masterClrMapping/>
@@ -3963,7 +4356,7 @@
             <a:spLocks noGrp="1"/>
           </p:cNvSpPr>
           <p:nvPr>
-            <p:ph type="body" orient="vert" idx="1"/>
+            <p:ph type="body" orient="vert" idx="1" hasCustomPrompt="1"/>
           </p:nvPr>
         </p:nvSpPr>
         <p:spPr/>
@@ -3976,6 +4369,7 @@
               <a:rPr lang="zh-CN" altLang="en-US"/>
               <a:t>编辑母版文本样式</a:t>
             </a:r>
+            <a:endParaRPr lang="zh-CN" altLang="en-US"/>
           </a:p>
           <a:p>
             <a:pPr lvl="1"/>
@@ -3983,6 +4377,7 @@
               <a:rPr lang="zh-CN" altLang="en-US"/>
               <a:t>第二级</a:t>
             </a:r>
+            <a:endParaRPr lang="zh-CN" altLang="en-US"/>
           </a:p>
           <a:p>
             <a:pPr lvl="2"/>
@@ -3990,6 +4385,7 @@
               <a:rPr lang="zh-CN" altLang="en-US"/>
               <a:t>第三级</a:t>
             </a:r>
+            <a:endParaRPr lang="zh-CN" altLang="en-US"/>
           </a:p>
           <a:p>
             <a:pPr lvl="3"/>
@@ -3997,6 +4393,7 @@
               <a:rPr lang="zh-CN" altLang="en-US"/>
               <a:t>第四级</a:t>
             </a:r>
+            <a:endParaRPr lang="zh-CN" altLang="en-US"/>
           </a:p>
           <a:p>
             <a:pPr lvl="4"/>
@@ -4025,7 +4422,6 @@
           <a:p>
             <a:fld id="{8586F5E5-D62E-8C4C-80A7-DC6A20CFF73F}" type="datetime1">
               <a:rPr lang="zh-CN" altLang="en-US" smtClean="0"/>
-              <a:t>2022/5/20</a:t>
             </a:fld>
             <a:endParaRPr lang="zh-CN" altLang="en-US"/>
           </a:p>
@@ -4071,18 +4467,12 @@
           <a:p>
             <a:fld id="{FDF96B62-0E79-44B5-BB83-6AF64255BCDF}" type="slidenum">
               <a:rPr lang="zh-CN" altLang="en-US" smtClean="0"/>
-              <a:t>‹#›</a:t>
             </a:fld>
             <a:endParaRPr lang="zh-CN" altLang="en-US"/>
           </a:p>
         </p:txBody>
       </p:sp>
     </p:spTree>
-    <p:extLst>
-      <p:ext uri="{BB962C8B-B14F-4D97-AF65-F5344CB8AC3E}">
-        <p14:creationId xmlns:p14="http://schemas.microsoft.com/office/powerpoint/2010/main" val="3080640312"/>
-      </p:ext>
-    </p:extLst>
   </p:cSld>
   <p:clrMapOvr>
     <a:masterClrMapping/>
@@ -4142,7 +4532,7 @@
             <a:spLocks noGrp="1"/>
           </p:cNvSpPr>
           <p:nvPr>
-            <p:ph type="body" orient="vert" idx="1"/>
+            <p:ph type="body" orient="vert" idx="1" hasCustomPrompt="1"/>
           </p:nvPr>
         </p:nvSpPr>
         <p:spPr>
@@ -4160,6 +4550,7 @@
               <a:rPr lang="zh-CN" altLang="en-US"/>
               <a:t>编辑母版文本样式</a:t>
             </a:r>
+            <a:endParaRPr lang="zh-CN" altLang="en-US"/>
           </a:p>
           <a:p>
             <a:pPr lvl="1"/>
@@ -4167,6 +4558,7 @@
               <a:rPr lang="zh-CN" altLang="en-US"/>
               <a:t>第二级</a:t>
             </a:r>
+            <a:endParaRPr lang="zh-CN" altLang="en-US"/>
           </a:p>
           <a:p>
             <a:pPr lvl="2"/>
@@ -4174,6 +4566,7 @@
               <a:rPr lang="zh-CN" altLang="en-US"/>
               <a:t>第三级</a:t>
             </a:r>
+            <a:endParaRPr lang="zh-CN" altLang="en-US"/>
           </a:p>
           <a:p>
             <a:pPr lvl="3"/>
@@ -4181,6 +4574,7 @@
               <a:rPr lang="zh-CN" altLang="en-US"/>
               <a:t>第四级</a:t>
             </a:r>
+            <a:endParaRPr lang="zh-CN" altLang="en-US"/>
           </a:p>
           <a:p>
             <a:pPr lvl="4"/>
@@ -4209,7 +4603,6 @@
           <a:p>
             <a:fld id="{6288AAD8-9F88-BB42-8E19-795696907463}" type="datetime1">
               <a:rPr lang="zh-CN" altLang="en-US" smtClean="0"/>
-              <a:t>2022/5/20</a:t>
             </a:fld>
             <a:endParaRPr lang="zh-CN" altLang="en-US"/>
           </a:p>
@@ -4255,18 +4648,12 @@
           <a:p>
             <a:fld id="{FDF96B62-0E79-44B5-BB83-6AF64255BCDF}" type="slidenum">
               <a:rPr lang="zh-CN" altLang="en-US" smtClean="0"/>
-              <a:t>‹#›</a:t>
             </a:fld>
             <a:endParaRPr lang="zh-CN" altLang="en-US"/>
           </a:p>
         </p:txBody>
       </p:sp>
     </p:spTree>
-    <p:extLst>
-      <p:ext uri="{BB962C8B-B14F-4D97-AF65-F5344CB8AC3E}">
-        <p14:creationId xmlns:p14="http://schemas.microsoft.com/office/powerpoint/2010/main" val="3207577510"/>
-      </p:ext>
-    </p:extLst>
   </p:cSld>
   <p:clrMapOvr>
     <a:masterClrMapping/>
@@ -4439,6 +4826,7 @@
               <a:rPr lang="zh-CN" altLang="en-US"/>
               <a:t>编辑母版文本样式</a:t>
             </a:r>
+            <a:endParaRPr lang="zh-CN" altLang="en-US"/>
           </a:p>
         </p:txBody>
       </p:sp>
@@ -4459,7 +4847,6 @@
           <a:p>
             <a:fld id="{D317B37F-08A2-7746-8DEF-B3AC4494F5B4}" type="datetime1">
               <a:rPr lang="zh-CN" altLang="en-US" smtClean="0"/>
-              <a:t>2022/5/20</a:t>
             </a:fld>
             <a:endParaRPr lang="zh-CN" altLang="en-US"/>
           </a:p>
@@ -4509,7 +4896,6 @@
           <a:p>
             <a:fld id="{FDF96B62-0E79-44B5-BB83-6AF64255BCDF}" type="slidenum">
               <a:rPr lang="zh-CN" altLang="en-US" smtClean="0"/>
-              <a:t>‹#›</a:t>
             </a:fld>
             <a:endParaRPr lang="zh-CN" altLang="en-US"/>
           </a:p>
@@ -4588,6 +4974,7 @@
               <a:rPr lang="zh-CN" altLang="en-US"/>
               <a:t>编辑母版文本样式</a:t>
             </a:r>
+            <a:endParaRPr lang="zh-CN" altLang="en-US"/>
           </a:p>
           <a:p>
             <a:pPr lvl="1"/>
@@ -4595,6 +4982,7 @@
               <a:rPr lang="zh-CN" altLang="en-US"/>
               <a:t>第二级</a:t>
             </a:r>
+            <a:endParaRPr lang="zh-CN" altLang="en-US"/>
           </a:p>
           <a:p>
             <a:pPr lvl="2"/>
@@ -4602,6 +4990,7 @@
               <a:rPr lang="zh-CN" altLang="en-US"/>
               <a:t>第三级</a:t>
             </a:r>
+            <a:endParaRPr lang="zh-CN" altLang="en-US"/>
           </a:p>
           <a:p>
             <a:pPr lvl="3"/>
@@ -4609,6 +4998,7 @@
               <a:rPr lang="zh-CN" altLang="en-US"/>
               <a:t>第四级</a:t>
             </a:r>
+            <a:endParaRPr lang="zh-CN" altLang="en-US"/>
           </a:p>
           <a:p>
             <a:pPr lvl="4"/>
@@ -4645,6 +5035,7 @@
               <a:rPr lang="zh-CN" altLang="en-US"/>
               <a:t>编辑母版文本样式</a:t>
             </a:r>
+            <a:endParaRPr lang="zh-CN" altLang="en-US"/>
           </a:p>
           <a:p>
             <a:pPr lvl="1"/>
@@ -4652,6 +5043,7 @@
               <a:rPr lang="zh-CN" altLang="en-US"/>
               <a:t>第二级</a:t>
             </a:r>
+            <a:endParaRPr lang="zh-CN" altLang="en-US"/>
           </a:p>
           <a:p>
             <a:pPr lvl="2"/>
@@ -4659,6 +5051,7 @@
               <a:rPr lang="zh-CN" altLang="en-US"/>
               <a:t>第三级</a:t>
             </a:r>
+            <a:endParaRPr lang="zh-CN" altLang="en-US"/>
           </a:p>
           <a:p>
             <a:pPr lvl="3"/>
@@ -4666,6 +5059,7 @@
               <a:rPr lang="zh-CN" altLang="en-US"/>
               <a:t>第四级</a:t>
             </a:r>
+            <a:endParaRPr lang="zh-CN" altLang="en-US"/>
           </a:p>
           <a:p>
             <a:pPr lvl="4"/>
@@ -4694,7 +5088,6 @@
           <a:p>
             <a:fld id="{9E90F113-CFE5-954D-A440-E38AD8C4218A}" type="datetime1">
               <a:rPr lang="zh-CN" altLang="en-US" smtClean="0"/>
-              <a:t>2022/5/20</a:t>
             </a:fld>
             <a:endParaRPr lang="zh-CN" altLang="en-US"/>
           </a:p>
@@ -4744,7 +5137,6 @@
           <a:p>
             <a:fld id="{FDF96B62-0E79-44B5-BB83-6AF64255BCDF}" type="slidenum">
               <a:rPr lang="zh-CN" altLang="en-US" smtClean="0"/>
-              <a:t>‹#›</a:t>
             </a:fld>
             <a:endParaRPr lang="zh-CN" altLang="en-US"/>
           </a:p>
@@ -4865,6 +5257,7 @@
               <a:rPr lang="zh-CN" altLang="en-US"/>
               <a:t>编辑母版文本样式</a:t>
             </a:r>
+            <a:endParaRPr lang="zh-CN" altLang="en-US"/>
           </a:p>
         </p:txBody>
       </p:sp>
@@ -4893,6 +5286,7 @@
               <a:rPr lang="zh-CN" altLang="en-US"/>
               <a:t>编辑母版文本样式</a:t>
             </a:r>
+            <a:endParaRPr lang="zh-CN" altLang="en-US"/>
           </a:p>
           <a:p>
             <a:pPr lvl="1"/>
@@ -4900,6 +5294,7 @@
               <a:rPr lang="zh-CN" altLang="en-US"/>
               <a:t>第二级</a:t>
             </a:r>
+            <a:endParaRPr lang="zh-CN" altLang="en-US"/>
           </a:p>
           <a:p>
             <a:pPr lvl="2"/>
@@ -4907,6 +5302,7 @@
               <a:rPr lang="zh-CN" altLang="en-US"/>
               <a:t>第三级</a:t>
             </a:r>
+            <a:endParaRPr lang="zh-CN" altLang="en-US"/>
           </a:p>
           <a:p>
             <a:pPr lvl="3"/>
@@ -4914,6 +5310,7 @@
               <a:rPr lang="zh-CN" altLang="en-US"/>
               <a:t>第四级</a:t>
             </a:r>
+            <a:endParaRPr lang="zh-CN" altLang="en-US"/>
           </a:p>
           <a:p>
             <a:pPr lvl="4"/>
@@ -4987,6 +5384,7 @@
               <a:rPr lang="zh-CN" altLang="en-US"/>
               <a:t>编辑母版文本样式</a:t>
             </a:r>
+            <a:endParaRPr lang="zh-CN" altLang="en-US"/>
           </a:p>
         </p:txBody>
       </p:sp>
@@ -5015,6 +5413,7 @@
               <a:rPr lang="zh-CN" altLang="en-US"/>
               <a:t>编辑母版文本样式</a:t>
             </a:r>
+            <a:endParaRPr lang="zh-CN" altLang="en-US"/>
           </a:p>
           <a:p>
             <a:pPr lvl="1"/>
@@ -5022,6 +5421,7 @@
               <a:rPr lang="zh-CN" altLang="en-US"/>
               <a:t>第二级</a:t>
             </a:r>
+            <a:endParaRPr lang="zh-CN" altLang="en-US"/>
           </a:p>
           <a:p>
             <a:pPr lvl="2"/>
@@ -5029,6 +5429,7 @@
               <a:rPr lang="zh-CN" altLang="en-US"/>
               <a:t>第三级</a:t>
             </a:r>
+            <a:endParaRPr lang="zh-CN" altLang="en-US"/>
           </a:p>
           <a:p>
             <a:pPr lvl="3"/>
@@ -5036,6 +5437,7 @@
               <a:rPr lang="zh-CN" altLang="en-US"/>
               <a:t>第四级</a:t>
             </a:r>
+            <a:endParaRPr lang="zh-CN" altLang="en-US"/>
           </a:p>
           <a:p>
             <a:pPr lvl="4"/>
@@ -5064,7 +5466,6 @@
           <a:p>
             <a:fld id="{68EE6AB5-EF09-F849-A751-14F085AF4172}" type="datetime1">
               <a:rPr lang="zh-CN" altLang="en-US" smtClean="0"/>
-              <a:t>2022/5/20</a:t>
             </a:fld>
             <a:endParaRPr lang="zh-CN" altLang="en-US"/>
           </a:p>
@@ -5114,7 +5515,6 @@
           <a:p>
             <a:fld id="{FDF96B62-0E79-44B5-BB83-6AF64255BCDF}" type="slidenum">
               <a:rPr lang="zh-CN" altLang="en-US" smtClean="0"/>
-              <a:t>‹#›</a:t>
             </a:fld>
             <a:endParaRPr lang="zh-CN" altLang="en-US"/>
           </a:p>
@@ -5185,7 +5585,6 @@
           <a:p>
             <a:fld id="{7858033E-7846-1348-853E-744730C39C0B}" type="datetime1">
               <a:rPr lang="zh-CN" altLang="en-US" smtClean="0"/>
-              <a:t>2022/5/20</a:t>
             </a:fld>
             <a:endParaRPr lang="zh-CN" altLang="en-US"/>
           </a:p>
@@ -5235,7 +5634,6 @@
           <a:p>
             <a:fld id="{FDF96B62-0E79-44B5-BB83-6AF64255BCDF}" type="slidenum">
               <a:rPr lang="zh-CN" altLang="en-US" smtClean="0"/>
-              <a:t>‹#›</a:t>
             </a:fld>
             <a:endParaRPr lang="zh-CN" altLang="en-US"/>
           </a:p>
@@ -5283,7 +5681,6 @@
           <a:p>
             <a:fld id="{8B8BBE74-3B01-E24A-82CE-02914419C28D}" type="datetime1">
               <a:rPr lang="zh-CN" altLang="en-US" smtClean="0"/>
-              <a:t>2022/5/20</a:t>
             </a:fld>
             <a:endParaRPr lang="zh-CN" altLang="en-US"/>
           </a:p>
@@ -5333,7 +5730,6 @@
           <a:p>
             <a:fld id="{FDF96B62-0E79-44B5-BB83-6AF64255BCDF}" type="slidenum">
               <a:rPr lang="zh-CN" altLang="en-US" smtClean="0"/>
-              <a:t>‹#›</a:t>
             </a:fld>
             <a:endParaRPr lang="zh-CN" altLang="en-US"/>
           </a:p>
@@ -5449,6 +5845,7 @@
               <a:rPr lang="zh-CN" altLang="en-US"/>
               <a:t>编辑母版文本样式</a:t>
             </a:r>
+            <a:endParaRPr lang="zh-CN" altLang="en-US"/>
           </a:p>
           <a:p>
             <a:pPr lvl="1"/>
@@ -5456,6 +5853,7 @@
               <a:rPr lang="zh-CN" altLang="en-US"/>
               <a:t>第二级</a:t>
             </a:r>
+            <a:endParaRPr lang="zh-CN" altLang="en-US"/>
           </a:p>
           <a:p>
             <a:pPr lvl="2"/>
@@ -5463,6 +5861,7 @@
               <a:rPr lang="zh-CN" altLang="en-US"/>
               <a:t>第三级</a:t>
             </a:r>
+            <a:endParaRPr lang="zh-CN" altLang="en-US"/>
           </a:p>
           <a:p>
             <a:pPr lvl="3"/>
@@ -5470,6 +5869,7 @@
               <a:rPr lang="zh-CN" altLang="en-US"/>
               <a:t>第四级</a:t>
             </a:r>
+            <a:endParaRPr lang="zh-CN" altLang="en-US"/>
           </a:p>
           <a:p>
             <a:pPr lvl="4"/>
@@ -5543,6 +5943,7 @@
               <a:rPr lang="zh-CN" altLang="en-US"/>
               <a:t>编辑母版文本样式</a:t>
             </a:r>
+            <a:endParaRPr lang="zh-CN" altLang="en-US"/>
           </a:p>
         </p:txBody>
       </p:sp>
@@ -5563,7 +5964,6 @@
           <a:p>
             <a:fld id="{F1B2DA5A-0669-1D45-8E3C-43C5E43832BB}" type="datetime1">
               <a:rPr lang="zh-CN" altLang="en-US" smtClean="0"/>
-              <a:t>2022/5/20</a:t>
             </a:fld>
             <a:endParaRPr lang="zh-CN" altLang="en-US"/>
           </a:p>
@@ -5613,7 +6013,6 @@
           <a:p>
             <a:fld id="{FDF96B62-0E79-44B5-BB83-6AF64255BCDF}" type="slidenum">
               <a:rPr lang="zh-CN" altLang="en-US" smtClean="0"/>
-              <a:t>‹#›</a:t>
             </a:fld>
             <a:endParaRPr lang="zh-CN" altLang="en-US"/>
           </a:p>
@@ -5803,6 +6202,7 @@
               <a:rPr lang="zh-CN" altLang="en-US"/>
               <a:t>编辑母版文本样式</a:t>
             </a:r>
+            <a:endParaRPr lang="zh-CN" altLang="en-US"/>
           </a:p>
         </p:txBody>
       </p:sp>
@@ -5823,7 +6223,6 @@
           <a:p>
             <a:fld id="{8AB72C7D-9599-3447-A0C3-D20A2E973329}" type="datetime1">
               <a:rPr lang="zh-CN" altLang="en-US" smtClean="0"/>
-              <a:t>2022/5/20</a:t>
             </a:fld>
             <a:endParaRPr lang="zh-CN" altLang="en-US"/>
           </a:p>
@@ -5873,7 +6272,6 @@
           <a:p>
             <a:fld id="{FDF96B62-0E79-44B5-BB83-6AF64255BCDF}" type="slidenum">
               <a:rPr lang="zh-CN" altLang="en-US" smtClean="0"/>
-              <a:t>‹#›</a:t>
             </a:fld>
             <a:endParaRPr lang="zh-CN" altLang="en-US"/>
           </a:p>
@@ -5939,6 +6337,7 @@
               <a:rPr lang="zh-CN" altLang="en-US" dirty="0"/>
               <a:t>编辑母版文本样式</a:t>
             </a:r>
+            <a:endParaRPr lang="zh-CN" altLang="en-US" dirty="0"/>
           </a:p>
           <a:p>
             <a:pPr lvl="1"/>
@@ -5946,6 +6345,7 @@
               <a:rPr lang="zh-CN" altLang="en-US" dirty="0"/>
               <a:t>第二级</a:t>
             </a:r>
+            <a:endParaRPr lang="zh-CN" altLang="en-US" dirty="0"/>
           </a:p>
           <a:p>
             <a:pPr lvl="2"/>
@@ -5953,6 +6353,7 @@
               <a:rPr lang="zh-CN" altLang="en-US" dirty="0"/>
               <a:t>第三级</a:t>
             </a:r>
+            <a:endParaRPr lang="zh-CN" altLang="en-US" dirty="0"/>
           </a:p>
           <a:p>
             <a:pPr lvl="3"/>
@@ -5960,6 +6361,7 @@
               <a:rPr lang="zh-CN" altLang="en-US" dirty="0"/>
               <a:t>第四级</a:t>
             </a:r>
+            <a:endParaRPr lang="zh-CN" altLang="en-US" dirty="0"/>
           </a:p>
           <a:p>
             <a:pPr lvl="4"/>
@@ -6006,7 +6408,6 @@
           <a:p>
             <a:fld id="{A27718E6-9B64-594A-9B66-41458BBD2978}" type="datetime1">
               <a:rPr lang="zh-CN" altLang="en-US" smtClean="0"/>
-              <a:t>2022/5/20</a:t>
             </a:fld>
             <a:endParaRPr lang="zh-CN" altLang="en-US"/>
           </a:p>
@@ -6092,7 +6493,6 @@
           <a:p>
             <a:fld id="{FDF96B62-0E79-44B5-BB83-6AF64255BCDF}" type="slidenum">
               <a:rPr lang="zh-CN" altLang="en-US" smtClean="0"/>
-              <a:t>‹#›</a:t>
             </a:fld>
             <a:endParaRPr lang="zh-CN" altLang="en-US"/>
           </a:p>
@@ -6529,6 +6929,7 @@
               <a:rPr lang="zh-CN" altLang="en-US" dirty="0"/>
               <a:t>编辑母版文本样式</a:t>
             </a:r>
+            <a:endParaRPr lang="zh-CN" altLang="en-US" dirty="0"/>
           </a:p>
           <a:p>
             <a:pPr lvl="1"/>
@@ -6536,6 +6937,7 @@
               <a:rPr lang="zh-CN" altLang="en-US" dirty="0"/>
               <a:t>第二级</a:t>
             </a:r>
+            <a:endParaRPr lang="zh-CN" altLang="en-US" dirty="0"/>
           </a:p>
           <a:p>
             <a:pPr lvl="2"/>
@@ -6543,6 +6945,7 @@
               <a:rPr lang="zh-CN" altLang="en-US" dirty="0"/>
               <a:t>第三级</a:t>
             </a:r>
+            <a:endParaRPr lang="zh-CN" altLang="en-US" dirty="0"/>
           </a:p>
           <a:p>
             <a:pPr lvl="3"/>
@@ -6550,6 +6953,7 @@
               <a:rPr lang="zh-CN" altLang="en-US" dirty="0"/>
               <a:t>第四级</a:t>
             </a:r>
+            <a:endParaRPr lang="zh-CN" altLang="en-US" dirty="0"/>
           </a:p>
           <a:p>
             <a:pPr lvl="4"/>
@@ -6596,7 +7000,6 @@
           <a:p>
             <a:fld id="{0BE220D3-40F9-554C-9DEE-C65EEB85D70E}" type="datetime1">
               <a:rPr lang="zh-CN" altLang="en-US" smtClean="0"/>
-              <a:t>2022/5/20</a:t>
             </a:fld>
             <a:endParaRPr lang="zh-CN" altLang="en-US"/>
           </a:p>
@@ -6678,7 +7081,6 @@
           <a:p>
             <a:fld id="{FDF96B62-0E79-44B5-BB83-6AF64255BCDF}" type="slidenum">
               <a:rPr lang="zh-CN" altLang="en-US" smtClean="0"/>
-              <a:t>‹#›</a:t>
             </a:fld>
             <a:endParaRPr lang="zh-CN" altLang="en-US"/>
           </a:p>
@@ -6686,13 +7088,7 @@
       </p:sp>
       <p:sp>
         <p:nvSpPr>
-          <p:cNvPr id="10" name="矩形 9">
-            <a:extLst>
-              <a:ext uri="{FF2B5EF4-FFF2-40B4-BE49-F238E27FC236}">
-                <a16:creationId xmlns:a16="http://schemas.microsoft.com/office/drawing/2014/main" id="{40EE09A4-CE3E-480A-AC66-079689428D15}"/>
-              </a:ext>
-            </a:extLst>
-          </p:cNvPr>
+          <p:cNvPr id="10" name="矩形 9"/>
           <p:cNvSpPr/>
           <p:nvPr userDrawn="1"/>
         </p:nvSpPr>
@@ -6770,11 +7166,6 @@
         </p:txBody>
       </p:sp>
     </p:spTree>
-    <p:extLst>
-      <p:ext uri="{BB962C8B-B14F-4D97-AF65-F5344CB8AC3E}">
-        <p14:creationId xmlns:p14="http://schemas.microsoft.com/office/powerpoint/2010/main" val="4179094324"/>
-      </p:ext>
-    </p:extLst>
   </p:cSld>
   <p:clrMap bg1="lt1" tx1="dk1" bg2="lt2" tx2="dk2" accent1="accent1" accent2="accent2" accent3="accent3" accent4="accent4" accent5="accent5" accent6="accent6" hlink="hlink" folHlink="folHlink"/>
   <p:sldLayoutIdLst>
@@ -7093,6 +7484,1710 @@
       </p:grpSpPr>
       <p:sp>
         <p:nvSpPr>
+          <p:cNvPr id="14" name="矩形 13"/>
+          <p:cNvSpPr/>
+          <p:nvPr/>
+        </p:nvSpPr>
+        <p:spPr>
+          <a:xfrm>
+            <a:off x="0" y="-42530"/>
+            <a:ext cx="12192000" cy="4609214"/>
+          </a:xfrm>
+          <a:prstGeom prst="rect">
+            <a:avLst/>
+          </a:prstGeom>
+          <a:solidFill>
+            <a:srgbClr val="5F1051"/>
+          </a:solidFill>
+          <a:ln>
+            <a:noFill/>
+          </a:ln>
+        </p:spPr>
+        <p:style>
+          <a:lnRef idx="2">
+            <a:schemeClr val="accent1">
+              <a:shade val="50000"/>
+            </a:schemeClr>
+          </a:lnRef>
+          <a:fillRef idx="1">
+            <a:schemeClr val="accent1"/>
+          </a:fillRef>
+          <a:effectRef idx="0">
+            <a:schemeClr val="accent1"/>
+          </a:effectRef>
+          <a:fontRef idx="minor">
+            <a:schemeClr val="lt1"/>
+          </a:fontRef>
+        </p:style>
+        <p:txBody>
+          <a:bodyPr rtlCol="0" anchor="ctr"/>
+          <a:lstStyle/>
+          <a:p>
+            <a:pPr algn="ctr"/>
+            <a:endParaRPr lang="zh-CN" altLang="en-US">
+              <a:solidFill>
+                <a:srgbClr val="5F1051"/>
+              </a:solidFill>
+            </a:endParaRPr>
+          </a:p>
+        </p:txBody>
+      </p:sp>
+      <p:sp>
+        <p:nvSpPr>
+          <p:cNvPr id="4" name="副标题 2"/>
+          <p:cNvSpPr txBox="1"/>
+          <p:nvPr/>
+        </p:nvSpPr>
+        <p:spPr>
+          <a:xfrm>
+            <a:off x="2561185" y="4941168"/>
+            <a:ext cx="6858000" cy="1437468"/>
+          </a:xfrm>
+          <a:prstGeom prst="rect">
+            <a:avLst/>
+          </a:prstGeom>
+        </p:spPr>
+        <p:txBody>
+          <a:bodyPr vert="horz" lIns="91440" tIns="45720" rIns="91440" bIns="45720" rtlCol="0" anchor="ctr">
+            <a:noAutofit/>
+          </a:bodyPr>
+          <a:lstStyle>
+            <a:lvl1pPr marL="0" indent="0" algn="ctr" defTabSz="685800" rtl="0" eaLnBrk="1" latinLnBrk="0" hangingPunct="1">
+              <a:lnSpc>
+                <a:spcPct val="90000"/>
+              </a:lnSpc>
+              <a:spcBef>
+                <a:spcPts val="750"/>
+              </a:spcBef>
+              <a:buFont typeface="Arial" panose="020B0604020202020204" pitchFamily="34" charset="0"/>
+              <a:buNone/>
+              <a:defRPr sz="1800" kern="1200" baseline="0">
+                <a:solidFill>
+                  <a:schemeClr val="tx1"/>
+                </a:solidFill>
+                <a:latin typeface="Calibri" panose="020F0502020204030204" pitchFamily="34" charset="0"/>
+                <a:ea typeface="微软雅黑" charset="-122"/>
+                <a:cs typeface="+mn-cs"/>
+              </a:defRPr>
+            </a:lvl1pPr>
+            <a:lvl2pPr marL="342900" indent="0" algn="ctr" defTabSz="685800" rtl="0" eaLnBrk="1" latinLnBrk="0" hangingPunct="1">
+              <a:lnSpc>
+                <a:spcPct val="90000"/>
+              </a:lnSpc>
+              <a:spcBef>
+                <a:spcPts val="375"/>
+              </a:spcBef>
+              <a:buFont typeface="Arial" panose="020B0604020202020204" pitchFamily="34" charset="0"/>
+              <a:buNone/>
+              <a:defRPr sz="1500" kern="1200" baseline="0">
+                <a:solidFill>
+                  <a:schemeClr val="tx1"/>
+                </a:solidFill>
+                <a:latin typeface="Calibri" panose="020F0502020204030204" pitchFamily="34" charset="0"/>
+                <a:ea typeface="微软雅黑" charset="-122"/>
+                <a:cs typeface="+mn-cs"/>
+              </a:defRPr>
+            </a:lvl2pPr>
+            <a:lvl3pPr marL="685800" indent="0" algn="ctr" defTabSz="685800" rtl="0" eaLnBrk="1" latinLnBrk="0" hangingPunct="1">
+              <a:lnSpc>
+                <a:spcPct val="90000"/>
+              </a:lnSpc>
+              <a:spcBef>
+                <a:spcPts val="375"/>
+              </a:spcBef>
+              <a:buFont typeface="Arial" panose="020B0604020202020204" pitchFamily="34" charset="0"/>
+              <a:buNone/>
+              <a:defRPr sz="1350" kern="1200" baseline="0">
+                <a:solidFill>
+                  <a:schemeClr val="tx1"/>
+                </a:solidFill>
+                <a:latin typeface="Calibri" panose="020F0502020204030204" pitchFamily="34" charset="0"/>
+                <a:ea typeface="微软雅黑" charset="-122"/>
+                <a:cs typeface="+mn-cs"/>
+              </a:defRPr>
+            </a:lvl3pPr>
+            <a:lvl4pPr marL="1028700" indent="0" algn="ctr" defTabSz="685800" rtl="0" eaLnBrk="1" latinLnBrk="0" hangingPunct="1">
+              <a:lnSpc>
+                <a:spcPct val="90000"/>
+              </a:lnSpc>
+              <a:spcBef>
+                <a:spcPts val="375"/>
+              </a:spcBef>
+              <a:buFont typeface="Arial" panose="020B0604020202020204" pitchFamily="34" charset="0"/>
+              <a:buNone/>
+              <a:defRPr sz="1200" kern="1200" baseline="0">
+                <a:solidFill>
+                  <a:schemeClr val="tx1"/>
+                </a:solidFill>
+                <a:latin typeface="Calibri" panose="020F0502020204030204" pitchFamily="34" charset="0"/>
+                <a:ea typeface="微软雅黑" charset="-122"/>
+                <a:cs typeface="+mn-cs"/>
+              </a:defRPr>
+            </a:lvl4pPr>
+            <a:lvl5pPr marL="1371600" indent="0" algn="ctr" defTabSz="685800" rtl="0" eaLnBrk="1" latinLnBrk="0" hangingPunct="1">
+              <a:lnSpc>
+                <a:spcPct val="90000"/>
+              </a:lnSpc>
+              <a:spcBef>
+                <a:spcPts val="375"/>
+              </a:spcBef>
+              <a:buFont typeface="Arial" panose="020B0604020202020204" pitchFamily="34" charset="0"/>
+              <a:buNone/>
+              <a:defRPr sz="1200" kern="1200" baseline="0">
+                <a:solidFill>
+                  <a:schemeClr val="tx1"/>
+                </a:solidFill>
+                <a:latin typeface="Calibri" panose="020F0502020204030204" pitchFamily="34" charset="0"/>
+                <a:ea typeface="微软雅黑" charset="-122"/>
+                <a:cs typeface="+mn-cs"/>
+              </a:defRPr>
+            </a:lvl5pPr>
+            <a:lvl6pPr marL="1714500" indent="0" algn="ctr" defTabSz="685800" rtl="0" eaLnBrk="1" latinLnBrk="0" hangingPunct="1">
+              <a:lnSpc>
+                <a:spcPct val="90000"/>
+              </a:lnSpc>
+              <a:spcBef>
+                <a:spcPts val="375"/>
+              </a:spcBef>
+              <a:buFont typeface="Arial" panose="020B0604020202020204" pitchFamily="34" charset="0"/>
+              <a:buNone/>
+              <a:defRPr sz="1200" kern="1200">
+                <a:solidFill>
+                  <a:schemeClr val="tx1"/>
+                </a:solidFill>
+                <a:latin typeface="+mn-lt"/>
+                <a:ea typeface="+mn-ea"/>
+                <a:cs typeface="+mn-cs"/>
+              </a:defRPr>
+            </a:lvl6pPr>
+            <a:lvl7pPr marL="2057400" indent="0" algn="ctr" defTabSz="685800" rtl="0" eaLnBrk="1" latinLnBrk="0" hangingPunct="1">
+              <a:lnSpc>
+                <a:spcPct val="90000"/>
+              </a:lnSpc>
+              <a:spcBef>
+                <a:spcPts val="375"/>
+              </a:spcBef>
+              <a:buFont typeface="Arial" panose="020B0604020202020204" pitchFamily="34" charset="0"/>
+              <a:buNone/>
+              <a:defRPr sz="1200" kern="1200">
+                <a:solidFill>
+                  <a:schemeClr val="tx1"/>
+                </a:solidFill>
+                <a:latin typeface="+mn-lt"/>
+                <a:ea typeface="+mn-ea"/>
+                <a:cs typeface="+mn-cs"/>
+              </a:defRPr>
+            </a:lvl7pPr>
+            <a:lvl8pPr marL="2400300" indent="0" algn="ctr" defTabSz="685800" rtl="0" eaLnBrk="1" latinLnBrk="0" hangingPunct="1">
+              <a:lnSpc>
+                <a:spcPct val="90000"/>
+              </a:lnSpc>
+              <a:spcBef>
+                <a:spcPts val="375"/>
+              </a:spcBef>
+              <a:buFont typeface="Arial" panose="020B0604020202020204" pitchFamily="34" charset="0"/>
+              <a:buNone/>
+              <a:defRPr sz="1200" kern="1200">
+                <a:solidFill>
+                  <a:schemeClr val="tx1"/>
+                </a:solidFill>
+                <a:latin typeface="+mn-lt"/>
+                <a:ea typeface="+mn-ea"/>
+                <a:cs typeface="+mn-cs"/>
+              </a:defRPr>
+            </a:lvl8pPr>
+            <a:lvl9pPr marL="2743200" indent="0" algn="ctr" defTabSz="685800" rtl="0" eaLnBrk="1" latinLnBrk="0" hangingPunct="1">
+              <a:lnSpc>
+                <a:spcPct val="90000"/>
+              </a:lnSpc>
+              <a:spcBef>
+                <a:spcPts val="375"/>
+              </a:spcBef>
+              <a:buFont typeface="Arial" panose="020B0604020202020204" pitchFamily="34" charset="0"/>
+              <a:buNone/>
+              <a:defRPr sz="1200" kern="1200">
+                <a:solidFill>
+                  <a:schemeClr val="tx1"/>
+                </a:solidFill>
+                <a:latin typeface="+mn-lt"/>
+                <a:ea typeface="+mn-ea"/>
+                <a:cs typeface="+mn-cs"/>
+              </a:defRPr>
+            </a:lvl9pPr>
+          </a:lstStyle>
+          <a:p>
+            <a:pPr>
+              <a:spcAft>
+                <a:spcPts val="1200"/>
+              </a:spcAft>
+            </a:pPr>
+            <a:r>
+              <a:rPr lang="zh-CN" altLang="en-US" sz="2200" b="1" dirty="0">
+                <a:latin typeface="微软雅黑" charset="-122"/>
+              </a:rPr>
+              <a:t>赵嘉铖、蔡文俊</a:t>
+            </a:r>
+            <a:endParaRPr lang="en-US" altLang="zh-CN" sz="2200" b="1" dirty="0">
+              <a:latin typeface="微软雅黑" charset="-122"/>
+            </a:endParaRPr>
+          </a:p>
+          <a:p>
+            <a:pPr>
+              <a:spcAft>
+                <a:spcPts val="1200"/>
+              </a:spcAft>
+            </a:pPr>
+            <a:r>
+              <a:rPr lang="en-US" altLang="zh-CN" sz="1600" dirty="0">
+                <a:ea typeface="黑体" panose="02010609060101010101" pitchFamily="49" charset="-122"/>
+              </a:rPr>
+              <a:t>2022</a:t>
+            </a:r>
+            <a:r>
+              <a:rPr lang="zh-CN" altLang="en-US" sz="1600" dirty="0">
+                <a:ea typeface="黑体" panose="02010609060101010101" pitchFamily="49" charset="-122"/>
+              </a:rPr>
+              <a:t>年</a:t>
+            </a:r>
+            <a:r>
+              <a:rPr lang="en-US" altLang="zh-CN" sz="1600" dirty="0">
+                <a:ea typeface="黑体" panose="02010609060101010101" pitchFamily="49" charset="-122"/>
+              </a:rPr>
+              <a:t>05</a:t>
+            </a:r>
+            <a:r>
+              <a:rPr lang="zh-CN" altLang="en-US" sz="1600" dirty="0">
+                <a:ea typeface="黑体" panose="02010609060101010101" pitchFamily="49" charset="-122"/>
+              </a:rPr>
+              <a:t>月</a:t>
+            </a:r>
+            <a:r>
+              <a:rPr lang="en-US" altLang="zh-CN" sz="1600" dirty="0">
+                <a:ea typeface="黑体" panose="02010609060101010101" pitchFamily="49" charset="-122"/>
+              </a:rPr>
+              <a:t>21</a:t>
+            </a:r>
+            <a:r>
+              <a:rPr lang="zh-CN" altLang="en-US" sz="1600" dirty="0">
+                <a:ea typeface="黑体" panose="02010609060101010101" pitchFamily="49" charset="-122"/>
+              </a:rPr>
+              <a:t>日</a:t>
+            </a:r>
+            <a:endParaRPr lang="en-US" altLang="zh-CN" sz="1600" dirty="0">
+              <a:ea typeface="黑体" panose="02010609060101010101" pitchFamily="49" charset="-122"/>
+            </a:endParaRPr>
+          </a:p>
+        </p:txBody>
+      </p:sp>
+      <p:pic>
+        <p:nvPicPr>
+          <p:cNvPr id="10" name="Picture 6" descr="tower"/>
+          <p:cNvPicPr>
+            <a:picLocks noChangeAspect="1" noChangeArrowheads="1"/>
+          </p:cNvPicPr>
+          <p:nvPr/>
+        </p:nvPicPr>
+        <p:blipFill>
+          <a:blip r:embed="rId1">
+            <a:clrChange>
+              <a:clrFrom>
+                <a:srgbClr val="FFFFFF"/>
+              </a:clrFrom>
+              <a:clrTo>
+                <a:srgbClr val="FFFFFF">
+                  <a:alpha val="0"/>
+                </a:srgbClr>
+              </a:clrTo>
+            </a:clrChange>
+            <a:extLst>
+              <a:ext uri="{28A0092B-C50C-407E-A947-70E740481C1C}">
+                <a14:useLocalDpi xmlns:a14="http://schemas.microsoft.com/office/drawing/2010/main" val="0"/>
+              </a:ext>
+            </a:extLst>
+          </a:blip>
+          <a:srcRect/>
+          <a:stretch>
+            <a:fillRect/>
+          </a:stretch>
+        </p:blipFill>
+        <p:spPr bwMode="auto">
+          <a:xfrm>
+            <a:off x="9871715" y="5626601"/>
+            <a:ext cx="1990725" cy="1095375"/>
+          </a:xfrm>
+          <a:prstGeom prst="rect">
+            <a:avLst/>
+          </a:prstGeom>
+          <a:noFill/>
+          <a:extLst>
+            <a:ext uri="{909E8E84-426E-40DD-AFC4-6F175D3DCCD1}">
+              <a14:hiddenFill xmlns:a14="http://schemas.microsoft.com/office/drawing/2010/main">
+                <a:solidFill>
+                  <a:srgbClr val="FFFFFF"/>
+                </a:solidFill>
+              </a14:hiddenFill>
+            </a:ext>
+          </a:extLst>
+        </p:spPr>
+      </p:pic>
+      <p:pic>
+        <p:nvPicPr>
+          <p:cNvPr id="11" name="Picture 11" descr="NJU2"/>
+          <p:cNvPicPr>
+            <a:picLocks noChangeAspect="1" noChangeArrowheads="1"/>
+          </p:cNvPicPr>
+          <p:nvPr/>
+        </p:nvPicPr>
+        <p:blipFill>
+          <a:blip r:embed="rId2" cstate="print">
+            <a:lum bright="70000" contrast="-70000"/>
+            <a:extLst>
+              <a:ext uri="{BEBA8EAE-BF5A-486C-A8C5-ECC9F3942E4B}">
+                <a14:imgProps xmlns:a14="http://schemas.microsoft.com/office/drawing/2010/main">
+                  <a14:imgLayer r:embed="rId3">
+                    <a14:imgEffect>
+                      <a14:artisticPhotocopy trans="30000" detail="2"/>
+                    </a14:imgEffect>
+                  </a14:imgLayer>
+                </a14:imgProps>
+              </a:ext>
+              <a:ext uri="{28A0092B-C50C-407E-A947-70E740481C1C}">
+                <a14:useLocalDpi xmlns:a14="http://schemas.microsoft.com/office/drawing/2010/main" val="0"/>
+              </a:ext>
+            </a:extLst>
+          </a:blip>
+          <a:srcRect/>
+          <a:stretch>
+            <a:fillRect/>
+          </a:stretch>
+        </p:blipFill>
+        <p:spPr bwMode="auto">
+          <a:xfrm>
+            <a:off x="343936" y="268953"/>
+            <a:ext cx="1374632" cy="540000"/>
+          </a:xfrm>
+          <a:prstGeom prst="rect">
+            <a:avLst/>
+          </a:prstGeom>
+          <a:noFill/>
+          <a:extLst>
+            <a:ext uri="{909E8E84-426E-40DD-AFC4-6F175D3DCCD1}">
+              <a14:hiddenFill xmlns:a14="http://schemas.microsoft.com/office/drawing/2010/main">
+                <a:solidFill>
+                  <a:srgbClr val="FFFFFF"/>
+                </a:solidFill>
+              </a14:hiddenFill>
+            </a:ext>
+          </a:extLst>
+        </p:spPr>
+      </p:pic>
+      <p:sp>
+        <p:nvSpPr>
+          <p:cNvPr id="2" name="标题 1"/>
+          <p:cNvSpPr>
+            <a:spLocks noGrp="1"/>
+          </p:cNvSpPr>
+          <p:nvPr>
+            <p:ph type="ctrTitle"/>
+          </p:nvPr>
+        </p:nvSpPr>
+        <p:spPr>
+          <a:xfrm>
+            <a:off x="1242126" y="1275337"/>
+            <a:ext cx="9707747" cy="2561714"/>
+          </a:xfrm>
+        </p:spPr>
+        <p:txBody>
+          <a:bodyPr>
+            <a:noAutofit/>
+          </a:bodyPr>
+          <a:lstStyle/>
+          <a:p>
+            <a:pPr>
+              <a:lnSpc>
+                <a:spcPct val="120000"/>
+              </a:lnSpc>
+              <a:spcBef>
+                <a:spcPts val="0"/>
+              </a:spcBef>
+              <a:spcAft>
+                <a:spcPts val="1200"/>
+              </a:spcAft>
+            </a:pPr>
+            <a:r>
+              <a:rPr lang="zh-CN" altLang="en-US" sz="2800" dirty="0">
+                <a:solidFill>
+                  <a:schemeClr val="bg1"/>
+                </a:solidFill>
+                <a:latin typeface="Arial" panose="020B0604020202020204" pitchFamily="34" charset="0"/>
+                <a:cs typeface="Arial" panose="020B0604020202020204" pitchFamily="34" charset="0"/>
+              </a:rPr>
+              <a:t>工作进展汇报</a:t>
+            </a:r>
+            <a:br>
+              <a:rPr lang="en-US" altLang="zh-CN" sz="2800" dirty="0">
+                <a:solidFill>
+                  <a:schemeClr val="bg1"/>
+                </a:solidFill>
+                <a:latin typeface="Arial" panose="020B0604020202020204" pitchFamily="34" charset="0"/>
+                <a:cs typeface="Arial" panose="020B0604020202020204" pitchFamily="34" charset="0"/>
+              </a:rPr>
+            </a:br>
+            <a:endParaRPr lang="zh-CN" altLang="en-US" sz="2800" b="1" dirty="0">
+              <a:solidFill>
+                <a:schemeClr val="bg1"/>
+              </a:solidFill>
+              <a:latin typeface="Arial" panose="020B0604020202020204" pitchFamily="34" charset="0"/>
+              <a:cs typeface="Arial" panose="020B0604020202020204" pitchFamily="34" charset="0"/>
+            </a:endParaRPr>
+          </a:p>
+        </p:txBody>
+      </p:sp>
+    </p:spTree>
+  </p:cSld>
+  <p:clrMapOvr>
+    <a:masterClrMapping/>
+  </p:clrMapOvr>
+</p:sld>
+</file>
+
+<file path=ppt/slides/slide10.xml><?xml version="1.0" encoding="utf-8"?>
+<p:sld xmlns:a="http://schemas.openxmlformats.org/drawingml/2006/main" xmlns:r="http://schemas.openxmlformats.org/officeDocument/2006/relationships" xmlns:p="http://schemas.openxmlformats.org/presentationml/2006/main">
+  <p:cSld>
+    <p:spTree>
+      <p:nvGrpSpPr>
+        <p:cNvPr id="1" name=""/>
+        <p:cNvGrpSpPr/>
+        <p:nvPr/>
+      </p:nvGrpSpPr>
+      <p:grpSpPr>
+        <a:xfrm>
+          <a:off x="0" y="0"/>
+          <a:ext cx="0" cy="0"/>
+          <a:chOff x="0" y="0"/>
+          <a:chExt cx="0" cy="0"/>
+        </a:xfrm>
+      </p:grpSpPr>
+      <p:sp>
+        <p:nvSpPr>
+          <p:cNvPr id="2" name="标题 1"/>
+          <p:cNvSpPr>
+            <a:spLocks noGrp="1"/>
+          </p:cNvSpPr>
+          <p:nvPr>
+            <p:ph type="title"/>
+          </p:nvPr>
+        </p:nvSpPr>
+        <p:spPr/>
+        <p:txBody>
+          <a:bodyPr>
+            <a:normAutofit/>
+          </a:bodyPr>
+          <a:lstStyle/>
+          <a:p>
+            <a:r>
+              <a:rPr lang="en-US" altLang="zh-CN" dirty="0">
+                <a:sym typeface="+mn-ea"/>
+              </a:rPr>
+              <a:t>Type checker</a:t>
+            </a:r>
+            <a:endParaRPr lang="zh-CN" altLang="en-US" b="0" spc="-1" dirty="0">
+              <a:solidFill>
+                <a:srgbClr val="000000"/>
+              </a:solidFill>
+              <a:latin typeface="Arial" panose="020B0604020202020204"/>
+              <a:ea typeface="黑体"/>
+              <a:sym typeface="+mn-ea"/>
+            </a:endParaRPr>
+          </a:p>
+        </p:txBody>
+      </p:sp>
+      <p:sp>
+        <p:nvSpPr>
+          <p:cNvPr id="5" name="页脚占位符 4"/>
+          <p:cNvSpPr>
+            <a:spLocks noGrp="1"/>
+          </p:cNvSpPr>
+          <p:nvPr>
+            <p:ph type="ftr" sz="quarter" idx="11"/>
+          </p:nvPr>
+        </p:nvSpPr>
+        <p:spPr/>
+        <p:txBody>
+          <a:bodyPr/>
+          <a:lstStyle/>
+          <a:p>
+            <a:r>
+              <a:rPr lang="en-GB" altLang="zh-CN"/>
+              <a:t>DistAI</a:t>
+            </a:r>
+            <a:r>
+              <a:rPr lang="zh-CN" altLang="en-US"/>
+              <a:t>项目：一周工作进展</a:t>
+            </a:r>
+            <a:endParaRPr lang="zh-CN" altLang="en-US" dirty="0"/>
+          </a:p>
+        </p:txBody>
+      </p:sp>
+      <p:sp>
+        <p:nvSpPr>
+          <p:cNvPr id="7" name="日期占位符 6"/>
+          <p:cNvSpPr>
+            <a:spLocks noGrp="1"/>
+          </p:cNvSpPr>
+          <p:nvPr>
+            <p:ph type="dt" sz="half" idx="10"/>
+          </p:nvPr>
+        </p:nvSpPr>
+        <p:spPr/>
+        <p:txBody>
+          <a:bodyPr/>
+          <a:lstStyle/>
+          <a:p>
+            <a:fld id="{48C0F002-9E81-334E-9897-686C0F3A095B}" type="datetime1">
+              <a:rPr lang="zh-CN" altLang="en-US" smtClean="0"/>
+            </a:fld>
+            <a:endParaRPr lang="zh-CN" altLang="en-US"/>
+          </a:p>
+        </p:txBody>
+      </p:sp>
+      <p:sp>
+        <p:nvSpPr>
+          <p:cNvPr id="6" name="灯片编号占位符 5"/>
+          <p:cNvSpPr>
+            <a:spLocks noGrp="1"/>
+          </p:cNvSpPr>
+          <p:nvPr>
+            <p:ph type="sldNum" sz="quarter" idx="12"/>
+          </p:nvPr>
+        </p:nvSpPr>
+        <p:spPr/>
+        <p:txBody>
+          <a:bodyPr/>
+          <a:lstStyle/>
+          <a:p>
+            <a:fld id="{FDF96B62-0E79-44B5-BB83-6AF64255BCDF}" type="slidenum">
+              <a:rPr lang="zh-CN" altLang="en-US" smtClean="0"/>
+            </a:fld>
+            <a:endParaRPr lang="zh-CN" altLang="en-US"/>
+          </a:p>
+        </p:txBody>
+      </p:sp>
+      <p:sp>
+        <p:nvSpPr>
+          <p:cNvPr id="8" name="内容占位符 7"/>
+          <p:cNvSpPr/>
+          <p:nvPr>
+            <p:ph idx="1"/>
+          </p:nvPr>
+        </p:nvSpPr>
+        <p:spPr>
+          <a:xfrm>
+            <a:off x="520700" y="1278255"/>
+            <a:ext cx="11160125" cy="4921250"/>
+          </a:xfrm>
+        </p:spPr>
+        <p:txBody>
+          <a:bodyPr/>
+          <a:p>
+            <a:r>
+              <a:rPr lang="en-US" altLang="zh-CN"/>
+              <a:t>Type checking becomes equation solving</a:t>
+            </a:r>
+            <a:endParaRPr lang="en-US" altLang="zh-CN"/>
+          </a:p>
+        </p:txBody>
+      </p:sp>
+      <p:pic>
+        <p:nvPicPr>
+          <p:cNvPr id="4" name="图片 3" descr="2CF439A5-708D-4673-92FC-2AD1027C8270"/>
+          <p:cNvPicPr>
+            <a:picLocks noChangeAspect="1"/>
+          </p:cNvPicPr>
+          <p:nvPr/>
+        </p:nvPicPr>
+        <p:blipFill>
+          <a:blip r:embed="rId1"/>
+          <a:stretch>
+            <a:fillRect/>
+          </a:stretch>
+        </p:blipFill>
+        <p:spPr>
+          <a:xfrm>
+            <a:off x="838200" y="1937385"/>
+            <a:ext cx="3454400" cy="419100"/>
+          </a:xfrm>
+          <a:prstGeom prst="rect">
+            <a:avLst/>
+          </a:prstGeom>
+        </p:spPr>
+      </p:pic>
+      <p:pic>
+        <p:nvPicPr>
+          <p:cNvPr id="9" name="图片 8" descr="41BE5B2A-7507-4BD5-8E6D-1109D5081DE3"/>
+          <p:cNvPicPr>
+            <a:picLocks noChangeAspect="1"/>
+          </p:cNvPicPr>
+          <p:nvPr/>
+        </p:nvPicPr>
+        <p:blipFill>
+          <a:blip r:embed="rId2"/>
+          <a:stretch>
+            <a:fillRect/>
+          </a:stretch>
+        </p:blipFill>
+        <p:spPr>
+          <a:xfrm>
+            <a:off x="838200" y="2537460"/>
+            <a:ext cx="7099300" cy="431800"/>
+          </a:xfrm>
+          <a:prstGeom prst="rect">
+            <a:avLst/>
+          </a:prstGeom>
+        </p:spPr>
+      </p:pic>
+      <p:pic>
+        <p:nvPicPr>
+          <p:cNvPr id="10" name="图片 9" descr="590C2BF5-F775-4A3C-86B7-34AE94EDA7E4"/>
+          <p:cNvPicPr>
+            <a:picLocks noChangeAspect="1"/>
+          </p:cNvPicPr>
+          <p:nvPr/>
+        </p:nvPicPr>
+        <p:blipFill>
+          <a:blip r:embed="rId3"/>
+          <a:stretch>
+            <a:fillRect/>
+          </a:stretch>
+        </p:blipFill>
+        <p:spPr>
+          <a:xfrm>
+            <a:off x="838200" y="3115310"/>
+            <a:ext cx="5807710" cy="1261745"/>
+          </a:xfrm>
+          <a:prstGeom prst="rect">
+            <a:avLst/>
+          </a:prstGeom>
+        </p:spPr>
+      </p:pic>
+      <p:pic>
+        <p:nvPicPr>
+          <p:cNvPr id="11" name="图片 10" descr="B2CDBB62-3F53-4B28-9E1B-6878C2440BF1"/>
+          <p:cNvPicPr>
+            <a:picLocks noChangeAspect="1"/>
+          </p:cNvPicPr>
+          <p:nvPr/>
+        </p:nvPicPr>
+        <p:blipFill>
+          <a:blip r:embed="rId4"/>
+          <a:stretch>
+            <a:fillRect/>
+          </a:stretch>
+        </p:blipFill>
+        <p:spPr>
+          <a:xfrm>
+            <a:off x="838200" y="4596765"/>
+            <a:ext cx="4805045" cy="1759585"/>
+          </a:xfrm>
+          <a:prstGeom prst="rect">
+            <a:avLst/>
+          </a:prstGeom>
+        </p:spPr>
+      </p:pic>
+    </p:spTree>
+  </p:cSld>
+  <p:clrMapOvr>
+    <a:masterClrMapping/>
+  </p:clrMapOvr>
+</p:sld>
+</file>
+
+<file path=ppt/slides/slide11.xml><?xml version="1.0" encoding="utf-8"?>
+<p:sld xmlns:a="http://schemas.openxmlformats.org/drawingml/2006/main" xmlns:r="http://schemas.openxmlformats.org/officeDocument/2006/relationships" xmlns:p="http://schemas.openxmlformats.org/presentationml/2006/main">
+  <p:cSld>
+    <p:spTree>
+      <p:nvGrpSpPr>
+        <p:cNvPr id="1" name=""/>
+        <p:cNvGrpSpPr/>
+        <p:nvPr/>
+      </p:nvGrpSpPr>
+      <p:grpSpPr>
+        <a:xfrm>
+          <a:off x="0" y="0"/>
+          <a:ext cx="0" cy="0"/>
+          <a:chOff x="0" y="0"/>
+          <a:chExt cx="0" cy="0"/>
+        </a:xfrm>
+      </p:grpSpPr>
+      <p:sp>
+        <p:nvSpPr>
+          <p:cNvPr id="2" name="标题 1"/>
+          <p:cNvSpPr>
+            <a:spLocks noGrp="1"/>
+          </p:cNvSpPr>
+          <p:nvPr>
+            <p:ph type="title"/>
+          </p:nvPr>
+        </p:nvSpPr>
+        <p:spPr/>
+        <p:txBody>
+          <a:bodyPr>
+            <a:normAutofit/>
+          </a:bodyPr>
+          <a:lstStyle/>
+          <a:p>
+            <a:r>
+              <a:rPr lang="en-US" altLang="zh-CN" dirty="0">
+                <a:sym typeface="+mn-ea"/>
+              </a:rPr>
+              <a:t>Type inferer</a:t>
+            </a:r>
+            <a:endParaRPr lang="zh-CN" altLang="en-US" b="0" spc="-1" dirty="0">
+              <a:solidFill>
+                <a:srgbClr val="000000"/>
+              </a:solidFill>
+              <a:latin typeface="Arial" panose="020B0604020202020204"/>
+              <a:ea typeface="黑体"/>
+              <a:sym typeface="+mn-ea"/>
+            </a:endParaRPr>
+          </a:p>
+        </p:txBody>
+      </p:sp>
+      <p:sp>
+        <p:nvSpPr>
+          <p:cNvPr id="5" name="页脚占位符 4"/>
+          <p:cNvSpPr>
+            <a:spLocks noGrp="1"/>
+          </p:cNvSpPr>
+          <p:nvPr>
+            <p:ph type="ftr" sz="quarter" idx="11"/>
+          </p:nvPr>
+        </p:nvSpPr>
+        <p:spPr/>
+        <p:txBody>
+          <a:bodyPr/>
+          <a:lstStyle/>
+          <a:p>
+            <a:r>
+              <a:rPr lang="en-GB" altLang="zh-CN"/>
+              <a:t>DistAI</a:t>
+            </a:r>
+            <a:r>
+              <a:rPr lang="zh-CN" altLang="en-US"/>
+              <a:t>项目：一周工作进展</a:t>
+            </a:r>
+            <a:endParaRPr lang="zh-CN" altLang="en-US" dirty="0"/>
+          </a:p>
+        </p:txBody>
+      </p:sp>
+      <p:sp>
+        <p:nvSpPr>
+          <p:cNvPr id="7" name="日期占位符 6"/>
+          <p:cNvSpPr>
+            <a:spLocks noGrp="1"/>
+          </p:cNvSpPr>
+          <p:nvPr>
+            <p:ph type="dt" sz="half" idx="10"/>
+          </p:nvPr>
+        </p:nvSpPr>
+        <p:spPr/>
+        <p:txBody>
+          <a:bodyPr/>
+          <a:lstStyle/>
+          <a:p>
+            <a:fld id="{48C0F002-9E81-334E-9897-686C0F3A095B}" type="datetime1">
+              <a:rPr lang="zh-CN" altLang="en-US" smtClean="0"/>
+            </a:fld>
+            <a:endParaRPr lang="zh-CN" altLang="en-US"/>
+          </a:p>
+        </p:txBody>
+      </p:sp>
+      <p:sp>
+        <p:nvSpPr>
+          <p:cNvPr id="6" name="灯片编号占位符 5"/>
+          <p:cNvSpPr>
+            <a:spLocks noGrp="1"/>
+          </p:cNvSpPr>
+          <p:nvPr>
+            <p:ph type="sldNum" sz="quarter" idx="12"/>
+          </p:nvPr>
+        </p:nvSpPr>
+        <p:spPr/>
+        <p:txBody>
+          <a:bodyPr/>
+          <a:lstStyle/>
+          <a:p>
+            <a:fld id="{FDF96B62-0E79-44B5-BB83-6AF64255BCDF}" type="slidenum">
+              <a:rPr lang="zh-CN" altLang="en-US" smtClean="0"/>
+            </a:fld>
+            <a:endParaRPr lang="zh-CN" altLang="en-US"/>
+          </a:p>
+        </p:txBody>
+      </p:sp>
+      <p:sp>
+        <p:nvSpPr>
+          <p:cNvPr id="3" name="内容占位符 2"/>
+          <p:cNvSpPr/>
+          <p:nvPr>
+            <p:ph idx="1"/>
+          </p:nvPr>
+        </p:nvSpPr>
+        <p:spPr>
+          <a:xfrm>
+            <a:off x="520700" y="1278255"/>
+            <a:ext cx="11160125" cy="2544445"/>
+          </a:xfrm>
+        </p:spPr>
+        <p:txBody>
+          <a:bodyPr/>
+          <a:p>
+            <a:r>
+              <a:rPr lang="en-US" altLang="zh-CN"/>
+              <a:t>Approach</a:t>
+            </a:r>
+            <a:endParaRPr lang="en-US" altLang="zh-CN"/>
+          </a:p>
+          <a:p>
+            <a:pPr lvl="1"/>
+            <a:r>
+              <a:rPr lang="en-US" altLang="zh-CN"/>
+              <a:t>Use TLA+ specification to infer bounds on types</a:t>
+            </a:r>
+            <a:endParaRPr lang="en-US" altLang="zh-CN"/>
+          </a:p>
+          <a:p>
+            <a:pPr lvl="1"/>
+            <a:r>
+              <a:rPr lang="en-US" altLang="zh-CN"/>
+              <a:t>Create SMT constraints from TLA+ expressions</a:t>
+            </a:r>
+            <a:endParaRPr lang="en-US" altLang="zh-CN"/>
+          </a:p>
+          <a:p>
+            <a:pPr lvl="1"/>
+            <a:r>
+              <a:rPr lang="en-US" altLang="zh-CN"/>
+              <a:t>Reconstruct types from an SMT model</a:t>
+            </a:r>
+            <a:endParaRPr lang="en-US" altLang="zh-CN"/>
+          </a:p>
+          <a:p>
+            <a:pPr lvl="1"/>
+            <a:r>
+              <a:rPr lang="en-US" altLang="zh-CN"/>
+              <a:t>Post-processing</a:t>
+            </a:r>
+            <a:endParaRPr lang="en-US" altLang="zh-CN"/>
+          </a:p>
+          <a:p>
+            <a:pPr lvl="1"/>
+            <a:r>
+              <a:rPr lang="en-US" altLang="zh-CN"/>
+              <a:t>Determine type error</a:t>
+            </a:r>
+            <a:endParaRPr lang="en-US" altLang="zh-CN"/>
+          </a:p>
+          <a:p>
+            <a:pPr lvl="1"/>
+            <a:endParaRPr lang="en-US" altLang="zh-CN"/>
+          </a:p>
+          <a:p>
+            <a:pPr lvl="1"/>
+            <a:endParaRPr lang="en-US" altLang="zh-CN"/>
+          </a:p>
+          <a:p>
+            <a:pPr lvl="1"/>
+            <a:endParaRPr lang="en-US" altLang="zh-CN"/>
+          </a:p>
+          <a:p>
+            <a:pPr lvl="1"/>
+            <a:r>
+              <a:rPr lang="zh-CN" altLang="en-US"/>
+              <a:t>https://conf.tlapl.us/2020/07-Kukovec_and_Konnov-Type_Inference_for_TLA_+_in_Apalache.pdf</a:t>
+            </a:r>
+            <a:endParaRPr lang="zh-CN" altLang="en-US"/>
+          </a:p>
+          <a:p>
+            <a:pPr lvl="1"/>
+            <a:r>
+              <a:rPr lang="zh-CN" altLang="en-US"/>
+              <a:t>https://www.youtube.com/watch?v=hnp25hmCMN8</a:t>
+            </a:r>
+            <a:endParaRPr lang="zh-CN" altLang="en-US"/>
+          </a:p>
+        </p:txBody>
+      </p:sp>
+    </p:spTree>
+  </p:cSld>
+  <p:clrMapOvr>
+    <a:masterClrMapping/>
+  </p:clrMapOvr>
+</p:sld>
+</file>
+
+<file path=ppt/slides/slide12.xml><?xml version="1.0" encoding="utf-8"?>
+<p:sld xmlns:a="http://schemas.openxmlformats.org/drawingml/2006/main" xmlns:r="http://schemas.openxmlformats.org/officeDocument/2006/relationships" xmlns:p="http://schemas.openxmlformats.org/presentationml/2006/main">
+  <p:cSld>
+    <p:spTree>
+      <p:nvGrpSpPr>
+        <p:cNvPr id="1" name=""/>
+        <p:cNvGrpSpPr/>
+        <p:nvPr/>
+      </p:nvGrpSpPr>
+      <p:grpSpPr>
+        <a:xfrm>
+          <a:off x="0" y="0"/>
+          <a:ext cx="0" cy="0"/>
+          <a:chOff x="0" y="0"/>
+          <a:chExt cx="0" cy="0"/>
+        </a:xfrm>
+      </p:grpSpPr>
+      <p:sp>
+        <p:nvSpPr>
+          <p:cNvPr id="7" name="标题 6"/>
+          <p:cNvSpPr>
+            <a:spLocks noGrp="1"/>
+          </p:cNvSpPr>
+          <p:nvPr>
+            <p:ph type="title"/>
+          </p:nvPr>
+        </p:nvSpPr>
+        <p:spPr/>
+        <p:txBody>
+          <a:bodyPr>
+            <a:normAutofit/>
+          </a:bodyPr>
+          <a:lstStyle/>
+          <a:p>
+            <a:r>
+              <a:rPr lang="en-US" altLang="zh-CN" dirty="0"/>
+              <a:t>TLA+</a:t>
+            </a:r>
+            <a:r>
+              <a:rPr lang="zh-CN" altLang="en-US" dirty="0"/>
+              <a:t>中不变式常用的语法单元</a:t>
+            </a:r>
+            <a:endParaRPr lang="zh-CN" altLang="en-US" dirty="0"/>
+          </a:p>
+        </p:txBody>
+      </p:sp>
+      <p:sp>
+        <p:nvSpPr>
+          <p:cNvPr id="8" name="内容占位符 7"/>
+          <p:cNvSpPr>
+            <a:spLocks noGrp="1"/>
+          </p:cNvSpPr>
+          <p:nvPr>
+            <p:ph idx="1"/>
+          </p:nvPr>
+        </p:nvSpPr>
+        <p:spPr/>
+        <p:txBody>
+          <a:bodyPr/>
+          <a:lstStyle/>
+          <a:p>
+            <a:r>
+              <a:rPr lang="zh-CN" altLang="en-US" dirty="0"/>
+              <a:t>基本逻辑（与或非，推导，</a:t>
+            </a:r>
+            <a:r>
+              <a:rPr lang="en-US" altLang="zh-CN" dirty="0" err="1"/>
+              <a:t>if..then..else</a:t>
+            </a:r>
+            <a:r>
+              <a:rPr lang="zh-CN" altLang="en-US" dirty="0"/>
+              <a:t>）</a:t>
+            </a:r>
+            <a:endParaRPr lang="en-US" altLang="zh-CN" dirty="0"/>
+          </a:p>
+          <a:p>
+            <a:r>
+              <a:rPr lang="en-US" altLang="zh-CN" dirty="0" err="1"/>
+              <a:t>let..in</a:t>
+            </a:r>
+            <a:r>
+              <a:rPr lang="en-US" altLang="zh-CN" dirty="0"/>
+              <a:t>..(</a:t>
+            </a:r>
+            <a:r>
+              <a:rPr lang="zh-CN" altLang="en-US" dirty="0"/>
+              <a:t>可能产生局部变量问题）</a:t>
+            </a:r>
+            <a:endParaRPr lang="en-US" altLang="zh-CN" dirty="0"/>
+          </a:p>
+          <a:p>
+            <a:r>
+              <a:rPr lang="zh-CN" altLang="en-US" dirty="0"/>
+              <a:t>函数（获取函数运算值）</a:t>
+            </a:r>
+            <a:endParaRPr lang="en-US" altLang="zh-CN" dirty="0"/>
+          </a:p>
+          <a:p>
+            <a:r>
+              <a:rPr lang="zh-CN" altLang="en-US" dirty="0"/>
+              <a:t>集合运算（交并集，获取集合大小，判定元素是否在集合内）</a:t>
+            </a:r>
+            <a:endParaRPr lang="en-US" altLang="zh-CN" dirty="0"/>
+          </a:p>
+          <a:p>
+            <a:r>
+              <a:rPr lang="zh-CN" altLang="en-US" dirty="0"/>
+              <a:t>元组（获取元组的某个元素）</a:t>
+            </a:r>
+            <a:endParaRPr lang="en-US" altLang="zh-CN" dirty="0"/>
+          </a:p>
+          <a:p>
+            <a:r>
+              <a:rPr lang="en-US" altLang="zh-CN" dirty="0"/>
+              <a:t>Record</a:t>
+            </a:r>
+            <a:r>
+              <a:rPr lang="zh-CN" altLang="en-US" dirty="0"/>
+              <a:t>（获取某个字段）</a:t>
+            </a:r>
+            <a:endParaRPr lang="en-US" altLang="zh-CN" dirty="0"/>
+          </a:p>
+          <a:p>
+            <a:r>
+              <a:rPr lang="zh-CN" altLang="en-US" dirty="0"/>
+              <a:t>有关</a:t>
+            </a:r>
+            <a:r>
+              <a:rPr lang="en-US" altLang="zh-CN" dirty="0"/>
+              <a:t>liveness</a:t>
+            </a:r>
+            <a:r>
+              <a:rPr lang="zh-CN" altLang="en-US" dirty="0"/>
+              <a:t>的判定</a:t>
+            </a:r>
+            <a:endParaRPr lang="en-US" altLang="zh-CN" dirty="0"/>
+          </a:p>
+          <a:p>
+            <a:pPr lvl="1"/>
+            <a:endParaRPr lang="en-US" altLang="zh-CN" dirty="0"/>
+          </a:p>
+          <a:p>
+            <a:pPr lvl="1"/>
+            <a:endParaRPr lang="en-US" altLang="zh-CN" dirty="0"/>
+          </a:p>
+          <a:p>
+            <a:pPr lvl="1"/>
+            <a:endParaRPr lang="en-US" altLang="zh-CN" dirty="0"/>
+          </a:p>
+          <a:p>
+            <a:pPr lvl="1"/>
+            <a:endParaRPr lang="en-US" altLang="zh-CN" dirty="0"/>
+          </a:p>
+          <a:p>
+            <a:endParaRPr lang="en-US" altLang="zh-CN" dirty="0"/>
+          </a:p>
+        </p:txBody>
+      </p:sp>
+      <p:sp>
+        <p:nvSpPr>
+          <p:cNvPr id="5" name="页脚占位符 4"/>
+          <p:cNvSpPr>
+            <a:spLocks noGrp="1"/>
+          </p:cNvSpPr>
+          <p:nvPr>
+            <p:ph type="ftr" sz="quarter" idx="11"/>
+          </p:nvPr>
+        </p:nvSpPr>
+        <p:spPr/>
+        <p:txBody>
+          <a:bodyPr/>
+          <a:lstStyle/>
+          <a:p>
+            <a:pPr marL="0" marR="0" lvl="0" indent="0" algn="ctr" defTabSz="457200" rtl="0" eaLnBrk="1" fontAlgn="auto" latinLnBrk="0" hangingPunct="1">
+              <a:lnSpc>
+                <a:spcPct val="100000"/>
+              </a:lnSpc>
+              <a:spcBef>
+                <a:spcPts val="0"/>
+              </a:spcBef>
+              <a:spcAft>
+                <a:spcPts val="0"/>
+              </a:spcAft>
+              <a:buClrTx/>
+              <a:buSzTx/>
+              <a:buFontTx/>
+              <a:buNone/>
+              <a:defRPr/>
+            </a:pPr>
+            <a:r>
+              <a:rPr lang="en-GB" altLang="zh-CN">
+                <a:sym typeface="+mn-ea"/>
+              </a:rPr>
+              <a:t>DistAI</a:t>
+            </a:r>
+            <a:r>
+              <a:rPr lang="zh-CN" altLang="en-US">
+                <a:sym typeface="+mn-ea"/>
+              </a:rPr>
+              <a:t>项目：一周工作进展</a:t>
+            </a:r>
+            <a:endParaRPr kumimoji="0" lang="zh-CN" altLang="en-US" sz="1200" b="0" i="0" u="none" strike="noStrike" kern="1200" cap="none" spc="0" normalizeH="0" baseline="0" noProof="0" dirty="0">
+              <a:ln>
+                <a:noFill/>
+              </a:ln>
+              <a:solidFill>
+                <a:prstClr val="black">
+                  <a:tint val="75000"/>
+                </a:prstClr>
+              </a:solidFill>
+              <a:effectLst/>
+              <a:uLnTx/>
+              <a:uFillTx/>
+              <a:latin typeface="Calibri"/>
+              <a:ea typeface="黑体"/>
+              <a:cs typeface="+mn-cs"/>
+            </a:endParaRPr>
+          </a:p>
+        </p:txBody>
+      </p:sp>
+      <p:sp>
+        <p:nvSpPr>
+          <p:cNvPr id="2" name="日期占位符 1"/>
+          <p:cNvSpPr>
+            <a:spLocks noGrp="1"/>
+          </p:cNvSpPr>
+          <p:nvPr>
+            <p:ph type="dt" sz="half" idx="10"/>
+          </p:nvPr>
+        </p:nvSpPr>
+        <p:spPr/>
+        <p:txBody>
+          <a:bodyPr/>
+          <a:lstStyle/>
+          <a:p>
+            <a:pPr marL="0" marR="0" lvl="0" indent="0" algn="l" defTabSz="457200" rtl="0" eaLnBrk="1" fontAlgn="auto" latinLnBrk="0" hangingPunct="1">
+              <a:lnSpc>
+                <a:spcPct val="100000"/>
+              </a:lnSpc>
+              <a:spcBef>
+                <a:spcPts val="0"/>
+              </a:spcBef>
+              <a:spcAft>
+                <a:spcPts val="0"/>
+              </a:spcAft>
+              <a:buClrTx/>
+              <a:buSzTx/>
+              <a:buFontTx/>
+              <a:buNone/>
+              <a:defRPr/>
+            </a:pPr>
+            <a:fld id="{161B05A7-3123-2F46-BF5F-045FEB3199CB}" type="datetime1">
+              <a:rPr kumimoji="0" lang="zh-CN" altLang="en-US" sz="1200" b="0" i="0" u="none" strike="noStrike" kern="1200" cap="none" spc="0" normalizeH="0" baseline="0" noProof="0" smtClean="0">
+                <a:ln>
+                  <a:noFill/>
+                </a:ln>
+                <a:solidFill>
+                  <a:prstClr val="black">
+                    <a:tint val="75000"/>
+                  </a:prstClr>
+                </a:solidFill>
+                <a:effectLst/>
+                <a:uLnTx/>
+                <a:uFillTx/>
+                <a:latin typeface="Calibri"/>
+                <a:ea typeface="黑体"/>
+                <a:cs typeface="+mn-cs"/>
+              </a:rPr>
+            </a:fld>
+            <a:endParaRPr kumimoji="0" lang="zh-CN" altLang="en-US" sz="1200" b="0" i="0" u="none" strike="noStrike" kern="1200" cap="none" spc="0" normalizeH="0" baseline="0" noProof="0">
+              <a:ln>
+                <a:noFill/>
+              </a:ln>
+              <a:solidFill>
+                <a:prstClr val="black">
+                  <a:tint val="75000"/>
+                </a:prstClr>
+              </a:solidFill>
+              <a:effectLst/>
+              <a:uLnTx/>
+              <a:uFillTx/>
+              <a:latin typeface="Calibri"/>
+              <a:ea typeface="黑体"/>
+              <a:cs typeface="+mn-cs"/>
+            </a:endParaRPr>
+          </a:p>
+        </p:txBody>
+      </p:sp>
+    </p:spTree>
+  </p:cSld>
+  <p:clrMapOvr>
+    <a:masterClrMapping/>
+  </p:clrMapOvr>
+</p:sld>
+</file>
+
+<file path=ppt/slides/slide13.xml><?xml version="1.0" encoding="utf-8"?>
+<p:sld xmlns:a="http://schemas.openxmlformats.org/drawingml/2006/main" xmlns:r="http://schemas.openxmlformats.org/officeDocument/2006/relationships" xmlns:p="http://schemas.openxmlformats.org/presentationml/2006/main">
+  <p:cSld>
+    <p:spTree>
+      <p:nvGrpSpPr>
+        <p:cNvPr id="1" name=""/>
+        <p:cNvGrpSpPr/>
+        <p:nvPr/>
+      </p:nvGrpSpPr>
+      <p:grpSpPr>
+        <a:xfrm>
+          <a:off x="0" y="0"/>
+          <a:ext cx="0" cy="0"/>
+          <a:chOff x="0" y="0"/>
+          <a:chExt cx="0" cy="0"/>
+        </a:xfrm>
+      </p:grpSpPr>
+      <p:sp>
+        <p:nvSpPr>
+          <p:cNvPr id="7" name="标题 6"/>
+          <p:cNvSpPr>
+            <a:spLocks noGrp="1"/>
+          </p:cNvSpPr>
+          <p:nvPr>
+            <p:ph type="title"/>
+          </p:nvPr>
+        </p:nvSpPr>
+        <p:spPr/>
+        <p:txBody>
+          <a:bodyPr>
+            <a:normAutofit/>
+          </a:bodyPr>
+          <a:lstStyle/>
+          <a:p>
+            <a:r>
+              <a:rPr lang="zh-CN" altLang="en-US" dirty="0"/>
+              <a:t>整数的处理</a:t>
+            </a:r>
+            <a:endParaRPr lang="zh-CN" altLang="en-US" dirty="0"/>
+          </a:p>
+        </p:txBody>
+      </p:sp>
+      <p:sp>
+        <p:nvSpPr>
+          <p:cNvPr id="8" name="内容占位符 7"/>
+          <p:cNvSpPr>
+            <a:spLocks noGrp="1"/>
+          </p:cNvSpPr>
+          <p:nvPr>
+            <p:ph idx="1"/>
+          </p:nvPr>
+        </p:nvSpPr>
+        <p:spPr/>
+        <p:txBody>
+          <a:bodyPr/>
+          <a:lstStyle/>
+          <a:p>
+            <a:r>
+              <a:rPr lang="zh-CN" altLang="en-US" dirty="0"/>
+              <a:t>整数可能出现的场景</a:t>
+            </a:r>
+            <a:endParaRPr lang="en-US" altLang="zh-CN" dirty="0"/>
+          </a:p>
+          <a:p>
+            <a:pPr lvl="1"/>
+            <a:r>
+              <a:rPr lang="zh-CN" altLang="en-US" dirty="0"/>
+              <a:t>时间比较</a:t>
+            </a:r>
+            <a:endParaRPr lang="en-US" altLang="zh-CN" dirty="0"/>
+          </a:p>
+          <a:p>
+            <a:pPr lvl="1"/>
+            <a:r>
+              <a:rPr lang="zh-CN" altLang="en-US" dirty="0"/>
+              <a:t>集合大小（</a:t>
+            </a:r>
+            <a:r>
+              <a:rPr lang="en-US" altLang="zh-CN" dirty="0"/>
+              <a:t>Cardinality</a:t>
+            </a:r>
+            <a:r>
+              <a:rPr lang="zh-CN" altLang="en-US" dirty="0"/>
+              <a:t>）</a:t>
+            </a:r>
+            <a:endParaRPr lang="en-US" altLang="zh-CN" dirty="0"/>
+          </a:p>
+          <a:p>
+            <a:pPr lvl="1"/>
+            <a:r>
+              <a:rPr lang="zh-CN" altLang="en-US" dirty="0"/>
+              <a:t>字符串长度</a:t>
+            </a:r>
+            <a:endParaRPr lang="en-US" altLang="zh-CN" dirty="0"/>
+          </a:p>
+          <a:p>
+            <a:pPr lvl="1"/>
+            <a:r>
+              <a:rPr lang="en-US" altLang="zh-CN" dirty="0"/>
+              <a:t>…</a:t>
+            </a:r>
+            <a:endParaRPr lang="en-US" altLang="zh-CN" dirty="0"/>
+          </a:p>
+          <a:p>
+            <a:pPr lvl="1"/>
+            <a:r>
+              <a:rPr lang="zh-CN" altLang="en-US" dirty="0"/>
+              <a:t>大部分场景都是进行比较</a:t>
+            </a:r>
+            <a:endParaRPr lang="en-US" altLang="zh-CN" dirty="0"/>
+          </a:p>
+          <a:p>
+            <a:r>
+              <a:rPr lang="zh-CN" altLang="en-US" dirty="0"/>
+              <a:t>可能的解决方式</a:t>
+            </a:r>
+            <a:endParaRPr lang="en-US" altLang="zh-CN" dirty="0"/>
+          </a:p>
+          <a:p>
+            <a:pPr lvl="1"/>
+            <a:r>
+              <a:rPr lang="zh-CN" altLang="en-US" dirty="0"/>
+              <a:t>变量与已知整数进行比较</a:t>
+            </a:r>
+            <a:endParaRPr lang="en-US" altLang="zh-CN" dirty="0"/>
+          </a:p>
+          <a:p>
+            <a:pPr lvl="1"/>
+            <a:r>
+              <a:rPr lang="zh-CN" altLang="en-US" dirty="0"/>
+              <a:t>变量与变量进行比较</a:t>
+            </a:r>
+            <a:endParaRPr lang="en-US" altLang="zh-CN" dirty="0"/>
+          </a:p>
+          <a:p>
+            <a:pPr lvl="1"/>
+            <a:endParaRPr lang="en-US" altLang="zh-CN" dirty="0"/>
+          </a:p>
+          <a:p>
+            <a:pPr lvl="1"/>
+            <a:endParaRPr lang="en-US" altLang="zh-CN" dirty="0"/>
+          </a:p>
+          <a:p>
+            <a:endParaRPr lang="en-US" altLang="zh-CN" dirty="0"/>
+          </a:p>
+        </p:txBody>
+      </p:sp>
+      <p:sp>
+        <p:nvSpPr>
+          <p:cNvPr id="5" name="页脚占位符 4"/>
+          <p:cNvSpPr>
+            <a:spLocks noGrp="1"/>
+          </p:cNvSpPr>
+          <p:nvPr>
+            <p:ph type="ftr" sz="quarter" idx="11"/>
+          </p:nvPr>
+        </p:nvSpPr>
+        <p:spPr/>
+        <p:txBody>
+          <a:bodyPr/>
+          <a:lstStyle/>
+          <a:p>
+            <a:pPr marL="0" marR="0" lvl="0" indent="0" algn="ctr" defTabSz="914400" rtl="0" eaLnBrk="1" fontAlgn="auto" latinLnBrk="0" hangingPunct="1">
+              <a:lnSpc>
+                <a:spcPct val="100000"/>
+              </a:lnSpc>
+              <a:spcBef>
+                <a:spcPts val="0"/>
+              </a:spcBef>
+              <a:spcAft>
+                <a:spcPts val="0"/>
+              </a:spcAft>
+              <a:buClrTx/>
+              <a:buSzTx/>
+              <a:buFontTx/>
+              <a:buNone/>
+              <a:defRPr/>
+            </a:pPr>
+            <a:r>
+              <a:rPr lang="en-GB" altLang="zh-CN">
+                <a:sym typeface="+mn-ea"/>
+              </a:rPr>
+              <a:t>DistAI</a:t>
+            </a:r>
+            <a:r>
+              <a:rPr lang="zh-CN" altLang="en-US">
+                <a:sym typeface="+mn-ea"/>
+              </a:rPr>
+              <a:t>项目：一周工作进展</a:t>
+            </a:r>
+            <a:endParaRPr kumimoji="0" lang="zh-CN" altLang="en-US" sz="1200" b="0" i="0" u="none" strike="noStrike" kern="1200" cap="none" spc="0" normalizeH="0" baseline="0" noProof="0" dirty="0">
+              <a:ln>
+                <a:noFill/>
+              </a:ln>
+              <a:solidFill>
+                <a:prstClr val="black">
+                  <a:tint val="75000"/>
+                </a:prstClr>
+              </a:solidFill>
+              <a:effectLst/>
+              <a:uLnTx/>
+              <a:uFillTx/>
+              <a:latin typeface="Calibri"/>
+              <a:ea typeface="黑体"/>
+              <a:cs typeface="+mn-cs"/>
+            </a:endParaRPr>
+          </a:p>
+        </p:txBody>
+      </p:sp>
+      <p:sp>
+        <p:nvSpPr>
+          <p:cNvPr id="2" name="日期占位符 1"/>
+          <p:cNvSpPr>
+            <a:spLocks noGrp="1"/>
+          </p:cNvSpPr>
+          <p:nvPr>
+            <p:ph type="dt" sz="half" idx="10"/>
+          </p:nvPr>
+        </p:nvSpPr>
+        <p:spPr/>
+        <p:txBody>
+          <a:bodyPr/>
+          <a:lstStyle/>
+          <a:p>
+            <a:pPr marL="0" marR="0" lvl="0" indent="0" algn="l" defTabSz="914400" rtl="0" eaLnBrk="1" fontAlgn="auto" latinLnBrk="0" hangingPunct="1">
+              <a:lnSpc>
+                <a:spcPct val="100000"/>
+              </a:lnSpc>
+              <a:spcBef>
+                <a:spcPts val="0"/>
+              </a:spcBef>
+              <a:spcAft>
+                <a:spcPts val="0"/>
+              </a:spcAft>
+              <a:buClrTx/>
+              <a:buSzTx/>
+              <a:buFontTx/>
+              <a:buNone/>
+              <a:defRPr/>
+            </a:pPr>
+            <a:fld id="{161B05A7-3123-2F46-BF5F-045FEB3199CB}" type="datetime1">
+              <a:rPr kumimoji="0" lang="zh-CN" altLang="en-US" sz="1200" b="0" i="0" u="none" strike="noStrike" kern="1200" cap="none" spc="0" normalizeH="0" baseline="0" noProof="0" smtClean="0">
+                <a:ln>
+                  <a:noFill/>
+                </a:ln>
+                <a:solidFill>
+                  <a:prstClr val="black">
+                    <a:tint val="75000"/>
+                  </a:prstClr>
+                </a:solidFill>
+                <a:effectLst/>
+                <a:uLnTx/>
+                <a:uFillTx/>
+                <a:latin typeface="Calibri"/>
+                <a:ea typeface="黑体"/>
+                <a:cs typeface="+mn-cs"/>
+              </a:rPr>
+            </a:fld>
+            <a:endParaRPr kumimoji="0" lang="zh-CN" altLang="en-US" sz="1200" b="0" i="0" u="none" strike="noStrike" kern="1200" cap="none" spc="0" normalizeH="0" baseline="0" noProof="0">
+              <a:ln>
+                <a:noFill/>
+              </a:ln>
+              <a:solidFill>
+                <a:prstClr val="black">
+                  <a:tint val="75000"/>
+                </a:prstClr>
+              </a:solidFill>
+              <a:effectLst/>
+              <a:uLnTx/>
+              <a:uFillTx/>
+              <a:latin typeface="Calibri"/>
+              <a:ea typeface="黑体"/>
+              <a:cs typeface="+mn-cs"/>
+            </a:endParaRPr>
+          </a:p>
+        </p:txBody>
+      </p:sp>
+    </p:spTree>
+  </p:cSld>
+  <p:clrMapOvr>
+    <a:masterClrMapping/>
+  </p:clrMapOvr>
+</p:sld>
+</file>
+
+<file path=ppt/slides/slide14.xml><?xml version="1.0" encoding="utf-8"?>
+<p:sld xmlns:a="http://schemas.openxmlformats.org/drawingml/2006/main" xmlns:r="http://schemas.openxmlformats.org/officeDocument/2006/relationships" xmlns:p="http://schemas.openxmlformats.org/presentationml/2006/main">
+  <p:cSld>
+    <p:spTree>
+      <p:nvGrpSpPr>
+        <p:cNvPr id="1" name=""/>
+        <p:cNvGrpSpPr/>
+        <p:nvPr/>
+      </p:nvGrpSpPr>
+      <p:grpSpPr>
+        <a:xfrm>
+          <a:off x="0" y="0"/>
+          <a:ext cx="0" cy="0"/>
+          <a:chOff x="0" y="0"/>
+          <a:chExt cx="0" cy="0"/>
+        </a:xfrm>
+      </p:grpSpPr>
+      <p:sp>
+        <p:nvSpPr>
+          <p:cNvPr id="5" name="页脚占位符 4"/>
+          <p:cNvSpPr>
+            <a:spLocks noGrp="1"/>
+          </p:cNvSpPr>
+          <p:nvPr>
+            <p:ph type="ftr" sz="quarter" idx="11"/>
+          </p:nvPr>
+        </p:nvSpPr>
+        <p:spPr/>
+        <p:txBody>
+          <a:bodyPr/>
+          <a:lstStyle/>
+          <a:p>
+            <a:r>
+              <a:rPr lang="en-GB" altLang="zh-CN">
+                <a:sym typeface="+mn-ea"/>
+              </a:rPr>
+              <a:t>DistAI</a:t>
+            </a:r>
+            <a:r>
+              <a:rPr lang="zh-CN" altLang="en-US">
+                <a:sym typeface="+mn-ea"/>
+              </a:rPr>
+              <a:t>项目：一周工作进展</a:t>
+            </a:r>
+            <a:endParaRPr lang="zh-CN" altLang="en-US" dirty="0"/>
+          </a:p>
+        </p:txBody>
+      </p:sp>
+      <p:sp>
+        <p:nvSpPr>
+          <p:cNvPr id="8" name="标题 7"/>
+          <p:cNvSpPr>
+            <a:spLocks noGrp="1"/>
+          </p:cNvSpPr>
+          <p:nvPr>
+            <p:ph type="title"/>
+          </p:nvPr>
+        </p:nvSpPr>
+        <p:spPr/>
+        <p:txBody>
+          <a:bodyPr/>
+          <a:lstStyle/>
+          <a:p>
+            <a:endParaRPr lang="zh-CN" altLang="en-US" dirty="0"/>
+          </a:p>
+        </p:txBody>
+      </p:sp>
+      <p:sp>
+        <p:nvSpPr>
+          <p:cNvPr id="9" name="标题 1"/>
+          <p:cNvSpPr txBox="1"/>
+          <p:nvPr/>
+        </p:nvSpPr>
+        <p:spPr>
+          <a:xfrm>
+            <a:off x="3528972" y="2000043"/>
+            <a:ext cx="5155205" cy="2620448"/>
+          </a:xfrm>
+          <a:prstGeom prst="rect">
+            <a:avLst/>
+          </a:prstGeom>
+        </p:spPr>
+        <p:txBody>
+          <a:bodyPr vert="horz" lIns="91440" tIns="45720" rIns="91440" bIns="45720" rtlCol="0" anchor="ctr">
+            <a:noAutofit/>
+          </a:bodyPr>
+          <a:lstStyle>
+            <a:lvl1pPr algn="l" defTabSz="685800" rtl="0" eaLnBrk="1" latinLnBrk="0" hangingPunct="1">
+              <a:lnSpc>
+                <a:spcPct val="90000"/>
+              </a:lnSpc>
+              <a:spcBef>
+                <a:spcPct val="0"/>
+              </a:spcBef>
+              <a:buNone/>
+              <a:defRPr sz="4300" b="1" kern="1200" baseline="0">
+                <a:solidFill>
+                  <a:schemeClr val="bg1"/>
+                </a:solidFill>
+                <a:latin typeface="Verdana" panose="020B0604030504040204" pitchFamily="34" charset="0"/>
+                <a:ea typeface="黑体" panose="02010609060101010101" pitchFamily="49" charset="-122"/>
+                <a:cs typeface="+mj-cs"/>
+              </a:defRPr>
+            </a:lvl1pPr>
+          </a:lstStyle>
+          <a:p>
+            <a:pPr algn="ctr">
+              <a:lnSpc>
+                <a:spcPct val="150000"/>
+              </a:lnSpc>
+            </a:pPr>
+            <a:r>
+              <a:rPr lang="en-US" altLang="zh-CN" sz="5400" dirty="0">
+                <a:solidFill>
+                  <a:srgbClr val="5F1051"/>
+                </a:solidFill>
+                <a:latin typeface="Lucida Calligraphy" panose="03010101010101010101" pitchFamily="66" charset="0"/>
+                <a:ea typeface="幼圆" panose="02010509060101010101" pitchFamily="49" charset="-122"/>
+                <a:cs typeface="Arial" panose="020B0604020202020204" pitchFamily="34" charset="0"/>
+              </a:rPr>
+              <a:t>Thank You</a:t>
+            </a:r>
+            <a:endParaRPr lang="en-US" altLang="zh-CN" sz="5400" dirty="0">
+              <a:solidFill>
+                <a:srgbClr val="5F1051"/>
+              </a:solidFill>
+              <a:latin typeface="Lucida Calligraphy" panose="03010101010101010101" pitchFamily="66" charset="0"/>
+              <a:ea typeface="幼圆" panose="02010509060101010101" pitchFamily="49" charset="-122"/>
+              <a:cs typeface="Arial" panose="020B0604020202020204" pitchFamily="34" charset="0"/>
+            </a:endParaRPr>
+          </a:p>
+        </p:txBody>
+      </p:sp>
+      <p:sp>
+        <p:nvSpPr>
+          <p:cNvPr id="4" name="日期占位符 3"/>
+          <p:cNvSpPr>
+            <a:spLocks noGrp="1"/>
+          </p:cNvSpPr>
+          <p:nvPr>
+            <p:ph type="dt" sz="half" idx="10"/>
+          </p:nvPr>
+        </p:nvSpPr>
+        <p:spPr/>
+        <p:txBody>
+          <a:bodyPr/>
+          <a:lstStyle/>
+          <a:p>
+            <a:fld id="{C0BEF7A1-0C0D-F743-88CC-95CC7BA40357}" type="datetime1">
+              <a:rPr lang="zh-CN" altLang="en-US" smtClean="0"/>
+            </a:fld>
+            <a:endParaRPr lang="zh-CN" altLang="en-US"/>
+          </a:p>
+        </p:txBody>
+      </p:sp>
+    </p:spTree>
+  </p:cSld>
+  <p:clrMapOvr>
+    <a:masterClrMapping/>
+  </p:clrMapOvr>
+</p:sld>
+</file>
+
+<file path=ppt/slides/slide2.xml><?xml version="1.0" encoding="utf-8"?>
+<p:sld xmlns:a="http://schemas.openxmlformats.org/drawingml/2006/main" xmlns:r="http://schemas.openxmlformats.org/officeDocument/2006/relationships" xmlns:p="http://schemas.openxmlformats.org/presentationml/2006/main">
+  <p:cSld>
+    <p:spTree>
+      <p:nvGrpSpPr>
+        <p:cNvPr id="1" name=""/>
+        <p:cNvGrpSpPr/>
+        <p:nvPr/>
+      </p:nvGrpSpPr>
+      <p:grpSpPr>
+        <a:xfrm>
+          <a:off x="0" y="0"/>
+          <a:ext cx="0" cy="0"/>
+          <a:chOff x="0" y="0"/>
+          <a:chExt cx="0" cy="0"/>
+        </a:xfrm>
+      </p:grpSpPr>
+      <p:sp>
+        <p:nvSpPr>
           <p:cNvPr id="2" name="标题 1"/>
           <p:cNvSpPr>
             <a:spLocks noGrp="1"/>
@@ -7130,6 +9225,14 @@
               </a:rPr>
               <a:t>协议整理</a:t>
             </a:r>
+            <a:endParaRPr lang="zh-CN" altLang="en-US" b="0" spc="-1" dirty="0">
+              <a:solidFill>
+                <a:srgbClr val="000000"/>
+              </a:solidFill>
+              <a:latin typeface="Arial" panose="020B0604020202020204"/>
+              <a:ea typeface="黑体"/>
+              <a:sym typeface="+mn-ea"/>
+            </a:endParaRPr>
           </a:p>
         </p:txBody>
       </p:sp>
@@ -7157,6 +9260,7 @@
               <a:rPr lang="zh-CN" altLang="en-US" dirty="0"/>
               <a:t>出现的逻辑运算符和量词</a:t>
             </a:r>
+            <a:endParaRPr lang="zh-CN" altLang="en-US" dirty="0"/>
           </a:p>
           <a:p>
             <a:pPr lvl="1"/>
@@ -7164,6 +9268,7 @@
               <a:rPr lang="en-US" altLang="zh-CN" dirty="0"/>
               <a:t>&amp; | -&gt; = ~ </a:t>
             </a:r>
+            <a:endParaRPr lang="en-US" altLang="zh-CN" dirty="0"/>
           </a:p>
           <a:p>
             <a:pPr lvl="1"/>
@@ -7171,6 +9276,7 @@
               <a:rPr lang="en-US" altLang="zh-CN" dirty="0"/>
               <a:t>forall</a:t>
             </a:r>
+            <a:endParaRPr lang="en-US" altLang="zh-CN" dirty="0"/>
           </a:p>
           <a:p>
             <a:pPr lvl="1"/>
@@ -7178,6 +9284,7 @@
               <a:rPr lang="zh-CN" altLang="en-US" dirty="0"/>
               <a:t>都是非常容易转化的</a:t>
             </a:r>
+            <a:endParaRPr lang="zh-CN" altLang="en-US" dirty="0"/>
           </a:p>
           <a:p>
             <a:pPr lvl="1"/>
@@ -7193,6 +9300,7 @@
               <a:rPr lang="zh-CN" altLang="en-US" dirty="0"/>
               <a:t>语法</a:t>
             </a:r>
+            <a:endParaRPr lang="zh-CN" altLang="en-US" dirty="0"/>
           </a:p>
         </p:txBody>
       </p:sp>
@@ -7240,7 +9348,6 @@
           <a:p>
             <a:fld id="{48C0F002-9E81-334E-9897-686C0F3A095B}" type="datetime1">
               <a:rPr lang="zh-CN" altLang="en-US" smtClean="0"/>
-              <a:t>2022/5/20</a:t>
             </a:fld>
             <a:endParaRPr lang="zh-CN" altLang="en-US"/>
           </a:p>
@@ -7263,7 +9370,6 @@
           <a:p>
             <a:fld id="{FDF96B62-0E79-44B5-BB83-6AF64255BCDF}" type="slidenum">
               <a:rPr lang="zh-CN" altLang="en-US" smtClean="0"/>
-              <a:t>1</a:t>
             </a:fld>
             <a:endParaRPr lang="zh-CN" altLang="en-US"/>
           </a:p>
@@ -7459,6 +9565,7 @@
               <a:rPr lang="zh-CN" altLang="en-US" dirty="0"/>
               <a:t>转换策略</a:t>
             </a:r>
+            <a:endParaRPr lang="zh-CN" altLang="en-US" dirty="0"/>
           </a:p>
           <a:p>
             <a:pPr lvl="1"/>
@@ -7474,253 +9581,10 @@
               <a:rPr lang="zh-CN" altLang="en-US" dirty="0"/>
               <a:t>的类型检查</a:t>
             </a:r>
-          </a:p>
-        </p:txBody>
-      </p:sp>
-    </p:spTree>
-  </p:cSld>
-  <p:clrMapOvr>
-    <a:masterClrMapping/>
-  </p:clrMapOvr>
-</p:sld>
-</file>
-
-<file path=ppt/slides/slide2.xml><?xml version="1.0" encoding="utf-8"?>
-<p:sld xmlns:a="http://schemas.openxmlformats.org/drawingml/2006/main" xmlns:r="http://schemas.openxmlformats.org/officeDocument/2006/relationships" xmlns:p="http://schemas.openxmlformats.org/presentationml/2006/main">
-  <p:cSld>
-    <p:spTree>
-      <p:nvGrpSpPr>
-        <p:cNvPr id="1" name=""/>
-        <p:cNvGrpSpPr/>
-        <p:nvPr/>
-      </p:nvGrpSpPr>
-      <p:grpSpPr>
-        <a:xfrm>
-          <a:off x="0" y="0"/>
-          <a:ext cx="0" cy="0"/>
-          <a:chOff x="0" y="0"/>
-          <a:chExt cx="0" cy="0"/>
-        </a:xfrm>
-      </p:grpSpPr>
-      <p:sp>
-        <p:nvSpPr>
-          <p:cNvPr id="2" name="标题 1"/>
-          <p:cNvSpPr>
-            <a:spLocks noGrp="1"/>
-          </p:cNvSpPr>
-          <p:nvPr>
-            <p:ph type="title"/>
-          </p:nvPr>
-        </p:nvSpPr>
-        <p:spPr/>
-        <p:txBody>
-          <a:bodyPr>
-            <a:normAutofit/>
-          </a:bodyPr>
-          <a:lstStyle/>
-          <a:p>
-            <a:r>
-              <a:rPr lang="en-US" b="0" spc="-1" dirty="0">
-                <a:solidFill>
-                  <a:srgbClr val="000000"/>
-                </a:solidFill>
-                <a:latin typeface="Arial" panose="020B0604020202020204"/>
-                <a:ea typeface="黑体"/>
-                <a:sym typeface="+mn-ea"/>
-              </a:rPr>
-              <a:t>Apalache</a:t>
-            </a:r>
-            <a:r>
-              <a:rPr lang="zh-CN" altLang="en-US" b="0" spc="-1" dirty="0">
-                <a:solidFill>
-                  <a:srgbClr val="000000"/>
-                </a:solidFill>
-                <a:latin typeface="Arial" panose="020B0604020202020204"/>
-                <a:ea typeface="黑体"/>
-                <a:sym typeface="+mn-ea"/>
-              </a:rPr>
-              <a:t>相关</a:t>
-            </a:r>
-          </a:p>
-        </p:txBody>
-      </p:sp>
-      <p:sp>
-        <p:nvSpPr>
-          <p:cNvPr id="3" name="内容占位符 2"/>
-          <p:cNvSpPr>
-            <a:spLocks noGrp="1"/>
-          </p:cNvSpPr>
-          <p:nvPr>
-            <p:ph idx="1"/>
-          </p:nvPr>
-        </p:nvSpPr>
-        <p:spPr>
-          <a:xfrm>
-            <a:off x="520700" y="1278255"/>
-            <a:ext cx="11160125" cy="1598295"/>
-          </a:xfrm>
-        </p:spPr>
-        <p:txBody>
-          <a:bodyPr/>
-          <a:lstStyle/>
-          <a:p>
-            <a:r>
-              <a:rPr lang="en-US" altLang="zh-CN" dirty="0"/>
-              <a:t>Apalache Type Checker</a:t>
-            </a:r>
-          </a:p>
-          <a:p>
-            <a:pPr lvl="1"/>
-            <a:r>
-              <a:rPr lang="zh-CN" altLang="en-US" dirty="0"/>
-              <a:t>可以直接使用</a:t>
-            </a:r>
-            <a:r>
-              <a:rPr lang="en-US" altLang="zh-CN" dirty="0"/>
-              <a:t>type checker</a:t>
-            </a:r>
-            <a:r>
-              <a:rPr lang="zh-CN" altLang="en-US" dirty="0"/>
-              <a:t>独立进行检查</a:t>
-            </a:r>
-          </a:p>
-          <a:p>
-            <a:pPr lvl="1"/>
-            <a:r>
-              <a:rPr lang="zh-CN" altLang="en-US" dirty="0"/>
-              <a:t>在TLA+注释中引入了类似Java的注释</a:t>
-            </a:r>
-          </a:p>
-          <a:p>
-            <a:pPr lvl="1"/>
-            <a:r>
-              <a:rPr lang="zh-CN" altLang="en-US" dirty="0"/>
-              <a:t>类型检查器会自动查找许多操作符号的类型</a:t>
-            </a:r>
-          </a:p>
-        </p:txBody>
-      </p:sp>
-      <p:sp>
-        <p:nvSpPr>
-          <p:cNvPr id="5" name="页脚占位符 4"/>
-          <p:cNvSpPr>
-            <a:spLocks noGrp="1"/>
-          </p:cNvSpPr>
-          <p:nvPr>
-            <p:ph type="ftr" sz="quarter" idx="11"/>
-          </p:nvPr>
-        </p:nvSpPr>
-        <p:spPr/>
-        <p:txBody>
-          <a:bodyPr/>
-          <a:lstStyle/>
-          <a:p>
-            <a:r>
-              <a:rPr lang="en-GB" altLang="zh-CN"/>
-              <a:t>DistAI</a:t>
-            </a:r>
-            <a:r>
-              <a:rPr lang="zh-CN" altLang="en-US"/>
-              <a:t>项目：一周工作进展</a:t>
-            </a:r>
             <a:endParaRPr lang="zh-CN" altLang="en-US" dirty="0"/>
           </a:p>
         </p:txBody>
       </p:sp>
-      <p:sp>
-        <p:nvSpPr>
-          <p:cNvPr id="7" name="日期占位符 6"/>
-          <p:cNvSpPr>
-            <a:spLocks noGrp="1"/>
-          </p:cNvSpPr>
-          <p:nvPr>
-            <p:ph type="dt" sz="half" idx="10"/>
-          </p:nvPr>
-        </p:nvSpPr>
-        <p:spPr/>
-        <p:txBody>
-          <a:bodyPr/>
-          <a:lstStyle/>
-          <a:p>
-            <a:fld id="{48C0F002-9E81-334E-9897-686C0F3A095B}" type="datetime1">
-              <a:rPr lang="zh-CN" altLang="en-US" smtClean="0"/>
-              <a:t>2022/5/20</a:t>
-            </a:fld>
-            <a:endParaRPr lang="zh-CN" altLang="en-US"/>
-          </a:p>
-        </p:txBody>
-      </p:sp>
-      <p:sp>
-        <p:nvSpPr>
-          <p:cNvPr id="6" name="灯片编号占位符 5"/>
-          <p:cNvSpPr>
-            <a:spLocks noGrp="1"/>
-          </p:cNvSpPr>
-          <p:nvPr>
-            <p:ph type="sldNum" sz="quarter" idx="12"/>
-          </p:nvPr>
-        </p:nvSpPr>
-        <p:spPr/>
-        <p:txBody>
-          <a:bodyPr/>
-          <a:lstStyle/>
-          <a:p>
-            <a:fld id="{FDF96B62-0E79-44B5-BB83-6AF64255BCDF}" type="slidenum">
-              <a:rPr lang="zh-CN" altLang="en-US" smtClean="0"/>
-              <a:t>2</a:t>
-            </a:fld>
-            <a:endParaRPr lang="zh-CN" altLang="en-US"/>
-          </a:p>
-        </p:txBody>
-      </p:sp>
-      <p:pic>
-        <p:nvPicPr>
-          <p:cNvPr id="4" name="图片 3" descr="835E58D7-0934-4704-8301-39C5AAFB949E"/>
-          <p:cNvPicPr>
-            <a:picLocks noChangeAspect="1"/>
-          </p:cNvPicPr>
-          <p:nvPr/>
-        </p:nvPicPr>
-        <p:blipFill>
-          <a:blip r:embed="rId3"/>
-          <a:stretch>
-            <a:fillRect/>
-          </a:stretch>
-        </p:blipFill>
-        <p:spPr>
-          <a:xfrm>
-            <a:off x="1045845" y="3027045"/>
-            <a:ext cx="5194935" cy="1598295"/>
-          </a:xfrm>
-          <a:prstGeom prst="rect">
-            <a:avLst/>
-          </a:prstGeom>
-        </p:spPr>
-      </p:pic>
-      <p:pic>
-        <p:nvPicPr>
-          <p:cNvPr id="9" name="图片 8" descr="E1660D42-E3B2-4615-81FA-FAB05889B81C"/>
-          <p:cNvPicPr>
-            <a:picLocks noChangeAspect="1"/>
-          </p:cNvPicPr>
-          <p:nvPr/>
-        </p:nvPicPr>
-        <p:blipFill>
-          <a:blip r:embed="rId4"/>
-          <a:stretch>
-            <a:fillRect/>
-          </a:stretch>
-        </p:blipFill>
-        <p:spPr>
-          <a:xfrm>
-            <a:off x="1045845" y="4937760"/>
-            <a:ext cx="6272530" cy="914400"/>
-          </a:xfrm>
-          <a:prstGeom prst="rect">
-            <a:avLst/>
-          </a:prstGeom>
-        </p:spPr>
-      </p:pic>
     </p:spTree>
   </p:cSld>
   <p:clrMapOvr>
@@ -7764,6 +9628,17 @@
           <a:lstStyle/>
           <a:p>
             <a:r>
+              <a:rPr lang="en-US" b="0" spc="-1" dirty="0">
+                <a:solidFill>
+                  <a:srgbClr val="000000"/>
+                </a:solidFill>
+                <a:latin typeface="Arial" panose="020B0604020202020204"/>
+                <a:ea typeface="黑体"/>
+                <a:sym typeface="+mn-ea"/>
+              </a:rPr>
+              <a:t>Apalache</a:t>
+            </a:r>
+            <a:r>
               <a:rPr lang="zh-CN" altLang="en-US" b="0" spc="-1" dirty="0">
                 <a:solidFill>
                   <a:srgbClr val="000000"/>
@@ -7772,8 +9647,16 @@
                 <a:ea typeface="黑体"/>
                 <a:sym typeface="+mn-ea"/>
               </a:rPr>
-              <a:t>注释详解</a:t>
-            </a:r>
+              <a:t>相关</a:t>
+            </a:r>
+            <a:endParaRPr lang="zh-CN" altLang="en-US" b="0" spc="-1" dirty="0">
+              <a:solidFill>
+                <a:srgbClr val="000000"/>
+              </a:solidFill>
+              <a:latin typeface="Arial" panose="020B0604020202020204"/>
+              <a:ea typeface="黑体"/>
+              <a:sym typeface="+mn-ea"/>
+            </a:endParaRPr>
           </a:p>
         </p:txBody>
       </p:sp>
@@ -7789,8 +9672,8 @@
         </p:nvSpPr>
         <p:spPr>
           <a:xfrm>
-            <a:off x="515620" y="1026160"/>
-            <a:ext cx="11160125" cy="4944745"/>
+            <a:off x="520700" y="1278255"/>
+            <a:ext cx="11160125" cy="1598295"/>
           </a:xfrm>
         </p:spPr>
         <p:txBody>
@@ -7798,79 +9681,42 @@
           <a:lstStyle/>
           <a:p>
             <a:r>
+              <a:rPr lang="en-US" altLang="zh-CN" dirty="0"/>
+              <a:t>Apalache Type Checker</a:t>
+            </a:r>
+            <a:endParaRPr lang="en-US" altLang="zh-CN" dirty="0"/>
+          </a:p>
+          <a:p>
+            <a:pPr lvl="1"/>
+            <a:r>
               <a:rPr lang="zh-CN" altLang="en-US" dirty="0"/>
-              <a:t>注释</a:t>
-            </a:r>
+              <a:t>可以直接使用</a:t>
+            </a:r>
+            <a:r>
+              <a:rPr lang="en-US" altLang="zh-CN" dirty="0"/>
+              <a:t>type checker</a:t>
+            </a:r>
+            <a:r>
+              <a:rPr lang="zh-CN" altLang="en-US" dirty="0"/>
+              <a:t>独立进行检查</a:t>
+            </a:r>
+            <a:endParaRPr lang="zh-CN" altLang="en-US" dirty="0"/>
           </a:p>
           <a:p>
             <a:pPr lvl="1"/>
             <a:r>
-              <a:rPr lang="en-US" altLang="zh-CN" dirty="0"/>
-              <a:t>Recipe variables </a:t>
-            </a:r>
-          </a:p>
-          <a:p>
-            <a:pPr lvl="2"/>
-            <a:r>
-              <a:rPr lang="en-US" altLang="zh-CN" dirty="0"/>
-              <a:t>@type:Int;</a:t>
-            </a:r>
+              <a:rPr lang="zh-CN" altLang="en-US" dirty="0"/>
+              <a:t>在TLA+注释中引入了类似Java的注释</a:t>
+            </a:r>
+            <a:endParaRPr lang="zh-CN" altLang="en-US" dirty="0"/>
           </a:p>
           <a:p>
             <a:pPr lvl="1"/>
             <a:r>
-              <a:rPr lang="en-US" altLang="zh-CN" dirty="0"/>
-              <a:t>Constants</a:t>
-            </a:r>
-          </a:p>
-          <a:p>
-            <a:pPr lvl="1"/>
-            <a:r>
-              <a:rPr lang="en-US" altLang="zh-CN" dirty="0"/>
-              <a:t>Operators </a:t>
-            </a:r>
-          </a:p>
-          <a:p>
-            <a:pPr lvl="2"/>
-            <a:r>
-              <a:rPr lang="en-US" altLang="zh-CN" dirty="0"/>
-              <a:t>\* @type: (Set(Int), Int -&gt; Int) =&gt; Set(Int); </a:t>
-            </a:r>
-            <a:r>
-              <a:rPr lang="en-US" altLang="zh-CN" dirty="0">
-                <a:sym typeface="+mn-ea"/>
-              </a:rPr>
-              <a:t>Image(S, B) == {B[x] : x \in S}</a:t>
-            </a:r>
-            <a:endParaRPr lang="en-US" altLang="zh-CN" dirty="0"/>
-          </a:p>
-          <a:p>
-            <a:pPr lvl="1"/>
-            <a:r>
-              <a:rPr lang="en-US" altLang="zh-CN" dirty="0"/>
-              <a:t>Records</a:t>
-            </a:r>
-          </a:p>
-          <a:p>
-            <a:pPr lvl="2"/>
-            <a:r>
-              <a:rPr lang="en-US" altLang="zh-CN" dirty="0"/>
-              <a:t>msgs is a set contains records of two types:[type: Str] and [type: Str, rm: RM]</a:t>
-            </a:r>
-          </a:p>
-          <a:p>
-            <a:pPr lvl="2"/>
-            <a:r>
-              <a:rPr lang="en-US" altLang="zh-CN" dirty="0"/>
-              <a:t>  \* @type: Set([type: Str, rm: RM]); msgs </a:t>
-            </a:r>
-          </a:p>
-          <a:p>
-            <a:pPr lvl="2"/>
-            <a:r>
-              <a:rPr lang="en-US" altLang="zh-CN" dirty="0"/>
-              <a:t>an incorrect field access</a:t>
-            </a:r>
+              <a:rPr lang="zh-CN" altLang="en-US" dirty="0"/>
+              <a:t>类型检查器会自动查找许多操作符号的类型</a:t>
+            </a:r>
+            <a:endParaRPr lang="zh-CN" altLang="en-US" dirty="0"/>
           </a:p>
         </p:txBody>
       </p:sp>
@@ -7918,7 +9764,6 @@
           <a:p>
             <a:fld id="{48C0F002-9E81-334E-9897-686C0F3A095B}" type="datetime1">
               <a:rPr lang="zh-CN" altLang="en-US" smtClean="0"/>
-              <a:t>2022/5/20</a:t>
             </a:fld>
             <a:endParaRPr lang="zh-CN" altLang="en-US"/>
           </a:p>
@@ -7941,12 +9786,59 @@
           <a:p>
             <a:fld id="{FDF96B62-0E79-44B5-BB83-6AF64255BCDF}" type="slidenum">
               <a:rPr lang="zh-CN" altLang="en-US" smtClean="0"/>
-              <a:t>3</a:t>
             </a:fld>
             <a:endParaRPr lang="zh-CN" altLang="en-US"/>
           </a:p>
         </p:txBody>
       </p:sp>
+      <p:pic>
+        <p:nvPicPr>
+          <p:cNvPr id="4" name="图片 3" descr="835E58D7-0934-4704-8301-39C5AAFB949E"/>
+          <p:cNvPicPr>
+            <a:picLocks noChangeAspect="1"/>
+          </p:cNvPicPr>
+          <p:nvPr/>
+        </p:nvPicPr>
+        <p:blipFill>
+          <a:blip r:embed="rId1"/>
+          <a:stretch>
+            <a:fillRect/>
+          </a:stretch>
+        </p:blipFill>
+        <p:spPr>
+          <a:xfrm>
+            <a:off x="1045845" y="3027045"/>
+            <a:ext cx="5194935" cy="1598295"/>
+          </a:xfrm>
+          <a:prstGeom prst="rect">
+            <a:avLst/>
+          </a:prstGeom>
+        </p:spPr>
+      </p:pic>
+      <p:pic>
+        <p:nvPicPr>
+          <p:cNvPr id="9" name="图片 8" descr="E1660D42-E3B2-4615-81FA-FAB05889B81C"/>
+          <p:cNvPicPr>
+            <a:picLocks noChangeAspect="1"/>
+          </p:cNvPicPr>
+          <p:nvPr/>
+        </p:nvPicPr>
+        <p:blipFill>
+          <a:blip r:embed="rId2"/>
+          <a:stretch>
+            <a:fillRect/>
+          </a:stretch>
+        </p:blipFill>
+        <p:spPr>
+          <a:xfrm>
+            <a:off x="1045845" y="4937760"/>
+            <a:ext cx="6272530" cy="914400"/>
+          </a:xfrm>
+          <a:prstGeom prst="rect">
+            <a:avLst/>
+          </a:prstGeom>
+        </p:spPr>
+      </p:pic>
     </p:spTree>
   </p:cSld>
   <p:clrMapOvr>
@@ -8000,6 +9892,14 @@
               </a:rPr>
               <a:t>注释详解</a:t>
             </a:r>
+            <a:endParaRPr lang="zh-CN" altLang="en-US" b="0" spc="-1" dirty="0">
+              <a:solidFill>
+                <a:srgbClr val="000000"/>
+              </a:solidFill>
+              <a:latin typeface="Arial" panose="020B0604020202020204"/>
+              <a:ea typeface="黑体"/>
+              <a:sym typeface="+mn-ea"/>
+            </a:endParaRPr>
           </a:p>
         </p:txBody>
       </p:sp>
@@ -8027,81 +9927,83 @@
               <a:rPr lang="zh-CN" altLang="en-US" dirty="0"/>
               <a:t>注释</a:t>
             </a:r>
+            <a:endParaRPr lang="zh-CN" altLang="en-US" dirty="0"/>
           </a:p>
           <a:p>
             <a:pPr lvl="1"/>
             <a:r>
               <a:rPr lang="en-US" altLang="zh-CN" dirty="0"/>
-              <a:t>Functions as sequences</a:t>
-            </a:r>
+              <a:t>Recipe variables </a:t>
+            </a:r>
+            <a:endParaRPr lang="en-US" altLang="zh-CN" dirty="0"/>
           </a:p>
           <a:p>
             <a:pPr lvl="2"/>
             <a:r>
               <a:rPr lang="en-US" altLang="zh-CN" dirty="0"/>
-              <a:t>\* @type: (Seq(Int), Int, Int) =&gt; Bool;  Attacks(queens,i,j) == ...</a:t>
-            </a:r>
+              <a:t>@type:Int;</a:t>
+            </a:r>
+            <a:endParaRPr lang="en-US" altLang="zh-CN" dirty="0"/>
           </a:p>
           <a:p>
             <a:pPr lvl="1"/>
             <a:r>
               <a:rPr lang="en-US" altLang="zh-CN" dirty="0"/>
-              <a:t>Type Aliases</a:t>
-            </a:r>
+              <a:t>Constants</a:t>
+            </a:r>
+            <a:endParaRPr lang="en-US" altLang="zh-CN" dirty="0"/>
+          </a:p>
+          <a:p>
+            <a:pPr lvl="1"/>
+            <a:r>
+              <a:rPr lang="en-US" altLang="zh-CN" dirty="0"/>
+              <a:t>Operators </a:t>
+            </a:r>
+            <a:endParaRPr lang="en-US" altLang="zh-CN" dirty="0"/>
           </a:p>
           <a:p>
             <a:pPr lvl="2"/>
             <a:r>
               <a:rPr lang="en-US" altLang="zh-CN" dirty="0"/>
-              <a:t>\* @typeAlias: ALIAS = &lt;type&gt;;</a:t>
-            </a:r>
-          </a:p>
-          <a:p>
-            <a:pPr lvl="1"/>
-            <a:r>
-              <a:rPr lang="en-US" altLang="zh-CN" dirty="0"/>
-              <a:t>Multi-line</a:t>
-            </a:r>
-          </a:p>
-          <a:p>
-            <a:pPr lvl="1"/>
-            <a:r>
-              <a:rPr lang="en-US" altLang="zh-CN" dirty="0"/>
-              <a:t>Comments</a:t>
-            </a:r>
-          </a:p>
-          <a:p>
-            <a:pPr lvl="1"/>
-            <a:r>
-              <a:rPr lang="zh-CN" altLang="en-US" dirty="0"/>
-              <a:t>大多数注释都是在关键字和变量之间</a:t>
-            </a:r>
-          </a:p>
-          <a:p>
-            <a:pPr lvl="1"/>
+              <a:t>\* @type: (Set(Int), Int -&gt; Int) =&gt; Set(Int); </a:t>
+            </a:r>
             <a:r>
               <a:rPr lang="en-US" altLang="zh-CN" dirty="0">
                 <a:sym typeface="+mn-ea"/>
               </a:rPr>
-              <a:t>LOCAL</a:t>
-            </a:r>
-            <a:r>
-              <a:rPr lang="zh-CN" altLang="en-US" dirty="0">
-                <a:sym typeface="+mn-ea"/>
-              </a:rPr>
-              <a:t>的注释在</a:t>
-            </a:r>
-            <a:r>
-              <a:rPr lang="en-US" altLang="zh-CN" dirty="0">
-                <a:sym typeface="+mn-ea"/>
-              </a:rPr>
-              <a:t>LOCAL</a:t>
-            </a:r>
-            <a:r>
-              <a:rPr lang="zh-CN" altLang="en-US" dirty="0">
-                <a:sym typeface="+mn-ea"/>
-              </a:rPr>
-              <a:t>关键字之前</a:t>
+              <a:t>Image(S, B) == {B[x] : x \in S}</a:t>
+            </a:r>
+            <a:endParaRPr lang="en-US" altLang="zh-CN" dirty="0"/>
+          </a:p>
+          <a:p>
+            <a:pPr lvl="1"/>
+            <a:r>
+              <a:rPr lang="en-US" altLang="zh-CN" dirty="0"/>
+              <a:t>Records</a:t>
+            </a:r>
+            <a:endParaRPr lang="en-US" altLang="zh-CN" dirty="0"/>
+          </a:p>
+          <a:p>
+            <a:pPr lvl="2"/>
+            <a:r>
+              <a:rPr lang="en-US" altLang="zh-CN" dirty="0"/>
+              <a:t>msgs is a set contains records of two types:[type: Str] and [type: Str, rm: RM]</a:t>
+            </a:r>
+            <a:endParaRPr lang="en-US" altLang="zh-CN" dirty="0"/>
+          </a:p>
+          <a:p>
+            <a:pPr lvl="2"/>
+            <a:r>
+              <a:rPr lang="en-US" altLang="zh-CN" dirty="0"/>
+              <a:t>  \* @type: Set([type: Str, rm: RM]); msgs </a:t>
+            </a:r>
+            <a:endParaRPr lang="en-US" altLang="zh-CN" dirty="0"/>
+          </a:p>
+          <a:p>
+            <a:pPr lvl="2"/>
+            <a:r>
+              <a:rPr lang="en-US" altLang="zh-CN" dirty="0"/>
+              <a:t>an incorrect field access</a:t>
             </a:r>
             <a:endParaRPr lang="en-US" altLang="zh-CN" dirty="0"/>
           </a:p>
@@ -8151,7 +10053,6 @@
           <a:p>
             <a:fld id="{48C0F002-9E81-334E-9897-686C0F3A095B}" type="datetime1">
               <a:rPr lang="zh-CN" altLang="en-US" smtClean="0"/>
-              <a:t>2022/5/20</a:t>
             </a:fld>
             <a:endParaRPr lang="zh-CN" altLang="en-US"/>
           </a:p>
@@ -8174,52 +10075,7 @@
           <a:p>
             <a:fld id="{FDF96B62-0E79-44B5-BB83-6AF64255BCDF}" type="slidenum">
               <a:rPr lang="zh-CN" altLang="en-US" smtClean="0"/>
-              <a:t>4</a:t>
             </a:fld>
-            <a:endParaRPr lang="zh-CN" altLang="en-US"/>
-          </a:p>
-        </p:txBody>
-      </p:sp>
-      <p:sp>
-        <p:nvSpPr>
-          <p:cNvPr id="4" name="文本框 3"/>
-          <p:cNvSpPr txBox="1"/>
-          <p:nvPr/>
-        </p:nvSpPr>
-        <p:spPr>
-          <a:xfrm>
-            <a:off x="582295" y="5066030"/>
-            <a:ext cx="11073130" cy="645160"/>
-          </a:xfrm>
-          <a:prstGeom prst="rect">
-            <a:avLst/>
-          </a:prstGeom>
-          <a:noFill/>
-        </p:spPr>
-        <p:txBody>
-          <a:bodyPr wrap="square" rtlCol="0">
-            <a:spAutoFit/>
-          </a:bodyPr>
-          <a:lstStyle/>
-          <a:p>
-            <a:r>
-              <a:rPr lang="zh-CN" altLang="en-US"/>
-              <a:t>参考文档</a:t>
-            </a:r>
-            <a:r>
-              <a:rPr lang="en-US" altLang="zh-CN"/>
-              <a:t>:</a:t>
-            </a:r>
-            <a:r>
-              <a:rPr lang="zh-CN" altLang="en-US"/>
-              <a:t>https://apalache.informal.systems/docs/HOWTOs/howto-write-type-annotations.html</a:t>
-            </a:r>
-          </a:p>
-          <a:p>
-            <a:r>
-              <a:rPr lang="en-US" altLang="zh-CN"/>
-              <a:t>		 https://apalache.informal.systems/docs/adr/002adr-types.html</a:t>
-            </a:r>
             <a:endParaRPr lang="zh-CN" altLang="en-US"/>
           </a:p>
         </p:txBody>
@@ -8277,6 +10133,14 @@
               </a:rPr>
               <a:t>注释详解</a:t>
             </a:r>
+            <a:endParaRPr lang="zh-CN" altLang="en-US" b="0" spc="-1" dirty="0">
+              <a:solidFill>
+                <a:srgbClr val="000000"/>
+              </a:solidFill>
+              <a:latin typeface="Arial" panose="020B0604020202020204"/>
+              <a:ea typeface="黑体"/>
+              <a:sym typeface="+mn-ea"/>
+            </a:endParaRPr>
           </a:p>
         </p:txBody>
       </p:sp>
@@ -8293,7 +10157,7 @@
         <p:spPr>
           <a:xfrm>
             <a:off x="515620" y="1026160"/>
-            <a:ext cx="11160125" cy="4583430"/>
+            <a:ext cx="11160125" cy="4944745"/>
           </a:xfrm>
         </p:spPr>
         <p:txBody>
@@ -8302,114 +10166,93 @@
           <a:p>
             <a:r>
               <a:rPr lang="zh-CN" altLang="en-US" dirty="0"/>
-              <a:t>uninterpreted types</a:t>
-            </a:r>
+              <a:t>注释</a:t>
+            </a:r>
+            <a:endParaRPr lang="zh-CN" altLang="en-US" dirty="0"/>
           </a:p>
           <a:p>
             <a:pPr lvl="1"/>
             <a:r>
+              <a:rPr lang="en-US" altLang="zh-CN" dirty="0"/>
+              <a:t>Functions as sequences</a:t>
+            </a:r>
+            <a:endParaRPr lang="en-US" altLang="zh-CN" dirty="0"/>
+          </a:p>
+          <a:p>
+            <a:pPr lvl="2"/>
+            <a:r>
+              <a:rPr lang="en-US" altLang="zh-CN" dirty="0"/>
+              <a:t>\* @type: (Seq(Int), Int, Int) =&gt; Bool;  Attacks(queens,i,j) == ...</a:t>
+            </a:r>
+            <a:endParaRPr lang="en-US" altLang="zh-CN" dirty="0"/>
+          </a:p>
+          <a:p>
+            <a:pPr lvl="1"/>
+            <a:r>
+              <a:rPr lang="en-US" altLang="zh-CN" dirty="0"/>
+              <a:t>Type Aliases</a:t>
+            </a:r>
+            <a:endParaRPr lang="en-US" altLang="zh-CN" dirty="0"/>
+          </a:p>
+          <a:p>
+            <a:pPr lvl="2"/>
+            <a:r>
+              <a:rPr lang="en-US" altLang="zh-CN" dirty="0"/>
+              <a:t>\* @typeAlias: ALIAS = &lt;type&gt;;</a:t>
+            </a:r>
+            <a:endParaRPr lang="en-US" altLang="zh-CN" dirty="0"/>
+          </a:p>
+          <a:p>
+            <a:pPr lvl="1"/>
+            <a:r>
+              <a:rPr lang="en-US" altLang="zh-CN" dirty="0"/>
+              <a:t>Multi-line</a:t>
+            </a:r>
+            <a:endParaRPr lang="en-US" altLang="zh-CN" dirty="0"/>
+          </a:p>
+          <a:p>
+            <a:pPr lvl="1"/>
+            <a:r>
+              <a:rPr lang="en-US" altLang="zh-CN" dirty="0"/>
+              <a:t>Comments</a:t>
+            </a:r>
+            <a:endParaRPr lang="en-US" altLang="zh-CN" dirty="0"/>
+          </a:p>
+          <a:p>
+            <a:pPr lvl="1"/>
+            <a:r>
               <a:rPr lang="zh-CN" altLang="en-US" dirty="0"/>
-              <a:t>CONSTANT RM \* The set of resource managers</a:t>
-            </a:r>
+              <a:t>大多数注释都是在关键字和变量之间</a:t>
+            </a:r>
+            <a:endParaRPr lang="zh-CN" altLang="en-US" dirty="0"/>
           </a:p>
           <a:p>
             <a:pPr lvl="1"/>
             <a:r>
-              <a:rPr lang="en-US" altLang="zh-CN" dirty="0"/>
-              <a:t>RM = 1..3 or RM = {“a”,”b”,”c”}</a:t>
-            </a:r>
-          </a:p>
-          <a:p>
-            <a:pPr lvl="1"/>
-            <a:r>
-              <a:rPr lang="en-US" altLang="zh-CN" dirty="0"/>
-              <a:t>Int  &lt;,&gt;,&gt;=,&lt;=</a:t>
-            </a:r>
-          </a:p>
-          <a:p>
-            <a:pPr lvl="1"/>
-            <a:r>
-              <a:rPr lang="zh-CN" altLang="en-US" dirty="0"/>
-              <a:t>注释方法</a:t>
-            </a:r>
-            <a:r>
-              <a:rPr lang="en-US" altLang="zh-CN" dirty="0"/>
-              <a:t>  \* @type: UTNAME;</a:t>
-            </a:r>
-          </a:p>
-          <a:p>
-            <a:pPr lvl="1"/>
-            <a:r>
-              <a:rPr lang="zh-CN" altLang="en-US" dirty="0"/>
-              <a:t>如何解释一个值属于</a:t>
+              <a:rPr lang="en-US" altLang="zh-CN" dirty="0">
+                <a:sym typeface="+mn-ea"/>
+              </a:rPr>
+              <a:t>LOCAL</a:t>
             </a:r>
             <a:r>
               <a:rPr lang="zh-CN" altLang="en-US" dirty="0">
                 <a:sym typeface="+mn-ea"/>
               </a:rPr>
-              <a:t>uninterpreted types</a:t>
-            </a:r>
-          </a:p>
-          <a:p>
-            <a:pPr lvl="2"/>
-            <a:r>
-              <a:rPr lang="zh-CN" altLang="en-US" dirty="0"/>
-              <a:t>"identifier_OF_TYPENAME"</a:t>
-            </a:r>
-          </a:p>
-          <a:p>
-            <a:pPr lvl="2"/>
-            <a:r>
-              <a:rPr lang="en-US" altLang="zh-CN" dirty="0"/>
-              <a:t>“1_OF_UT”</a:t>
-            </a:r>
-          </a:p>
-          <a:p>
-            <a:pPr lvl="2"/>
-            <a:r>
-              <a:rPr lang="en-US" altLang="zh-CN" dirty="0"/>
-              <a:t>“abc_OF_UT”</a:t>
-            </a:r>
-          </a:p>
-          <a:p>
-            <a:pPr lvl="2"/>
-            <a:r>
-              <a:rPr lang="zh-CN" altLang="en-US" dirty="0"/>
-              <a:t>"abc" = "bc_OF_A"</a:t>
-            </a:r>
-            <a:r>
-              <a:rPr lang="en-US" altLang="zh-CN" dirty="0"/>
-              <a:t> /false </a:t>
-            </a:r>
-          </a:p>
-          <a:p>
-            <a:pPr lvl="2"/>
-            <a:r>
-              <a:rPr lang="zh-CN" altLang="en-US" dirty="0"/>
-              <a:t>"1_OF_A" = "1_OF_B"</a:t>
-            </a:r>
-          </a:p>
-          <a:p>
-            <a:pPr lvl="2"/>
-            <a:r>
-              <a:rPr lang="zh-CN" altLang="en-US" dirty="0"/>
-              <a:t>"1_OF_A" = "2_OF_A"</a:t>
-            </a:r>
-          </a:p>
-          <a:p>
-            <a:pPr lvl="2"/>
-            <a:r>
-              <a:rPr lang="zh-CN" altLang="en-US" dirty="0"/>
-              <a:t>"1_OF_A" = "1_OF_A"</a:t>
-            </a:r>
-          </a:p>
-          <a:p>
-            <a:pPr lvl="1"/>
-            <a:endParaRPr lang="zh-CN" altLang="en-US" dirty="0"/>
-          </a:p>
-          <a:p>
-            <a:pPr lvl="1"/>
-            <a:endParaRPr lang="zh-CN" altLang="en-US" dirty="0"/>
+              <a:t>的注释在</a:t>
+            </a:r>
+            <a:r>
+              <a:rPr lang="en-US" altLang="zh-CN" dirty="0">
+                <a:sym typeface="+mn-ea"/>
+              </a:rPr>
+              <a:t>LOCAL</a:t>
+            </a:r>
+            <a:r>
+              <a:rPr lang="zh-CN" altLang="en-US" dirty="0">
+                <a:sym typeface="+mn-ea"/>
+              </a:rPr>
+              <a:t>关键字之前</a:t>
+            </a:r>
+            <a:endParaRPr lang="en-US" altLang="zh-CN" dirty="0"/>
           </a:p>
         </p:txBody>
       </p:sp>
@@ -8457,7 +10300,6 @@
           <a:p>
             <a:fld id="{48C0F002-9E81-334E-9897-686C0F3A095B}" type="datetime1">
               <a:rPr lang="zh-CN" altLang="en-US" smtClean="0"/>
-              <a:t>2022/5/20</a:t>
             </a:fld>
             <a:endParaRPr lang="zh-CN" altLang="en-US"/>
           </a:p>
@@ -8480,8 +10322,52 @@
           <a:p>
             <a:fld id="{FDF96B62-0E79-44B5-BB83-6AF64255BCDF}" type="slidenum">
               <a:rPr lang="zh-CN" altLang="en-US" smtClean="0"/>
-              <a:t>5</a:t>
             </a:fld>
+            <a:endParaRPr lang="zh-CN" altLang="en-US"/>
+          </a:p>
+        </p:txBody>
+      </p:sp>
+      <p:sp>
+        <p:nvSpPr>
+          <p:cNvPr id="4" name="文本框 3"/>
+          <p:cNvSpPr txBox="1"/>
+          <p:nvPr/>
+        </p:nvSpPr>
+        <p:spPr>
+          <a:xfrm>
+            <a:off x="582295" y="5066030"/>
+            <a:ext cx="11073130" cy="645160"/>
+          </a:xfrm>
+          <a:prstGeom prst="rect">
+            <a:avLst/>
+          </a:prstGeom>
+          <a:noFill/>
+        </p:spPr>
+        <p:txBody>
+          <a:bodyPr wrap="square" rtlCol="0">
+            <a:spAutoFit/>
+          </a:bodyPr>
+          <a:lstStyle/>
+          <a:p>
+            <a:r>
+              <a:rPr lang="zh-CN" altLang="en-US"/>
+              <a:t>参考文档</a:t>
+            </a:r>
+            <a:r>
+              <a:rPr lang="en-US" altLang="zh-CN"/>
+              <a:t>:</a:t>
+            </a:r>
+            <a:r>
+              <a:rPr lang="zh-CN" altLang="en-US"/>
+              <a:t>https://apalache.informal.systems/docs/HOWTOs/howto-write-type-annotations.html</a:t>
+            </a:r>
+            <a:endParaRPr lang="zh-CN" altLang="en-US"/>
+          </a:p>
+          <a:p>
+            <a:r>
+              <a:rPr lang="en-US" altLang="zh-CN"/>
+              <a:t>		 https://apalache.informal.systems/docs/adr/002adr-types.html</a:t>
+            </a:r>
             <a:endParaRPr lang="zh-CN" altLang="en-US"/>
           </a:p>
         </p:txBody>
@@ -8513,13 +10399,7 @@
       </p:grpSpPr>
       <p:sp>
         <p:nvSpPr>
-          <p:cNvPr id="7" name="标题 6">
-            <a:extLst>
-              <a:ext uri="{FF2B5EF4-FFF2-40B4-BE49-F238E27FC236}">
-                <a16:creationId xmlns:a16="http://schemas.microsoft.com/office/drawing/2014/main" id="{3CC55A2E-5B70-4F80-9AE6-A24030240084}"/>
-              </a:ext>
-            </a:extLst>
-          </p:cNvPr>
+          <p:cNvPr id="2" name="标题 1"/>
           <p:cNvSpPr>
             <a:spLocks noGrp="1"/>
           </p:cNvSpPr>
@@ -8535,143 +10415,178 @@
           <a:lstStyle/>
           <a:p>
             <a:r>
+              <a:rPr lang="zh-CN" altLang="en-US" b="0" spc="-1" dirty="0">
+                <a:solidFill>
+                  <a:srgbClr val="000000"/>
+                </a:solidFill>
+                <a:latin typeface="Arial" panose="020B0604020202020204"/>
+                <a:ea typeface="黑体"/>
+                <a:sym typeface="+mn-ea"/>
+              </a:rPr>
+              <a:t>注释详解</a:t>
+            </a:r>
+            <a:endParaRPr lang="zh-CN" altLang="en-US" b="0" spc="-1" dirty="0">
+              <a:solidFill>
+                <a:srgbClr val="000000"/>
+              </a:solidFill>
+              <a:latin typeface="Arial" panose="020B0604020202020204"/>
+              <a:ea typeface="黑体"/>
+              <a:sym typeface="+mn-ea"/>
+            </a:endParaRPr>
+          </a:p>
+        </p:txBody>
+      </p:sp>
+      <p:sp>
+        <p:nvSpPr>
+          <p:cNvPr id="3" name="内容占位符 2"/>
+          <p:cNvSpPr>
+            <a:spLocks noGrp="1"/>
+          </p:cNvSpPr>
+          <p:nvPr>
+            <p:ph idx="1"/>
+          </p:nvPr>
+        </p:nvSpPr>
+        <p:spPr>
+          <a:xfrm>
+            <a:off x="515620" y="1026160"/>
+            <a:ext cx="11160125" cy="4583430"/>
+          </a:xfrm>
+        </p:spPr>
+        <p:txBody>
+          <a:bodyPr/>
+          <a:lstStyle/>
+          <a:p>
+            <a:r>
+              <a:rPr lang="zh-CN" altLang="en-US" dirty="0"/>
+              <a:t>uninterpreted types</a:t>
+            </a:r>
+            <a:endParaRPr lang="zh-CN" altLang="en-US" dirty="0"/>
+          </a:p>
+          <a:p>
+            <a:pPr lvl="1"/>
+            <a:r>
+              <a:rPr lang="zh-CN" altLang="en-US" dirty="0"/>
+              <a:t>CONSTANT RM \* The set of resource managers</a:t>
+            </a:r>
+            <a:endParaRPr lang="zh-CN" altLang="en-US" dirty="0"/>
+          </a:p>
+          <a:p>
+            <a:pPr lvl="1"/>
+            <a:r>
               <a:rPr lang="en-US" altLang="zh-CN" dirty="0"/>
-              <a:t>TLA+</a:t>
-            </a:r>
+              <a:t>RM = 1..3 or RM = {“a”,”b”,”c”}</a:t>
+            </a:r>
+            <a:endParaRPr lang="en-US" altLang="zh-CN" dirty="0"/>
+          </a:p>
+          <a:p>
+            <a:pPr lvl="1"/>
+            <a:r>
+              <a:rPr lang="en-US" altLang="zh-CN" dirty="0"/>
+              <a:t>Int  &lt;,&gt;,&gt;=,&lt;=</a:t>
+            </a:r>
+            <a:endParaRPr lang="en-US" altLang="zh-CN" dirty="0"/>
+          </a:p>
+          <a:p>
+            <a:pPr lvl="1"/>
             <a:r>
               <a:rPr lang="zh-CN" altLang="en-US" dirty="0"/>
-              <a:t>中不变式常用的语法单元</a:t>
-            </a:r>
-          </a:p>
-        </p:txBody>
-      </p:sp>
-      <p:sp>
-        <p:nvSpPr>
-          <p:cNvPr id="8" name="内容占位符 7">
-            <a:extLst>
-              <a:ext uri="{FF2B5EF4-FFF2-40B4-BE49-F238E27FC236}">
-                <a16:creationId xmlns:a16="http://schemas.microsoft.com/office/drawing/2014/main" id="{C43B5819-9560-4D8D-A91D-1CB435BAD61F}"/>
-              </a:ext>
-            </a:extLst>
-          </p:cNvPr>
-          <p:cNvSpPr>
-            <a:spLocks noGrp="1"/>
-          </p:cNvSpPr>
-          <p:nvPr>
-            <p:ph idx="1"/>
-          </p:nvPr>
-        </p:nvSpPr>
-        <p:spPr/>
-        <p:txBody>
-          <a:bodyPr/>
-          <a:lstStyle/>
-          <a:p>
+              <a:t>注释方法</a:t>
+            </a:r>
+            <a:r>
+              <a:rPr lang="en-US" altLang="zh-CN" dirty="0"/>
+              <a:t>  \* @type: UTNAME;</a:t>
+            </a:r>
+            <a:endParaRPr lang="en-US" altLang="zh-CN" dirty="0"/>
+          </a:p>
+          <a:p>
+            <a:pPr lvl="1"/>
             <a:r>
               <a:rPr lang="zh-CN" altLang="en-US" dirty="0"/>
-              <a:t>基本逻辑（与或非，推导，</a:t>
-            </a:r>
-            <a:r>
-              <a:rPr lang="en-US" altLang="zh-CN" dirty="0" err="1"/>
-              <a:t>if..then..else</a:t>
-            </a:r>
+              <a:t>如何解释一个值属于</a:t>
+            </a:r>
+            <a:r>
+              <a:rPr lang="zh-CN" altLang="en-US" dirty="0">
+                <a:sym typeface="+mn-ea"/>
+              </a:rPr>
+              <a:t>uninterpreted types</a:t>
+            </a:r>
+            <a:endParaRPr lang="zh-CN" altLang="en-US" dirty="0">
+              <a:sym typeface="+mn-ea"/>
+            </a:endParaRPr>
+          </a:p>
+          <a:p>
+            <a:pPr lvl="2"/>
             <a:r>
               <a:rPr lang="zh-CN" altLang="en-US" dirty="0"/>
-              <a:t>）</a:t>
+              <a:t>"identifier_OF_TYPENAME"</a:t>
+            </a:r>
+            <a:endParaRPr lang="zh-CN" altLang="en-US" dirty="0"/>
+          </a:p>
+          <a:p>
+            <a:pPr lvl="2"/>
+            <a:r>
+              <a:rPr lang="en-US" altLang="zh-CN" dirty="0"/>
+              <a:t>“1_OF_UT”</a:t>
             </a:r>
             <a:endParaRPr lang="en-US" altLang="zh-CN" dirty="0"/>
           </a:p>
           <a:p>
-            <a:r>
-              <a:rPr lang="en-US" altLang="zh-CN" dirty="0" err="1"/>
-              <a:t>let..in</a:t>
-            </a:r>
+            <a:pPr lvl="2"/>
             <a:r>
               <a:rPr lang="en-US" altLang="zh-CN" dirty="0"/>
-              <a:t>..(</a:t>
-            </a:r>
+              <a:t>“abc_OF_UT”</a:t>
+            </a:r>
+            <a:endParaRPr lang="en-US" altLang="zh-CN" dirty="0"/>
+          </a:p>
+          <a:p>
+            <a:pPr lvl="2"/>
             <a:r>
               <a:rPr lang="zh-CN" altLang="en-US" dirty="0"/>
-              <a:t>可能产生局部变量问题）</a:t>
+              <a:t>"abc" = "bc_OF_A"</a:t>
+            </a:r>
+            <a:r>
+              <a:rPr lang="en-US" altLang="zh-CN" dirty="0"/>
+              <a:t> /false </a:t>
             </a:r>
             <a:endParaRPr lang="en-US" altLang="zh-CN" dirty="0"/>
           </a:p>
           <a:p>
+            <a:pPr lvl="2"/>
             <a:r>
               <a:rPr lang="zh-CN" altLang="en-US" dirty="0"/>
-              <a:t>函数（获取函数运算值）</a:t>
-            </a:r>
-            <a:endParaRPr lang="en-US" altLang="zh-CN" dirty="0"/>
-          </a:p>
-          <a:p>
+              <a:t>"1_OF_A" = "1_OF_B"</a:t>
+            </a:r>
+            <a:endParaRPr lang="zh-CN" altLang="en-US" dirty="0"/>
+          </a:p>
+          <a:p>
+            <a:pPr lvl="2"/>
             <a:r>
               <a:rPr lang="zh-CN" altLang="en-US" dirty="0"/>
-              <a:t>集合运算（交并集，获取集合大小，判定元素是否在集合内）</a:t>
-            </a:r>
-            <a:endParaRPr lang="en-US" altLang="zh-CN" dirty="0"/>
-          </a:p>
-          <a:p>
+              <a:t>"1_OF_A" = "2_OF_A"</a:t>
+            </a:r>
+            <a:endParaRPr lang="zh-CN" altLang="en-US" dirty="0"/>
+          </a:p>
+          <a:p>
+            <a:pPr lvl="2"/>
             <a:r>
               <a:rPr lang="zh-CN" altLang="en-US" dirty="0"/>
-              <a:t>元组（获取元组的某个元素）</a:t>
-            </a:r>
-            <a:endParaRPr lang="en-US" altLang="zh-CN" dirty="0"/>
-          </a:p>
-          <a:p>
-            <a:r>
-              <a:rPr lang="en-US" altLang="zh-CN" dirty="0"/>
-              <a:t>Record</a:t>
-            </a:r>
-            <a:r>
-              <a:rPr lang="zh-CN" altLang="en-US" dirty="0"/>
-              <a:t>（获取某个字段）</a:t>
-            </a:r>
-            <a:endParaRPr lang="en-US" altLang="zh-CN" dirty="0"/>
-          </a:p>
-          <a:p>
-            <a:r>
-              <a:rPr lang="zh-CN" altLang="en-US" dirty="0"/>
-              <a:t>有关</a:t>
-            </a:r>
-            <a:r>
-              <a:rPr lang="en-US" altLang="zh-CN" dirty="0"/>
-              <a:t>liveness</a:t>
-            </a:r>
-            <a:r>
-              <a:rPr lang="zh-CN" altLang="en-US" dirty="0"/>
-              <a:t>的判定</a:t>
-            </a:r>
-            <a:endParaRPr lang="en-US" altLang="zh-CN" dirty="0"/>
+              <a:t>"1_OF_A" = "1_OF_A"</a:t>
+            </a:r>
+            <a:endParaRPr lang="zh-CN" altLang="en-US" dirty="0"/>
           </a:p>
           <a:p>
             <a:pPr lvl="1"/>
-            <a:endParaRPr lang="en-US" altLang="zh-CN" dirty="0"/>
+            <a:endParaRPr lang="zh-CN" altLang="en-US" dirty="0"/>
           </a:p>
           <a:p>
             <a:pPr lvl="1"/>
-            <a:endParaRPr lang="en-US" altLang="zh-CN" dirty="0"/>
-          </a:p>
-          <a:p>
-            <a:pPr lvl="1"/>
-            <a:endParaRPr lang="en-US" altLang="zh-CN" dirty="0"/>
-          </a:p>
-          <a:p>
-            <a:pPr lvl="1"/>
-            <a:endParaRPr lang="en-US" altLang="zh-CN" dirty="0"/>
-          </a:p>
-          <a:p>
-            <a:endParaRPr lang="en-US" altLang="zh-CN" dirty="0"/>
-          </a:p>
-        </p:txBody>
-      </p:sp>
-      <p:sp>
-        <p:nvSpPr>
-          <p:cNvPr id="5" name="页脚占位符 4">
-            <a:extLst>
-              <a:ext uri="{FF2B5EF4-FFF2-40B4-BE49-F238E27FC236}">
-                <a16:creationId xmlns:a16="http://schemas.microsoft.com/office/drawing/2014/main" id="{DC6CFF93-4EAC-4B0A-B8A6-0F1C9A838BC4}"/>
-              </a:ext>
-            </a:extLst>
-          </p:cNvPr>
+            <a:endParaRPr lang="zh-CN" altLang="en-US" dirty="0"/>
+          </a:p>
+        </p:txBody>
+      </p:sp>
+      <p:sp>
+        <p:nvSpPr>
+          <p:cNvPr id="5" name="页脚占位符 4"/>
           <p:cNvSpPr>
             <a:spLocks noGrp="1"/>
           </p:cNvSpPr>
@@ -8684,70 +10599,21 @@
           <a:bodyPr/>
           <a:lstStyle/>
           <a:p>
-            <a:pPr marL="0" marR="0" lvl="0" indent="0" algn="ctr" defTabSz="457200" rtl="0" eaLnBrk="1" fontAlgn="auto" latinLnBrk="0" hangingPunct="1">
-              <a:lnSpc>
-                <a:spcPct val="100000"/>
-              </a:lnSpc>
-              <a:spcBef>
-                <a:spcPts val="0"/>
-              </a:spcBef>
-              <a:spcAft>
-                <a:spcPts val="0"/>
-              </a:spcAft>
-              <a:buClrTx/>
-              <a:buSzTx/>
-              <a:buFontTx/>
-              <a:buNone/>
-              <a:tabLst/>
-              <a:defRPr/>
-            </a:pPr>
-            <a:r>
-              <a:rPr kumimoji="0" lang="zh-CN" altLang="en-US" sz="1200" b="0" i="0" u="none" strike="noStrike" kern="1200" cap="none" spc="0" normalizeH="0" baseline="0" noProof="0">
-                <a:ln>
-                  <a:noFill/>
-                </a:ln>
-                <a:solidFill>
-                  <a:prstClr val="black">
-                    <a:tint val="75000"/>
-                  </a:prstClr>
-                </a:solidFill>
-                <a:effectLst/>
-                <a:uLnTx/>
-                <a:uFillTx/>
-                <a:latin typeface="Calibri"/>
-                <a:ea typeface="黑体"/>
-                <a:cs typeface="+mn-cs"/>
-              </a:rPr>
-              <a:t>定义不变式的搜索空间</a:t>
-            </a:r>
-            <a:endParaRPr kumimoji="0" lang="zh-CN" altLang="en-US" sz="1200" b="0" i="0" u="none" strike="noStrike" kern="1200" cap="none" spc="0" normalizeH="0" baseline="0" noProof="0" dirty="0">
-              <a:ln>
-                <a:noFill/>
-              </a:ln>
-              <a:solidFill>
-                <a:prstClr val="black">
-                  <a:tint val="75000"/>
-                </a:prstClr>
-              </a:solidFill>
-              <a:effectLst/>
-              <a:uLnTx/>
-              <a:uFillTx/>
-              <a:latin typeface="Calibri"/>
-              <a:ea typeface="黑体"/>
-              <a:cs typeface="+mn-cs"/>
-            </a:endParaRPr>
-          </a:p>
-        </p:txBody>
-      </p:sp>
-      <p:sp>
-        <p:nvSpPr>
-          <p:cNvPr id="2" name="日期占位符 1">
-            <a:extLst>
-              <a:ext uri="{FF2B5EF4-FFF2-40B4-BE49-F238E27FC236}">
-                <a16:creationId xmlns:a16="http://schemas.microsoft.com/office/drawing/2014/main" id="{39ABE82F-8FF6-49E8-807C-EBA26EF7C092}"/>
-              </a:ext>
-            </a:extLst>
-          </p:cNvPr>
+            <a:r>
+              <a:rPr lang="en-GB" altLang="zh-CN"/>
+              <a:t>DistAI</a:t>
+            </a:r>
+            <a:r>
+              <a:rPr lang="zh-CN" altLang="en-US"/>
+              <a:t>项目：一周工作进展</a:t>
+            </a:r>
+            <a:endParaRPr lang="zh-CN" altLang="en-US" dirty="0"/>
+          </a:p>
+        </p:txBody>
+      </p:sp>
+      <p:sp>
+        <p:nvSpPr>
+          <p:cNvPr id="7" name="日期占位符 6"/>
           <p:cNvSpPr>
             <a:spLocks noGrp="1"/>
           </p:cNvSpPr>
@@ -8760,84 +10626,36 @@
           <a:bodyPr/>
           <a:lstStyle/>
           <a:p>
-            <a:pPr marL="0" marR="0" lvl="0" indent="0" algn="l" defTabSz="457200" rtl="0" eaLnBrk="1" fontAlgn="auto" latinLnBrk="0" hangingPunct="1">
-              <a:lnSpc>
-                <a:spcPct val="100000"/>
-              </a:lnSpc>
-              <a:spcBef>
-                <a:spcPts val="0"/>
-              </a:spcBef>
-              <a:spcAft>
-                <a:spcPts val="0"/>
-              </a:spcAft>
-              <a:buClrTx/>
-              <a:buSzTx/>
-              <a:buFontTx/>
-              <a:buNone/>
-              <a:tabLst/>
-              <a:defRPr/>
-            </a:pPr>
-            <a:fld id="{161B05A7-3123-2F46-BF5F-045FEB3199CB}" type="datetime1">
-              <a:rPr kumimoji="0" lang="zh-CN" altLang="en-US" sz="1200" b="0" i="0" u="none" strike="noStrike" kern="1200" cap="none" spc="0" normalizeH="0" baseline="0" noProof="0" smtClean="0">
-                <a:ln>
-                  <a:noFill/>
-                </a:ln>
-                <a:solidFill>
-                  <a:prstClr val="black">
-                    <a:tint val="75000"/>
-                  </a:prstClr>
-                </a:solidFill>
-                <a:effectLst/>
-                <a:uLnTx/>
-                <a:uFillTx/>
-                <a:latin typeface="Calibri"/>
-                <a:ea typeface="黑体"/>
-                <a:cs typeface="+mn-cs"/>
-              </a:rPr>
-              <a:pPr marL="0" marR="0" lvl="0" indent="0" algn="l" defTabSz="457200" rtl="0" eaLnBrk="1" fontAlgn="auto" latinLnBrk="0" hangingPunct="1">
-                <a:lnSpc>
-                  <a:spcPct val="100000"/>
-                </a:lnSpc>
-                <a:spcBef>
-                  <a:spcPts val="0"/>
-                </a:spcBef>
-                <a:spcAft>
-                  <a:spcPts val="0"/>
-                </a:spcAft>
-                <a:buClrTx/>
-                <a:buSzTx/>
-                <a:buFontTx/>
-                <a:buNone/>
-                <a:tabLst/>
-                <a:defRPr/>
-              </a:pPr>
-              <a:t>2022/5/20</a:t>
+            <a:fld id="{48C0F002-9E81-334E-9897-686C0F3A095B}" type="datetime1">
+              <a:rPr lang="zh-CN" altLang="en-US" smtClean="0"/>
             </a:fld>
-            <a:endParaRPr kumimoji="0" lang="zh-CN" altLang="en-US" sz="1200" b="0" i="0" u="none" strike="noStrike" kern="1200" cap="none" spc="0" normalizeH="0" baseline="0" noProof="0">
-              <a:ln>
-                <a:noFill/>
-              </a:ln>
-              <a:solidFill>
-                <a:prstClr val="black">
-                  <a:tint val="75000"/>
-                </a:prstClr>
-              </a:solidFill>
-              <a:effectLst/>
-              <a:uLnTx/>
-              <a:uFillTx/>
-              <a:latin typeface="Calibri"/>
-              <a:ea typeface="黑体"/>
-              <a:cs typeface="+mn-cs"/>
-            </a:endParaRPr>
+            <a:endParaRPr lang="zh-CN" altLang="en-US"/>
+          </a:p>
+        </p:txBody>
+      </p:sp>
+      <p:sp>
+        <p:nvSpPr>
+          <p:cNvPr id="6" name="灯片编号占位符 5"/>
+          <p:cNvSpPr>
+            <a:spLocks noGrp="1"/>
+          </p:cNvSpPr>
+          <p:nvPr>
+            <p:ph type="sldNum" sz="quarter" idx="12"/>
+          </p:nvPr>
+        </p:nvSpPr>
+        <p:spPr/>
+        <p:txBody>
+          <a:bodyPr/>
+          <a:lstStyle/>
+          <a:p>
+            <a:fld id="{FDF96B62-0E79-44B5-BB83-6AF64255BCDF}" type="slidenum">
+              <a:rPr lang="zh-CN" altLang="en-US" smtClean="0"/>
+            </a:fld>
+            <a:endParaRPr lang="zh-CN" altLang="en-US"/>
           </a:p>
         </p:txBody>
       </p:sp>
     </p:spTree>
-    <p:extLst>
-      <p:ext uri="{BB962C8B-B14F-4D97-AF65-F5344CB8AC3E}">
-        <p14:creationId xmlns:p14="http://schemas.microsoft.com/office/powerpoint/2010/main" val="2791135099"/>
-      </p:ext>
-    </p:extLst>
   </p:cSld>
   <p:clrMapOvr>
     <a:masterClrMapping/>
@@ -8864,13 +10682,7 @@
       </p:grpSpPr>
       <p:sp>
         <p:nvSpPr>
-          <p:cNvPr id="7" name="标题 6">
-            <a:extLst>
-              <a:ext uri="{FF2B5EF4-FFF2-40B4-BE49-F238E27FC236}">
-                <a16:creationId xmlns:a16="http://schemas.microsoft.com/office/drawing/2014/main" id="{3CC55A2E-5B70-4F80-9AE6-A24030240084}"/>
-              </a:ext>
-            </a:extLst>
-          </p:cNvPr>
+          <p:cNvPr id="2" name="标题 1"/>
           <p:cNvSpPr>
             <a:spLocks noGrp="1"/>
           </p:cNvSpPr>
@@ -8886,21 +10698,30 @@
           <a:lstStyle/>
           <a:p>
             <a:r>
-              <a:rPr lang="zh-CN" altLang="en-US" dirty="0"/>
-              <a:t>整数的处理</a:t>
-            </a:r>
-          </a:p>
-        </p:txBody>
-      </p:sp>
-      <p:sp>
-        <p:nvSpPr>
-          <p:cNvPr id="8" name="内容占位符 7">
-            <a:extLst>
-              <a:ext uri="{FF2B5EF4-FFF2-40B4-BE49-F238E27FC236}">
-                <a16:creationId xmlns:a16="http://schemas.microsoft.com/office/drawing/2014/main" id="{C43B5819-9560-4D8D-A91D-1CB435BAD61F}"/>
-              </a:ext>
-            </a:extLst>
-          </p:cNvPr>
+              <a:rPr lang="en-US" altLang="zh-CN" b="0" spc="-1" dirty="0">
+                <a:solidFill>
+                  <a:srgbClr val="000000"/>
+                </a:solidFill>
+                <a:latin typeface="Arial" panose="020B0604020202020204"/>
+                <a:ea typeface="黑体"/>
+                <a:sym typeface="+mn-ea"/>
+              </a:rPr>
+              <a:t>Tools(untyped-&gt;typed)</a:t>
+            </a:r>
+            <a:endParaRPr lang="en-US" altLang="zh-CN" b="0" spc="-1" dirty="0">
+              <a:solidFill>
+                <a:srgbClr val="000000"/>
+              </a:solidFill>
+              <a:latin typeface="Arial" panose="020B0604020202020204"/>
+              <a:ea typeface="黑体"/>
+              <a:sym typeface="+mn-ea"/>
+            </a:endParaRPr>
+          </a:p>
+        </p:txBody>
+      </p:sp>
+      <p:sp>
+        <p:nvSpPr>
+          <p:cNvPr id="3" name="内容占位符 2"/>
           <p:cNvSpPr>
             <a:spLocks noGrp="1"/>
           </p:cNvSpPr>
@@ -8908,84 +10729,292 @@
             <p:ph idx="1"/>
           </p:nvPr>
         </p:nvSpPr>
-        <p:spPr/>
-        <p:txBody>
-          <a:bodyPr/>
-          <a:lstStyle/>
-          <a:p>
-            <a:r>
-              <a:rPr lang="zh-CN" altLang="en-US" dirty="0"/>
-              <a:t>整数可能出现的场景</a:t>
+        <p:spPr>
+          <a:xfrm>
+            <a:off x="526415" y="3187700"/>
+            <a:ext cx="11160125" cy="864870"/>
+          </a:xfrm>
+        </p:spPr>
+        <p:txBody>
+          <a:bodyPr/>
+          <a:lstStyle/>
+          <a:p>
+            <a:r>
+              <a:rPr lang="en-US" altLang="zh-CN" dirty="0"/>
+              <a:t>Both of them are independent of the model checker</a:t>
             </a:r>
             <a:endParaRPr lang="en-US" altLang="zh-CN" dirty="0"/>
           </a:p>
+        </p:txBody>
+      </p:sp>
+      <p:sp>
+        <p:nvSpPr>
+          <p:cNvPr id="5" name="页脚占位符 4"/>
+          <p:cNvSpPr>
+            <a:spLocks noGrp="1"/>
+          </p:cNvSpPr>
+          <p:nvPr>
+            <p:ph type="ftr" sz="quarter" idx="11"/>
+          </p:nvPr>
+        </p:nvSpPr>
+        <p:spPr/>
+        <p:txBody>
+          <a:bodyPr/>
+          <a:lstStyle/>
+          <a:p>
+            <a:r>
+              <a:rPr lang="en-GB" altLang="zh-CN"/>
+              <a:t>DistAI</a:t>
+            </a:r>
+            <a:r>
+              <a:rPr lang="zh-CN" altLang="en-US"/>
+              <a:t>项目：一周工作进展</a:t>
+            </a:r>
+            <a:endParaRPr lang="zh-CN" altLang="en-US" dirty="0"/>
+          </a:p>
+        </p:txBody>
+      </p:sp>
+      <p:sp>
+        <p:nvSpPr>
+          <p:cNvPr id="7" name="日期占位符 6"/>
+          <p:cNvSpPr>
+            <a:spLocks noGrp="1"/>
+          </p:cNvSpPr>
+          <p:nvPr>
+            <p:ph type="dt" sz="half" idx="10"/>
+          </p:nvPr>
+        </p:nvSpPr>
+        <p:spPr/>
+        <p:txBody>
+          <a:bodyPr/>
+          <a:lstStyle/>
+          <a:p>
+            <a:fld id="{48C0F002-9E81-334E-9897-686C0F3A095B}" type="datetime1">
+              <a:rPr lang="zh-CN" altLang="en-US" smtClean="0"/>
+            </a:fld>
+            <a:endParaRPr lang="zh-CN" altLang="en-US"/>
+          </a:p>
+        </p:txBody>
+      </p:sp>
+      <p:sp>
+        <p:nvSpPr>
+          <p:cNvPr id="6" name="灯片编号占位符 5"/>
+          <p:cNvSpPr>
+            <a:spLocks noGrp="1"/>
+          </p:cNvSpPr>
+          <p:nvPr>
+            <p:ph type="sldNum" sz="quarter" idx="12"/>
+          </p:nvPr>
+        </p:nvSpPr>
+        <p:spPr/>
+        <p:txBody>
+          <a:bodyPr/>
+          <a:lstStyle/>
+          <a:p>
+            <a:fld id="{FDF96B62-0E79-44B5-BB83-6AF64255BCDF}" type="slidenum">
+              <a:rPr lang="zh-CN" altLang="en-US" smtClean="0"/>
+            </a:fld>
+            <a:endParaRPr lang="zh-CN" altLang="en-US"/>
+          </a:p>
+        </p:txBody>
+      </p:sp>
+      <p:sp>
+        <p:nvSpPr>
+          <p:cNvPr id="4" name="内容占位符 2"/>
+          <p:cNvSpPr>
+            <a:spLocks noGrp="1"/>
+          </p:cNvSpPr>
+          <p:nvPr/>
+        </p:nvSpPr>
+        <p:spPr>
+          <a:xfrm>
+            <a:off x="526415" y="2313940"/>
+            <a:ext cx="11160125" cy="864870"/>
+          </a:xfrm>
+          <a:prstGeom prst="rect">
+            <a:avLst/>
+          </a:prstGeom>
+        </p:spPr>
+        <p:txBody>
+          <a:bodyPr vert="horz" lIns="91440" tIns="45720" rIns="91440" bIns="45720" rtlCol="0">
+            <a:noAutofit/>
+          </a:bodyPr>
+          <a:lstStyle>
+            <a:lvl1pPr marL="228600" indent="-228600" algn="l" defTabSz="914400" rtl="0" eaLnBrk="1" latinLnBrk="0" hangingPunct="1">
+              <a:lnSpc>
+                <a:spcPct val="90000"/>
+              </a:lnSpc>
+              <a:spcBef>
+                <a:spcPts val="1000"/>
+              </a:spcBef>
+              <a:buFont typeface="Arial" panose="020B0604020202020204" pitchFamily="34" charset="0"/>
+              <a:buChar char="•"/>
+              <a:defRPr sz="3000" kern="1200" baseline="0">
+                <a:solidFill>
+                  <a:schemeClr val="tx1"/>
+                </a:solidFill>
+                <a:latin typeface="Arial" panose="020B0604020202020204" pitchFamily="34" charset="0"/>
+                <a:ea typeface="黑体" panose="02010609060101010101" pitchFamily="49" charset="-122"/>
+                <a:cs typeface="+mn-cs"/>
+              </a:defRPr>
+            </a:lvl1pPr>
+            <a:lvl2pPr marL="685800" indent="-228600" algn="l" defTabSz="914400" rtl="0" eaLnBrk="1" latinLnBrk="0" hangingPunct="1">
+              <a:lnSpc>
+                <a:spcPct val="90000"/>
+              </a:lnSpc>
+              <a:spcBef>
+                <a:spcPts val="500"/>
+              </a:spcBef>
+              <a:buFont typeface="Arial" panose="020B0604020202020204" pitchFamily="34" charset="0"/>
+              <a:buChar char="•"/>
+              <a:defRPr sz="2200" kern="1200" baseline="0">
+                <a:solidFill>
+                  <a:srgbClr val="5F1051"/>
+                </a:solidFill>
+                <a:latin typeface="Arial" panose="020B0604020202020204" pitchFamily="34" charset="0"/>
+                <a:ea typeface="黑体" panose="02010609060101010101" pitchFamily="49" charset="-122"/>
+                <a:cs typeface="+mn-cs"/>
+              </a:defRPr>
+            </a:lvl2pPr>
+            <a:lvl3pPr marL="1143000" indent="-228600" algn="l" defTabSz="914400" rtl="0" eaLnBrk="1" latinLnBrk="0" hangingPunct="1">
+              <a:lnSpc>
+                <a:spcPct val="90000"/>
+              </a:lnSpc>
+              <a:spcBef>
+                <a:spcPts val="500"/>
+              </a:spcBef>
+              <a:buFont typeface="Arial" panose="020B0604020202020204" pitchFamily="34" charset="0"/>
+              <a:buChar char="•"/>
+              <a:defRPr sz="1800" kern="1200" baseline="0">
+                <a:solidFill>
+                  <a:schemeClr val="tx1"/>
+                </a:solidFill>
+                <a:latin typeface="Arial" panose="020B0604020202020204" pitchFamily="34" charset="0"/>
+                <a:ea typeface="黑体" panose="02010609060101010101" pitchFamily="49" charset="-122"/>
+                <a:cs typeface="+mn-cs"/>
+              </a:defRPr>
+            </a:lvl3pPr>
+            <a:lvl4pPr marL="1600200" indent="-228600" algn="l" defTabSz="914400" rtl="0" eaLnBrk="1" latinLnBrk="0" hangingPunct="1">
+              <a:lnSpc>
+                <a:spcPct val="90000"/>
+              </a:lnSpc>
+              <a:spcBef>
+                <a:spcPts val="500"/>
+              </a:spcBef>
+              <a:buFont typeface="Arial" panose="020B0604020202020204" pitchFamily="34" charset="0"/>
+              <a:buChar char="•"/>
+              <a:defRPr sz="1600" kern="1200" baseline="0">
+                <a:solidFill>
+                  <a:schemeClr val="tx1"/>
+                </a:solidFill>
+                <a:latin typeface="Arial" panose="020B0604020202020204" pitchFamily="34" charset="0"/>
+                <a:ea typeface="黑体" panose="02010609060101010101" pitchFamily="49" charset="-122"/>
+                <a:cs typeface="+mn-cs"/>
+              </a:defRPr>
+            </a:lvl4pPr>
+            <a:lvl5pPr marL="2057400" indent="-228600" algn="l" defTabSz="914400" rtl="0" eaLnBrk="1" latinLnBrk="0" hangingPunct="1">
+              <a:lnSpc>
+                <a:spcPct val="90000"/>
+              </a:lnSpc>
+              <a:spcBef>
+                <a:spcPts val="500"/>
+              </a:spcBef>
+              <a:buFont typeface="Arial" panose="020B0604020202020204" pitchFamily="34" charset="0"/>
+              <a:buChar char="•"/>
+              <a:defRPr sz="1400" kern="1200" baseline="0">
+                <a:solidFill>
+                  <a:schemeClr val="tx1"/>
+                </a:solidFill>
+                <a:latin typeface="Arial" panose="020B0604020202020204" pitchFamily="34" charset="0"/>
+                <a:ea typeface="黑体" panose="02010609060101010101" pitchFamily="49" charset="-122"/>
+                <a:cs typeface="+mn-cs"/>
+              </a:defRPr>
+            </a:lvl5pPr>
+            <a:lvl6pPr marL="2514600" indent="-228600" algn="l" defTabSz="914400" rtl="0" eaLnBrk="1" latinLnBrk="0" hangingPunct="1">
+              <a:lnSpc>
+                <a:spcPct val="90000"/>
+              </a:lnSpc>
+              <a:spcBef>
+                <a:spcPts val="500"/>
+              </a:spcBef>
+              <a:buFont typeface="Arial" panose="020B0604020202020204" pitchFamily="34" charset="0"/>
+              <a:buChar char="•"/>
+              <a:defRPr sz="1800" kern="1200">
+                <a:solidFill>
+                  <a:schemeClr val="tx1"/>
+                </a:solidFill>
+                <a:latin typeface="+mn-lt"/>
+                <a:ea typeface="+mn-ea"/>
+                <a:cs typeface="+mn-cs"/>
+              </a:defRPr>
+            </a:lvl6pPr>
+            <a:lvl7pPr marL="2971800" indent="-228600" algn="l" defTabSz="914400" rtl="0" eaLnBrk="1" latinLnBrk="0" hangingPunct="1">
+              <a:lnSpc>
+                <a:spcPct val="90000"/>
+              </a:lnSpc>
+              <a:spcBef>
+                <a:spcPts val="500"/>
+              </a:spcBef>
+              <a:buFont typeface="Arial" panose="020B0604020202020204" pitchFamily="34" charset="0"/>
+              <a:buChar char="•"/>
+              <a:defRPr sz="1800" kern="1200">
+                <a:solidFill>
+                  <a:schemeClr val="tx1"/>
+                </a:solidFill>
+                <a:latin typeface="+mn-lt"/>
+                <a:ea typeface="+mn-ea"/>
+                <a:cs typeface="+mn-cs"/>
+              </a:defRPr>
+            </a:lvl7pPr>
+            <a:lvl8pPr marL="3429000" indent="-228600" algn="l" defTabSz="914400" rtl="0" eaLnBrk="1" latinLnBrk="0" hangingPunct="1">
+              <a:lnSpc>
+                <a:spcPct val="90000"/>
+              </a:lnSpc>
+              <a:spcBef>
+                <a:spcPts val="500"/>
+              </a:spcBef>
+              <a:buFont typeface="Arial" panose="020B0604020202020204" pitchFamily="34" charset="0"/>
+              <a:buChar char="•"/>
+              <a:defRPr sz="1800" kern="1200">
+                <a:solidFill>
+                  <a:schemeClr val="tx1"/>
+                </a:solidFill>
+                <a:latin typeface="+mn-lt"/>
+                <a:ea typeface="+mn-ea"/>
+                <a:cs typeface="+mn-cs"/>
+              </a:defRPr>
+            </a:lvl8pPr>
+            <a:lvl9pPr marL="3886200" indent="-228600" algn="l" defTabSz="914400" rtl="0" eaLnBrk="1" latinLnBrk="0" hangingPunct="1">
+              <a:lnSpc>
+                <a:spcPct val="90000"/>
+              </a:lnSpc>
+              <a:spcBef>
+                <a:spcPts val="500"/>
+              </a:spcBef>
+              <a:buFont typeface="Arial" panose="020B0604020202020204" pitchFamily="34" charset="0"/>
+              <a:buChar char="•"/>
+              <a:defRPr sz="1800" kern="1200">
+                <a:solidFill>
+                  <a:schemeClr val="tx1"/>
+                </a:solidFill>
+                <a:latin typeface="+mn-lt"/>
+                <a:ea typeface="+mn-ea"/>
+                <a:cs typeface="+mn-cs"/>
+              </a:defRPr>
+            </a:lvl9pPr>
+          </a:lstStyle>
+          <a:p>
+            <a:r>
+              <a:rPr lang="en-US" altLang="zh-CN" dirty="0"/>
+              <a:t>Type Inferer</a:t>
+            </a:r>
+            <a:endParaRPr lang="en-US" altLang="zh-CN" dirty="0"/>
+          </a:p>
           <a:p>
             <a:pPr lvl="1"/>
             <a:r>
-              <a:rPr lang="zh-CN" altLang="en-US" dirty="0"/>
-              <a:t>时间比较</a:t>
-            </a:r>
-            <a:endParaRPr lang="en-US" altLang="zh-CN" dirty="0"/>
-          </a:p>
-          <a:p>
-            <a:pPr lvl="1"/>
-            <a:r>
-              <a:rPr lang="zh-CN" altLang="en-US" dirty="0"/>
-              <a:t>集合大小（</a:t>
-            </a:r>
-            <a:r>
               <a:rPr lang="en-US" altLang="zh-CN" dirty="0"/>
-              <a:t>Cardinality</a:t>
-            </a:r>
-            <a:r>
-              <a:rPr lang="zh-CN" altLang="en-US" dirty="0"/>
-              <a:t>）</a:t>
-            </a:r>
-            <a:endParaRPr lang="en-US" altLang="zh-CN" dirty="0"/>
-          </a:p>
-          <a:p>
-            <a:pPr lvl="1"/>
-            <a:r>
-              <a:rPr lang="zh-CN" altLang="en-US" dirty="0"/>
-              <a:t>字符串长度</a:t>
-            </a:r>
-            <a:endParaRPr lang="en-US" altLang="zh-CN" dirty="0"/>
-          </a:p>
-          <a:p>
-            <a:pPr lvl="1"/>
-            <a:r>
-              <a:rPr lang="en-US" altLang="zh-CN" dirty="0"/>
-              <a:t>…</a:t>
-            </a:r>
-          </a:p>
-          <a:p>
-            <a:pPr lvl="1"/>
-            <a:r>
-              <a:rPr lang="zh-CN" altLang="en-US" dirty="0"/>
-              <a:t>大部分场景都是进行比较</a:t>
-            </a:r>
-            <a:endParaRPr lang="en-US" altLang="zh-CN" dirty="0"/>
-          </a:p>
-          <a:p>
-            <a:r>
-              <a:rPr lang="zh-CN" altLang="en-US" dirty="0"/>
-              <a:t>可能的解决方式</a:t>
-            </a:r>
-            <a:endParaRPr lang="en-US" altLang="zh-CN" dirty="0"/>
-          </a:p>
-          <a:p>
-            <a:pPr lvl="1"/>
-            <a:r>
-              <a:rPr lang="zh-CN" altLang="en-US" dirty="0"/>
-              <a:t>变量与已知整数进行比较</a:t>
-            </a:r>
-            <a:endParaRPr lang="en-US" altLang="zh-CN" dirty="0"/>
-          </a:p>
-          <a:p>
-            <a:pPr lvl="1"/>
-            <a:r>
-              <a:rPr lang="zh-CN" altLang="en-US" dirty="0"/>
-              <a:t>变量与变量进行比较</a:t>
+              <a:t>Global analysis of the spec.No annotations.</a:t>
             </a:r>
             <a:endParaRPr lang="en-US" altLang="zh-CN" dirty="0"/>
           </a:p>
@@ -8993,24 +11022,280 @@
             <a:pPr lvl="1"/>
             <a:endParaRPr lang="en-US" altLang="zh-CN" dirty="0"/>
           </a:p>
+        </p:txBody>
+      </p:sp>
+      <p:sp>
+        <p:nvSpPr>
+          <p:cNvPr id="8" name="内容占位符 2"/>
+          <p:cNvSpPr>
+            <a:spLocks noGrp="1"/>
+          </p:cNvSpPr>
+          <p:nvPr/>
+        </p:nvSpPr>
+        <p:spPr>
+          <a:xfrm>
+            <a:off x="526415" y="1440180"/>
+            <a:ext cx="11160125" cy="864870"/>
+          </a:xfrm>
+          <a:prstGeom prst="rect">
+            <a:avLst/>
+          </a:prstGeom>
+        </p:spPr>
+        <p:txBody>
+          <a:bodyPr vert="horz" lIns="91440" tIns="45720" rIns="91440" bIns="45720" rtlCol="0">
+            <a:noAutofit/>
+          </a:bodyPr>
+          <a:lstStyle>
+            <a:lvl1pPr marL="228600" indent="-228600" algn="l" defTabSz="914400" rtl="0" eaLnBrk="1" latinLnBrk="0" hangingPunct="1">
+              <a:lnSpc>
+                <a:spcPct val="90000"/>
+              </a:lnSpc>
+              <a:spcBef>
+                <a:spcPts val="1000"/>
+              </a:spcBef>
+              <a:buFont typeface="Arial" panose="020B0604020202020204" pitchFamily="34" charset="0"/>
+              <a:buChar char="•"/>
+              <a:defRPr sz="3000" kern="1200" baseline="0">
+                <a:solidFill>
+                  <a:schemeClr val="tx1"/>
+                </a:solidFill>
+                <a:latin typeface="Arial" panose="020B0604020202020204" pitchFamily="34" charset="0"/>
+                <a:ea typeface="黑体" panose="02010609060101010101" pitchFamily="49" charset="-122"/>
+                <a:cs typeface="+mn-cs"/>
+              </a:defRPr>
+            </a:lvl1pPr>
+            <a:lvl2pPr marL="685800" indent="-228600" algn="l" defTabSz="914400" rtl="0" eaLnBrk="1" latinLnBrk="0" hangingPunct="1">
+              <a:lnSpc>
+                <a:spcPct val="90000"/>
+              </a:lnSpc>
+              <a:spcBef>
+                <a:spcPts val="500"/>
+              </a:spcBef>
+              <a:buFont typeface="Arial" panose="020B0604020202020204" pitchFamily="34" charset="0"/>
+              <a:buChar char="•"/>
+              <a:defRPr sz="2200" kern="1200" baseline="0">
+                <a:solidFill>
+                  <a:srgbClr val="5F1051"/>
+                </a:solidFill>
+                <a:latin typeface="Arial" panose="020B0604020202020204" pitchFamily="34" charset="0"/>
+                <a:ea typeface="黑体" panose="02010609060101010101" pitchFamily="49" charset="-122"/>
+                <a:cs typeface="+mn-cs"/>
+              </a:defRPr>
+            </a:lvl2pPr>
+            <a:lvl3pPr marL="1143000" indent="-228600" algn="l" defTabSz="914400" rtl="0" eaLnBrk="1" latinLnBrk="0" hangingPunct="1">
+              <a:lnSpc>
+                <a:spcPct val="90000"/>
+              </a:lnSpc>
+              <a:spcBef>
+                <a:spcPts val="500"/>
+              </a:spcBef>
+              <a:buFont typeface="Arial" panose="020B0604020202020204" pitchFamily="34" charset="0"/>
+              <a:buChar char="•"/>
+              <a:defRPr sz="1800" kern="1200" baseline="0">
+                <a:solidFill>
+                  <a:schemeClr val="tx1"/>
+                </a:solidFill>
+                <a:latin typeface="Arial" panose="020B0604020202020204" pitchFamily="34" charset="0"/>
+                <a:ea typeface="黑体" panose="02010609060101010101" pitchFamily="49" charset="-122"/>
+                <a:cs typeface="+mn-cs"/>
+              </a:defRPr>
+            </a:lvl3pPr>
+            <a:lvl4pPr marL="1600200" indent="-228600" algn="l" defTabSz="914400" rtl="0" eaLnBrk="1" latinLnBrk="0" hangingPunct="1">
+              <a:lnSpc>
+                <a:spcPct val="90000"/>
+              </a:lnSpc>
+              <a:spcBef>
+                <a:spcPts val="500"/>
+              </a:spcBef>
+              <a:buFont typeface="Arial" panose="020B0604020202020204" pitchFamily="34" charset="0"/>
+              <a:buChar char="•"/>
+              <a:defRPr sz="1600" kern="1200" baseline="0">
+                <a:solidFill>
+                  <a:schemeClr val="tx1"/>
+                </a:solidFill>
+                <a:latin typeface="Arial" panose="020B0604020202020204" pitchFamily="34" charset="0"/>
+                <a:ea typeface="黑体" panose="02010609060101010101" pitchFamily="49" charset="-122"/>
+                <a:cs typeface="+mn-cs"/>
+              </a:defRPr>
+            </a:lvl4pPr>
+            <a:lvl5pPr marL="2057400" indent="-228600" algn="l" defTabSz="914400" rtl="0" eaLnBrk="1" latinLnBrk="0" hangingPunct="1">
+              <a:lnSpc>
+                <a:spcPct val="90000"/>
+              </a:lnSpc>
+              <a:spcBef>
+                <a:spcPts val="500"/>
+              </a:spcBef>
+              <a:buFont typeface="Arial" panose="020B0604020202020204" pitchFamily="34" charset="0"/>
+              <a:buChar char="•"/>
+              <a:defRPr sz="1400" kern="1200" baseline="0">
+                <a:solidFill>
+                  <a:schemeClr val="tx1"/>
+                </a:solidFill>
+                <a:latin typeface="Arial" panose="020B0604020202020204" pitchFamily="34" charset="0"/>
+                <a:ea typeface="黑体" panose="02010609060101010101" pitchFamily="49" charset="-122"/>
+                <a:cs typeface="+mn-cs"/>
+              </a:defRPr>
+            </a:lvl5pPr>
+            <a:lvl6pPr marL="2514600" indent="-228600" algn="l" defTabSz="914400" rtl="0" eaLnBrk="1" latinLnBrk="0" hangingPunct="1">
+              <a:lnSpc>
+                <a:spcPct val="90000"/>
+              </a:lnSpc>
+              <a:spcBef>
+                <a:spcPts val="500"/>
+              </a:spcBef>
+              <a:buFont typeface="Arial" panose="020B0604020202020204" pitchFamily="34" charset="0"/>
+              <a:buChar char="•"/>
+              <a:defRPr sz="1800" kern="1200">
+                <a:solidFill>
+                  <a:schemeClr val="tx1"/>
+                </a:solidFill>
+                <a:latin typeface="+mn-lt"/>
+                <a:ea typeface="+mn-ea"/>
+                <a:cs typeface="+mn-cs"/>
+              </a:defRPr>
+            </a:lvl6pPr>
+            <a:lvl7pPr marL="2971800" indent="-228600" algn="l" defTabSz="914400" rtl="0" eaLnBrk="1" latinLnBrk="0" hangingPunct="1">
+              <a:lnSpc>
+                <a:spcPct val="90000"/>
+              </a:lnSpc>
+              <a:spcBef>
+                <a:spcPts val="500"/>
+              </a:spcBef>
+              <a:buFont typeface="Arial" panose="020B0604020202020204" pitchFamily="34" charset="0"/>
+              <a:buChar char="•"/>
+              <a:defRPr sz="1800" kern="1200">
+                <a:solidFill>
+                  <a:schemeClr val="tx1"/>
+                </a:solidFill>
+                <a:latin typeface="+mn-lt"/>
+                <a:ea typeface="+mn-ea"/>
+                <a:cs typeface="+mn-cs"/>
+              </a:defRPr>
+            </a:lvl7pPr>
+            <a:lvl8pPr marL="3429000" indent="-228600" algn="l" defTabSz="914400" rtl="0" eaLnBrk="1" latinLnBrk="0" hangingPunct="1">
+              <a:lnSpc>
+                <a:spcPct val="90000"/>
+              </a:lnSpc>
+              <a:spcBef>
+                <a:spcPts val="500"/>
+              </a:spcBef>
+              <a:buFont typeface="Arial" panose="020B0604020202020204" pitchFamily="34" charset="0"/>
+              <a:buChar char="•"/>
+              <a:defRPr sz="1800" kern="1200">
+                <a:solidFill>
+                  <a:schemeClr val="tx1"/>
+                </a:solidFill>
+                <a:latin typeface="+mn-lt"/>
+                <a:ea typeface="+mn-ea"/>
+                <a:cs typeface="+mn-cs"/>
+              </a:defRPr>
+            </a:lvl8pPr>
+            <a:lvl9pPr marL="3886200" indent="-228600" algn="l" defTabSz="914400" rtl="0" eaLnBrk="1" latinLnBrk="0" hangingPunct="1">
+              <a:lnSpc>
+                <a:spcPct val="90000"/>
+              </a:lnSpc>
+              <a:spcBef>
+                <a:spcPts val="500"/>
+              </a:spcBef>
+              <a:buFont typeface="Arial" panose="020B0604020202020204" pitchFamily="34" charset="0"/>
+              <a:buChar char="•"/>
+              <a:defRPr sz="1800" kern="1200">
+                <a:solidFill>
+                  <a:schemeClr val="tx1"/>
+                </a:solidFill>
+                <a:latin typeface="+mn-lt"/>
+                <a:ea typeface="+mn-ea"/>
+                <a:cs typeface="+mn-cs"/>
+              </a:defRPr>
+            </a:lvl9pPr>
+          </a:lstStyle>
+          <a:p>
+            <a:r>
+              <a:rPr lang="en-US" altLang="zh-CN" dirty="0"/>
+              <a:t>Type </a:t>
+            </a:r>
+            <a:r>
+              <a:rPr lang="en-US" altLang="zh-CN" dirty="0"/>
+              <a:t>checker</a:t>
+            </a:r>
+            <a:endParaRPr lang="en-US" altLang="zh-CN" dirty="0"/>
+          </a:p>
+          <a:p>
+            <a:pPr lvl="1"/>
+            <a:r>
+              <a:rPr lang="en-US" altLang="zh-CN" dirty="0"/>
+              <a:t>Local analysis of operator definitions.Need for annotations</a:t>
+            </a:r>
+            <a:endParaRPr lang="en-US" altLang="zh-CN" dirty="0"/>
+          </a:p>
           <a:p>
             <a:pPr lvl="1"/>
             <a:endParaRPr lang="en-US" altLang="zh-CN" dirty="0"/>
           </a:p>
-          <a:p>
-            <a:endParaRPr lang="en-US" altLang="zh-CN" dirty="0"/>
-          </a:p>
-        </p:txBody>
-      </p:sp>
-      <p:sp>
-        <p:nvSpPr>
-          <p:cNvPr id="5" name="页脚占位符 4">
-            <a:extLst>
-              <a:ext uri="{FF2B5EF4-FFF2-40B4-BE49-F238E27FC236}">
-                <a16:creationId xmlns:a16="http://schemas.microsoft.com/office/drawing/2014/main" id="{DC6CFF93-4EAC-4B0A-B8A6-0F1C9A838BC4}"/>
-              </a:ext>
-            </a:extLst>
-          </p:cNvPr>
+        </p:txBody>
+      </p:sp>
+    </p:spTree>
+  </p:cSld>
+  <p:clrMapOvr>
+    <a:masterClrMapping/>
+  </p:clrMapOvr>
+</p:sld>
+</file>
+
+<file path=ppt/slides/slide8.xml><?xml version="1.0" encoding="utf-8"?>
+<p:sld xmlns:a="http://schemas.openxmlformats.org/drawingml/2006/main" xmlns:r="http://schemas.openxmlformats.org/officeDocument/2006/relationships" xmlns:p="http://schemas.openxmlformats.org/presentationml/2006/main">
+  <p:cSld>
+    <p:spTree>
+      <p:nvGrpSpPr>
+        <p:cNvPr id="1" name=""/>
+        <p:cNvGrpSpPr/>
+        <p:nvPr/>
+      </p:nvGrpSpPr>
+      <p:grpSpPr>
+        <a:xfrm>
+          <a:off x="0" y="0"/>
+          <a:ext cx="0" cy="0"/>
+          <a:chOff x="0" y="0"/>
+          <a:chExt cx="0" cy="0"/>
+        </a:xfrm>
+      </p:grpSpPr>
+      <p:sp>
+        <p:nvSpPr>
+          <p:cNvPr id="2" name="标题 1"/>
+          <p:cNvSpPr>
+            <a:spLocks noGrp="1"/>
+          </p:cNvSpPr>
+          <p:nvPr>
+            <p:ph type="title"/>
+          </p:nvPr>
+        </p:nvSpPr>
+        <p:spPr/>
+        <p:txBody>
+          <a:bodyPr>
+            <a:normAutofit/>
+          </a:bodyPr>
+          <a:lstStyle/>
+          <a:p>
+            <a:r>
+              <a:rPr lang="en-US" altLang="zh-CN" dirty="0">
+                <a:sym typeface="+mn-ea"/>
+              </a:rPr>
+              <a:t>Type checker</a:t>
+            </a:r>
+            <a:endParaRPr lang="zh-CN" altLang="en-US" b="0" spc="-1" dirty="0">
+              <a:solidFill>
+                <a:srgbClr val="000000"/>
+              </a:solidFill>
+              <a:latin typeface="Arial" panose="020B0604020202020204"/>
+              <a:ea typeface="黑体"/>
+              <a:sym typeface="+mn-ea"/>
+            </a:endParaRPr>
+          </a:p>
+        </p:txBody>
+      </p:sp>
+      <p:sp>
+        <p:nvSpPr>
+          <p:cNvPr id="5" name="页脚占位符 4"/>
           <p:cNvSpPr>
             <a:spLocks noGrp="1"/>
           </p:cNvSpPr>
@@ -9023,70 +11308,240 @@
           <a:bodyPr/>
           <a:lstStyle/>
           <a:p>
-            <a:pPr marL="0" marR="0" lvl="0" indent="0" algn="ctr" defTabSz="914400" rtl="0" eaLnBrk="1" fontAlgn="auto" latinLnBrk="0" hangingPunct="1">
-              <a:lnSpc>
-                <a:spcPct val="100000"/>
-              </a:lnSpc>
-              <a:spcBef>
-                <a:spcPts val="0"/>
-              </a:spcBef>
-              <a:spcAft>
-                <a:spcPts val="0"/>
-              </a:spcAft>
-              <a:buClrTx/>
-              <a:buSzTx/>
-              <a:buFontTx/>
-              <a:buNone/>
-              <a:tabLst/>
-              <a:defRPr/>
-            </a:pPr>
-            <a:r>
-              <a:rPr kumimoji="0" lang="zh-CN" altLang="en-US" sz="1200" b="0" i="0" u="none" strike="noStrike" kern="1200" cap="none" spc="0" normalizeH="0" baseline="0" noProof="0">
-                <a:ln>
-                  <a:noFill/>
-                </a:ln>
-                <a:solidFill>
-                  <a:prstClr val="black">
-                    <a:tint val="75000"/>
-                  </a:prstClr>
-                </a:solidFill>
-                <a:effectLst/>
-                <a:uLnTx/>
-                <a:uFillTx/>
-                <a:latin typeface="Calibri"/>
-                <a:ea typeface="黑体"/>
-                <a:cs typeface="+mn-cs"/>
+            <a:r>
+              <a:rPr lang="en-GB" altLang="zh-CN"/>
+              <a:t>DistAI</a:t>
+            </a:r>
+            <a:r>
+              <a:rPr lang="zh-CN" altLang="en-US"/>
+              <a:t>项目：一周工作进展</a:t>
+            </a:r>
+            <a:endParaRPr lang="zh-CN" altLang="en-US" dirty="0"/>
+          </a:p>
+        </p:txBody>
+      </p:sp>
+      <p:sp>
+        <p:nvSpPr>
+          <p:cNvPr id="7" name="日期占位符 6"/>
+          <p:cNvSpPr>
+            <a:spLocks noGrp="1"/>
+          </p:cNvSpPr>
+          <p:nvPr>
+            <p:ph type="dt" sz="half" idx="10"/>
+          </p:nvPr>
+        </p:nvSpPr>
+        <p:spPr/>
+        <p:txBody>
+          <a:bodyPr/>
+          <a:lstStyle/>
+          <a:p>
+            <a:fld id="{48C0F002-9E81-334E-9897-686C0F3A095B}" type="datetime1">
+              <a:rPr lang="zh-CN" altLang="en-US" smtClean="0"/>
+            </a:fld>
+            <a:endParaRPr lang="zh-CN" altLang="en-US"/>
+          </a:p>
+        </p:txBody>
+      </p:sp>
+      <p:sp>
+        <p:nvSpPr>
+          <p:cNvPr id="6" name="灯片编号占位符 5"/>
+          <p:cNvSpPr>
+            <a:spLocks noGrp="1"/>
+          </p:cNvSpPr>
+          <p:nvPr>
+            <p:ph type="sldNum" sz="quarter" idx="12"/>
+          </p:nvPr>
+        </p:nvSpPr>
+        <p:spPr/>
+        <p:txBody>
+          <a:bodyPr/>
+          <a:lstStyle/>
+          <a:p>
+            <a:fld id="{FDF96B62-0E79-44B5-BB83-6AF64255BCDF}" type="slidenum">
+              <a:rPr lang="zh-CN" altLang="en-US" smtClean="0"/>
+            </a:fld>
+            <a:endParaRPr lang="zh-CN" altLang="en-US"/>
+          </a:p>
+        </p:txBody>
+      </p:sp>
+      <p:sp>
+        <p:nvSpPr>
+          <p:cNvPr id="8" name="内容占位符 7"/>
+          <p:cNvSpPr/>
+          <p:nvPr>
+            <p:ph idx="1"/>
+          </p:nvPr>
+        </p:nvSpPr>
+        <p:spPr>
+          <a:xfrm>
+            <a:off x="520700" y="1278255"/>
+            <a:ext cx="11160125" cy="4921250"/>
+          </a:xfrm>
+        </p:spPr>
+        <p:txBody>
+          <a:bodyPr/>
+          <a:p>
+            <a:r>
+              <a:rPr lang="en-US" altLang="zh-CN"/>
+              <a:t>Type syntax</a:t>
+            </a:r>
+            <a:endParaRPr lang="en-US" altLang="zh-CN"/>
+          </a:p>
+          <a:p>
+            <a:pPr lvl="1"/>
+            <a:r>
+              <a:rPr lang="en-US" altLang="zh-CN"/>
+              <a:t>Bool | Int | Str | Real     basic types</a:t>
+            </a:r>
+            <a:endParaRPr lang="en-US" altLang="zh-CN"/>
+          </a:p>
+          <a:p>
+            <a:pPr lvl="1"/>
+            <a:r>
+              <a:rPr lang="en-US" altLang="zh-CN"/>
+              <a:t>IDENTIFIER123 | [_A-Z][_A-Z0-9]*  uninterpreted type</a:t>
+            </a:r>
+            <a:endParaRPr lang="en-US" altLang="zh-CN"/>
+          </a:p>
+          <a:p>
+            <a:pPr lvl="2"/>
+            <a:r>
+              <a:rPr lang="en-US" altLang="zh-CN" sz="1800"/>
+              <a:t>Like types of model values in TLC</a:t>
+            </a:r>
+            <a:endParaRPr lang="en-US" altLang="zh-CN"/>
+          </a:p>
+          <a:p>
+            <a:pPr lvl="2"/>
+            <a:r>
+              <a:rPr lang="en-US" altLang="zh-CN"/>
+              <a:t>Often, CONSTANTS are parameterized sets</a:t>
+            </a:r>
+            <a:endParaRPr lang="en-US" altLang="zh-CN"/>
+          </a:p>
+          <a:p>
+            <a:pPr lvl="1"/>
+            <a:r>
+              <a:rPr lang="en-US" altLang="zh-CN"/>
+              <a:t>T -&gt; T | set(T) | Seq(T)    functions,sets,sequences</a:t>
+            </a:r>
+            <a:endParaRPr lang="en-US" altLang="zh-CN"/>
+          </a:p>
+          <a:p>
+            <a:pPr lvl="1"/>
+            <a:r>
+              <a:rPr lang="en-US" altLang="zh-CN"/>
+              <a:t>&lt;&lt;T,...T&gt;&gt; | [h1: T,...,hk: T]  tuples,records</a:t>
+            </a:r>
+            <a:endParaRPr lang="en-US" altLang="zh-CN"/>
+          </a:p>
+          <a:p>
+            <a:pPr lvl="1"/>
+            <a:r>
+              <a:rPr lang="en-US" altLang="zh-CN"/>
+              <a:t>(T,...T) =&gt; T   operators</a:t>
+            </a:r>
+            <a:endParaRPr lang="en-US" altLang="zh-CN"/>
+          </a:p>
+          <a:p>
+            <a:pPr lvl="1"/>
+            <a:r>
+              <a:rPr lang="en-US" altLang="zh-CN"/>
+              <a:t>a | ... | z    type variables</a:t>
+            </a:r>
+            <a:endParaRPr lang="en-US" altLang="zh-CN"/>
+          </a:p>
+        </p:txBody>
+      </p:sp>
+    </p:spTree>
+  </p:cSld>
+  <p:clrMapOvr>
+    <a:masterClrMapping/>
+  </p:clrMapOvr>
+</p:sld>
+</file>
+
+<file path=ppt/slides/slide9.xml><?xml version="1.0" encoding="utf-8"?>
+<p:sld xmlns:a="http://schemas.openxmlformats.org/drawingml/2006/main" xmlns:r="http://schemas.openxmlformats.org/officeDocument/2006/relationships" xmlns:p="http://schemas.openxmlformats.org/presentationml/2006/main">
+  <p:cSld>
+    <p:spTree>
+      <p:nvGrpSpPr>
+        <p:cNvPr id="1" name=""/>
+        <p:cNvGrpSpPr/>
+        <p:nvPr/>
+      </p:nvGrpSpPr>
+      <p:grpSpPr>
+        <a:xfrm>
+          <a:off x="0" y="0"/>
+          <a:ext cx="0" cy="0"/>
+          <a:chOff x="0" y="0"/>
+          <a:chExt cx="0" cy="0"/>
+        </a:xfrm>
+      </p:grpSpPr>
+      <p:sp>
+        <p:nvSpPr>
+          <p:cNvPr id="2" name="标题 1"/>
+          <p:cNvSpPr>
+            <a:spLocks noGrp="1"/>
+          </p:cNvSpPr>
+          <p:nvPr>
+            <p:ph type="title"/>
+          </p:nvPr>
+        </p:nvSpPr>
+        <p:spPr/>
+        <p:txBody>
+          <a:bodyPr>
+            <a:normAutofit/>
+          </a:bodyPr>
+          <a:lstStyle/>
+          <a:p>
+            <a:r>
+              <a:rPr lang="en-US" altLang="zh-CN" dirty="0">
+                <a:sym typeface="+mn-ea"/>
               </a:rPr>
-              <a:t>定义不变式的搜索空间</a:t>
-            </a:r>
-            <a:endParaRPr kumimoji="0" lang="zh-CN" altLang="en-US" sz="1200" b="0" i="0" u="none" strike="noStrike" kern="1200" cap="none" spc="0" normalizeH="0" baseline="0" noProof="0" dirty="0">
-              <a:ln>
-                <a:noFill/>
-              </a:ln>
+              <a:t>Type checker</a:t>
+            </a:r>
+            <a:endParaRPr lang="zh-CN" altLang="en-US" b="0" spc="-1" dirty="0">
               <a:solidFill>
-                <a:prstClr val="black">
-                  <a:tint val="75000"/>
-                </a:prstClr>
+                <a:srgbClr val="000000"/>
               </a:solidFill>
-              <a:effectLst/>
-              <a:uLnTx/>
-              <a:uFillTx/>
-              <a:latin typeface="Calibri"/>
+              <a:latin typeface="Arial" panose="020B0604020202020204"/>
               <a:ea typeface="黑体"/>
-              <a:cs typeface="+mn-cs"/>
+              <a:sym typeface="+mn-ea"/>
             </a:endParaRPr>
           </a:p>
         </p:txBody>
       </p:sp>
       <p:sp>
         <p:nvSpPr>
-          <p:cNvPr id="2" name="日期占位符 1">
-            <a:extLst>
-              <a:ext uri="{FF2B5EF4-FFF2-40B4-BE49-F238E27FC236}">
-                <a16:creationId xmlns:a16="http://schemas.microsoft.com/office/drawing/2014/main" id="{39ABE82F-8FF6-49E8-807C-EBA26EF7C092}"/>
-              </a:ext>
-            </a:extLst>
-          </p:cNvPr>
+          <p:cNvPr id="5" name="页脚占位符 4"/>
+          <p:cNvSpPr>
+            <a:spLocks noGrp="1"/>
+          </p:cNvSpPr>
+          <p:nvPr>
+            <p:ph type="ftr" sz="quarter" idx="11"/>
+          </p:nvPr>
+        </p:nvSpPr>
+        <p:spPr/>
+        <p:txBody>
+          <a:bodyPr/>
+          <a:lstStyle/>
+          <a:p>
+            <a:r>
+              <a:rPr lang="en-GB" altLang="zh-CN"/>
+              <a:t>DistAI</a:t>
+            </a:r>
+            <a:r>
+              <a:rPr lang="zh-CN" altLang="en-US"/>
+              <a:t>项目：一周工作进展</a:t>
+            </a:r>
+            <a:endParaRPr lang="zh-CN" altLang="en-US" dirty="0"/>
+          </a:p>
+        </p:txBody>
+      </p:sp>
+      <p:sp>
+        <p:nvSpPr>
+          <p:cNvPr id="7" name="日期占位符 6"/>
           <p:cNvSpPr>
             <a:spLocks noGrp="1"/>
           </p:cNvSpPr>
@@ -9099,84 +11554,85 @@
           <a:bodyPr/>
           <a:lstStyle/>
           <a:p>
-            <a:pPr marL="0" marR="0" lvl="0" indent="0" algn="l" defTabSz="914400" rtl="0" eaLnBrk="1" fontAlgn="auto" latinLnBrk="0" hangingPunct="1">
-              <a:lnSpc>
-                <a:spcPct val="100000"/>
-              </a:lnSpc>
-              <a:spcBef>
-                <a:spcPts val="0"/>
-              </a:spcBef>
-              <a:spcAft>
-                <a:spcPts val="0"/>
-              </a:spcAft>
-              <a:buClrTx/>
-              <a:buSzTx/>
-              <a:buFontTx/>
-              <a:buNone/>
-              <a:tabLst/>
-              <a:defRPr/>
-            </a:pPr>
-            <a:fld id="{161B05A7-3123-2F46-BF5F-045FEB3199CB}" type="datetime1">
-              <a:rPr kumimoji="0" lang="zh-CN" altLang="en-US" sz="1200" b="0" i="0" u="none" strike="noStrike" kern="1200" cap="none" spc="0" normalizeH="0" baseline="0" noProof="0" smtClean="0">
-                <a:ln>
-                  <a:noFill/>
-                </a:ln>
-                <a:solidFill>
-                  <a:prstClr val="black">
-                    <a:tint val="75000"/>
-                  </a:prstClr>
-                </a:solidFill>
-                <a:effectLst/>
-                <a:uLnTx/>
-                <a:uFillTx/>
-                <a:latin typeface="Calibri"/>
-                <a:ea typeface="黑体"/>
-                <a:cs typeface="+mn-cs"/>
-              </a:rPr>
-              <a:pPr marL="0" marR="0" lvl="0" indent="0" algn="l" defTabSz="914400" rtl="0" eaLnBrk="1" fontAlgn="auto" latinLnBrk="0" hangingPunct="1">
-                <a:lnSpc>
-                  <a:spcPct val="100000"/>
-                </a:lnSpc>
-                <a:spcBef>
-                  <a:spcPts val="0"/>
-                </a:spcBef>
-                <a:spcAft>
-                  <a:spcPts val="0"/>
-                </a:spcAft>
-                <a:buClrTx/>
-                <a:buSzTx/>
-                <a:buFontTx/>
-                <a:buNone/>
-                <a:tabLst/>
-                <a:defRPr/>
-              </a:pPr>
-              <a:t>2022/5/20</a:t>
+            <a:fld id="{48C0F002-9E81-334E-9897-686C0F3A095B}" type="datetime1">
+              <a:rPr lang="zh-CN" altLang="en-US" smtClean="0"/>
             </a:fld>
-            <a:endParaRPr kumimoji="0" lang="zh-CN" altLang="en-US" sz="1200" b="0" i="0" u="none" strike="noStrike" kern="1200" cap="none" spc="0" normalizeH="0" baseline="0" noProof="0">
-              <a:ln>
-                <a:noFill/>
-              </a:ln>
-              <a:solidFill>
-                <a:prstClr val="black">
-                  <a:tint val="75000"/>
-                </a:prstClr>
-              </a:solidFill>
-              <a:effectLst/>
-              <a:uLnTx/>
-              <a:uFillTx/>
-              <a:latin typeface="Calibri"/>
-              <a:ea typeface="黑体"/>
-              <a:cs typeface="+mn-cs"/>
-            </a:endParaRPr>
-          </a:p>
-        </p:txBody>
-      </p:sp>
+            <a:endParaRPr lang="zh-CN" altLang="en-US"/>
+          </a:p>
+        </p:txBody>
+      </p:sp>
+      <p:sp>
+        <p:nvSpPr>
+          <p:cNvPr id="6" name="灯片编号占位符 5"/>
+          <p:cNvSpPr>
+            <a:spLocks noGrp="1"/>
+          </p:cNvSpPr>
+          <p:nvPr>
+            <p:ph type="sldNum" sz="quarter" idx="12"/>
+          </p:nvPr>
+        </p:nvSpPr>
+        <p:spPr/>
+        <p:txBody>
+          <a:bodyPr/>
+          <a:lstStyle/>
+          <a:p>
+            <a:fld id="{FDF96B62-0E79-44B5-BB83-6AF64255BCDF}" type="slidenum">
+              <a:rPr lang="zh-CN" altLang="en-US" smtClean="0"/>
+            </a:fld>
+            <a:endParaRPr lang="zh-CN" altLang="en-US"/>
+          </a:p>
+        </p:txBody>
+      </p:sp>
+      <p:sp>
+        <p:nvSpPr>
+          <p:cNvPr id="8" name="内容占位符 7"/>
+          <p:cNvSpPr/>
+          <p:nvPr>
+            <p:ph idx="1"/>
+          </p:nvPr>
+        </p:nvSpPr>
+        <p:spPr>
+          <a:xfrm>
+            <a:off x="520700" y="1278255"/>
+            <a:ext cx="11160125" cy="4921250"/>
+          </a:xfrm>
+        </p:spPr>
+        <p:txBody>
+          <a:bodyPr/>
+          <a:p>
+            <a:r>
+              <a:rPr lang="en-US" altLang="zh-CN"/>
+              <a:t>simple lamda-calculus over types</a:t>
+            </a:r>
+            <a:endParaRPr lang="en-US" altLang="zh-CN"/>
+          </a:p>
+        </p:txBody>
+      </p:sp>
+      <p:pic>
+        <p:nvPicPr>
+          <p:cNvPr id="3" name="图片 2" descr="6092E91E-6E43-4754-A460-CBA0FFB4696D"/>
+          <p:cNvPicPr>
+            <a:picLocks noChangeAspect="1"/>
+          </p:cNvPicPr>
+          <p:nvPr/>
+        </p:nvPicPr>
+        <p:blipFill>
+          <a:blip r:embed="rId1"/>
+          <a:stretch>
+            <a:fillRect/>
+          </a:stretch>
+        </p:blipFill>
+        <p:spPr>
+          <a:xfrm>
+            <a:off x="762635" y="2192655"/>
+            <a:ext cx="8420100" cy="2997200"/>
+          </a:xfrm>
+          <a:prstGeom prst="rect">
+            <a:avLst/>
+          </a:prstGeom>
+        </p:spPr>
+      </p:pic>
     </p:spTree>
-    <p:extLst>
-      <p:ext uri="{BB962C8B-B14F-4D97-AF65-F5344CB8AC3E}">
-        <p14:creationId xmlns:p14="http://schemas.microsoft.com/office/powerpoint/2010/main" val="1839658791"/>
-      </p:ext>
-    </p:extLst>
   </p:cSld>
   <p:clrMapOvr>
     <a:masterClrMapping/>
@@ -9375,8 +11831,6 @@
       </a:bgFillStyleLst>
     </a:fmtScheme>
   </a:themeElements>
-  <a:objectDefaults/>
-  <a:extraClrSchemeLst/>
   <a:extLst>
     <a:ext uri="{05A4C25C-085E-4340-85A3-A5531E510DB2}">
       <thm15:themeFamily xmlns:thm15="http://schemas.microsoft.com/office/thememl/2012/main" name="Office Theme" id="{62F939B6-93AF-4DB8-9C6B-D6C7DFDC589F}" vid="{4A3C46E8-61CC-4603-A589-7422A47A8E4A}"/>
@@ -9576,8 +12030,6 @@
       </a:bgFillStyleLst>
     </a:fmtScheme>
   </a:themeElements>
-  <a:objectDefaults/>
-  <a:extraClrSchemeLst/>
   <a:extLst>
     <a:ext uri="{05A4C25C-085E-4340-85A3-A5531E510DB2}">
       <thm15:themeFamily xmlns:thm15="http://schemas.microsoft.com/office/thememl/2012/main" name="Office Theme" id="{62F939B6-93AF-4DB8-9C6B-D6C7DFDC589F}" vid="{4A3C46E8-61CC-4603-A589-7422A47A8E4A}"/>
@@ -9837,8 +12289,6 @@
       </a:bgFillStyleLst>
     </a:fmtScheme>
   </a:themeElements>
-  <a:objectDefaults/>
-  <a:extraClrSchemeLst/>
   <a:extLst>
     <a:ext uri="{05A4C25C-085E-4340-85A3-A5531E510DB2}">
       <thm15:themeFamily xmlns:thm15="http://schemas.microsoft.com/office/thememl/2012/main" name="Office Theme" id="{62F939B6-93AF-4DB8-9C6B-D6C7DFDC589F}" vid="{4A3C46E8-61CC-4603-A589-7422A47A8E4A}"/>

--- a/reports/8-20220520-一周工作进展.pptx
+++ b/reports/8-20220520-一周工作进展.pptx
@@ -12,17 +12,19 @@
     <p:sldId id="1302" r:id="rId4"/>
     <p:sldId id="1290" r:id="rId6"/>
     <p:sldId id="1291" r:id="rId7"/>
-    <p:sldId id="1292" r:id="rId8"/>
-    <p:sldId id="1293" r:id="rId9"/>
-    <p:sldId id="1294" r:id="rId10"/>
-    <p:sldId id="1297" r:id="rId11"/>
-    <p:sldId id="1298" r:id="rId12"/>
-    <p:sldId id="1299" r:id="rId13"/>
-    <p:sldId id="1300" r:id="rId14"/>
-    <p:sldId id="1301" r:id="rId15"/>
-    <p:sldId id="1195" r:id="rId16"/>
-    <p:sldId id="1196" r:id="rId17"/>
-    <p:sldId id="1303" r:id="rId18"/>
+    <p:sldId id="1316" r:id="rId8"/>
+    <p:sldId id="1292" r:id="rId9"/>
+    <p:sldId id="1293" r:id="rId10"/>
+    <p:sldId id="1294" r:id="rId11"/>
+    <p:sldId id="1297" r:id="rId12"/>
+    <p:sldId id="1298" r:id="rId13"/>
+    <p:sldId id="1299" r:id="rId14"/>
+    <p:sldId id="1300" r:id="rId15"/>
+    <p:sldId id="1301" r:id="rId16"/>
+    <p:sldId id="1317" r:id="rId17"/>
+    <p:sldId id="1195" r:id="rId18"/>
+    <p:sldId id="1196" r:id="rId19"/>
+    <p:sldId id="1303" r:id="rId20"/>
   </p:sldIdLst>
   <p:sldSz cx="12192000" cy="6858000"/>
   <p:notesSz cx="6858000" cy="9144000"/>
@@ -126,20 +128,22 @@
       <p14:sectionLst xmlns:p14="http://schemas.microsoft.com/office/powerpoint/2010/main">
         <p14:section name="默认节" id="{73931D1F-3174-4CB2-9A25-011D91E08AA2}">
           <p14:sldIdLst>
+            <p14:sldId id="1302"/>
             <p14:sldId id="1290"/>
             <p14:sldId id="1291"/>
             <p14:sldId id="1292"/>
             <p14:sldId id="1293"/>
             <p14:sldId id="1294"/>
-            <p14:sldId id="1195"/>
-            <p14:sldId id="1196"/>
             <p14:sldId id="1297"/>
             <p14:sldId id="1298"/>
             <p14:sldId id="1299"/>
             <p14:sldId id="1300"/>
             <p14:sldId id="1301"/>
-            <p14:sldId id="1302"/>
+            <p14:sldId id="1317"/>
+            <p14:sldId id="1195"/>
+            <p14:sldId id="1196"/>
             <p14:sldId id="1303"/>
+            <p14:sldId id="1316"/>
           </p14:sldIdLst>
         </p14:section>
       </p14:sectionLst>
@@ -785,6 +789,162 @@
           <a:bodyPr/>
           <a:lstStyle/>
           <a:p>
+            <a:endParaRPr kumimoji="1" lang="zh-CN" altLang="en-US" dirty="0"/>
+          </a:p>
+        </p:txBody>
+      </p:sp>
+      <p:sp>
+        <p:nvSpPr>
+          <p:cNvPr id="4" name="灯片编号占位符 3"/>
+          <p:cNvSpPr>
+            <a:spLocks noGrp="1"/>
+          </p:cNvSpPr>
+          <p:nvPr>
+            <p:ph type="sldNum" sz="quarter" idx="5"/>
+          </p:nvPr>
+        </p:nvSpPr>
+        <p:spPr/>
+        <p:txBody>
+          <a:bodyPr/>
+          <a:lstStyle/>
+          <a:p>
+            <a:fld id="{9B5BD0AE-A23C-4B71-BCCA-077F02B28D69}" type="slidenum">
+              <a:rPr lang="zh-CN" altLang="en-US" smtClean="0"/>
+            </a:fld>
+            <a:endParaRPr lang="zh-CN" altLang="en-US"/>
+          </a:p>
+        </p:txBody>
+      </p:sp>
+    </p:spTree>
+  </p:cSld>
+  <p:clrMapOvr>
+    <a:masterClrMapping/>
+  </p:clrMapOvr>
+</p:notes>
+</file>
+
+<file path=ppt/notesSlides/notesSlide13.xml><?xml version="1.0" encoding="utf-8"?>
+<p:notes xmlns:a="http://schemas.openxmlformats.org/drawingml/2006/main" xmlns:r="http://schemas.openxmlformats.org/officeDocument/2006/relationships" xmlns:p="http://schemas.openxmlformats.org/presentationml/2006/main">
+  <p:cSld>
+    <p:spTree>
+      <p:nvGrpSpPr>
+        <p:cNvPr id="1" name=""/>
+        <p:cNvGrpSpPr/>
+        <p:nvPr/>
+      </p:nvGrpSpPr>
+      <p:grpSpPr>
+        <a:xfrm>
+          <a:off x="0" y="0"/>
+          <a:ext cx="0" cy="0"/>
+          <a:chOff x="0" y="0"/>
+          <a:chExt cx="0" cy="0"/>
+        </a:xfrm>
+      </p:grpSpPr>
+      <p:sp>
+        <p:nvSpPr>
+          <p:cNvPr id="2" name="幻灯片图像占位符 1"/>
+          <p:cNvSpPr>
+            <a:spLocks noGrp="1" noRot="1" noChangeAspect="1"/>
+          </p:cNvSpPr>
+          <p:nvPr>
+            <p:ph type="sldImg"/>
+          </p:nvPr>
+        </p:nvSpPr>
+        <p:spPr/>
+      </p:sp>
+      <p:sp>
+        <p:nvSpPr>
+          <p:cNvPr id="3" name="备注占位符 2"/>
+          <p:cNvSpPr>
+            <a:spLocks noGrp="1"/>
+          </p:cNvSpPr>
+          <p:nvPr>
+            <p:ph type="body" idx="1"/>
+          </p:nvPr>
+        </p:nvSpPr>
+        <p:spPr/>
+        <p:txBody>
+          <a:bodyPr/>
+          <a:lstStyle/>
+          <a:p>
+            <a:endParaRPr kumimoji="1" lang="zh-CN" altLang="en-US" dirty="0"/>
+          </a:p>
+        </p:txBody>
+      </p:sp>
+      <p:sp>
+        <p:nvSpPr>
+          <p:cNvPr id="4" name="灯片编号占位符 3"/>
+          <p:cNvSpPr>
+            <a:spLocks noGrp="1"/>
+          </p:cNvSpPr>
+          <p:nvPr>
+            <p:ph type="sldNum" sz="quarter" idx="5"/>
+          </p:nvPr>
+        </p:nvSpPr>
+        <p:spPr/>
+        <p:txBody>
+          <a:bodyPr/>
+          <a:lstStyle/>
+          <a:p>
+            <a:fld id="{9B5BD0AE-A23C-4B71-BCCA-077F02B28D69}" type="slidenum">
+              <a:rPr lang="zh-CN" altLang="en-US" smtClean="0"/>
+            </a:fld>
+            <a:endParaRPr lang="zh-CN" altLang="en-US"/>
+          </a:p>
+        </p:txBody>
+      </p:sp>
+    </p:spTree>
+  </p:cSld>
+  <p:clrMapOvr>
+    <a:masterClrMapping/>
+  </p:clrMapOvr>
+</p:notes>
+</file>
+
+<file path=ppt/notesSlides/notesSlide14.xml><?xml version="1.0" encoding="utf-8"?>
+<p:notes xmlns:a="http://schemas.openxmlformats.org/drawingml/2006/main" xmlns:r="http://schemas.openxmlformats.org/officeDocument/2006/relationships" xmlns:p="http://schemas.openxmlformats.org/presentationml/2006/main">
+  <p:cSld>
+    <p:spTree>
+      <p:nvGrpSpPr>
+        <p:cNvPr id="1" name=""/>
+        <p:cNvGrpSpPr/>
+        <p:nvPr/>
+      </p:nvGrpSpPr>
+      <p:grpSpPr>
+        <a:xfrm>
+          <a:off x="0" y="0"/>
+          <a:ext cx="0" cy="0"/>
+          <a:chOff x="0" y="0"/>
+          <a:chExt cx="0" cy="0"/>
+        </a:xfrm>
+      </p:grpSpPr>
+      <p:sp>
+        <p:nvSpPr>
+          <p:cNvPr id="2" name="幻灯片图像占位符 1"/>
+          <p:cNvSpPr>
+            <a:spLocks noGrp="1" noRot="1" noChangeAspect="1"/>
+          </p:cNvSpPr>
+          <p:nvPr>
+            <p:ph type="sldImg"/>
+          </p:nvPr>
+        </p:nvSpPr>
+        <p:spPr/>
+      </p:sp>
+      <p:sp>
+        <p:nvSpPr>
+          <p:cNvPr id="3" name="备注占位符 2"/>
+          <p:cNvSpPr>
+            <a:spLocks noGrp="1"/>
+          </p:cNvSpPr>
+          <p:nvPr>
+            <p:ph type="body" idx="1"/>
+          </p:nvPr>
+        </p:nvSpPr>
+        <p:spPr/>
+        <p:txBody>
+          <a:bodyPr/>
+          <a:lstStyle/>
+          <a:p>
             <a:endParaRPr lang="en-US" altLang="zh-CN" dirty="0"/>
           </a:p>
         </p:txBody>
@@ -861,7 +1021,7 @@
 </p:notes>
 </file>
 
-<file path=ppt/notesSlides/notesSlide13.xml><?xml version="1.0" encoding="utf-8"?>
+<file path=ppt/notesSlides/notesSlide15.xml><?xml version="1.0" encoding="utf-8"?>
 <p:notes xmlns:a="http://schemas.openxmlformats.org/drawingml/2006/main" xmlns:r="http://schemas.openxmlformats.org/officeDocument/2006/relationships" xmlns:p="http://schemas.openxmlformats.org/presentationml/2006/main">
   <p:cSld>
     <p:spTree>
@@ -7765,7 +7925,7 @@
               <a:rPr lang="en-US" altLang="zh-CN" sz="1600" dirty="0">
                 <a:ea typeface="黑体" panose="02010609060101010101" pitchFamily="49" charset="-122"/>
               </a:rPr>
-              <a:t>21</a:t>
+              <a:t>22</a:t>
             </a:r>
             <a:r>
               <a:rPr lang="zh-CN" altLang="en-US" sz="1600" dirty="0">
@@ -7952,6 +8112,185 @@
 </file>
 
 <file path=ppt/slides/slide10.xml><?xml version="1.0" encoding="utf-8"?>
+<p:sld xmlns:a="http://schemas.openxmlformats.org/drawingml/2006/main" xmlns:r="http://schemas.openxmlformats.org/officeDocument/2006/relationships" xmlns:p="http://schemas.openxmlformats.org/presentationml/2006/main">
+  <p:cSld>
+    <p:spTree>
+      <p:nvGrpSpPr>
+        <p:cNvPr id="1" name=""/>
+        <p:cNvGrpSpPr/>
+        <p:nvPr/>
+      </p:nvGrpSpPr>
+      <p:grpSpPr>
+        <a:xfrm>
+          <a:off x="0" y="0"/>
+          <a:ext cx="0" cy="0"/>
+          <a:chOff x="0" y="0"/>
+          <a:chExt cx="0" cy="0"/>
+        </a:xfrm>
+      </p:grpSpPr>
+      <p:sp>
+        <p:nvSpPr>
+          <p:cNvPr id="2" name="标题 1"/>
+          <p:cNvSpPr>
+            <a:spLocks noGrp="1"/>
+          </p:cNvSpPr>
+          <p:nvPr>
+            <p:ph type="title"/>
+          </p:nvPr>
+        </p:nvSpPr>
+        <p:spPr/>
+        <p:txBody>
+          <a:bodyPr>
+            <a:normAutofit/>
+          </a:bodyPr>
+          <a:lstStyle/>
+          <a:p>
+            <a:r>
+              <a:rPr lang="en-US" altLang="zh-CN" dirty="0">
+                <a:sym typeface="+mn-ea"/>
+              </a:rPr>
+              <a:t>Type checker</a:t>
+            </a:r>
+            <a:endParaRPr lang="zh-CN" altLang="en-US" b="0" spc="-1" dirty="0">
+              <a:solidFill>
+                <a:srgbClr val="000000"/>
+              </a:solidFill>
+              <a:latin typeface="Arial" panose="020B0604020202020204"/>
+              <a:ea typeface="黑体"/>
+              <a:sym typeface="+mn-ea"/>
+            </a:endParaRPr>
+          </a:p>
+        </p:txBody>
+      </p:sp>
+      <p:sp>
+        <p:nvSpPr>
+          <p:cNvPr id="5" name="页脚占位符 4"/>
+          <p:cNvSpPr>
+            <a:spLocks noGrp="1"/>
+          </p:cNvSpPr>
+          <p:nvPr>
+            <p:ph type="ftr" sz="quarter" idx="11"/>
+          </p:nvPr>
+        </p:nvSpPr>
+        <p:spPr/>
+        <p:txBody>
+          <a:bodyPr/>
+          <a:lstStyle/>
+          <a:p>
+            <a:r>
+              <a:rPr lang="en-GB" altLang="zh-CN"/>
+              <a:t>DistAI</a:t>
+            </a:r>
+            <a:r>
+              <a:rPr lang="zh-CN" altLang="en-US"/>
+              <a:t>项目：一周工作进展</a:t>
+            </a:r>
+            <a:endParaRPr lang="zh-CN" altLang="en-US" dirty="0"/>
+          </a:p>
+        </p:txBody>
+      </p:sp>
+      <p:sp>
+        <p:nvSpPr>
+          <p:cNvPr id="7" name="日期占位符 6"/>
+          <p:cNvSpPr>
+            <a:spLocks noGrp="1"/>
+          </p:cNvSpPr>
+          <p:nvPr>
+            <p:ph type="dt" sz="half" idx="10"/>
+          </p:nvPr>
+        </p:nvSpPr>
+        <p:spPr/>
+        <p:txBody>
+          <a:bodyPr/>
+          <a:lstStyle/>
+          <a:p>
+            <a:fld id="{48C0F002-9E81-334E-9897-686C0F3A095B}" type="datetime1">
+              <a:rPr lang="zh-CN" altLang="en-US" smtClean="0"/>
+            </a:fld>
+            <a:endParaRPr lang="zh-CN" altLang="en-US"/>
+          </a:p>
+        </p:txBody>
+      </p:sp>
+      <p:sp>
+        <p:nvSpPr>
+          <p:cNvPr id="6" name="灯片编号占位符 5"/>
+          <p:cNvSpPr>
+            <a:spLocks noGrp="1"/>
+          </p:cNvSpPr>
+          <p:nvPr>
+            <p:ph type="sldNum" sz="quarter" idx="12"/>
+          </p:nvPr>
+        </p:nvSpPr>
+        <p:spPr/>
+        <p:txBody>
+          <a:bodyPr/>
+          <a:lstStyle/>
+          <a:p>
+            <a:fld id="{FDF96B62-0E79-44B5-BB83-6AF64255BCDF}" type="slidenum">
+              <a:rPr lang="zh-CN" altLang="en-US" smtClean="0"/>
+            </a:fld>
+            <a:endParaRPr lang="zh-CN" altLang="en-US"/>
+          </a:p>
+        </p:txBody>
+      </p:sp>
+      <p:sp>
+        <p:nvSpPr>
+          <p:cNvPr id="8" name="内容占位符 7"/>
+          <p:cNvSpPr/>
+          <p:nvPr>
+            <p:ph idx="1"/>
+          </p:nvPr>
+        </p:nvSpPr>
+        <p:spPr>
+          <a:xfrm>
+            <a:off x="520700" y="1278255"/>
+            <a:ext cx="11160125" cy="4921250"/>
+          </a:xfrm>
+        </p:spPr>
+        <p:txBody>
+          <a:bodyPr/>
+          <a:p>
+            <a:r>
+              <a:rPr lang="en-US" altLang="zh-CN"/>
+              <a:t>simple lamda-calculus over types</a:t>
+            </a:r>
+            <a:endParaRPr lang="en-US" altLang="zh-CN"/>
+          </a:p>
+        </p:txBody>
+      </p:sp>
+      <p:pic>
+        <p:nvPicPr>
+          <p:cNvPr id="3" name="图片 2" descr="6092E91E-6E43-4754-A460-CBA0FFB4696D"/>
+          <p:cNvPicPr>
+            <a:picLocks noChangeAspect="1"/>
+          </p:cNvPicPr>
+          <p:nvPr/>
+        </p:nvPicPr>
+        <p:blipFill>
+          <a:blip r:embed="rId1"/>
+          <a:stretch>
+            <a:fillRect/>
+          </a:stretch>
+        </p:blipFill>
+        <p:spPr>
+          <a:xfrm>
+            <a:off x="762635" y="2192655"/>
+            <a:ext cx="8420100" cy="2997200"/>
+          </a:xfrm>
+          <a:prstGeom prst="rect">
+            <a:avLst/>
+          </a:prstGeom>
+        </p:spPr>
+      </p:pic>
+    </p:spTree>
+  </p:cSld>
+  <p:clrMapOvr>
+    <a:masterClrMapping/>
+  </p:clrMapOvr>
+</p:sld>
+</file>
+
+<file path=ppt/slides/slide11.xml><?xml version="1.0" encoding="utf-8"?>
 <p:sld xmlns:a="http://schemas.openxmlformats.org/drawingml/2006/main" xmlns:r="http://schemas.openxmlformats.org/officeDocument/2006/relationships" xmlns:p="http://schemas.openxmlformats.org/presentationml/2006/main">
   <p:cSld>
     <p:spTree>
@@ -8202,7 +8541,7 @@
 </p:sld>
 </file>
 
-<file path=ppt/slides/slide11.xml><?xml version="1.0" encoding="utf-8"?>
+<file path=ppt/slides/slide12.xml><?xml version="1.0" encoding="utf-8"?>
 <p:sld xmlns:a="http://schemas.openxmlformats.org/drawingml/2006/main" xmlns:r="http://schemas.openxmlformats.org/officeDocument/2006/relationships" xmlns:p="http://schemas.openxmlformats.org/presentationml/2006/main">
   <p:cSld>
     <p:spTree>
@@ -8425,7 +8764,315 @@
 </p:sld>
 </file>
 
-<file path=ppt/slides/slide12.xml><?xml version="1.0" encoding="utf-8"?>
+<file path=ppt/slides/slide13.xml><?xml version="1.0" encoding="utf-8"?>
+<p:sld xmlns:a="http://schemas.openxmlformats.org/drawingml/2006/main" xmlns:r="http://schemas.openxmlformats.org/officeDocument/2006/relationships" xmlns:p="http://schemas.openxmlformats.org/presentationml/2006/main">
+  <p:cSld>
+    <p:spTree>
+      <p:nvGrpSpPr>
+        <p:cNvPr id="1" name=""/>
+        <p:cNvGrpSpPr/>
+        <p:nvPr/>
+      </p:nvGrpSpPr>
+      <p:grpSpPr>
+        <a:xfrm>
+          <a:off x="0" y="0"/>
+          <a:ext cx="0" cy="0"/>
+          <a:chOff x="0" y="0"/>
+          <a:chExt cx="0" cy="0"/>
+        </a:xfrm>
+      </p:grpSpPr>
+      <p:sp>
+        <p:nvSpPr>
+          <p:cNvPr id="2" name="标题 1"/>
+          <p:cNvSpPr>
+            <a:spLocks noGrp="1"/>
+          </p:cNvSpPr>
+          <p:nvPr>
+            <p:ph type="title"/>
+          </p:nvPr>
+        </p:nvSpPr>
+        <p:spPr/>
+        <p:txBody>
+          <a:bodyPr>
+            <a:normAutofit/>
+          </a:bodyPr>
+          <a:lstStyle/>
+          <a:p>
+            <a:r>
+              <a:rPr lang="en-US" altLang="zh-CN" dirty="0">
+                <a:sym typeface="+mn-ea"/>
+              </a:rPr>
+              <a:t>Type inferer</a:t>
+            </a:r>
+            <a:endParaRPr lang="zh-CN" altLang="en-US" b="0" spc="-1" dirty="0">
+              <a:solidFill>
+                <a:srgbClr val="000000"/>
+              </a:solidFill>
+              <a:latin typeface="Arial" panose="020B0604020202020204"/>
+              <a:ea typeface="黑体"/>
+              <a:sym typeface="+mn-ea"/>
+            </a:endParaRPr>
+          </a:p>
+        </p:txBody>
+      </p:sp>
+      <p:sp>
+        <p:nvSpPr>
+          <p:cNvPr id="5" name="页脚占位符 4"/>
+          <p:cNvSpPr>
+            <a:spLocks noGrp="1"/>
+          </p:cNvSpPr>
+          <p:nvPr>
+            <p:ph type="ftr" sz="quarter" idx="11"/>
+          </p:nvPr>
+        </p:nvSpPr>
+        <p:spPr/>
+        <p:txBody>
+          <a:bodyPr/>
+          <a:lstStyle/>
+          <a:p>
+            <a:r>
+              <a:rPr lang="en-GB" altLang="zh-CN"/>
+              <a:t>DistAI</a:t>
+            </a:r>
+            <a:r>
+              <a:rPr lang="zh-CN" altLang="en-US"/>
+              <a:t>项目：一周工作进展</a:t>
+            </a:r>
+            <a:endParaRPr lang="zh-CN" altLang="en-US" dirty="0"/>
+          </a:p>
+        </p:txBody>
+      </p:sp>
+      <p:sp>
+        <p:nvSpPr>
+          <p:cNvPr id="7" name="日期占位符 6"/>
+          <p:cNvSpPr>
+            <a:spLocks noGrp="1"/>
+          </p:cNvSpPr>
+          <p:nvPr>
+            <p:ph type="dt" sz="half" idx="10"/>
+          </p:nvPr>
+        </p:nvSpPr>
+        <p:spPr/>
+        <p:txBody>
+          <a:bodyPr/>
+          <a:lstStyle/>
+          <a:p>
+            <a:fld id="{48C0F002-9E81-334E-9897-686C0F3A095B}" type="datetime1">
+              <a:rPr lang="zh-CN" altLang="en-US" smtClean="0"/>
+            </a:fld>
+            <a:endParaRPr lang="zh-CN" altLang="en-US"/>
+          </a:p>
+        </p:txBody>
+      </p:sp>
+      <p:sp>
+        <p:nvSpPr>
+          <p:cNvPr id="6" name="灯片编号占位符 5"/>
+          <p:cNvSpPr>
+            <a:spLocks noGrp="1"/>
+          </p:cNvSpPr>
+          <p:nvPr>
+            <p:ph type="sldNum" sz="quarter" idx="12"/>
+          </p:nvPr>
+        </p:nvSpPr>
+        <p:spPr/>
+        <p:txBody>
+          <a:bodyPr/>
+          <a:lstStyle/>
+          <a:p>
+            <a:fld id="{FDF96B62-0E79-44B5-BB83-6AF64255BCDF}" type="slidenum">
+              <a:rPr lang="zh-CN" altLang="en-US" smtClean="0"/>
+            </a:fld>
+            <a:endParaRPr lang="zh-CN" altLang="en-US"/>
+          </a:p>
+        </p:txBody>
+      </p:sp>
+      <p:sp>
+        <p:nvSpPr>
+          <p:cNvPr id="3" name="内容占位符 2"/>
+          <p:cNvSpPr/>
+          <p:nvPr>
+            <p:ph idx="1"/>
+          </p:nvPr>
+        </p:nvSpPr>
+        <p:spPr>
+          <a:xfrm>
+            <a:off x="520700" y="1278255"/>
+            <a:ext cx="11160125" cy="3930650"/>
+          </a:xfrm>
+        </p:spPr>
+        <p:txBody>
+          <a:bodyPr/>
+          <a:p>
+            <a:r>
+              <a:rPr lang="en-US" altLang="zh-CN"/>
+              <a:t>Example</a:t>
+            </a:r>
+            <a:endParaRPr lang="zh-CN" altLang="en-US"/>
+          </a:p>
+        </p:txBody>
+      </p:sp>
+      <p:pic>
+        <p:nvPicPr>
+          <p:cNvPr id="4" name="图片 3" descr="86FB9C3D-AAE1-4E3F-8EF8-A63E2E23C28B"/>
+          <p:cNvPicPr>
+            <a:picLocks noChangeAspect="1"/>
+          </p:cNvPicPr>
+          <p:nvPr/>
+        </p:nvPicPr>
+        <p:blipFill>
+          <a:blip r:embed="rId1"/>
+          <a:stretch>
+            <a:fillRect/>
+          </a:stretch>
+        </p:blipFill>
+        <p:spPr>
+          <a:xfrm>
+            <a:off x="520700" y="1958975"/>
+            <a:ext cx="3873500" cy="1447800"/>
+          </a:xfrm>
+          <a:prstGeom prst="rect">
+            <a:avLst/>
+          </a:prstGeom>
+        </p:spPr>
+      </p:pic>
+      <p:sp>
+        <p:nvSpPr>
+          <p:cNvPr id="8" name="文本框 7"/>
+          <p:cNvSpPr txBox="1"/>
+          <p:nvPr/>
+        </p:nvSpPr>
+        <p:spPr>
+          <a:xfrm>
+            <a:off x="5058410" y="933450"/>
+            <a:ext cx="5979160" cy="2584450"/>
+          </a:xfrm>
+          <a:prstGeom prst="rect">
+            <a:avLst/>
+          </a:prstGeom>
+          <a:noFill/>
+        </p:spPr>
+        <p:txBody>
+          <a:bodyPr wrap="square" rtlCol="0">
+            <a:spAutoFit/>
+          </a:bodyPr>
+          <a:p>
+            <a:r>
+              <a:rPr lang="en-US" altLang="zh-CN"/>
+              <a:t>   t1 = c1 /\ t2 = bool /\ t3 = c1/\ t4 = c1</a:t>
+            </a:r>
+            <a:endParaRPr lang="en-US" altLang="zh-CN"/>
+          </a:p>
+          <a:p>
+            <a:r>
+              <a:rPr lang="en-US" altLang="zh-CN"/>
+              <a:t>/\ t2 = Vp</a:t>
+            </a:r>
+            <a:endParaRPr lang="en-US" altLang="zh-CN"/>
+          </a:p>
+          <a:p>
+            <a:r>
+              <a:rPr lang="en-US" altLang="zh-CN"/>
+              <a:t>/\ t3 = Vy</a:t>
+            </a:r>
+            <a:endParaRPr lang="en-US" altLang="zh-CN"/>
+          </a:p>
+          <a:p>
+            <a:r>
+              <a:rPr lang="en-US" altLang="zh-CN"/>
+              <a:t>/\ t4 = set(c2) /\ t5 = c2</a:t>
+            </a:r>
+            <a:endParaRPr lang="en-US" altLang="zh-CN"/>
+          </a:p>
+          <a:p>
+            <a:r>
+              <a:rPr lang="en-US" altLang="zh-CN"/>
+              <a:t>/\ t5 = c3</a:t>
+            </a:r>
+            <a:endParaRPr lang="en-US" altLang="zh-CN"/>
+          </a:p>
+          <a:p>
+            <a:r>
+              <a:rPr lang="en-US" altLang="zh-CN"/>
+              <a:t>/\ c3 = int /\ t6 = int /\ t7 = int</a:t>
+            </a:r>
+            <a:endParaRPr lang="en-US" altLang="zh-CN"/>
+          </a:p>
+          <a:p>
+            <a:r>
+              <a:rPr lang="en-US" altLang="zh-CN"/>
+              <a:t>/\ t6 = Vx</a:t>
+            </a:r>
+            <a:endParaRPr lang="en-US" altLang="zh-CN"/>
+          </a:p>
+          <a:p>
+            <a:r>
+              <a:rPr lang="en-US" altLang="zh-CN"/>
+              <a:t>/\ t7 = int</a:t>
+            </a:r>
+            <a:endParaRPr lang="en-US" altLang="zh-CN"/>
+          </a:p>
+          <a:p>
+            <a:endParaRPr lang="en-US" altLang="zh-CN"/>
+          </a:p>
+        </p:txBody>
+      </p:sp>
+      <p:pic>
+        <p:nvPicPr>
+          <p:cNvPr id="9" name="图片 8"/>
+          <p:cNvPicPr>
+            <a:picLocks noChangeAspect="1"/>
+          </p:cNvPicPr>
+          <p:nvPr/>
+        </p:nvPicPr>
+        <p:blipFill>
+          <a:blip r:embed="rId2"/>
+          <a:stretch>
+            <a:fillRect/>
+          </a:stretch>
+        </p:blipFill>
+        <p:spPr>
+          <a:xfrm>
+            <a:off x="447675" y="3517900"/>
+            <a:ext cx="6670675" cy="2538095"/>
+          </a:xfrm>
+          <a:prstGeom prst="rect">
+            <a:avLst/>
+          </a:prstGeom>
+        </p:spPr>
+      </p:pic>
+      <p:pic>
+        <p:nvPicPr>
+          <p:cNvPr id="10" name="图片 9" descr="AAFA17F8-4BC0-439B-848A-30D6B1592054"/>
+          <p:cNvPicPr>
+            <a:picLocks noChangeAspect="1"/>
+          </p:cNvPicPr>
+          <p:nvPr/>
+        </p:nvPicPr>
+        <p:blipFill>
+          <a:blip r:embed="rId3"/>
+          <a:stretch>
+            <a:fillRect/>
+          </a:stretch>
+        </p:blipFill>
+        <p:spPr>
+          <a:xfrm>
+            <a:off x="8153400" y="3650615"/>
+            <a:ext cx="2514600" cy="2273300"/>
+          </a:xfrm>
+          <a:prstGeom prst="rect">
+            <a:avLst/>
+          </a:prstGeom>
+        </p:spPr>
+      </p:pic>
+    </p:spTree>
+  </p:cSld>
+  <p:clrMapOvr>
+    <a:masterClrMapping/>
+  </p:clrMapOvr>
+</p:sld>
+</file>
+
+<file path=ppt/slides/slide14.xml><?xml version="1.0" encoding="utf-8"?>
 <p:sld xmlns:a="http://schemas.openxmlformats.org/drawingml/2006/main" xmlns:r="http://schemas.openxmlformats.org/officeDocument/2006/relationships" xmlns:p="http://schemas.openxmlformats.org/presentationml/2006/main">
   <p:cSld>
     <p:spTree>
@@ -8721,7 +9368,7 @@
 </p:sld>
 </file>
 
-<file path=ppt/slides/slide13.xml><?xml version="1.0" encoding="utf-8"?>
+<file path=ppt/slides/slide15.xml><?xml version="1.0" encoding="utf-8"?>
 <p:sld xmlns:a="http://schemas.openxmlformats.org/drawingml/2006/main" xmlns:r="http://schemas.openxmlformats.org/officeDocument/2006/relationships" xmlns:p="http://schemas.openxmlformats.org/presentationml/2006/main">
   <p:cSld>
     <p:spTree>
@@ -9006,7 +9653,7 @@
 </p:sld>
 </file>
 
-<file path=ppt/slides/slide14.xml><?xml version="1.0" encoding="utf-8"?>
+<file path=ppt/slides/slide16.xml><?xml version="1.0" encoding="utf-8"?>
 <p:sld xmlns:a="http://schemas.openxmlformats.org/drawingml/2006/main" xmlns:r="http://schemas.openxmlformats.org/officeDocument/2006/relationships" xmlns:p="http://schemas.openxmlformats.org/presentationml/2006/main">
   <p:cSld>
     <p:spTree>
@@ -9924,8 +10571,8 @@
           <a:lstStyle/>
           <a:p>
             <a:r>
-              <a:rPr lang="zh-CN" altLang="en-US" dirty="0"/>
-              <a:t>注释</a:t>
+              <a:rPr lang="en-US" altLang="zh-CN" dirty="0"/>
+              <a:t>Type annotations for the built-in operators</a:t>
             </a:r>
             <a:endParaRPr lang="zh-CN" altLang="en-US" dirty="0"/>
           </a:p>
@@ -9933,15 +10580,15 @@
             <a:pPr lvl="1"/>
             <a:r>
               <a:rPr lang="en-US" altLang="zh-CN" dirty="0"/>
-              <a:t>Recipe variables </a:t>
+              <a:t>+,-,*,\div have the signature (Int,Int) =&gt; Int</a:t>
             </a:r>
             <a:endParaRPr lang="en-US" altLang="zh-CN" dirty="0"/>
           </a:p>
           <a:p>
-            <a:pPr lvl="2"/>
+            <a:pPr lvl="1"/>
             <a:r>
               <a:rPr lang="en-US" altLang="zh-CN" dirty="0"/>
-              <a:t>@type:Int;</a:t>
+              <a:t>{e1} and {e1,e2} have a =&gt; Set(a) and (b,b) =&gt; Set(b)</a:t>
             </a:r>
             <a:endParaRPr lang="en-US" altLang="zh-CN" dirty="0"/>
           </a:p>
@@ -9949,7 +10596,7 @@
             <a:pPr lvl="1"/>
             <a:r>
               <a:rPr lang="en-US" altLang="zh-CN" dirty="0"/>
-              <a:t>Constants</a:t>
+              <a:t>&lt;&lt;e1,e2&gt;&gt; have (a,b) =&gt; &lt;&lt;a,b&gt;&gt; | (a,a) =&gt; Seq(a)</a:t>
             </a:r>
             <a:endParaRPr lang="en-US" altLang="zh-CN" dirty="0"/>
           </a:p>
@@ -9957,53 +10604,7 @@
             <a:pPr lvl="1"/>
             <a:r>
               <a:rPr lang="en-US" altLang="zh-CN" dirty="0"/>
-              <a:t>Operators </a:t>
-            </a:r>
-            <a:endParaRPr lang="en-US" altLang="zh-CN" dirty="0"/>
-          </a:p>
-          <a:p>
-            <a:pPr lvl="2"/>
-            <a:r>
-              <a:rPr lang="en-US" altLang="zh-CN" dirty="0"/>
-              <a:t>\* @type: (Set(Int), Int -&gt; Int) =&gt; Set(Int); </a:t>
-            </a:r>
-            <a:r>
-              <a:rPr lang="en-US" altLang="zh-CN" dirty="0">
-                <a:sym typeface="+mn-ea"/>
-              </a:rPr>
-              <a:t>Image(S, B) == {B[x] : x \in S}</a:t>
-            </a:r>
-            <a:endParaRPr lang="en-US" altLang="zh-CN" dirty="0"/>
-          </a:p>
-          <a:p>
-            <a:pPr lvl="1"/>
-            <a:r>
-              <a:rPr lang="en-US" altLang="zh-CN" dirty="0"/>
-              <a:t>Records</a:t>
-            </a:r>
-            <a:endParaRPr lang="en-US" altLang="zh-CN" dirty="0"/>
-          </a:p>
-          <a:p>
-            <a:pPr lvl="2"/>
-            <a:r>
-              <a:rPr lang="en-US" altLang="zh-CN" dirty="0"/>
-              <a:t>msgs is a set contains records of two types:[type: Str] and [type: Str, rm: RM]</a:t>
-            </a:r>
-            <a:endParaRPr lang="en-US" altLang="zh-CN" dirty="0"/>
-          </a:p>
-          <a:p>
-            <a:pPr lvl="2"/>
-            <a:r>
-              <a:rPr lang="en-US" altLang="zh-CN" dirty="0"/>
-              <a:t>  \* @type: Set([type: Str, rm: RM]); msgs </a:t>
-            </a:r>
-            <a:endParaRPr lang="en-US" altLang="zh-CN" dirty="0"/>
-          </a:p>
-          <a:p>
-            <a:pPr lvl="2"/>
-            <a:r>
-              <a:rPr lang="en-US" altLang="zh-CN" dirty="0"/>
-              <a:t>an incorrect field access</a:t>
+              <a:t>{x∈S:P} becomes ((a =&gt; Bool ) =&gt; Set(a))</a:t>
             </a:r>
             <a:endParaRPr lang="en-US" altLang="zh-CN" dirty="0"/>
           </a:p>
@@ -10174,7 +10775,7 @@
             <a:pPr lvl="1"/>
             <a:r>
               <a:rPr lang="en-US" altLang="zh-CN" dirty="0"/>
-              <a:t>Functions as sequences</a:t>
+              <a:t>Recipe variables </a:t>
             </a:r>
             <a:endParaRPr lang="en-US" altLang="zh-CN" dirty="0"/>
           </a:p>
@@ -10182,7 +10783,7 @@
             <a:pPr lvl="2"/>
             <a:r>
               <a:rPr lang="en-US" altLang="zh-CN" dirty="0"/>
-              <a:t>\* @type: (Seq(Int), Int, Int) =&gt; Bool;  Attacks(queens,i,j) == ...</a:t>
+              <a:t>@type:Int;</a:t>
             </a:r>
             <a:endParaRPr lang="en-US" altLang="zh-CN" dirty="0"/>
           </a:p>
@@ -10190,67 +10791,61 @@
             <a:pPr lvl="1"/>
             <a:r>
               <a:rPr lang="en-US" altLang="zh-CN" dirty="0"/>
-              <a:t>Type Aliases</a:t>
+              <a:t>Constants</a:t>
             </a:r>
             <a:endParaRPr lang="en-US" altLang="zh-CN" dirty="0"/>
           </a:p>
           <a:p>
+            <a:pPr lvl="1"/>
+            <a:r>
+              <a:rPr lang="en-US" altLang="zh-CN" dirty="0"/>
+              <a:t>Operators </a:t>
+            </a:r>
+            <a:endParaRPr lang="en-US" altLang="zh-CN" dirty="0"/>
+          </a:p>
+          <a:p>
             <a:pPr lvl="2"/>
             <a:r>
               <a:rPr lang="en-US" altLang="zh-CN" dirty="0"/>
-              <a:t>\* @typeAlias: ALIAS = &lt;type&gt;;</a:t>
-            </a:r>
-            <a:endParaRPr lang="en-US" altLang="zh-CN" dirty="0"/>
-          </a:p>
-          <a:p>
-            <a:pPr lvl="1"/>
-            <a:r>
-              <a:rPr lang="en-US" altLang="zh-CN" dirty="0"/>
-              <a:t>Multi-line</a:t>
-            </a:r>
-            <a:endParaRPr lang="en-US" altLang="zh-CN" dirty="0"/>
-          </a:p>
-          <a:p>
-            <a:pPr lvl="1"/>
-            <a:r>
-              <a:rPr lang="en-US" altLang="zh-CN" dirty="0"/>
-              <a:t>Comments</a:t>
-            </a:r>
-            <a:endParaRPr lang="en-US" altLang="zh-CN" dirty="0"/>
-          </a:p>
-          <a:p>
-            <a:pPr lvl="1"/>
-            <a:r>
-              <a:rPr lang="zh-CN" altLang="en-US" dirty="0"/>
-              <a:t>大多数注释都是在关键字和变量之间</a:t>
-            </a:r>
-            <a:endParaRPr lang="zh-CN" altLang="en-US" dirty="0"/>
-          </a:p>
-          <a:p>
-            <a:pPr lvl="1"/>
+              <a:t>\* @type: (Set(Int), Int -&gt; Int) =&gt; Set(Int); </a:t>
+            </a:r>
             <a:r>
               <a:rPr lang="en-US" altLang="zh-CN" dirty="0">
                 <a:sym typeface="+mn-ea"/>
               </a:rPr>
-              <a:t>LOCAL</a:t>
-            </a:r>
-            <a:r>
-              <a:rPr lang="zh-CN" altLang="en-US" dirty="0">
-                <a:sym typeface="+mn-ea"/>
-              </a:rPr>
-              <a:t>的注释在</a:t>
-            </a:r>
-            <a:r>
-              <a:rPr lang="en-US" altLang="zh-CN" dirty="0">
-                <a:sym typeface="+mn-ea"/>
-              </a:rPr>
-              <a:t>LOCAL</a:t>
-            </a:r>
-            <a:r>
-              <a:rPr lang="zh-CN" altLang="en-US" dirty="0">
-                <a:sym typeface="+mn-ea"/>
-              </a:rPr>
-              <a:t>关键字之前</a:t>
+              <a:t>Image(S, B) == {B[x] : x \in S}</a:t>
+            </a:r>
+            <a:endParaRPr lang="en-US" altLang="zh-CN" dirty="0"/>
+          </a:p>
+          <a:p>
+            <a:pPr lvl="1"/>
+            <a:r>
+              <a:rPr lang="en-US" altLang="zh-CN" dirty="0"/>
+              <a:t>Records</a:t>
+            </a:r>
+            <a:endParaRPr lang="en-US" altLang="zh-CN" dirty="0"/>
+          </a:p>
+          <a:p>
+            <a:pPr lvl="2"/>
+            <a:r>
+              <a:rPr lang="en-US" altLang="zh-CN" dirty="0"/>
+              <a:t>msgs is a set contains records of two types:[type: Str] and [type: Str, rm: RM]</a:t>
+            </a:r>
+            <a:endParaRPr lang="en-US" altLang="zh-CN" dirty="0"/>
+          </a:p>
+          <a:p>
+            <a:pPr lvl="2"/>
+            <a:r>
+              <a:rPr lang="en-US" altLang="zh-CN" dirty="0"/>
+              <a:t>  \* @type: Set([type: Str, rm: RM]); msgs </a:t>
+            </a:r>
+            <a:endParaRPr lang="en-US" altLang="zh-CN" dirty="0"/>
+          </a:p>
+          <a:p>
+            <a:pPr lvl="2"/>
+            <a:r>
+              <a:rPr lang="en-US" altLang="zh-CN" dirty="0"/>
+              <a:t>an incorrect field access</a:t>
             </a:r>
             <a:endParaRPr lang="en-US" altLang="zh-CN" dirty="0"/>
           </a:p>
@@ -10323,51 +10918,6 @@
             <a:fld id="{FDF96B62-0E79-44B5-BB83-6AF64255BCDF}" type="slidenum">
               <a:rPr lang="zh-CN" altLang="en-US" smtClean="0"/>
             </a:fld>
-            <a:endParaRPr lang="zh-CN" altLang="en-US"/>
-          </a:p>
-        </p:txBody>
-      </p:sp>
-      <p:sp>
-        <p:nvSpPr>
-          <p:cNvPr id="4" name="文本框 3"/>
-          <p:cNvSpPr txBox="1"/>
-          <p:nvPr/>
-        </p:nvSpPr>
-        <p:spPr>
-          <a:xfrm>
-            <a:off x="582295" y="5066030"/>
-            <a:ext cx="11073130" cy="645160"/>
-          </a:xfrm>
-          <a:prstGeom prst="rect">
-            <a:avLst/>
-          </a:prstGeom>
-          <a:noFill/>
-        </p:spPr>
-        <p:txBody>
-          <a:bodyPr wrap="square" rtlCol="0">
-            <a:spAutoFit/>
-          </a:bodyPr>
-          <a:lstStyle/>
-          <a:p>
-            <a:r>
-              <a:rPr lang="zh-CN" altLang="en-US"/>
-              <a:t>参考文档</a:t>
-            </a:r>
-            <a:r>
-              <a:rPr lang="en-US" altLang="zh-CN"/>
-              <a:t>:</a:t>
-            </a:r>
-            <a:r>
-              <a:rPr lang="zh-CN" altLang="en-US"/>
-              <a:t>https://apalache.informal.systems/docs/HOWTOs/howto-write-type-annotations.html</a:t>
-            </a:r>
-            <a:endParaRPr lang="zh-CN" altLang="en-US"/>
-          </a:p>
-          <a:p>
-            <a:r>
-              <a:rPr lang="en-US" altLang="zh-CN"/>
-              <a:t>		 https://apalache.informal.systems/docs/adr/002adr-types.html</a:t>
-            </a:r>
             <a:endParaRPr lang="zh-CN" altLang="en-US"/>
           </a:p>
         </p:txBody>
@@ -10449,7 +10999,7 @@
         <p:spPr>
           <a:xfrm>
             <a:off x="515620" y="1026160"/>
-            <a:ext cx="11160125" cy="4583430"/>
+            <a:ext cx="11160125" cy="4944745"/>
           </a:xfrm>
         </p:spPr>
         <p:txBody>
@@ -10458,129 +11008,93 @@
           <a:p>
             <a:r>
               <a:rPr lang="zh-CN" altLang="en-US" dirty="0"/>
-              <a:t>uninterpreted types</a:t>
+              <a:t>注释</a:t>
             </a:r>
             <a:endParaRPr lang="zh-CN" altLang="en-US" dirty="0"/>
           </a:p>
           <a:p>
             <a:pPr lvl="1"/>
             <a:r>
+              <a:rPr lang="en-US" altLang="zh-CN" dirty="0"/>
+              <a:t>Functions as sequences</a:t>
+            </a:r>
+            <a:endParaRPr lang="en-US" altLang="zh-CN" dirty="0"/>
+          </a:p>
+          <a:p>
+            <a:pPr lvl="2"/>
+            <a:r>
+              <a:rPr lang="en-US" altLang="zh-CN" dirty="0"/>
+              <a:t>\* @type: (Seq(Int), Int, Int) =&gt; Bool;  Attacks(queens,i,j) == ...</a:t>
+            </a:r>
+            <a:endParaRPr lang="en-US" altLang="zh-CN" dirty="0"/>
+          </a:p>
+          <a:p>
+            <a:pPr lvl="1"/>
+            <a:r>
+              <a:rPr lang="en-US" altLang="zh-CN" dirty="0"/>
+              <a:t>Type Aliases</a:t>
+            </a:r>
+            <a:endParaRPr lang="en-US" altLang="zh-CN" dirty="0"/>
+          </a:p>
+          <a:p>
+            <a:pPr lvl="2"/>
+            <a:r>
+              <a:rPr lang="en-US" altLang="zh-CN" dirty="0"/>
+              <a:t>\* @typeAlias: ALIAS = &lt;type&gt;;</a:t>
+            </a:r>
+            <a:endParaRPr lang="en-US" altLang="zh-CN" dirty="0"/>
+          </a:p>
+          <a:p>
+            <a:pPr lvl="1"/>
+            <a:r>
+              <a:rPr lang="en-US" altLang="zh-CN" dirty="0"/>
+              <a:t>Multi-line</a:t>
+            </a:r>
+            <a:endParaRPr lang="en-US" altLang="zh-CN" dirty="0"/>
+          </a:p>
+          <a:p>
+            <a:pPr lvl="1"/>
+            <a:r>
+              <a:rPr lang="en-US" altLang="zh-CN" dirty="0"/>
+              <a:t>Comments</a:t>
+            </a:r>
+            <a:endParaRPr lang="en-US" altLang="zh-CN" dirty="0"/>
+          </a:p>
+          <a:p>
+            <a:pPr lvl="1"/>
+            <a:r>
               <a:rPr lang="zh-CN" altLang="en-US" dirty="0"/>
-              <a:t>CONSTANT RM \* The set of resource managers</a:t>
+              <a:t>大多数注释都是在关键字和变量之间</a:t>
             </a:r>
             <a:endParaRPr lang="zh-CN" altLang="en-US" dirty="0"/>
           </a:p>
           <a:p>
             <a:pPr lvl="1"/>
             <a:r>
-              <a:rPr lang="en-US" altLang="zh-CN" dirty="0"/>
-              <a:t>RM = 1..3 or RM = {“a”,”b”,”c”}</a:t>
-            </a:r>
-            <a:endParaRPr lang="en-US" altLang="zh-CN" dirty="0"/>
-          </a:p>
-          <a:p>
-            <a:pPr lvl="1"/>
-            <a:r>
-              <a:rPr lang="en-US" altLang="zh-CN" dirty="0"/>
-              <a:t>Int  &lt;,&gt;,&gt;=,&lt;=</a:t>
-            </a:r>
-            <a:endParaRPr lang="en-US" altLang="zh-CN" dirty="0"/>
-          </a:p>
-          <a:p>
-            <a:pPr lvl="1"/>
-            <a:r>
-              <a:rPr lang="zh-CN" altLang="en-US" dirty="0"/>
-              <a:t>注释方法</a:t>
-            </a:r>
-            <a:r>
-              <a:rPr lang="en-US" altLang="zh-CN" dirty="0"/>
-              <a:t>  \* @type: UTNAME;</a:t>
-            </a:r>
-            <a:endParaRPr lang="en-US" altLang="zh-CN" dirty="0"/>
-          </a:p>
-          <a:p>
-            <a:pPr lvl="1"/>
-            <a:r>
-              <a:rPr lang="zh-CN" altLang="en-US" dirty="0"/>
-              <a:t>如何解释一个值属于</a:t>
+              <a:rPr lang="en-US" altLang="zh-CN" dirty="0">
+                <a:sym typeface="+mn-ea"/>
+              </a:rPr>
+              <a:t>LOCAL</a:t>
             </a:r>
             <a:r>
               <a:rPr lang="zh-CN" altLang="en-US" dirty="0">
                 <a:sym typeface="+mn-ea"/>
               </a:rPr>
-              <a:t>uninterpreted types</a:t>
-            </a:r>
-            <a:endParaRPr lang="zh-CN" altLang="en-US" dirty="0">
-              <a:sym typeface="+mn-ea"/>
-            </a:endParaRPr>
-          </a:p>
-          <a:p>
-            <a:pPr lvl="2"/>
-            <a:r>
-              <a:rPr lang="zh-CN" altLang="en-US" dirty="0"/>
-              <a:t>"identifier_OF_TYPENAME"</a:t>
-            </a:r>
-            <a:endParaRPr lang="zh-CN" altLang="en-US" dirty="0"/>
-          </a:p>
-          <a:p>
-            <a:pPr lvl="2"/>
-            <a:r>
-              <a:rPr lang="en-US" altLang="zh-CN" dirty="0"/>
-              <a:t>“1_OF_UT”</a:t>
+              <a:t>的注释在</a:t>
+            </a:r>
+            <a:r>
+              <a:rPr lang="en-US" altLang="zh-CN" dirty="0">
+                <a:sym typeface="+mn-ea"/>
+              </a:rPr>
+              <a:t>LOCAL</a:t>
+            </a:r>
+            <a:r>
+              <a:rPr lang="zh-CN" altLang="en-US" dirty="0">
+                <a:sym typeface="+mn-ea"/>
+              </a:rPr>
+              <a:t>关键字之前</a:t>
             </a:r>
             <a:endParaRPr lang="en-US" altLang="zh-CN" dirty="0"/>
-          </a:p>
-          <a:p>
-            <a:pPr lvl="2"/>
-            <a:r>
-              <a:rPr lang="en-US" altLang="zh-CN" dirty="0"/>
-              <a:t>“abc_OF_UT”</a:t>
-            </a:r>
-            <a:endParaRPr lang="en-US" altLang="zh-CN" dirty="0"/>
-          </a:p>
-          <a:p>
-            <a:pPr lvl="2"/>
-            <a:r>
-              <a:rPr lang="zh-CN" altLang="en-US" dirty="0"/>
-              <a:t>"abc" = "bc_OF_A"</a:t>
-            </a:r>
-            <a:r>
-              <a:rPr lang="en-US" altLang="zh-CN" dirty="0"/>
-              <a:t> /false </a:t>
-            </a:r>
-            <a:endParaRPr lang="en-US" altLang="zh-CN" dirty="0"/>
-          </a:p>
-          <a:p>
-            <a:pPr lvl="2"/>
-            <a:r>
-              <a:rPr lang="zh-CN" altLang="en-US" dirty="0"/>
-              <a:t>"1_OF_A" = "1_OF_B"</a:t>
-            </a:r>
-            <a:endParaRPr lang="zh-CN" altLang="en-US" dirty="0"/>
-          </a:p>
-          <a:p>
-            <a:pPr lvl="2"/>
-            <a:r>
-              <a:rPr lang="zh-CN" altLang="en-US" dirty="0"/>
-              <a:t>"1_OF_A" = "2_OF_A"</a:t>
-            </a:r>
-            <a:endParaRPr lang="zh-CN" altLang="en-US" dirty="0"/>
-          </a:p>
-          <a:p>
-            <a:pPr lvl="2"/>
-            <a:r>
-              <a:rPr lang="zh-CN" altLang="en-US" dirty="0"/>
-              <a:t>"1_OF_A" = "1_OF_A"</a:t>
-            </a:r>
-            <a:endParaRPr lang="zh-CN" altLang="en-US" dirty="0"/>
-          </a:p>
-          <a:p>
-            <a:pPr lvl="1"/>
-            <a:endParaRPr lang="zh-CN" altLang="en-US" dirty="0"/>
-          </a:p>
-          <a:p>
-            <a:pPr lvl="1"/>
-            <a:endParaRPr lang="zh-CN" altLang="en-US" dirty="0"/>
           </a:p>
         </p:txBody>
       </p:sp>
@@ -10651,6 +11165,51 @@
             <a:fld id="{FDF96B62-0E79-44B5-BB83-6AF64255BCDF}" type="slidenum">
               <a:rPr lang="zh-CN" altLang="en-US" smtClean="0"/>
             </a:fld>
+            <a:endParaRPr lang="zh-CN" altLang="en-US"/>
+          </a:p>
+        </p:txBody>
+      </p:sp>
+      <p:sp>
+        <p:nvSpPr>
+          <p:cNvPr id="4" name="文本框 3"/>
+          <p:cNvSpPr txBox="1"/>
+          <p:nvPr/>
+        </p:nvSpPr>
+        <p:spPr>
+          <a:xfrm>
+            <a:off x="582295" y="5066030"/>
+            <a:ext cx="11073130" cy="645160"/>
+          </a:xfrm>
+          <a:prstGeom prst="rect">
+            <a:avLst/>
+          </a:prstGeom>
+          <a:noFill/>
+        </p:spPr>
+        <p:txBody>
+          <a:bodyPr wrap="square" rtlCol="0">
+            <a:spAutoFit/>
+          </a:bodyPr>
+          <a:lstStyle/>
+          <a:p>
+            <a:r>
+              <a:rPr lang="zh-CN" altLang="en-US"/>
+              <a:t>参考文档</a:t>
+            </a:r>
+            <a:r>
+              <a:rPr lang="en-US" altLang="zh-CN"/>
+              <a:t>:</a:t>
+            </a:r>
+            <a:r>
+              <a:rPr lang="zh-CN" altLang="en-US"/>
+              <a:t>https://apalache.informal.systems/docs/HOWTOs/howto-write-type-annotations.html</a:t>
+            </a:r>
+            <a:endParaRPr lang="zh-CN" altLang="en-US"/>
+          </a:p>
+          <a:p>
+            <a:r>
+              <a:rPr lang="en-US" altLang="zh-CN"/>
+              <a:t>		 https://apalache.informal.systems/docs/adr/002adr-types.html</a:t>
+            </a:r>
             <a:endParaRPr lang="zh-CN" altLang="en-US"/>
           </a:p>
         </p:txBody>
@@ -10664,6 +11223,289 @@
 </file>
 
 <file path=ppt/slides/slide7.xml><?xml version="1.0" encoding="utf-8"?>
+<p:sld xmlns:a="http://schemas.openxmlformats.org/drawingml/2006/main" xmlns:r="http://schemas.openxmlformats.org/officeDocument/2006/relationships" xmlns:p="http://schemas.openxmlformats.org/presentationml/2006/main">
+  <p:cSld>
+    <p:spTree>
+      <p:nvGrpSpPr>
+        <p:cNvPr id="1" name=""/>
+        <p:cNvGrpSpPr/>
+        <p:nvPr/>
+      </p:nvGrpSpPr>
+      <p:grpSpPr>
+        <a:xfrm>
+          <a:off x="0" y="0"/>
+          <a:ext cx="0" cy="0"/>
+          <a:chOff x="0" y="0"/>
+          <a:chExt cx="0" cy="0"/>
+        </a:xfrm>
+      </p:grpSpPr>
+      <p:sp>
+        <p:nvSpPr>
+          <p:cNvPr id="2" name="标题 1"/>
+          <p:cNvSpPr>
+            <a:spLocks noGrp="1"/>
+          </p:cNvSpPr>
+          <p:nvPr>
+            <p:ph type="title"/>
+          </p:nvPr>
+        </p:nvSpPr>
+        <p:spPr/>
+        <p:txBody>
+          <a:bodyPr>
+            <a:normAutofit/>
+          </a:bodyPr>
+          <a:lstStyle/>
+          <a:p>
+            <a:r>
+              <a:rPr lang="zh-CN" altLang="en-US" b="0" spc="-1" dirty="0">
+                <a:solidFill>
+                  <a:srgbClr val="000000"/>
+                </a:solidFill>
+                <a:latin typeface="Arial" panose="020B0604020202020204"/>
+                <a:ea typeface="黑体"/>
+                <a:sym typeface="+mn-ea"/>
+              </a:rPr>
+              <a:t>注释详解</a:t>
+            </a:r>
+            <a:endParaRPr lang="zh-CN" altLang="en-US" b="0" spc="-1" dirty="0">
+              <a:solidFill>
+                <a:srgbClr val="000000"/>
+              </a:solidFill>
+              <a:latin typeface="Arial" panose="020B0604020202020204"/>
+              <a:ea typeface="黑体"/>
+              <a:sym typeface="+mn-ea"/>
+            </a:endParaRPr>
+          </a:p>
+        </p:txBody>
+      </p:sp>
+      <p:sp>
+        <p:nvSpPr>
+          <p:cNvPr id="3" name="内容占位符 2"/>
+          <p:cNvSpPr>
+            <a:spLocks noGrp="1"/>
+          </p:cNvSpPr>
+          <p:nvPr>
+            <p:ph idx="1"/>
+          </p:nvPr>
+        </p:nvSpPr>
+        <p:spPr>
+          <a:xfrm>
+            <a:off x="515620" y="1026160"/>
+            <a:ext cx="11160125" cy="4583430"/>
+          </a:xfrm>
+        </p:spPr>
+        <p:txBody>
+          <a:bodyPr/>
+          <a:lstStyle/>
+          <a:p>
+            <a:r>
+              <a:rPr lang="zh-CN" altLang="en-US" dirty="0"/>
+              <a:t>uninterpreted types</a:t>
+            </a:r>
+            <a:endParaRPr lang="zh-CN" altLang="en-US" dirty="0"/>
+          </a:p>
+          <a:p>
+            <a:pPr lvl="1"/>
+            <a:r>
+              <a:rPr lang="zh-CN" altLang="en-US" dirty="0"/>
+              <a:t>CONSTANT RM \* The set of resource managers</a:t>
+            </a:r>
+            <a:endParaRPr lang="zh-CN" altLang="en-US" dirty="0"/>
+          </a:p>
+          <a:p>
+            <a:pPr lvl="1"/>
+            <a:r>
+              <a:rPr lang="en-US" altLang="zh-CN" dirty="0"/>
+              <a:t>RM = 1..3 or RM = {“a”,”b”,”c”}</a:t>
+            </a:r>
+            <a:endParaRPr lang="en-US" altLang="zh-CN" dirty="0"/>
+          </a:p>
+          <a:p>
+            <a:pPr lvl="1"/>
+            <a:r>
+              <a:rPr lang="en-US" altLang="zh-CN" dirty="0"/>
+              <a:t>Int  &lt;,&gt;,&gt;=,&lt;=</a:t>
+            </a:r>
+            <a:endParaRPr lang="en-US" altLang="zh-CN" dirty="0"/>
+          </a:p>
+          <a:p>
+            <a:pPr lvl="1"/>
+            <a:r>
+              <a:rPr lang="zh-CN" altLang="en-US" dirty="0"/>
+              <a:t>注释方法</a:t>
+            </a:r>
+            <a:r>
+              <a:rPr lang="en-US" altLang="zh-CN" dirty="0"/>
+              <a:t>  \* @type: UTNAME;</a:t>
+            </a:r>
+            <a:endParaRPr lang="en-US" altLang="zh-CN" dirty="0"/>
+          </a:p>
+          <a:p>
+            <a:pPr lvl="1"/>
+            <a:r>
+              <a:rPr lang="zh-CN" altLang="en-US" dirty="0"/>
+              <a:t>如何解释一个值属于</a:t>
+            </a:r>
+            <a:r>
+              <a:rPr lang="zh-CN" altLang="en-US" dirty="0">
+                <a:sym typeface="+mn-ea"/>
+              </a:rPr>
+              <a:t>uninterpreted types</a:t>
+            </a:r>
+            <a:endParaRPr lang="zh-CN" altLang="en-US" dirty="0">
+              <a:sym typeface="+mn-ea"/>
+            </a:endParaRPr>
+          </a:p>
+          <a:p>
+            <a:pPr lvl="2"/>
+            <a:r>
+              <a:rPr lang="zh-CN" altLang="en-US" dirty="0"/>
+              <a:t>"identifier_OF_TYPENAME"</a:t>
+            </a:r>
+            <a:endParaRPr lang="zh-CN" altLang="en-US" dirty="0"/>
+          </a:p>
+          <a:p>
+            <a:pPr lvl="2"/>
+            <a:r>
+              <a:rPr lang="en-US" altLang="zh-CN" dirty="0"/>
+              <a:t>“1_OF_UT”</a:t>
+            </a:r>
+            <a:endParaRPr lang="en-US" altLang="zh-CN" dirty="0"/>
+          </a:p>
+          <a:p>
+            <a:pPr lvl="2"/>
+            <a:r>
+              <a:rPr lang="en-US" altLang="zh-CN" dirty="0"/>
+              <a:t>“abc_OF_UT”</a:t>
+            </a:r>
+            <a:endParaRPr lang="en-US" altLang="zh-CN" dirty="0"/>
+          </a:p>
+          <a:p>
+            <a:pPr lvl="2"/>
+            <a:r>
+              <a:rPr lang="zh-CN" altLang="en-US" dirty="0"/>
+              <a:t>"abc" = "bc_OF_A"</a:t>
+            </a:r>
+            <a:r>
+              <a:rPr lang="en-US" altLang="zh-CN" dirty="0"/>
+              <a:t> /false </a:t>
+            </a:r>
+            <a:endParaRPr lang="en-US" altLang="zh-CN" dirty="0"/>
+          </a:p>
+          <a:p>
+            <a:pPr lvl="2"/>
+            <a:r>
+              <a:rPr lang="zh-CN" altLang="en-US" dirty="0"/>
+              <a:t>"1_OF_A" = "1_OF_B"</a:t>
+            </a:r>
+            <a:endParaRPr lang="zh-CN" altLang="en-US" dirty="0"/>
+          </a:p>
+          <a:p>
+            <a:pPr lvl="2"/>
+            <a:r>
+              <a:rPr lang="zh-CN" altLang="en-US" dirty="0"/>
+              <a:t>"1_OF_A" = "2_OF_A"</a:t>
+            </a:r>
+            <a:endParaRPr lang="zh-CN" altLang="en-US" dirty="0"/>
+          </a:p>
+          <a:p>
+            <a:pPr lvl="2"/>
+            <a:r>
+              <a:rPr lang="zh-CN" altLang="en-US" dirty="0"/>
+              <a:t>"1_OF_A" = "1_OF_A"</a:t>
+            </a:r>
+            <a:endParaRPr lang="zh-CN" altLang="en-US" dirty="0"/>
+          </a:p>
+          <a:p>
+            <a:pPr lvl="1"/>
+            <a:endParaRPr lang="zh-CN" altLang="en-US" dirty="0"/>
+          </a:p>
+          <a:p>
+            <a:pPr lvl="1"/>
+            <a:endParaRPr lang="zh-CN" altLang="en-US" dirty="0"/>
+          </a:p>
+        </p:txBody>
+      </p:sp>
+      <p:sp>
+        <p:nvSpPr>
+          <p:cNvPr id="5" name="页脚占位符 4"/>
+          <p:cNvSpPr>
+            <a:spLocks noGrp="1"/>
+          </p:cNvSpPr>
+          <p:nvPr>
+            <p:ph type="ftr" sz="quarter" idx="11"/>
+          </p:nvPr>
+        </p:nvSpPr>
+        <p:spPr/>
+        <p:txBody>
+          <a:bodyPr/>
+          <a:lstStyle/>
+          <a:p>
+            <a:r>
+              <a:rPr lang="en-GB" altLang="zh-CN"/>
+              <a:t>DistAI</a:t>
+            </a:r>
+            <a:r>
+              <a:rPr lang="zh-CN" altLang="en-US"/>
+              <a:t>项目：一周工作进展</a:t>
+            </a:r>
+            <a:endParaRPr lang="zh-CN" altLang="en-US" dirty="0"/>
+          </a:p>
+        </p:txBody>
+      </p:sp>
+      <p:sp>
+        <p:nvSpPr>
+          <p:cNvPr id="7" name="日期占位符 6"/>
+          <p:cNvSpPr>
+            <a:spLocks noGrp="1"/>
+          </p:cNvSpPr>
+          <p:nvPr>
+            <p:ph type="dt" sz="half" idx="10"/>
+          </p:nvPr>
+        </p:nvSpPr>
+        <p:spPr/>
+        <p:txBody>
+          <a:bodyPr/>
+          <a:lstStyle/>
+          <a:p>
+            <a:fld id="{48C0F002-9E81-334E-9897-686C0F3A095B}" type="datetime1">
+              <a:rPr lang="zh-CN" altLang="en-US" smtClean="0"/>
+            </a:fld>
+            <a:endParaRPr lang="zh-CN" altLang="en-US"/>
+          </a:p>
+        </p:txBody>
+      </p:sp>
+      <p:sp>
+        <p:nvSpPr>
+          <p:cNvPr id="6" name="灯片编号占位符 5"/>
+          <p:cNvSpPr>
+            <a:spLocks noGrp="1"/>
+          </p:cNvSpPr>
+          <p:nvPr>
+            <p:ph type="sldNum" sz="quarter" idx="12"/>
+          </p:nvPr>
+        </p:nvSpPr>
+        <p:spPr/>
+        <p:txBody>
+          <a:bodyPr/>
+          <a:lstStyle/>
+          <a:p>
+            <a:fld id="{FDF96B62-0E79-44B5-BB83-6AF64255BCDF}" type="slidenum">
+              <a:rPr lang="zh-CN" altLang="en-US" smtClean="0"/>
+            </a:fld>
+            <a:endParaRPr lang="zh-CN" altLang="en-US"/>
+          </a:p>
+        </p:txBody>
+      </p:sp>
+    </p:spTree>
+  </p:cSld>
+  <p:clrMapOvr>
+    <a:masterClrMapping/>
+  </p:clrMapOvr>
+</p:sld>
+</file>
+
+<file path=ppt/slides/slide8.xml><?xml version="1.0" encoding="utf-8"?>
 <p:sld xmlns:a="http://schemas.openxmlformats.org/drawingml/2006/main" xmlns:r="http://schemas.openxmlformats.org/officeDocument/2006/relationships" xmlns:p="http://schemas.openxmlformats.org/presentationml/2006/main">
   <p:cSld>
     <p:spTree>
@@ -11242,225 +12084,6 @@
 </p:sld>
 </file>
 
-<file path=ppt/slides/slide8.xml><?xml version="1.0" encoding="utf-8"?>
-<p:sld xmlns:a="http://schemas.openxmlformats.org/drawingml/2006/main" xmlns:r="http://schemas.openxmlformats.org/officeDocument/2006/relationships" xmlns:p="http://schemas.openxmlformats.org/presentationml/2006/main">
-  <p:cSld>
-    <p:spTree>
-      <p:nvGrpSpPr>
-        <p:cNvPr id="1" name=""/>
-        <p:cNvGrpSpPr/>
-        <p:nvPr/>
-      </p:nvGrpSpPr>
-      <p:grpSpPr>
-        <a:xfrm>
-          <a:off x="0" y="0"/>
-          <a:ext cx="0" cy="0"/>
-          <a:chOff x="0" y="0"/>
-          <a:chExt cx="0" cy="0"/>
-        </a:xfrm>
-      </p:grpSpPr>
-      <p:sp>
-        <p:nvSpPr>
-          <p:cNvPr id="2" name="标题 1"/>
-          <p:cNvSpPr>
-            <a:spLocks noGrp="1"/>
-          </p:cNvSpPr>
-          <p:nvPr>
-            <p:ph type="title"/>
-          </p:nvPr>
-        </p:nvSpPr>
-        <p:spPr/>
-        <p:txBody>
-          <a:bodyPr>
-            <a:normAutofit/>
-          </a:bodyPr>
-          <a:lstStyle/>
-          <a:p>
-            <a:r>
-              <a:rPr lang="en-US" altLang="zh-CN" dirty="0">
-                <a:sym typeface="+mn-ea"/>
-              </a:rPr>
-              <a:t>Type checker</a:t>
-            </a:r>
-            <a:endParaRPr lang="zh-CN" altLang="en-US" b="0" spc="-1" dirty="0">
-              <a:solidFill>
-                <a:srgbClr val="000000"/>
-              </a:solidFill>
-              <a:latin typeface="Arial" panose="020B0604020202020204"/>
-              <a:ea typeface="黑体"/>
-              <a:sym typeface="+mn-ea"/>
-            </a:endParaRPr>
-          </a:p>
-        </p:txBody>
-      </p:sp>
-      <p:sp>
-        <p:nvSpPr>
-          <p:cNvPr id="5" name="页脚占位符 4"/>
-          <p:cNvSpPr>
-            <a:spLocks noGrp="1"/>
-          </p:cNvSpPr>
-          <p:nvPr>
-            <p:ph type="ftr" sz="quarter" idx="11"/>
-          </p:nvPr>
-        </p:nvSpPr>
-        <p:spPr/>
-        <p:txBody>
-          <a:bodyPr/>
-          <a:lstStyle/>
-          <a:p>
-            <a:r>
-              <a:rPr lang="en-GB" altLang="zh-CN"/>
-              <a:t>DistAI</a:t>
-            </a:r>
-            <a:r>
-              <a:rPr lang="zh-CN" altLang="en-US"/>
-              <a:t>项目：一周工作进展</a:t>
-            </a:r>
-            <a:endParaRPr lang="zh-CN" altLang="en-US" dirty="0"/>
-          </a:p>
-        </p:txBody>
-      </p:sp>
-      <p:sp>
-        <p:nvSpPr>
-          <p:cNvPr id="7" name="日期占位符 6"/>
-          <p:cNvSpPr>
-            <a:spLocks noGrp="1"/>
-          </p:cNvSpPr>
-          <p:nvPr>
-            <p:ph type="dt" sz="half" idx="10"/>
-          </p:nvPr>
-        </p:nvSpPr>
-        <p:spPr/>
-        <p:txBody>
-          <a:bodyPr/>
-          <a:lstStyle/>
-          <a:p>
-            <a:fld id="{48C0F002-9E81-334E-9897-686C0F3A095B}" type="datetime1">
-              <a:rPr lang="zh-CN" altLang="en-US" smtClean="0"/>
-            </a:fld>
-            <a:endParaRPr lang="zh-CN" altLang="en-US"/>
-          </a:p>
-        </p:txBody>
-      </p:sp>
-      <p:sp>
-        <p:nvSpPr>
-          <p:cNvPr id="6" name="灯片编号占位符 5"/>
-          <p:cNvSpPr>
-            <a:spLocks noGrp="1"/>
-          </p:cNvSpPr>
-          <p:nvPr>
-            <p:ph type="sldNum" sz="quarter" idx="12"/>
-          </p:nvPr>
-        </p:nvSpPr>
-        <p:spPr/>
-        <p:txBody>
-          <a:bodyPr/>
-          <a:lstStyle/>
-          <a:p>
-            <a:fld id="{FDF96B62-0E79-44B5-BB83-6AF64255BCDF}" type="slidenum">
-              <a:rPr lang="zh-CN" altLang="en-US" smtClean="0"/>
-            </a:fld>
-            <a:endParaRPr lang="zh-CN" altLang="en-US"/>
-          </a:p>
-        </p:txBody>
-      </p:sp>
-      <p:sp>
-        <p:nvSpPr>
-          <p:cNvPr id="8" name="内容占位符 7"/>
-          <p:cNvSpPr/>
-          <p:nvPr>
-            <p:ph idx="1"/>
-          </p:nvPr>
-        </p:nvSpPr>
-        <p:spPr>
-          <a:xfrm>
-            <a:off x="520700" y="1278255"/>
-            <a:ext cx="11160125" cy="4921250"/>
-          </a:xfrm>
-        </p:spPr>
-        <p:txBody>
-          <a:bodyPr/>
-          <a:p>
-            <a:r>
-              <a:rPr lang="en-US" altLang="zh-CN"/>
-              <a:t>Type syntax</a:t>
-            </a:r>
-            <a:endParaRPr lang="en-US" altLang="zh-CN"/>
-          </a:p>
-          <a:p>
-            <a:pPr lvl="1"/>
-            <a:r>
-              <a:rPr lang="en-US" altLang="zh-CN"/>
-              <a:t>Bool | Int | Str | Real     basic types</a:t>
-            </a:r>
-            <a:endParaRPr lang="en-US" altLang="zh-CN"/>
-          </a:p>
-          <a:p>
-            <a:pPr lvl="1"/>
-            <a:r>
-              <a:rPr lang="en-US" altLang="zh-CN"/>
-              <a:t>IDENTIFIER123 | [_A-Z][_A-Z0-9]*  uninterpreted type</a:t>
-            </a:r>
-            <a:endParaRPr lang="en-US" altLang="zh-CN"/>
-          </a:p>
-          <a:p>
-            <a:pPr lvl="2"/>
-            <a:r>
-              <a:rPr lang="en-US" altLang="zh-CN" sz="1800"/>
-              <a:t>Like types of model values in TLC</a:t>
-            </a:r>
-            <a:endParaRPr lang="en-US" altLang="zh-CN"/>
-          </a:p>
-          <a:p>
-            <a:pPr lvl="2"/>
-            <a:r>
-              <a:rPr lang="en-US" altLang="zh-CN"/>
-              <a:t>Often, CONSTANTS are parameterized sets</a:t>
-            </a:r>
-            <a:endParaRPr lang="en-US" altLang="zh-CN"/>
-          </a:p>
-          <a:p>
-            <a:pPr lvl="1"/>
-            <a:r>
-              <a:rPr lang="en-US" altLang="zh-CN"/>
-              <a:t>T -&gt; T | set(T) | Seq(T)    functions,sets,sequences</a:t>
-            </a:r>
-            <a:endParaRPr lang="en-US" altLang="zh-CN"/>
-          </a:p>
-          <a:p>
-            <a:pPr lvl="1"/>
-            <a:r>
-              <a:rPr lang="en-US" altLang="zh-CN"/>
-              <a:t>&lt;&lt;T,...T&gt;&gt; | [h1: T,...,hk: T]  tuples,records</a:t>
-            </a:r>
-            <a:endParaRPr lang="en-US" altLang="zh-CN"/>
-          </a:p>
-          <a:p>
-            <a:pPr lvl="1"/>
-            <a:r>
-              <a:rPr lang="en-US" altLang="zh-CN"/>
-              <a:t>(T,...T) =&gt; T   operators</a:t>
-            </a:r>
-            <a:endParaRPr lang="en-US" altLang="zh-CN"/>
-          </a:p>
-          <a:p>
-            <a:pPr lvl="1"/>
-            <a:r>
-              <a:rPr lang="en-US" altLang="zh-CN"/>
-              <a:t>a | ... | z    type variables</a:t>
-            </a:r>
-            <a:endParaRPr lang="en-US" altLang="zh-CN"/>
-          </a:p>
-        </p:txBody>
-      </p:sp>
-    </p:spTree>
-  </p:cSld>
-  <p:clrMapOvr>
-    <a:masterClrMapping/>
-  </p:clrMapOvr>
-</p:sld>
-</file>
-
 <file path=ppt/slides/slide9.xml><?xml version="1.0" encoding="utf-8"?>
 <p:sld xmlns:a="http://schemas.openxmlformats.org/drawingml/2006/main" xmlns:r="http://schemas.openxmlformats.org/officeDocument/2006/relationships" xmlns:p="http://schemas.openxmlformats.org/presentationml/2006/main">
   <p:cSld>
@@ -11602,36 +12225,76 @@
           <a:p>
             <a:r>
               <a:rPr lang="en-US" altLang="zh-CN"/>
-              <a:t>simple lamda-calculus over types</a:t>
+              <a:t>Type syntax</a:t>
             </a:r>
             <a:endParaRPr lang="en-US" altLang="zh-CN"/>
           </a:p>
-        </p:txBody>
-      </p:sp>
-      <p:pic>
-        <p:nvPicPr>
-          <p:cNvPr id="3" name="图片 2" descr="6092E91E-6E43-4754-A460-CBA0FFB4696D"/>
-          <p:cNvPicPr>
-            <a:picLocks noChangeAspect="1"/>
-          </p:cNvPicPr>
-          <p:nvPr/>
-        </p:nvPicPr>
-        <p:blipFill>
-          <a:blip r:embed="rId1"/>
-          <a:stretch>
-            <a:fillRect/>
-          </a:stretch>
-        </p:blipFill>
-        <p:spPr>
-          <a:xfrm>
-            <a:off x="762635" y="2192655"/>
-            <a:ext cx="8420100" cy="2997200"/>
-          </a:xfrm>
-          <a:prstGeom prst="rect">
-            <a:avLst/>
-          </a:prstGeom>
-        </p:spPr>
-      </p:pic>
+          <a:p>
+            <a:pPr lvl="1"/>
+            <a:r>
+              <a:rPr lang="en-US" altLang="zh-CN"/>
+              <a:t>Bool | Int | Str | Real     basic types</a:t>
+            </a:r>
+            <a:endParaRPr lang="en-US" altLang="zh-CN"/>
+          </a:p>
+          <a:p>
+            <a:pPr lvl="1"/>
+            <a:r>
+              <a:rPr lang="en-US" altLang="zh-CN"/>
+              <a:t>IDENTIFIER123 | [_A-Z][_A-Z0-9]*  uninterpreted type</a:t>
+            </a:r>
+            <a:endParaRPr lang="en-US" altLang="zh-CN"/>
+          </a:p>
+          <a:p>
+            <a:pPr lvl="2"/>
+            <a:r>
+              <a:rPr lang="en-US" altLang="zh-CN" sz="1800"/>
+              <a:t>Like types of model values in TLC</a:t>
+            </a:r>
+            <a:endParaRPr lang="en-US" altLang="zh-CN"/>
+          </a:p>
+          <a:p>
+            <a:pPr lvl="2"/>
+            <a:r>
+              <a:rPr lang="en-US" altLang="zh-CN"/>
+              <a:t>Often, CONSTANTS are parameterized sets</a:t>
+            </a:r>
+            <a:endParaRPr lang="en-US" altLang="zh-CN"/>
+          </a:p>
+          <a:p>
+            <a:pPr lvl="1"/>
+            <a:r>
+              <a:rPr lang="en-US" altLang="zh-CN"/>
+              <a:t>T -&gt; T | set(T) | Seq(T)    functions,sets,sequences</a:t>
+            </a:r>
+            <a:endParaRPr lang="en-US" altLang="zh-CN"/>
+          </a:p>
+          <a:p>
+            <a:pPr lvl="1"/>
+            <a:r>
+              <a:rPr lang="en-US" altLang="zh-CN"/>
+              <a:t>&lt;&lt;T,...T&gt;&gt; | [h1: T,...,hk: T]  tuples,records</a:t>
+            </a:r>
+            <a:endParaRPr lang="en-US" altLang="zh-CN"/>
+          </a:p>
+          <a:p>
+            <a:pPr lvl="1"/>
+            <a:r>
+              <a:rPr lang="en-US" altLang="zh-CN"/>
+              <a:t>(T,...T) =&gt; T   operators</a:t>
+            </a:r>
+            <a:endParaRPr lang="en-US" altLang="zh-CN"/>
+          </a:p>
+          <a:p>
+            <a:pPr lvl="1"/>
+            <a:r>
+              <a:rPr lang="en-US" altLang="zh-CN"/>
+              <a:t>a | ... | z    type variables</a:t>
+            </a:r>
+            <a:endParaRPr lang="en-US" altLang="zh-CN"/>
+          </a:p>
+        </p:txBody>
+      </p:sp>
     </p:spTree>
   </p:cSld>
   <p:clrMapOvr>

--- a/reports/8-20220520-一周工作进展.pptx
+++ b/reports/8-20220520-一周工作进展.pptx
@@ -3,28 +3,29 @@
 <p:presentation xmlns:a="http://schemas.openxmlformats.org/drawingml/2006/main" xmlns:r="http://schemas.openxmlformats.org/officeDocument/2006/relationships" xmlns:p="http://schemas.openxmlformats.org/presentationml/2006/main" showSpecialPlsOnTitleSld="0">
   <p:sldMasterIdLst>
     <p:sldMasterId id="2147483648" r:id="rId1"/>
-    <p:sldMasterId id="2147483660" r:id="rId3"/>
+    <p:sldMasterId id="2147483660" r:id="rId2"/>
   </p:sldMasterIdLst>
   <p:notesMasterIdLst>
-    <p:notesMasterId r:id="rId5"/>
+    <p:notesMasterId r:id="rId20"/>
   </p:notesMasterIdLst>
   <p:sldIdLst>
-    <p:sldId id="1302" r:id="rId4"/>
-    <p:sldId id="1290" r:id="rId6"/>
-    <p:sldId id="1291" r:id="rId7"/>
-    <p:sldId id="1316" r:id="rId8"/>
-    <p:sldId id="1292" r:id="rId9"/>
-    <p:sldId id="1293" r:id="rId10"/>
-    <p:sldId id="1294" r:id="rId11"/>
-    <p:sldId id="1297" r:id="rId12"/>
-    <p:sldId id="1298" r:id="rId13"/>
-    <p:sldId id="1299" r:id="rId14"/>
-    <p:sldId id="1300" r:id="rId15"/>
-    <p:sldId id="1301" r:id="rId16"/>
-    <p:sldId id="1317" r:id="rId17"/>
-    <p:sldId id="1195" r:id="rId18"/>
-    <p:sldId id="1196" r:id="rId19"/>
-    <p:sldId id="1303" r:id="rId20"/>
+    <p:sldId id="1302" r:id="rId3"/>
+    <p:sldId id="1290" r:id="rId4"/>
+    <p:sldId id="1291" r:id="rId5"/>
+    <p:sldId id="1316" r:id="rId6"/>
+    <p:sldId id="1292" r:id="rId7"/>
+    <p:sldId id="1293" r:id="rId8"/>
+    <p:sldId id="1294" r:id="rId9"/>
+    <p:sldId id="1297" r:id="rId10"/>
+    <p:sldId id="1298" r:id="rId11"/>
+    <p:sldId id="1299" r:id="rId12"/>
+    <p:sldId id="1300" r:id="rId13"/>
+    <p:sldId id="1301" r:id="rId14"/>
+    <p:sldId id="1317" r:id="rId15"/>
+    <p:sldId id="1195" r:id="rId16"/>
+    <p:sldId id="1196" r:id="rId17"/>
+    <p:sldId id="1319" r:id="rId18"/>
+    <p:sldId id="1303" r:id="rId19"/>
   </p:sldIdLst>
   <p:sldSz cx="12192000" cy="6858000"/>
   <p:notesSz cx="6858000" cy="9144000"/>
@@ -131,6 +132,7 @@
             <p14:sldId id="1302"/>
             <p14:sldId id="1290"/>
             <p14:sldId id="1291"/>
+            <p14:sldId id="1316"/>
             <p14:sldId id="1292"/>
             <p14:sldId id="1293"/>
             <p14:sldId id="1294"/>
@@ -142,11 +144,25 @@
             <p14:sldId id="1317"/>
             <p14:sldId id="1195"/>
             <p14:sldId id="1196"/>
+            <p14:sldId id="1319"/>
             <p14:sldId id="1303"/>
-            <p14:sldId id="1316"/>
           </p14:sldIdLst>
         </p14:section>
       </p14:sectionLst>
+    </p:ext>
+    <p:ext uri="{EFAFB233-063F-42B5-8137-9DF3F51BA10A}">
+      <p15:sldGuideLst xmlns:p15="http://schemas.microsoft.com/office/powerpoint/2012/main">
+        <p15:guide id="1" orient="horz" pos="2203">
+          <p15:clr>
+            <a:srgbClr val="A4A3A4"/>
+          </p15:clr>
+        </p15:guide>
+        <p15:guide id="2" pos="3843">
+          <p15:clr>
+            <a:srgbClr val="A4A3A4"/>
+          </p15:clr>
+        </p15:guide>
+      </p15:sldGuideLst>
     </p:ext>
   </p:extLst>
 </p:presentation>
@@ -241,6 +257,7 @@
           <a:p>
             <a:fld id="{A511C7D4-4CB6-4CEA-B712-C7C229DBCFE5}" type="datetimeFigureOut">
               <a:rPr lang="zh-CN" altLang="en-US" smtClean="0"/>
+              <a:t>2022/5/27</a:t>
             </a:fld>
             <a:endParaRPr lang="zh-CN" altLang="en-US"/>
           </a:p>
@@ -307,7 +324,6 @@
               <a:rPr lang="zh-CN" altLang="en-US"/>
               <a:t>单击此处编辑母版文本样式</a:t>
             </a:r>
-            <a:endParaRPr lang="zh-CN" altLang="en-US"/>
           </a:p>
           <a:p>
             <a:pPr lvl="1"/>
@@ -315,7 +331,6 @@
               <a:rPr lang="zh-CN" altLang="en-US"/>
               <a:t>第二级</a:t>
             </a:r>
-            <a:endParaRPr lang="zh-CN" altLang="en-US"/>
           </a:p>
           <a:p>
             <a:pPr lvl="2"/>
@@ -323,7 +338,6 @@
               <a:rPr lang="zh-CN" altLang="en-US"/>
               <a:t>第三级</a:t>
             </a:r>
-            <a:endParaRPr lang="zh-CN" altLang="en-US"/>
           </a:p>
           <a:p>
             <a:pPr lvl="3"/>
@@ -331,7 +345,6 @@
               <a:rPr lang="zh-CN" altLang="en-US"/>
               <a:t>第四级</a:t>
             </a:r>
-            <a:endParaRPr lang="zh-CN" altLang="en-US"/>
           </a:p>
           <a:p>
             <a:pPr lvl="4"/>
@@ -339,7 +352,6 @@
               <a:rPr lang="zh-CN" altLang="en-US"/>
               <a:t>第五级</a:t>
             </a:r>
-            <a:endParaRPr lang="zh-CN" altLang="en-US"/>
           </a:p>
         </p:txBody>
       </p:sp>
@@ -403,6 +415,7 @@
           <a:p>
             <a:fld id="{9B5BD0AE-A23C-4B71-BCCA-077F02B28D69}" type="slidenum">
               <a:rPr lang="zh-CN" altLang="en-US" smtClean="0"/>
+              <a:t>‹#›</a:t>
             </a:fld>
             <a:endParaRPr lang="zh-CN" altLang="en-US"/>
           </a:p>
@@ -576,6 +589,7 @@
           <a:p>
             <a:fld id="{9B5BD0AE-A23C-4B71-BCCA-077F02B28D69}" type="slidenum">
               <a:rPr lang="zh-CN" altLang="en-US" smtClean="0"/>
+              <a:t>1</a:t>
             </a:fld>
             <a:endParaRPr lang="zh-CN" altLang="en-US"/>
           </a:p>
@@ -654,6 +668,7 @@
           <a:p>
             <a:fld id="{9B5BD0AE-A23C-4B71-BCCA-077F02B28D69}" type="slidenum">
               <a:rPr lang="zh-CN" altLang="en-US" smtClean="0"/>
+              <a:t>10</a:t>
             </a:fld>
             <a:endParaRPr lang="zh-CN" altLang="en-US"/>
           </a:p>
@@ -732,6 +747,7 @@
           <a:p>
             <a:fld id="{9B5BD0AE-A23C-4B71-BCCA-077F02B28D69}" type="slidenum">
               <a:rPr lang="zh-CN" altLang="en-US" smtClean="0"/>
+              <a:t>11</a:t>
             </a:fld>
             <a:endParaRPr lang="zh-CN" altLang="en-US"/>
           </a:p>
@@ -810,6 +826,7 @@
           <a:p>
             <a:fld id="{9B5BD0AE-A23C-4B71-BCCA-077F02B28D69}" type="slidenum">
               <a:rPr lang="zh-CN" altLang="en-US" smtClean="0"/>
+              <a:t>12</a:t>
             </a:fld>
             <a:endParaRPr lang="zh-CN" altLang="en-US"/>
           </a:p>
@@ -888,6 +905,7 @@
           <a:p>
             <a:fld id="{9B5BD0AE-A23C-4B71-BCCA-077F02B28D69}" type="slidenum">
               <a:rPr lang="zh-CN" altLang="en-US" smtClean="0"/>
+              <a:t>13</a:t>
             </a:fld>
             <a:endParaRPr lang="zh-CN" altLang="en-US"/>
           </a:p>
@@ -995,6 +1013,7 @@
                 <a:ea typeface="宋体" pitchFamily="2" charset="-122"/>
                 <a:cs typeface="+mn-cs"/>
               </a:rPr>
+              <a:t>14</a:t>
             </a:fld>
             <a:endParaRPr kumimoji="0" lang="zh-CN" altLang="en-US" sz="1200" b="0" i="0" u="none" strike="noStrike" kern="1200" cap="none" spc="0" normalizeH="0" baseline="0" noProof="0">
               <a:ln>
@@ -1115,6 +1134,7 @@
                 <a:ea typeface="等线" panose="02010600030101010101" pitchFamily="2" charset="-122"/>
                 <a:cs typeface="+mn-cs"/>
               </a:rPr>
+              <a:t>15</a:t>
             </a:fld>
             <a:endParaRPr kumimoji="0" lang="zh-CN" altLang="en-US" sz="1200" b="0" i="0" u="none" strike="noStrike" kern="1200" cap="none" spc="0" normalizeH="0" baseline="0" noProof="0">
               <a:ln>
@@ -1134,6 +1154,132 @@
         </p:txBody>
       </p:sp>
     </p:spTree>
+  </p:cSld>
+  <p:clrMapOvr>
+    <a:masterClrMapping/>
+  </p:clrMapOvr>
+</p:notes>
+</file>
+
+<file path=ppt/notesSlides/notesSlide16.xml><?xml version="1.0" encoding="utf-8"?>
+<p:notes xmlns:a="http://schemas.openxmlformats.org/drawingml/2006/main" xmlns:r="http://schemas.openxmlformats.org/officeDocument/2006/relationships" xmlns:p="http://schemas.openxmlformats.org/presentationml/2006/main">
+  <p:cSld>
+    <p:spTree>
+      <p:nvGrpSpPr>
+        <p:cNvPr id="1" name=""/>
+        <p:cNvGrpSpPr/>
+        <p:nvPr/>
+      </p:nvGrpSpPr>
+      <p:grpSpPr>
+        <a:xfrm>
+          <a:off x="0" y="0"/>
+          <a:ext cx="0" cy="0"/>
+          <a:chOff x="0" y="0"/>
+          <a:chExt cx="0" cy="0"/>
+        </a:xfrm>
+      </p:grpSpPr>
+      <p:sp>
+        <p:nvSpPr>
+          <p:cNvPr id="2" name="幻灯片图像占位符 1"/>
+          <p:cNvSpPr>
+            <a:spLocks noGrp="1" noRot="1" noChangeAspect="1"/>
+          </p:cNvSpPr>
+          <p:nvPr>
+            <p:ph type="sldImg"/>
+          </p:nvPr>
+        </p:nvSpPr>
+        <p:spPr/>
+      </p:sp>
+      <p:sp>
+        <p:nvSpPr>
+          <p:cNvPr id="3" name="备注占位符 2"/>
+          <p:cNvSpPr>
+            <a:spLocks noGrp="1"/>
+          </p:cNvSpPr>
+          <p:nvPr>
+            <p:ph type="body" idx="1"/>
+          </p:nvPr>
+        </p:nvSpPr>
+        <p:spPr/>
+        <p:txBody>
+          <a:bodyPr/>
+          <a:lstStyle/>
+          <a:p>
+            <a:endParaRPr lang="en-US" altLang="zh-CN" dirty="0"/>
+          </a:p>
+        </p:txBody>
+      </p:sp>
+      <p:sp>
+        <p:nvSpPr>
+          <p:cNvPr id="4" name="灯片编号占位符 3"/>
+          <p:cNvSpPr>
+            <a:spLocks noGrp="1"/>
+          </p:cNvSpPr>
+          <p:nvPr>
+            <p:ph type="sldNum" sz="quarter" idx="5"/>
+          </p:nvPr>
+        </p:nvSpPr>
+        <p:spPr/>
+        <p:txBody>
+          <a:bodyPr/>
+          <a:lstStyle/>
+          <a:p>
+            <a:pPr marL="0" marR="0" lvl="0" indent="0" algn="r" defTabSz="914400" rtl="0" eaLnBrk="1" fontAlgn="auto" latinLnBrk="0" hangingPunct="1">
+              <a:lnSpc>
+                <a:spcPct val="100000"/>
+              </a:lnSpc>
+              <a:spcBef>
+                <a:spcPts val="0"/>
+              </a:spcBef>
+              <a:spcAft>
+                <a:spcPts val="0"/>
+              </a:spcAft>
+              <a:buClrTx/>
+              <a:buSzTx/>
+              <a:buFontTx/>
+              <a:buNone/>
+              <a:defRPr/>
+            </a:pPr>
+            <a:fld id="{9B5BD0AE-A23C-4B71-BCCA-077F02B28D69}" type="slidenum">
+              <a:rPr kumimoji="0" lang="zh-CN" altLang="en-US" sz="1200" b="0" i="0" u="none" strike="noStrike" kern="1200" cap="none" spc="0" normalizeH="0" baseline="0" noProof="0" smtClean="0">
+                <a:ln>
+                  <a:noFill/>
+                </a:ln>
+                <a:solidFill>
+                  <a:prstClr val="black"/>
+                </a:solidFill>
+                <a:effectLst/>
+                <a:uLnTx/>
+                <a:uFillTx/>
+                <a:latin typeface="等线" panose="020F0502020204030204"/>
+                <a:ea typeface="等线" panose="02010600030101010101" pitchFamily="2" charset="-122"/>
+                <a:cs typeface="+mn-cs"/>
+              </a:rPr>
+              <a:t>16</a:t>
+            </a:fld>
+            <a:endParaRPr kumimoji="0" lang="zh-CN" altLang="en-US" sz="1200" b="0" i="0" u="none" strike="noStrike" kern="1200" cap="none" spc="0" normalizeH="0" baseline="0" noProof="0">
+              <a:ln>
+                <a:noFill/>
+              </a:ln>
+              <a:solidFill>
+                <a:prstClr val="black"/>
+              </a:solidFill>
+              <a:effectLst/>
+              <a:uLnTx/>
+              <a:uFillTx/>
+              <a:latin typeface="等线" panose="020F0502020204030204"/>
+              <a:ea typeface="等线" panose="02010600030101010101" pitchFamily="2" charset="-122"/>
+              <a:cs typeface="+mn-cs"/>
+            </a:endParaRPr>
+          </a:p>
+        </p:txBody>
+      </p:sp>
+    </p:spTree>
+    <p:extLst>
+      <p:ext uri="{BB962C8B-B14F-4D97-AF65-F5344CB8AC3E}">
+        <p14:creationId xmlns:p14="http://schemas.microsoft.com/office/powerpoint/2010/main" val="2265919650"/>
+      </p:ext>
+    </p:extLst>
   </p:cSld>
   <p:clrMapOvr>
     <a:masterClrMapping/>
@@ -1206,6 +1352,7 @@
           <a:p>
             <a:fld id="{9B5BD0AE-A23C-4B71-BCCA-077F02B28D69}" type="slidenum">
               <a:rPr lang="zh-CN" altLang="en-US" smtClean="0"/>
+              <a:t>2</a:t>
             </a:fld>
             <a:endParaRPr lang="zh-CN" altLang="en-US"/>
           </a:p>
@@ -1284,6 +1431,7 @@
           <a:p>
             <a:fld id="{9B5BD0AE-A23C-4B71-BCCA-077F02B28D69}" type="slidenum">
               <a:rPr lang="zh-CN" altLang="en-US" smtClean="0"/>
+              <a:t>3</a:t>
             </a:fld>
             <a:endParaRPr lang="zh-CN" altLang="en-US"/>
           </a:p>
@@ -1362,6 +1510,7 @@
           <a:p>
             <a:fld id="{9B5BD0AE-A23C-4B71-BCCA-077F02B28D69}" type="slidenum">
               <a:rPr lang="zh-CN" altLang="en-US" smtClean="0"/>
+              <a:t>4</a:t>
             </a:fld>
             <a:endParaRPr lang="zh-CN" altLang="en-US"/>
           </a:p>
@@ -1440,6 +1589,7 @@
           <a:p>
             <a:fld id="{9B5BD0AE-A23C-4B71-BCCA-077F02B28D69}" type="slidenum">
               <a:rPr lang="zh-CN" altLang="en-US" smtClean="0"/>
+              <a:t>5</a:t>
             </a:fld>
             <a:endParaRPr lang="zh-CN" altLang="en-US"/>
           </a:p>
@@ -1518,6 +1668,7 @@
           <a:p>
             <a:fld id="{9B5BD0AE-A23C-4B71-BCCA-077F02B28D69}" type="slidenum">
               <a:rPr lang="zh-CN" altLang="en-US" smtClean="0"/>
+              <a:t>6</a:t>
             </a:fld>
             <a:endParaRPr lang="zh-CN" altLang="en-US"/>
           </a:p>
@@ -1596,6 +1747,7 @@
           <a:p>
             <a:fld id="{9B5BD0AE-A23C-4B71-BCCA-077F02B28D69}" type="slidenum">
               <a:rPr lang="zh-CN" altLang="en-US" smtClean="0"/>
+              <a:t>7</a:t>
             </a:fld>
             <a:endParaRPr lang="zh-CN" altLang="en-US"/>
           </a:p>
@@ -1674,6 +1826,7 @@
           <a:p>
             <a:fld id="{9B5BD0AE-A23C-4B71-BCCA-077F02B28D69}" type="slidenum">
               <a:rPr lang="zh-CN" altLang="en-US" smtClean="0"/>
+              <a:t>8</a:t>
             </a:fld>
             <a:endParaRPr lang="zh-CN" altLang="en-US"/>
           </a:p>
@@ -1752,6 +1905,7 @@
           <a:p>
             <a:fld id="{9B5BD0AE-A23C-4B71-BCCA-077F02B28D69}" type="slidenum">
               <a:rPr lang="zh-CN" altLang="en-US" smtClean="0"/>
+              <a:t>9</a:t>
             </a:fld>
             <a:endParaRPr lang="zh-CN" altLang="en-US"/>
           </a:p>
@@ -1896,6 +2050,7 @@
           <a:p>
             <a:fld id="{E70B94D0-8669-3144-8F8F-7E417FABCF03}" type="datetime1">
               <a:rPr lang="zh-CN" altLang="en-US" smtClean="0"/>
+              <a:t>2022/5/27</a:t>
             </a:fld>
             <a:endParaRPr lang="zh-CN" altLang="en-US"/>
           </a:p>
@@ -1945,6 +2100,7 @@
           <a:p>
             <a:fld id="{FDF96B62-0E79-44B5-BB83-6AF64255BCDF}" type="slidenum">
               <a:rPr lang="zh-CN" altLang="en-US" smtClean="0"/>
+              <a:t>‹#›</a:t>
             </a:fld>
             <a:endParaRPr lang="zh-CN" altLang="en-US"/>
           </a:p>
@@ -2018,7 +2174,6 @@
               <a:rPr lang="zh-CN" altLang="en-US"/>
               <a:t>编辑母版文本样式</a:t>
             </a:r>
-            <a:endParaRPr lang="zh-CN" altLang="en-US"/>
           </a:p>
           <a:p>
             <a:pPr lvl="1"/>
@@ -2026,7 +2181,6 @@
               <a:rPr lang="zh-CN" altLang="en-US"/>
               <a:t>第二级</a:t>
             </a:r>
-            <a:endParaRPr lang="zh-CN" altLang="en-US"/>
           </a:p>
           <a:p>
             <a:pPr lvl="2"/>
@@ -2034,7 +2188,6 @@
               <a:rPr lang="zh-CN" altLang="en-US"/>
               <a:t>第三级</a:t>
             </a:r>
-            <a:endParaRPr lang="zh-CN" altLang="en-US"/>
           </a:p>
           <a:p>
             <a:pPr lvl="3"/>
@@ -2042,7 +2195,6 @@
               <a:rPr lang="zh-CN" altLang="en-US"/>
               <a:t>第四级</a:t>
             </a:r>
-            <a:endParaRPr lang="zh-CN" altLang="en-US"/>
           </a:p>
           <a:p>
             <a:pPr lvl="4"/>
@@ -2071,6 +2223,7 @@
           <a:p>
             <a:fld id="{9A138790-0635-AB45-A5E1-65F121CC739A}" type="datetime1">
               <a:rPr lang="zh-CN" altLang="en-US" smtClean="0"/>
+              <a:t>2022/5/27</a:t>
             </a:fld>
             <a:endParaRPr lang="zh-CN" altLang="en-US"/>
           </a:p>
@@ -2120,6 +2273,7 @@
           <a:p>
             <a:fld id="{FDF96B62-0E79-44B5-BB83-6AF64255BCDF}" type="slidenum">
               <a:rPr lang="zh-CN" altLang="en-US" smtClean="0"/>
+              <a:t>‹#›</a:t>
             </a:fld>
             <a:endParaRPr lang="zh-CN" altLang="en-US"/>
           </a:p>
@@ -2203,7 +2357,6 @@
               <a:rPr lang="zh-CN" altLang="en-US"/>
               <a:t>编辑母版文本样式</a:t>
             </a:r>
-            <a:endParaRPr lang="zh-CN" altLang="en-US"/>
           </a:p>
           <a:p>
             <a:pPr lvl="1"/>
@@ -2211,7 +2364,6 @@
               <a:rPr lang="zh-CN" altLang="en-US"/>
               <a:t>第二级</a:t>
             </a:r>
-            <a:endParaRPr lang="zh-CN" altLang="en-US"/>
           </a:p>
           <a:p>
             <a:pPr lvl="2"/>
@@ -2219,7 +2371,6 @@
               <a:rPr lang="zh-CN" altLang="en-US"/>
               <a:t>第三级</a:t>
             </a:r>
-            <a:endParaRPr lang="zh-CN" altLang="en-US"/>
           </a:p>
           <a:p>
             <a:pPr lvl="3"/>
@@ -2227,7 +2378,6 @@
               <a:rPr lang="zh-CN" altLang="en-US"/>
               <a:t>第四级</a:t>
             </a:r>
-            <a:endParaRPr lang="zh-CN" altLang="en-US"/>
           </a:p>
           <a:p>
             <a:pPr lvl="4"/>
@@ -2256,6 +2406,7 @@
           <a:p>
             <a:fld id="{9B74181A-97AB-6041-9C31-2DFA4FC7EAF6}" type="datetime1">
               <a:rPr lang="zh-CN" altLang="en-US" smtClean="0"/>
+              <a:t>2022/5/27</a:t>
             </a:fld>
             <a:endParaRPr lang="zh-CN" altLang="en-US"/>
           </a:p>
@@ -2305,6 +2456,7 @@
           <a:p>
             <a:fld id="{FDF96B62-0E79-44B5-BB83-6AF64255BCDF}" type="slidenum">
               <a:rPr lang="zh-CN" altLang="en-US" smtClean="0"/>
+              <a:t>‹#›</a:t>
             </a:fld>
             <a:endParaRPr lang="zh-CN" altLang="en-US"/>
           </a:p>
@@ -2449,6 +2601,7 @@
           <a:p>
             <a:fld id="{AE35C004-D17D-B54B-96C2-C6F2C789EF49}" type="datetime1">
               <a:rPr lang="zh-CN" altLang="en-US" smtClean="0"/>
+              <a:t>2022/5/27</a:t>
             </a:fld>
             <a:endParaRPr lang="zh-CN" altLang="en-US"/>
           </a:p>
@@ -2494,6 +2647,7 @@
           <a:p>
             <a:fld id="{FDF96B62-0E79-44B5-BB83-6AF64255BCDF}" type="slidenum">
               <a:rPr lang="zh-CN" altLang="en-US" smtClean="0"/>
+              <a:t>‹#›</a:t>
             </a:fld>
             <a:endParaRPr lang="zh-CN" altLang="en-US"/>
           </a:p>
@@ -2577,7 +2731,6 @@
               <a:rPr lang="zh-CN" altLang="en-US" dirty="0"/>
               <a:t>编辑母版文本样式</a:t>
             </a:r>
-            <a:endParaRPr lang="zh-CN" altLang="en-US" dirty="0"/>
           </a:p>
           <a:p>
             <a:pPr lvl="1"/>
@@ -2585,7 +2738,6 @@
               <a:rPr lang="zh-CN" altLang="en-US" dirty="0"/>
               <a:t>第二级</a:t>
             </a:r>
-            <a:endParaRPr lang="zh-CN" altLang="en-US" dirty="0"/>
           </a:p>
           <a:p>
             <a:pPr lvl="2"/>
@@ -2593,7 +2745,6 @@
               <a:rPr lang="zh-CN" altLang="en-US" dirty="0"/>
               <a:t>第三级</a:t>
             </a:r>
-            <a:endParaRPr lang="zh-CN" altLang="en-US" dirty="0"/>
           </a:p>
           <a:p>
             <a:pPr lvl="3"/>
@@ -2601,7 +2752,6 @@
               <a:rPr lang="zh-CN" altLang="en-US" dirty="0"/>
               <a:t>第四级</a:t>
             </a:r>
-            <a:endParaRPr lang="zh-CN" altLang="en-US" dirty="0"/>
           </a:p>
           <a:p>
             <a:pPr lvl="4"/>
@@ -2630,6 +2780,7 @@
           <a:p>
             <a:fld id="{3EBB2535-92C8-2247-B38D-62A0CA30BC62}" type="datetime1">
               <a:rPr lang="zh-CN" altLang="en-US" smtClean="0"/>
+              <a:t>2022/5/27</a:t>
             </a:fld>
             <a:endParaRPr lang="zh-CN" altLang="en-US"/>
           </a:p>
@@ -2675,6 +2826,7 @@
           <a:p>
             <a:fld id="{FDF96B62-0E79-44B5-BB83-6AF64255BCDF}" type="slidenum">
               <a:rPr lang="zh-CN" altLang="en-US" smtClean="0"/>
+              <a:t>‹#›</a:t>
             </a:fld>
             <a:endParaRPr lang="zh-CN" altLang="en-US"/>
           </a:p>
@@ -2853,7 +3005,6 @@
               <a:rPr lang="zh-CN" altLang="en-US"/>
               <a:t>编辑母版文本样式</a:t>
             </a:r>
-            <a:endParaRPr lang="zh-CN" altLang="en-US"/>
           </a:p>
         </p:txBody>
       </p:sp>
@@ -2874,6 +3025,7 @@
           <a:p>
             <a:fld id="{37FF271B-DCC8-5349-9886-7069EDED0F48}" type="datetime1">
               <a:rPr lang="zh-CN" altLang="en-US" smtClean="0"/>
+              <a:t>2022/5/27</a:t>
             </a:fld>
             <a:endParaRPr lang="zh-CN" altLang="en-US"/>
           </a:p>
@@ -2919,6 +3071,7 @@
           <a:p>
             <a:fld id="{FDF96B62-0E79-44B5-BB83-6AF64255BCDF}" type="slidenum">
               <a:rPr lang="zh-CN" altLang="en-US" smtClean="0"/>
+              <a:t>‹#›</a:t>
             </a:fld>
             <a:endParaRPr lang="zh-CN" altLang="en-US"/>
           </a:p>
@@ -2997,7 +3150,6 @@
               <a:rPr lang="zh-CN" altLang="en-US"/>
               <a:t>编辑母版文本样式</a:t>
             </a:r>
-            <a:endParaRPr lang="zh-CN" altLang="en-US"/>
           </a:p>
           <a:p>
             <a:pPr lvl="1"/>
@@ -3005,7 +3157,6 @@
               <a:rPr lang="zh-CN" altLang="en-US"/>
               <a:t>第二级</a:t>
             </a:r>
-            <a:endParaRPr lang="zh-CN" altLang="en-US"/>
           </a:p>
           <a:p>
             <a:pPr lvl="2"/>
@@ -3013,7 +3164,6 @@
               <a:rPr lang="zh-CN" altLang="en-US"/>
               <a:t>第三级</a:t>
             </a:r>
-            <a:endParaRPr lang="zh-CN" altLang="en-US"/>
           </a:p>
           <a:p>
             <a:pPr lvl="3"/>
@@ -3021,7 +3171,6 @@
               <a:rPr lang="zh-CN" altLang="en-US"/>
               <a:t>第四级</a:t>
             </a:r>
-            <a:endParaRPr lang="zh-CN" altLang="en-US"/>
           </a:p>
           <a:p>
             <a:pPr lvl="4"/>
@@ -3058,7 +3207,6 @@
               <a:rPr lang="zh-CN" altLang="en-US"/>
               <a:t>编辑母版文本样式</a:t>
             </a:r>
-            <a:endParaRPr lang="zh-CN" altLang="en-US"/>
           </a:p>
           <a:p>
             <a:pPr lvl="1"/>
@@ -3066,7 +3214,6 @@
               <a:rPr lang="zh-CN" altLang="en-US"/>
               <a:t>第二级</a:t>
             </a:r>
-            <a:endParaRPr lang="zh-CN" altLang="en-US"/>
           </a:p>
           <a:p>
             <a:pPr lvl="2"/>
@@ -3074,7 +3221,6 @@
               <a:rPr lang="zh-CN" altLang="en-US"/>
               <a:t>第三级</a:t>
             </a:r>
-            <a:endParaRPr lang="zh-CN" altLang="en-US"/>
           </a:p>
           <a:p>
             <a:pPr lvl="3"/>
@@ -3082,7 +3228,6 @@
               <a:rPr lang="zh-CN" altLang="en-US"/>
               <a:t>第四级</a:t>
             </a:r>
-            <a:endParaRPr lang="zh-CN" altLang="en-US"/>
           </a:p>
           <a:p>
             <a:pPr lvl="4"/>
@@ -3111,6 +3256,7 @@
           <a:p>
             <a:fld id="{712C3F82-2905-7747-A16D-B174DEE52523}" type="datetime1">
               <a:rPr lang="zh-CN" altLang="en-US" smtClean="0"/>
+              <a:t>2022/5/27</a:t>
             </a:fld>
             <a:endParaRPr lang="zh-CN" altLang="en-US"/>
           </a:p>
@@ -3156,6 +3302,7 @@
           <a:p>
             <a:fld id="{FDF96B62-0E79-44B5-BB83-6AF64255BCDF}" type="slidenum">
               <a:rPr lang="zh-CN" altLang="en-US" smtClean="0"/>
+              <a:t>‹#›</a:t>
             </a:fld>
             <a:endParaRPr lang="zh-CN" altLang="en-US"/>
           </a:p>
@@ -3276,7 +3423,6 @@
               <a:rPr lang="zh-CN" altLang="en-US"/>
               <a:t>编辑母版文本样式</a:t>
             </a:r>
-            <a:endParaRPr lang="zh-CN" altLang="en-US"/>
           </a:p>
         </p:txBody>
       </p:sp>
@@ -3305,7 +3451,6 @@
               <a:rPr lang="zh-CN" altLang="en-US"/>
               <a:t>编辑母版文本样式</a:t>
             </a:r>
-            <a:endParaRPr lang="zh-CN" altLang="en-US"/>
           </a:p>
           <a:p>
             <a:pPr lvl="1"/>
@@ -3313,7 +3458,6 @@
               <a:rPr lang="zh-CN" altLang="en-US"/>
               <a:t>第二级</a:t>
             </a:r>
-            <a:endParaRPr lang="zh-CN" altLang="en-US"/>
           </a:p>
           <a:p>
             <a:pPr lvl="2"/>
@@ -3321,7 +3465,6 @@
               <a:rPr lang="zh-CN" altLang="en-US"/>
               <a:t>第三级</a:t>
             </a:r>
-            <a:endParaRPr lang="zh-CN" altLang="en-US"/>
           </a:p>
           <a:p>
             <a:pPr lvl="3"/>
@@ -3329,7 +3472,6 @@
               <a:rPr lang="zh-CN" altLang="en-US"/>
               <a:t>第四级</a:t>
             </a:r>
-            <a:endParaRPr lang="zh-CN" altLang="en-US"/>
           </a:p>
           <a:p>
             <a:pPr lvl="4"/>
@@ -3403,7 +3545,6 @@
               <a:rPr lang="zh-CN" altLang="en-US"/>
               <a:t>编辑母版文本样式</a:t>
             </a:r>
-            <a:endParaRPr lang="zh-CN" altLang="en-US"/>
           </a:p>
         </p:txBody>
       </p:sp>
@@ -3432,7 +3573,6 @@
               <a:rPr lang="zh-CN" altLang="en-US"/>
               <a:t>编辑母版文本样式</a:t>
             </a:r>
-            <a:endParaRPr lang="zh-CN" altLang="en-US"/>
           </a:p>
           <a:p>
             <a:pPr lvl="1"/>
@@ -3440,7 +3580,6 @@
               <a:rPr lang="zh-CN" altLang="en-US"/>
               <a:t>第二级</a:t>
             </a:r>
-            <a:endParaRPr lang="zh-CN" altLang="en-US"/>
           </a:p>
           <a:p>
             <a:pPr lvl="2"/>
@@ -3448,7 +3587,6 @@
               <a:rPr lang="zh-CN" altLang="en-US"/>
               <a:t>第三级</a:t>
             </a:r>
-            <a:endParaRPr lang="zh-CN" altLang="en-US"/>
           </a:p>
           <a:p>
             <a:pPr lvl="3"/>
@@ -3456,7 +3594,6 @@
               <a:rPr lang="zh-CN" altLang="en-US"/>
               <a:t>第四级</a:t>
             </a:r>
-            <a:endParaRPr lang="zh-CN" altLang="en-US"/>
           </a:p>
           <a:p>
             <a:pPr lvl="4"/>
@@ -3485,6 +3622,7 @@
           <a:p>
             <a:fld id="{91E68CC6-7BA7-9944-8987-57EC298C061D}" type="datetime1">
               <a:rPr lang="zh-CN" altLang="en-US" smtClean="0"/>
+              <a:t>2022/5/27</a:t>
             </a:fld>
             <a:endParaRPr lang="zh-CN" altLang="en-US"/>
           </a:p>
@@ -3530,6 +3668,7 @@
           <a:p>
             <a:fld id="{FDF96B62-0E79-44B5-BB83-6AF64255BCDF}" type="slidenum">
               <a:rPr lang="zh-CN" altLang="en-US" smtClean="0"/>
+              <a:t>‹#›</a:t>
             </a:fld>
             <a:endParaRPr lang="zh-CN" altLang="en-US"/>
           </a:p>
@@ -3600,6 +3739,7 @@
           <a:p>
             <a:fld id="{4A7F96D5-8463-1E46-91DD-3FBC72B92AF1}" type="datetime1">
               <a:rPr lang="zh-CN" altLang="en-US" smtClean="0"/>
+              <a:t>2022/5/27</a:t>
             </a:fld>
             <a:endParaRPr lang="zh-CN" altLang="en-US"/>
           </a:p>
@@ -3645,6 +3785,7 @@
           <a:p>
             <a:fld id="{FDF96B62-0E79-44B5-BB83-6AF64255BCDF}" type="slidenum">
               <a:rPr lang="zh-CN" altLang="en-US" smtClean="0"/>
+              <a:t>‹#›</a:t>
             </a:fld>
             <a:endParaRPr lang="zh-CN" altLang="en-US"/>
           </a:p>
@@ -3692,6 +3833,7 @@
           <a:p>
             <a:fld id="{CB95B7B2-6606-254B-A2B7-D0F29E379D18}" type="datetime1">
               <a:rPr lang="zh-CN" altLang="en-US" smtClean="0"/>
+              <a:t>2022/5/27</a:t>
             </a:fld>
             <a:endParaRPr lang="zh-CN" altLang="en-US"/>
           </a:p>
@@ -3737,6 +3879,7 @@
           <a:p>
             <a:fld id="{FDF96B62-0E79-44B5-BB83-6AF64255BCDF}" type="slidenum">
               <a:rPr lang="zh-CN" altLang="en-US" smtClean="0"/>
+              <a:t>‹#›</a:t>
             </a:fld>
             <a:endParaRPr lang="zh-CN" altLang="en-US"/>
           </a:p>
@@ -3852,7 +3995,6 @@
               <a:rPr lang="zh-CN" altLang="en-US"/>
               <a:t>编辑母版文本样式</a:t>
             </a:r>
-            <a:endParaRPr lang="zh-CN" altLang="en-US"/>
           </a:p>
           <a:p>
             <a:pPr lvl="1"/>
@@ -3860,7 +4002,6 @@
               <a:rPr lang="zh-CN" altLang="en-US"/>
               <a:t>第二级</a:t>
             </a:r>
-            <a:endParaRPr lang="zh-CN" altLang="en-US"/>
           </a:p>
           <a:p>
             <a:pPr lvl="2"/>
@@ -3868,7 +4009,6 @@
               <a:rPr lang="zh-CN" altLang="en-US"/>
               <a:t>第三级</a:t>
             </a:r>
-            <a:endParaRPr lang="zh-CN" altLang="en-US"/>
           </a:p>
           <a:p>
             <a:pPr lvl="3"/>
@@ -3876,7 +4016,6 @@
               <a:rPr lang="zh-CN" altLang="en-US"/>
               <a:t>第四级</a:t>
             </a:r>
-            <a:endParaRPr lang="zh-CN" altLang="en-US"/>
           </a:p>
           <a:p>
             <a:pPr lvl="4"/>
@@ -3950,7 +4089,6 @@
               <a:rPr lang="zh-CN" altLang="en-US"/>
               <a:t>编辑母版文本样式</a:t>
             </a:r>
-            <a:endParaRPr lang="zh-CN" altLang="en-US"/>
           </a:p>
         </p:txBody>
       </p:sp>
@@ -3971,6 +4109,7 @@
           <a:p>
             <a:fld id="{AB178173-A751-DA48-A069-E717F01103DD}" type="datetime1">
               <a:rPr lang="zh-CN" altLang="en-US" smtClean="0"/>
+              <a:t>2022/5/27</a:t>
             </a:fld>
             <a:endParaRPr lang="zh-CN" altLang="en-US"/>
           </a:p>
@@ -4016,6 +4155,7 @@
           <a:p>
             <a:fld id="{FDF96B62-0E79-44B5-BB83-6AF64255BCDF}" type="slidenum">
               <a:rPr lang="zh-CN" altLang="en-US" smtClean="0"/>
+              <a:t>‹#›</a:t>
             </a:fld>
             <a:endParaRPr lang="zh-CN" altLang="en-US"/>
           </a:p>
@@ -4099,7 +4239,6 @@
               <a:rPr lang="zh-CN" altLang="en-US" dirty="0"/>
               <a:t>编辑母版文本样式</a:t>
             </a:r>
-            <a:endParaRPr lang="zh-CN" altLang="en-US" dirty="0"/>
           </a:p>
           <a:p>
             <a:pPr lvl="1"/>
@@ -4107,7 +4246,6 @@
               <a:rPr lang="zh-CN" altLang="en-US" dirty="0"/>
               <a:t>第二级</a:t>
             </a:r>
-            <a:endParaRPr lang="zh-CN" altLang="en-US" dirty="0"/>
           </a:p>
           <a:p>
             <a:pPr lvl="2"/>
@@ -4115,7 +4253,6 @@
               <a:rPr lang="zh-CN" altLang="en-US" dirty="0"/>
               <a:t>第三级</a:t>
             </a:r>
-            <a:endParaRPr lang="zh-CN" altLang="en-US" dirty="0"/>
           </a:p>
           <a:p>
             <a:pPr lvl="3"/>
@@ -4123,7 +4260,6 @@
               <a:rPr lang="zh-CN" altLang="en-US" dirty="0"/>
               <a:t>第四级</a:t>
             </a:r>
-            <a:endParaRPr lang="zh-CN" altLang="en-US" dirty="0"/>
           </a:p>
           <a:p>
             <a:pPr lvl="4"/>
@@ -4152,6 +4288,7 @@
           <a:p>
             <a:fld id="{BAA9370E-DE07-DD4A-B38D-E6CAB0058F61}" type="datetime1">
               <a:rPr lang="zh-CN" altLang="en-US" smtClean="0"/>
+              <a:t>2022/5/27</a:t>
             </a:fld>
             <a:endParaRPr lang="zh-CN" altLang="en-US"/>
           </a:p>
@@ -4201,6 +4338,7 @@
           <a:p>
             <a:fld id="{FDF96B62-0E79-44B5-BB83-6AF64255BCDF}" type="slidenum">
               <a:rPr lang="zh-CN" altLang="en-US" smtClean="0"/>
+              <a:t>‹#›</a:t>
             </a:fld>
             <a:endParaRPr lang="zh-CN" altLang="en-US"/>
           </a:p>
@@ -4390,7 +4528,6 @@
               <a:rPr lang="zh-CN" altLang="en-US"/>
               <a:t>编辑母版文本样式</a:t>
             </a:r>
-            <a:endParaRPr lang="zh-CN" altLang="en-US"/>
           </a:p>
         </p:txBody>
       </p:sp>
@@ -4411,6 +4548,7 @@
           <a:p>
             <a:fld id="{4694F919-6FBD-C142-8F2C-E6305D9A5890}" type="datetime1">
               <a:rPr lang="zh-CN" altLang="en-US" smtClean="0"/>
+              <a:t>2022/5/27</a:t>
             </a:fld>
             <a:endParaRPr lang="zh-CN" altLang="en-US"/>
           </a:p>
@@ -4456,6 +4594,7 @@
           <a:p>
             <a:fld id="{FDF96B62-0E79-44B5-BB83-6AF64255BCDF}" type="slidenum">
               <a:rPr lang="zh-CN" altLang="en-US" smtClean="0"/>
+              <a:t>‹#›</a:t>
             </a:fld>
             <a:endParaRPr lang="zh-CN" altLang="en-US"/>
           </a:p>
@@ -4529,7 +4668,6 @@
               <a:rPr lang="zh-CN" altLang="en-US"/>
               <a:t>编辑母版文本样式</a:t>
             </a:r>
-            <a:endParaRPr lang="zh-CN" altLang="en-US"/>
           </a:p>
           <a:p>
             <a:pPr lvl="1"/>
@@ -4537,7 +4675,6 @@
               <a:rPr lang="zh-CN" altLang="en-US"/>
               <a:t>第二级</a:t>
             </a:r>
-            <a:endParaRPr lang="zh-CN" altLang="en-US"/>
           </a:p>
           <a:p>
             <a:pPr lvl="2"/>
@@ -4545,7 +4682,6 @@
               <a:rPr lang="zh-CN" altLang="en-US"/>
               <a:t>第三级</a:t>
             </a:r>
-            <a:endParaRPr lang="zh-CN" altLang="en-US"/>
           </a:p>
           <a:p>
             <a:pPr lvl="3"/>
@@ -4553,7 +4689,6 @@
               <a:rPr lang="zh-CN" altLang="en-US"/>
               <a:t>第四级</a:t>
             </a:r>
-            <a:endParaRPr lang="zh-CN" altLang="en-US"/>
           </a:p>
           <a:p>
             <a:pPr lvl="4"/>
@@ -4582,6 +4717,7 @@
           <a:p>
             <a:fld id="{8586F5E5-D62E-8C4C-80A7-DC6A20CFF73F}" type="datetime1">
               <a:rPr lang="zh-CN" altLang="en-US" smtClean="0"/>
+              <a:t>2022/5/27</a:t>
             </a:fld>
             <a:endParaRPr lang="zh-CN" altLang="en-US"/>
           </a:p>
@@ -4627,6 +4763,7 @@
           <a:p>
             <a:fld id="{FDF96B62-0E79-44B5-BB83-6AF64255BCDF}" type="slidenum">
               <a:rPr lang="zh-CN" altLang="en-US" smtClean="0"/>
+              <a:t>‹#›</a:t>
             </a:fld>
             <a:endParaRPr lang="zh-CN" altLang="en-US"/>
           </a:p>
@@ -4710,7 +4847,6 @@
               <a:rPr lang="zh-CN" altLang="en-US"/>
               <a:t>编辑母版文本样式</a:t>
             </a:r>
-            <a:endParaRPr lang="zh-CN" altLang="en-US"/>
           </a:p>
           <a:p>
             <a:pPr lvl="1"/>
@@ -4718,7 +4854,6 @@
               <a:rPr lang="zh-CN" altLang="en-US"/>
               <a:t>第二级</a:t>
             </a:r>
-            <a:endParaRPr lang="zh-CN" altLang="en-US"/>
           </a:p>
           <a:p>
             <a:pPr lvl="2"/>
@@ -4726,7 +4861,6 @@
               <a:rPr lang="zh-CN" altLang="en-US"/>
               <a:t>第三级</a:t>
             </a:r>
-            <a:endParaRPr lang="zh-CN" altLang="en-US"/>
           </a:p>
           <a:p>
             <a:pPr lvl="3"/>
@@ -4734,7 +4868,6 @@
               <a:rPr lang="zh-CN" altLang="en-US"/>
               <a:t>第四级</a:t>
             </a:r>
-            <a:endParaRPr lang="zh-CN" altLang="en-US"/>
           </a:p>
           <a:p>
             <a:pPr lvl="4"/>
@@ -4763,6 +4896,7 @@
           <a:p>
             <a:fld id="{6288AAD8-9F88-BB42-8E19-795696907463}" type="datetime1">
               <a:rPr lang="zh-CN" altLang="en-US" smtClean="0"/>
+              <a:t>2022/5/27</a:t>
             </a:fld>
             <a:endParaRPr lang="zh-CN" altLang="en-US"/>
           </a:p>
@@ -4808,6 +4942,7 @@
           <a:p>
             <a:fld id="{FDF96B62-0E79-44B5-BB83-6AF64255BCDF}" type="slidenum">
               <a:rPr lang="zh-CN" altLang="en-US" smtClean="0"/>
+              <a:t>‹#›</a:t>
             </a:fld>
             <a:endParaRPr lang="zh-CN" altLang="en-US"/>
           </a:p>
@@ -4986,7 +5121,6 @@
               <a:rPr lang="zh-CN" altLang="en-US"/>
               <a:t>编辑母版文本样式</a:t>
             </a:r>
-            <a:endParaRPr lang="zh-CN" altLang="en-US"/>
           </a:p>
         </p:txBody>
       </p:sp>
@@ -5007,6 +5141,7 @@
           <a:p>
             <a:fld id="{D317B37F-08A2-7746-8DEF-B3AC4494F5B4}" type="datetime1">
               <a:rPr lang="zh-CN" altLang="en-US" smtClean="0"/>
+              <a:t>2022/5/27</a:t>
             </a:fld>
             <a:endParaRPr lang="zh-CN" altLang="en-US"/>
           </a:p>
@@ -5056,6 +5191,7 @@
           <a:p>
             <a:fld id="{FDF96B62-0E79-44B5-BB83-6AF64255BCDF}" type="slidenum">
               <a:rPr lang="zh-CN" altLang="en-US" smtClean="0"/>
+              <a:t>‹#›</a:t>
             </a:fld>
             <a:endParaRPr lang="zh-CN" altLang="en-US"/>
           </a:p>
@@ -5134,7 +5270,6 @@
               <a:rPr lang="zh-CN" altLang="en-US"/>
               <a:t>编辑母版文本样式</a:t>
             </a:r>
-            <a:endParaRPr lang="zh-CN" altLang="en-US"/>
           </a:p>
           <a:p>
             <a:pPr lvl="1"/>
@@ -5142,7 +5277,6 @@
               <a:rPr lang="zh-CN" altLang="en-US"/>
               <a:t>第二级</a:t>
             </a:r>
-            <a:endParaRPr lang="zh-CN" altLang="en-US"/>
           </a:p>
           <a:p>
             <a:pPr lvl="2"/>
@@ -5150,7 +5284,6 @@
               <a:rPr lang="zh-CN" altLang="en-US"/>
               <a:t>第三级</a:t>
             </a:r>
-            <a:endParaRPr lang="zh-CN" altLang="en-US"/>
           </a:p>
           <a:p>
             <a:pPr lvl="3"/>
@@ -5158,7 +5291,6 @@
               <a:rPr lang="zh-CN" altLang="en-US"/>
               <a:t>第四级</a:t>
             </a:r>
-            <a:endParaRPr lang="zh-CN" altLang="en-US"/>
           </a:p>
           <a:p>
             <a:pPr lvl="4"/>
@@ -5195,7 +5327,6 @@
               <a:rPr lang="zh-CN" altLang="en-US"/>
               <a:t>编辑母版文本样式</a:t>
             </a:r>
-            <a:endParaRPr lang="zh-CN" altLang="en-US"/>
           </a:p>
           <a:p>
             <a:pPr lvl="1"/>
@@ -5203,7 +5334,6 @@
               <a:rPr lang="zh-CN" altLang="en-US"/>
               <a:t>第二级</a:t>
             </a:r>
-            <a:endParaRPr lang="zh-CN" altLang="en-US"/>
           </a:p>
           <a:p>
             <a:pPr lvl="2"/>
@@ -5211,7 +5341,6 @@
               <a:rPr lang="zh-CN" altLang="en-US"/>
               <a:t>第三级</a:t>
             </a:r>
-            <a:endParaRPr lang="zh-CN" altLang="en-US"/>
           </a:p>
           <a:p>
             <a:pPr lvl="3"/>
@@ -5219,7 +5348,6 @@
               <a:rPr lang="zh-CN" altLang="en-US"/>
               <a:t>第四级</a:t>
             </a:r>
-            <a:endParaRPr lang="zh-CN" altLang="en-US"/>
           </a:p>
           <a:p>
             <a:pPr lvl="4"/>
@@ -5248,6 +5376,7 @@
           <a:p>
             <a:fld id="{9E90F113-CFE5-954D-A440-E38AD8C4218A}" type="datetime1">
               <a:rPr lang="zh-CN" altLang="en-US" smtClean="0"/>
+              <a:t>2022/5/27</a:t>
             </a:fld>
             <a:endParaRPr lang="zh-CN" altLang="en-US"/>
           </a:p>
@@ -5297,6 +5426,7 @@
           <a:p>
             <a:fld id="{FDF96B62-0E79-44B5-BB83-6AF64255BCDF}" type="slidenum">
               <a:rPr lang="zh-CN" altLang="en-US" smtClean="0"/>
+              <a:t>‹#›</a:t>
             </a:fld>
             <a:endParaRPr lang="zh-CN" altLang="en-US"/>
           </a:p>
@@ -5417,7 +5547,6 @@
               <a:rPr lang="zh-CN" altLang="en-US"/>
               <a:t>编辑母版文本样式</a:t>
             </a:r>
-            <a:endParaRPr lang="zh-CN" altLang="en-US"/>
           </a:p>
         </p:txBody>
       </p:sp>
@@ -5446,7 +5575,6 @@
               <a:rPr lang="zh-CN" altLang="en-US"/>
               <a:t>编辑母版文本样式</a:t>
             </a:r>
-            <a:endParaRPr lang="zh-CN" altLang="en-US"/>
           </a:p>
           <a:p>
             <a:pPr lvl="1"/>
@@ -5454,7 +5582,6 @@
               <a:rPr lang="zh-CN" altLang="en-US"/>
               <a:t>第二级</a:t>
             </a:r>
-            <a:endParaRPr lang="zh-CN" altLang="en-US"/>
           </a:p>
           <a:p>
             <a:pPr lvl="2"/>
@@ -5462,7 +5589,6 @@
               <a:rPr lang="zh-CN" altLang="en-US"/>
               <a:t>第三级</a:t>
             </a:r>
-            <a:endParaRPr lang="zh-CN" altLang="en-US"/>
           </a:p>
           <a:p>
             <a:pPr lvl="3"/>
@@ -5470,7 +5596,6 @@
               <a:rPr lang="zh-CN" altLang="en-US"/>
               <a:t>第四级</a:t>
             </a:r>
-            <a:endParaRPr lang="zh-CN" altLang="en-US"/>
           </a:p>
           <a:p>
             <a:pPr lvl="4"/>
@@ -5544,7 +5669,6 @@
               <a:rPr lang="zh-CN" altLang="en-US"/>
               <a:t>编辑母版文本样式</a:t>
             </a:r>
-            <a:endParaRPr lang="zh-CN" altLang="en-US"/>
           </a:p>
         </p:txBody>
       </p:sp>
@@ -5573,7 +5697,6 @@
               <a:rPr lang="zh-CN" altLang="en-US"/>
               <a:t>编辑母版文本样式</a:t>
             </a:r>
-            <a:endParaRPr lang="zh-CN" altLang="en-US"/>
           </a:p>
           <a:p>
             <a:pPr lvl="1"/>
@@ -5581,7 +5704,6 @@
               <a:rPr lang="zh-CN" altLang="en-US"/>
               <a:t>第二级</a:t>
             </a:r>
-            <a:endParaRPr lang="zh-CN" altLang="en-US"/>
           </a:p>
           <a:p>
             <a:pPr lvl="2"/>
@@ -5589,7 +5711,6 @@
               <a:rPr lang="zh-CN" altLang="en-US"/>
               <a:t>第三级</a:t>
             </a:r>
-            <a:endParaRPr lang="zh-CN" altLang="en-US"/>
           </a:p>
           <a:p>
             <a:pPr lvl="3"/>
@@ -5597,7 +5718,6 @@
               <a:rPr lang="zh-CN" altLang="en-US"/>
               <a:t>第四级</a:t>
             </a:r>
-            <a:endParaRPr lang="zh-CN" altLang="en-US"/>
           </a:p>
           <a:p>
             <a:pPr lvl="4"/>
@@ -5626,6 +5746,7 @@
           <a:p>
             <a:fld id="{68EE6AB5-EF09-F849-A751-14F085AF4172}" type="datetime1">
               <a:rPr lang="zh-CN" altLang="en-US" smtClean="0"/>
+              <a:t>2022/5/27</a:t>
             </a:fld>
             <a:endParaRPr lang="zh-CN" altLang="en-US"/>
           </a:p>
@@ -5675,6 +5796,7 @@
           <a:p>
             <a:fld id="{FDF96B62-0E79-44B5-BB83-6AF64255BCDF}" type="slidenum">
               <a:rPr lang="zh-CN" altLang="en-US" smtClean="0"/>
+              <a:t>‹#›</a:t>
             </a:fld>
             <a:endParaRPr lang="zh-CN" altLang="en-US"/>
           </a:p>
@@ -5745,6 +5867,7 @@
           <a:p>
             <a:fld id="{7858033E-7846-1348-853E-744730C39C0B}" type="datetime1">
               <a:rPr lang="zh-CN" altLang="en-US" smtClean="0"/>
+              <a:t>2022/5/27</a:t>
             </a:fld>
             <a:endParaRPr lang="zh-CN" altLang="en-US"/>
           </a:p>
@@ -5794,6 +5917,7 @@
           <a:p>
             <a:fld id="{FDF96B62-0E79-44B5-BB83-6AF64255BCDF}" type="slidenum">
               <a:rPr lang="zh-CN" altLang="en-US" smtClean="0"/>
+              <a:t>‹#›</a:t>
             </a:fld>
             <a:endParaRPr lang="zh-CN" altLang="en-US"/>
           </a:p>
@@ -5841,6 +5965,7 @@
           <a:p>
             <a:fld id="{8B8BBE74-3B01-E24A-82CE-02914419C28D}" type="datetime1">
               <a:rPr lang="zh-CN" altLang="en-US" smtClean="0"/>
+              <a:t>2022/5/27</a:t>
             </a:fld>
             <a:endParaRPr lang="zh-CN" altLang="en-US"/>
           </a:p>
@@ -5890,6 +6015,7 @@
           <a:p>
             <a:fld id="{FDF96B62-0E79-44B5-BB83-6AF64255BCDF}" type="slidenum">
               <a:rPr lang="zh-CN" altLang="en-US" smtClean="0"/>
+              <a:t>‹#›</a:t>
             </a:fld>
             <a:endParaRPr lang="zh-CN" altLang="en-US"/>
           </a:p>
@@ -6005,7 +6131,6 @@
               <a:rPr lang="zh-CN" altLang="en-US"/>
               <a:t>编辑母版文本样式</a:t>
             </a:r>
-            <a:endParaRPr lang="zh-CN" altLang="en-US"/>
           </a:p>
           <a:p>
             <a:pPr lvl="1"/>
@@ -6013,7 +6138,6 @@
               <a:rPr lang="zh-CN" altLang="en-US"/>
               <a:t>第二级</a:t>
             </a:r>
-            <a:endParaRPr lang="zh-CN" altLang="en-US"/>
           </a:p>
           <a:p>
             <a:pPr lvl="2"/>
@@ -6021,7 +6145,6 @@
               <a:rPr lang="zh-CN" altLang="en-US"/>
               <a:t>第三级</a:t>
             </a:r>
-            <a:endParaRPr lang="zh-CN" altLang="en-US"/>
           </a:p>
           <a:p>
             <a:pPr lvl="3"/>
@@ -6029,7 +6152,6 @@
               <a:rPr lang="zh-CN" altLang="en-US"/>
               <a:t>第四级</a:t>
             </a:r>
-            <a:endParaRPr lang="zh-CN" altLang="en-US"/>
           </a:p>
           <a:p>
             <a:pPr lvl="4"/>
@@ -6103,7 +6225,6 @@
               <a:rPr lang="zh-CN" altLang="en-US"/>
               <a:t>编辑母版文本样式</a:t>
             </a:r>
-            <a:endParaRPr lang="zh-CN" altLang="en-US"/>
           </a:p>
         </p:txBody>
       </p:sp>
@@ -6124,6 +6245,7 @@
           <a:p>
             <a:fld id="{F1B2DA5A-0669-1D45-8E3C-43C5E43832BB}" type="datetime1">
               <a:rPr lang="zh-CN" altLang="en-US" smtClean="0"/>
+              <a:t>2022/5/27</a:t>
             </a:fld>
             <a:endParaRPr lang="zh-CN" altLang="en-US"/>
           </a:p>
@@ -6173,6 +6295,7 @@
           <a:p>
             <a:fld id="{FDF96B62-0E79-44B5-BB83-6AF64255BCDF}" type="slidenum">
               <a:rPr lang="zh-CN" altLang="en-US" smtClean="0"/>
+              <a:t>‹#›</a:t>
             </a:fld>
             <a:endParaRPr lang="zh-CN" altLang="en-US"/>
           </a:p>
@@ -6362,7 +6485,6 @@
               <a:rPr lang="zh-CN" altLang="en-US"/>
               <a:t>编辑母版文本样式</a:t>
             </a:r>
-            <a:endParaRPr lang="zh-CN" altLang="en-US"/>
           </a:p>
         </p:txBody>
       </p:sp>
@@ -6383,6 +6505,7 @@
           <a:p>
             <a:fld id="{8AB72C7D-9599-3447-A0C3-D20A2E973329}" type="datetime1">
               <a:rPr lang="zh-CN" altLang="en-US" smtClean="0"/>
+              <a:t>2022/5/27</a:t>
             </a:fld>
             <a:endParaRPr lang="zh-CN" altLang="en-US"/>
           </a:p>
@@ -6432,6 +6555,7 @@
           <a:p>
             <a:fld id="{FDF96B62-0E79-44B5-BB83-6AF64255BCDF}" type="slidenum">
               <a:rPr lang="zh-CN" altLang="en-US" smtClean="0"/>
+              <a:t>‹#›</a:t>
             </a:fld>
             <a:endParaRPr lang="zh-CN" altLang="en-US"/>
           </a:p>
@@ -6497,7 +6621,6 @@
               <a:rPr lang="zh-CN" altLang="en-US" dirty="0"/>
               <a:t>编辑母版文本样式</a:t>
             </a:r>
-            <a:endParaRPr lang="zh-CN" altLang="en-US" dirty="0"/>
           </a:p>
           <a:p>
             <a:pPr lvl="1"/>
@@ -6505,7 +6628,6 @@
               <a:rPr lang="zh-CN" altLang="en-US" dirty="0"/>
               <a:t>第二级</a:t>
             </a:r>
-            <a:endParaRPr lang="zh-CN" altLang="en-US" dirty="0"/>
           </a:p>
           <a:p>
             <a:pPr lvl="2"/>
@@ -6513,7 +6635,6 @@
               <a:rPr lang="zh-CN" altLang="en-US" dirty="0"/>
               <a:t>第三级</a:t>
             </a:r>
-            <a:endParaRPr lang="zh-CN" altLang="en-US" dirty="0"/>
           </a:p>
           <a:p>
             <a:pPr lvl="3"/>
@@ -6521,7 +6642,6 @@
               <a:rPr lang="zh-CN" altLang="en-US" dirty="0"/>
               <a:t>第四级</a:t>
             </a:r>
-            <a:endParaRPr lang="zh-CN" altLang="en-US" dirty="0"/>
           </a:p>
           <a:p>
             <a:pPr lvl="4"/>
@@ -6568,6 +6688,7 @@
           <a:p>
             <a:fld id="{A27718E6-9B64-594A-9B66-41458BBD2978}" type="datetime1">
               <a:rPr lang="zh-CN" altLang="en-US" smtClean="0"/>
+              <a:t>2022/5/27</a:t>
             </a:fld>
             <a:endParaRPr lang="zh-CN" altLang="en-US"/>
           </a:p>
@@ -6653,6 +6774,7 @@
           <a:p>
             <a:fld id="{FDF96B62-0E79-44B5-BB83-6AF64255BCDF}" type="slidenum">
               <a:rPr lang="zh-CN" altLang="en-US" smtClean="0"/>
+              <a:t>‹#›</a:t>
             </a:fld>
             <a:endParaRPr lang="zh-CN" altLang="en-US"/>
           </a:p>
@@ -7089,7 +7211,6 @@
               <a:rPr lang="zh-CN" altLang="en-US" dirty="0"/>
               <a:t>编辑母版文本样式</a:t>
             </a:r>
-            <a:endParaRPr lang="zh-CN" altLang="en-US" dirty="0"/>
           </a:p>
           <a:p>
             <a:pPr lvl="1"/>
@@ -7097,7 +7218,6 @@
               <a:rPr lang="zh-CN" altLang="en-US" dirty="0"/>
               <a:t>第二级</a:t>
             </a:r>
-            <a:endParaRPr lang="zh-CN" altLang="en-US" dirty="0"/>
           </a:p>
           <a:p>
             <a:pPr lvl="2"/>
@@ -7105,7 +7225,6 @@
               <a:rPr lang="zh-CN" altLang="en-US" dirty="0"/>
               <a:t>第三级</a:t>
             </a:r>
-            <a:endParaRPr lang="zh-CN" altLang="en-US" dirty="0"/>
           </a:p>
           <a:p>
             <a:pPr lvl="3"/>
@@ -7113,7 +7232,6 @@
               <a:rPr lang="zh-CN" altLang="en-US" dirty="0"/>
               <a:t>第四级</a:t>
             </a:r>
-            <a:endParaRPr lang="zh-CN" altLang="en-US" dirty="0"/>
           </a:p>
           <a:p>
             <a:pPr lvl="4"/>
@@ -7160,6 +7278,7 @@
           <a:p>
             <a:fld id="{0BE220D3-40F9-554C-9DEE-C65EEB85D70E}" type="datetime1">
               <a:rPr lang="zh-CN" altLang="en-US" smtClean="0"/>
+              <a:t>2022/5/27</a:t>
             </a:fld>
             <a:endParaRPr lang="zh-CN" altLang="en-US"/>
           </a:p>
@@ -7241,6 +7360,7 @@
           <a:p>
             <a:fld id="{FDF96B62-0E79-44B5-BB83-6AF64255BCDF}" type="slidenum">
               <a:rPr lang="zh-CN" altLang="en-US" smtClean="0"/>
+              <a:t>‹#›</a:t>
             </a:fld>
             <a:endParaRPr lang="zh-CN" altLang="en-US"/>
           </a:p>
@@ -7948,7 +8068,7 @@
           <p:nvPr/>
         </p:nvPicPr>
         <p:blipFill>
-          <a:blip r:embed="rId1">
+          <a:blip r:embed="rId3">
             <a:clrChange>
               <a:clrFrom>
                 <a:srgbClr val="FFFFFF"/>
@@ -7999,14 +8119,14 @@
           <p:nvPr/>
         </p:nvPicPr>
         <p:blipFill>
-          <a:blip r:embed="rId2" cstate="print">
+          <a:blip r:embed="rId4" cstate="print">
             <a:lum bright="70000" contrast="-70000"/>
             <a:extLst>
               <a:ext uri="{BEBA8EAE-BF5A-486C-A8C5-ECC9F3942E4B}">
                 <a14:imgProps xmlns:a14="http://schemas.microsoft.com/office/drawing/2010/main">
-                  <a14:imgLayer r:embed="rId3">
+                  <a14:imgLayer r:embed="rId5">
                     <a14:imgEffect>
-                      <a14:artisticPhotocopy trans="30000" detail="2"/>
+                      <a14:artisticPhotocopy detail="2"/>
                     </a14:imgEffect>
                   </a14:imgLayer>
                 </a14:imgProps>
@@ -8206,6 +8326,7 @@
           <a:p>
             <a:fld id="{48C0F002-9E81-334E-9897-686C0F3A095B}" type="datetime1">
               <a:rPr lang="zh-CN" altLang="en-US" smtClean="0"/>
+              <a:t>2022/5/27</a:t>
             </a:fld>
             <a:endParaRPr lang="zh-CN" altLang="en-US"/>
           </a:p>
@@ -8228,6 +8349,7 @@
           <a:p>
             <a:fld id="{FDF96B62-0E79-44B5-BB83-6AF64255BCDF}" type="slidenum">
               <a:rPr lang="zh-CN" altLang="en-US" smtClean="0"/>
+              <a:t>10</a:t>
             </a:fld>
             <a:endParaRPr lang="zh-CN" altLang="en-US"/>
           </a:p>
@@ -8236,7 +8358,9 @@
       <p:sp>
         <p:nvSpPr>
           <p:cNvPr id="8" name="内容占位符 7"/>
-          <p:cNvSpPr/>
+          <p:cNvSpPr>
+            <a:spLocks noGrp="1"/>
+          </p:cNvSpPr>
           <p:nvPr>
             <p:ph idx="1"/>
           </p:nvPr>
@@ -8249,12 +8373,12 @@
         </p:spPr>
         <p:txBody>
           <a:bodyPr/>
+          <a:lstStyle/>
           <a:p>
             <a:r>
               <a:rPr lang="en-US" altLang="zh-CN"/>
               <a:t>simple lamda-calculus over types</a:t>
             </a:r>
-            <a:endParaRPr lang="en-US" altLang="zh-CN"/>
           </a:p>
         </p:txBody>
       </p:sp>
@@ -8267,7 +8391,7 @@
           <p:nvPr/>
         </p:nvPicPr>
         <p:blipFill>
-          <a:blip r:embed="rId1"/>
+          <a:blip r:embed="rId3"/>
           <a:stretch>
             <a:fillRect/>
           </a:stretch>
@@ -8385,6 +8509,7 @@
           <a:p>
             <a:fld id="{48C0F002-9E81-334E-9897-686C0F3A095B}" type="datetime1">
               <a:rPr lang="zh-CN" altLang="en-US" smtClean="0"/>
+              <a:t>2022/5/27</a:t>
             </a:fld>
             <a:endParaRPr lang="zh-CN" altLang="en-US"/>
           </a:p>
@@ -8407,6 +8532,7 @@
           <a:p>
             <a:fld id="{FDF96B62-0E79-44B5-BB83-6AF64255BCDF}" type="slidenum">
               <a:rPr lang="zh-CN" altLang="en-US" smtClean="0"/>
+              <a:t>11</a:t>
             </a:fld>
             <a:endParaRPr lang="zh-CN" altLang="en-US"/>
           </a:p>
@@ -8415,7 +8541,9 @@
       <p:sp>
         <p:nvSpPr>
           <p:cNvPr id="8" name="内容占位符 7"/>
-          <p:cNvSpPr/>
+          <p:cNvSpPr>
+            <a:spLocks noGrp="1"/>
+          </p:cNvSpPr>
           <p:nvPr>
             <p:ph idx="1"/>
           </p:nvPr>
@@ -8428,12 +8556,12 @@
         </p:spPr>
         <p:txBody>
           <a:bodyPr/>
+          <a:lstStyle/>
           <a:p>
             <a:r>
               <a:rPr lang="en-US" altLang="zh-CN"/>
               <a:t>Type checking becomes equation solving</a:t>
             </a:r>
-            <a:endParaRPr lang="en-US" altLang="zh-CN"/>
           </a:p>
         </p:txBody>
       </p:sp>
@@ -8446,7 +8574,7 @@
           <p:nvPr/>
         </p:nvPicPr>
         <p:blipFill>
-          <a:blip r:embed="rId1"/>
+          <a:blip r:embed="rId3"/>
           <a:stretch>
             <a:fillRect/>
           </a:stretch>
@@ -8470,7 +8598,7 @@
           <p:nvPr/>
         </p:nvPicPr>
         <p:blipFill>
-          <a:blip r:embed="rId2"/>
+          <a:blip r:embed="rId4"/>
           <a:stretch>
             <a:fillRect/>
           </a:stretch>
@@ -8494,7 +8622,7 @@
           <p:nvPr/>
         </p:nvPicPr>
         <p:blipFill>
-          <a:blip r:embed="rId3"/>
+          <a:blip r:embed="rId5"/>
           <a:stretch>
             <a:fillRect/>
           </a:stretch>
@@ -8518,7 +8646,7 @@
           <p:nvPr/>
         </p:nvPicPr>
         <p:blipFill>
-          <a:blip r:embed="rId4"/>
+          <a:blip r:embed="rId6"/>
           <a:stretch>
             <a:fillRect/>
           </a:stretch>
@@ -8636,6 +8764,7 @@
           <a:p>
             <a:fld id="{48C0F002-9E81-334E-9897-686C0F3A095B}" type="datetime1">
               <a:rPr lang="zh-CN" altLang="en-US" smtClean="0"/>
+              <a:t>2022/5/27</a:t>
             </a:fld>
             <a:endParaRPr lang="zh-CN" altLang="en-US"/>
           </a:p>
@@ -8658,6 +8787,7 @@
           <a:p>
             <a:fld id="{FDF96B62-0E79-44B5-BB83-6AF64255BCDF}" type="slidenum">
               <a:rPr lang="zh-CN" altLang="en-US" smtClean="0"/>
+              <a:t>12</a:t>
             </a:fld>
             <a:endParaRPr lang="zh-CN" altLang="en-US"/>
           </a:p>
@@ -8666,7 +8796,9 @@
       <p:sp>
         <p:nvSpPr>
           <p:cNvPr id="3" name="内容占位符 2"/>
-          <p:cNvSpPr/>
+          <p:cNvSpPr>
+            <a:spLocks noGrp="1"/>
+          </p:cNvSpPr>
           <p:nvPr>
             <p:ph idx="1"/>
           </p:nvPr>
@@ -8679,12 +8811,12 @@
         </p:spPr>
         <p:txBody>
           <a:bodyPr/>
+          <a:lstStyle/>
           <a:p>
             <a:r>
               <a:rPr lang="en-US" altLang="zh-CN"/>
               <a:t>Approach</a:t>
             </a:r>
-            <a:endParaRPr lang="en-US" altLang="zh-CN"/>
           </a:p>
           <a:p>
             <a:pPr lvl="1"/>
@@ -8692,7 +8824,6 @@
               <a:rPr lang="en-US" altLang="zh-CN"/>
               <a:t>Use TLA+ specification to infer bounds on types</a:t>
             </a:r>
-            <a:endParaRPr lang="en-US" altLang="zh-CN"/>
           </a:p>
           <a:p>
             <a:pPr lvl="1"/>
@@ -8700,7 +8831,6 @@
               <a:rPr lang="en-US" altLang="zh-CN"/>
               <a:t>Create SMT constraints from TLA+ expressions</a:t>
             </a:r>
-            <a:endParaRPr lang="en-US" altLang="zh-CN"/>
           </a:p>
           <a:p>
             <a:pPr lvl="1"/>
@@ -8708,7 +8838,6 @@
               <a:rPr lang="en-US" altLang="zh-CN"/>
               <a:t>Reconstruct types from an SMT model</a:t>
             </a:r>
-            <a:endParaRPr lang="en-US" altLang="zh-CN"/>
           </a:p>
           <a:p>
             <a:pPr lvl="1"/>
@@ -8716,7 +8845,6 @@
               <a:rPr lang="en-US" altLang="zh-CN"/>
               <a:t>Post-processing</a:t>
             </a:r>
-            <a:endParaRPr lang="en-US" altLang="zh-CN"/>
           </a:p>
           <a:p>
             <a:pPr lvl="1"/>
@@ -8724,7 +8852,6 @@
               <a:rPr lang="en-US" altLang="zh-CN"/>
               <a:t>Determine type error</a:t>
             </a:r>
-            <a:endParaRPr lang="en-US" altLang="zh-CN"/>
           </a:p>
           <a:p>
             <a:pPr lvl="1"/>
@@ -8744,7 +8871,6 @@
               <a:rPr lang="zh-CN" altLang="en-US"/>
               <a:t>https://conf.tlapl.us/2020/07-Kukovec_and_Konnov-Type_Inference_for_TLA_+_in_Apalache.pdf</a:t>
             </a:r>
-            <a:endParaRPr lang="zh-CN" altLang="en-US"/>
           </a:p>
           <a:p>
             <a:pPr lvl="1"/>
@@ -8752,7 +8878,6 @@
               <a:rPr lang="zh-CN" altLang="en-US"/>
               <a:t>https://www.youtube.com/watch?v=hnp25hmCMN8</a:t>
             </a:r>
-            <a:endParaRPr lang="zh-CN" altLang="en-US"/>
           </a:p>
         </p:txBody>
       </p:sp>
@@ -8859,6 +8984,7 @@
           <a:p>
             <a:fld id="{48C0F002-9E81-334E-9897-686C0F3A095B}" type="datetime1">
               <a:rPr lang="zh-CN" altLang="en-US" smtClean="0"/>
+              <a:t>2022/5/27</a:t>
             </a:fld>
             <a:endParaRPr lang="zh-CN" altLang="en-US"/>
           </a:p>
@@ -8881,6 +9007,7 @@
           <a:p>
             <a:fld id="{FDF96B62-0E79-44B5-BB83-6AF64255BCDF}" type="slidenum">
               <a:rPr lang="zh-CN" altLang="en-US" smtClean="0"/>
+              <a:t>13</a:t>
             </a:fld>
             <a:endParaRPr lang="zh-CN" altLang="en-US"/>
           </a:p>
@@ -8889,7 +9016,9 @@
       <p:sp>
         <p:nvSpPr>
           <p:cNvPr id="3" name="内容占位符 2"/>
-          <p:cNvSpPr/>
+          <p:cNvSpPr>
+            <a:spLocks noGrp="1"/>
+          </p:cNvSpPr>
           <p:nvPr>
             <p:ph idx="1"/>
           </p:nvPr>
@@ -8902,6 +9031,7 @@
         </p:spPr>
         <p:txBody>
           <a:bodyPr/>
+          <a:lstStyle/>
           <a:p>
             <a:r>
               <a:rPr lang="en-US" altLang="zh-CN"/>
@@ -8920,7 +9050,7 @@
           <p:nvPr/>
         </p:nvPicPr>
         <p:blipFill>
-          <a:blip r:embed="rId1"/>
+          <a:blip r:embed="rId3"/>
           <a:stretch>
             <a:fillRect/>
           </a:stretch>
@@ -8955,61 +9085,54 @@
           <a:bodyPr wrap="square" rtlCol="0">
             <a:spAutoFit/>
           </a:bodyPr>
+          <a:lstStyle/>
           <a:p>
             <a:r>
               <a:rPr lang="en-US" altLang="zh-CN"/>
               <a:t>   t1 = c1 /\ t2 = bool /\ t3 = c1/\ t4 = c1</a:t>
             </a:r>
-            <a:endParaRPr lang="en-US" altLang="zh-CN"/>
           </a:p>
           <a:p>
             <a:r>
               <a:rPr lang="en-US" altLang="zh-CN"/>
               <a:t>/\ t2 = Vp</a:t>
             </a:r>
-            <a:endParaRPr lang="en-US" altLang="zh-CN"/>
           </a:p>
           <a:p>
             <a:r>
               <a:rPr lang="en-US" altLang="zh-CN"/>
               <a:t>/\ t3 = Vy</a:t>
             </a:r>
-            <a:endParaRPr lang="en-US" altLang="zh-CN"/>
           </a:p>
           <a:p>
             <a:r>
               <a:rPr lang="en-US" altLang="zh-CN"/>
               <a:t>/\ t4 = set(c2) /\ t5 = c2</a:t>
             </a:r>
-            <a:endParaRPr lang="en-US" altLang="zh-CN"/>
           </a:p>
           <a:p>
             <a:r>
               <a:rPr lang="en-US" altLang="zh-CN"/>
               <a:t>/\ t5 = c3</a:t>
             </a:r>
-            <a:endParaRPr lang="en-US" altLang="zh-CN"/>
           </a:p>
           <a:p>
             <a:r>
               <a:rPr lang="en-US" altLang="zh-CN"/>
               <a:t>/\ c3 = int /\ t6 = int /\ t7 = int</a:t>
             </a:r>
-            <a:endParaRPr lang="en-US" altLang="zh-CN"/>
           </a:p>
           <a:p>
             <a:r>
               <a:rPr lang="en-US" altLang="zh-CN"/>
               <a:t>/\ t6 = Vx</a:t>
             </a:r>
-            <a:endParaRPr lang="en-US" altLang="zh-CN"/>
           </a:p>
           <a:p>
             <a:r>
               <a:rPr lang="en-US" altLang="zh-CN"/>
               <a:t>/\ t7 = int</a:t>
             </a:r>
-            <a:endParaRPr lang="en-US" altLang="zh-CN"/>
           </a:p>
           <a:p>
             <a:endParaRPr lang="en-US" altLang="zh-CN"/>
@@ -9025,7 +9148,7 @@
           <p:nvPr/>
         </p:nvPicPr>
         <p:blipFill>
-          <a:blip r:embed="rId2"/>
+          <a:blip r:embed="rId4"/>
           <a:stretch>
             <a:fillRect/>
           </a:stretch>
@@ -9049,7 +9172,7 @@
           <p:nvPr/>
         </p:nvPicPr>
         <p:blipFill>
-          <a:blip r:embed="rId3"/>
+          <a:blip r:embed="rId5"/>
           <a:stretch>
             <a:fillRect/>
           </a:stretch>
@@ -9114,7 +9237,6 @@
               <a:rPr lang="zh-CN" altLang="en-US" dirty="0"/>
               <a:t>中不变式常用的语法单元</a:t>
             </a:r>
-            <a:endParaRPr lang="zh-CN" altLang="en-US" dirty="0"/>
           </a:p>
         </p:txBody>
       </p:sp>
@@ -9173,6 +9295,14 @@
             <a:r>
               <a:rPr lang="zh-CN" altLang="en-US" dirty="0"/>
               <a:t>集合运算（交并集，获取集合大小，判定元素是否在集合内）</a:t>
+            </a:r>
+            <a:endParaRPr lang="en-US" altLang="zh-CN" dirty="0"/>
+          </a:p>
+          <a:p>
+            <a:pPr lvl="1"/>
+            <a:r>
+              <a:rPr lang="zh-CN" altLang="en-US" dirty="0"/>
+              <a:t>可能产生无名集合</a:t>
             </a:r>
             <a:endParaRPr lang="en-US" altLang="zh-CN" dirty="0"/>
           </a:p>
@@ -9340,6 +9470,7 @@
                 <a:ea typeface="黑体"/>
                 <a:cs typeface="+mn-cs"/>
               </a:rPr>
+              <a:t>2022/5/27</a:t>
             </a:fld>
             <a:endParaRPr kumimoji="0" lang="zh-CN" altLang="en-US" sz="1200" b="0" i="0" u="none" strike="noStrike" kern="1200" cap="none" spc="0" normalizeH="0" baseline="0" noProof="0">
               <a:ln>
@@ -9406,7 +9537,6 @@
               <a:rPr lang="zh-CN" altLang="en-US" dirty="0"/>
               <a:t>整数的处理</a:t>
             </a:r>
-            <a:endParaRPr lang="zh-CN" altLang="en-US" dirty="0"/>
           </a:p>
         </p:txBody>
       </p:sp>
@@ -9469,7 +9599,6 @@
               <a:rPr lang="en-US" altLang="zh-CN" dirty="0"/>
               <a:t>…</a:t>
             </a:r>
-            <a:endParaRPr lang="en-US" altLang="zh-CN" dirty="0"/>
           </a:p>
           <a:p>
             <a:pPr lvl="1"/>
@@ -9625,6 +9754,7 @@
                 <a:ea typeface="黑体"/>
                 <a:cs typeface="+mn-cs"/>
               </a:rPr>
+              <a:t>2022/5/27</a:t>
             </a:fld>
             <a:endParaRPr kumimoji="0" lang="zh-CN" altLang="en-US" sz="1200" b="0" i="0" u="none" strike="noStrike" kern="1200" cap="none" spc="0" normalizeH="0" baseline="0" noProof="0">
               <a:ln>
@@ -9645,6 +9775,96 @@
           </a:p>
         </p:txBody>
       </p:sp>
+      <p:pic>
+        <p:nvPicPr>
+          <p:cNvPr id="4" name="图片 3">
+            <a:extLst>
+              <a:ext uri="{FF2B5EF4-FFF2-40B4-BE49-F238E27FC236}">
+                <a16:creationId xmlns:a16="http://schemas.microsoft.com/office/drawing/2014/main" id="{CCF7C802-3B1B-CFC0-87CE-3C38D36C7CD8}"/>
+              </a:ext>
+            </a:extLst>
+          </p:cNvPr>
+          <p:cNvPicPr>
+            <a:picLocks noChangeAspect="1"/>
+          </p:cNvPicPr>
+          <p:nvPr/>
+        </p:nvPicPr>
+        <p:blipFill>
+          <a:blip r:embed="rId3"/>
+          <a:stretch>
+            <a:fillRect/>
+          </a:stretch>
+        </p:blipFill>
+        <p:spPr>
+          <a:xfrm>
+            <a:off x="5733840" y="409504"/>
+            <a:ext cx="3010320" cy="1009791"/>
+          </a:xfrm>
+          <a:prstGeom prst="rect">
+            <a:avLst/>
+          </a:prstGeom>
+        </p:spPr>
+      </p:pic>
+      <p:pic>
+        <p:nvPicPr>
+          <p:cNvPr id="9" name="图片 8">
+            <a:extLst>
+              <a:ext uri="{FF2B5EF4-FFF2-40B4-BE49-F238E27FC236}">
+                <a16:creationId xmlns:a16="http://schemas.microsoft.com/office/drawing/2014/main" id="{7C46F448-0B88-ABC6-6053-6BCD4C13A3ED}"/>
+              </a:ext>
+            </a:extLst>
+          </p:cNvPr>
+          <p:cNvPicPr>
+            <a:picLocks noChangeAspect="1"/>
+          </p:cNvPicPr>
+          <p:nvPr/>
+        </p:nvPicPr>
+        <p:blipFill>
+          <a:blip r:embed="rId4"/>
+          <a:stretch>
+            <a:fillRect/>
+          </a:stretch>
+        </p:blipFill>
+        <p:spPr>
+          <a:xfrm>
+            <a:off x="5733840" y="1692273"/>
+            <a:ext cx="3886742" cy="447737"/>
+          </a:xfrm>
+          <a:prstGeom prst="rect">
+            <a:avLst/>
+          </a:prstGeom>
+        </p:spPr>
+      </p:pic>
+      <p:pic>
+        <p:nvPicPr>
+          <p:cNvPr id="11" name="图片 10">
+            <a:extLst>
+              <a:ext uri="{FF2B5EF4-FFF2-40B4-BE49-F238E27FC236}">
+                <a16:creationId xmlns:a16="http://schemas.microsoft.com/office/drawing/2014/main" id="{B4911C1F-3914-D260-184E-D8E41E0D049B}"/>
+              </a:ext>
+            </a:extLst>
+          </p:cNvPr>
+          <p:cNvPicPr>
+            <a:picLocks noChangeAspect="1"/>
+          </p:cNvPicPr>
+          <p:nvPr/>
+        </p:nvPicPr>
+        <p:blipFill>
+          <a:blip r:embed="rId5"/>
+          <a:stretch>
+            <a:fillRect/>
+          </a:stretch>
+        </p:blipFill>
+        <p:spPr>
+          <a:xfrm>
+            <a:off x="5733840" y="2553816"/>
+            <a:ext cx="2562583" cy="619211"/>
+          </a:xfrm>
+          <a:prstGeom prst="rect">
+            <a:avLst/>
+          </a:prstGeom>
+        </p:spPr>
+      </p:pic>
     </p:spTree>
   </p:cSld>
   <p:clrMapOvr>
@@ -9672,6 +9892,285 @@
       </p:grpSpPr>
       <p:sp>
         <p:nvSpPr>
+          <p:cNvPr id="7" name="标题 6"/>
+          <p:cNvSpPr>
+            <a:spLocks noGrp="1"/>
+          </p:cNvSpPr>
+          <p:nvPr>
+            <p:ph type="title"/>
+          </p:nvPr>
+        </p:nvSpPr>
+        <p:spPr/>
+        <p:txBody>
+          <a:bodyPr>
+            <a:normAutofit/>
+          </a:bodyPr>
+          <a:lstStyle/>
+          <a:p>
+            <a:r>
+              <a:rPr lang="zh-CN" altLang="en-US" dirty="0"/>
+              <a:t>比较的处理</a:t>
+            </a:r>
+          </a:p>
+        </p:txBody>
+      </p:sp>
+      <p:sp>
+        <p:nvSpPr>
+          <p:cNvPr id="8" name="内容占位符 7"/>
+          <p:cNvSpPr>
+            <a:spLocks noGrp="1"/>
+          </p:cNvSpPr>
+          <p:nvPr>
+            <p:ph idx="1"/>
+          </p:nvPr>
+        </p:nvSpPr>
+        <p:spPr>
+          <a:xfrm>
+            <a:off x="516000" y="1640417"/>
+            <a:ext cx="11160000" cy="4898495"/>
+          </a:xfrm>
+        </p:spPr>
+        <p:txBody>
+          <a:bodyPr/>
+          <a:lstStyle/>
+          <a:p>
+            <a:r>
+              <a:rPr lang="zh-CN" altLang="en-US" dirty="0"/>
+              <a:t>用户为需要进行变量</a:t>
+            </a:r>
+            <a:r>
+              <a:rPr lang="en-US" altLang="zh-CN" dirty="0"/>
+              <a:t>-</a:t>
+            </a:r>
+            <a:r>
+              <a:rPr lang="zh-CN" altLang="en-US" dirty="0"/>
+              <a:t>常量比较的变量标注其可能值</a:t>
+            </a:r>
+            <a:endParaRPr lang="en-US" altLang="zh-CN" dirty="0"/>
+          </a:p>
+          <a:p>
+            <a:pPr lvl="1"/>
+            <a:r>
+              <a:rPr lang="zh-CN" altLang="en-US" dirty="0"/>
+              <a:t>我们可以为这些变量</a:t>
+            </a:r>
+            <a:r>
+              <a:rPr lang="en-US" altLang="zh-CN" dirty="0"/>
+              <a:t>-</a:t>
+            </a:r>
+            <a:r>
+              <a:rPr lang="zh-CN" altLang="en-US" dirty="0"/>
+              <a:t>常量对生成几个谓词</a:t>
+            </a:r>
+            <a:endParaRPr lang="en-US" altLang="zh-CN" dirty="0"/>
+          </a:p>
+          <a:p>
+            <a:r>
+              <a:rPr lang="zh-CN" altLang="en-US" dirty="0"/>
+              <a:t>对于需要进行变量</a:t>
+            </a:r>
+            <a:r>
+              <a:rPr lang="en-US" altLang="zh-CN" dirty="0"/>
+              <a:t>-</a:t>
+            </a:r>
+            <a:r>
+              <a:rPr lang="zh-CN" altLang="en-US" dirty="0"/>
+              <a:t>变量比较的，用户需要标注可能发生比较的变量集合和需要进行比较的符号（</a:t>
+            </a:r>
+            <a:r>
+              <a:rPr lang="en-US" altLang="zh-CN" dirty="0"/>
+              <a:t>=,&lt;,&gt;,/=,…</a:t>
+            </a:r>
+            <a:r>
+              <a:rPr lang="zh-CN" altLang="en-US" dirty="0"/>
+              <a:t>）</a:t>
+            </a:r>
+            <a:endParaRPr lang="en-US" altLang="zh-CN" dirty="0"/>
+          </a:p>
+          <a:p>
+            <a:pPr lvl="1"/>
+            <a:r>
+              <a:rPr lang="zh-CN" altLang="en-US" dirty="0"/>
+              <a:t>我们可以对该集合中所有元素两两生成谓词</a:t>
+            </a:r>
+            <a:endParaRPr lang="en-US" altLang="zh-CN" dirty="0"/>
+          </a:p>
+          <a:p>
+            <a:pPr lvl="1"/>
+            <a:endParaRPr lang="en-US" altLang="zh-CN" dirty="0"/>
+          </a:p>
+          <a:p>
+            <a:pPr lvl="1"/>
+            <a:endParaRPr lang="en-US" altLang="zh-CN" dirty="0"/>
+          </a:p>
+          <a:p>
+            <a:endParaRPr lang="en-US" altLang="zh-CN" dirty="0"/>
+          </a:p>
+        </p:txBody>
+      </p:sp>
+      <p:sp>
+        <p:nvSpPr>
+          <p:cNvPr id="5" name="页脚占位符 4"/>
+          <p:cNvSpPr>
+            <a:spLocks noGrp="1"/>
+          </p:cNvSpPr>
+          <p:nvPr>
+            <p:ph type="ftr" sz="quarter" idx="11"/>
+          </p:nvPr>
+        </p:nvSpPr>
+        <p:spPr/>
+        <p:txBody>
+          <a:bodyPr/>
+          <a:lstStyle/>
+          <a:p>
+            <a:pPr marL="0" marR="0" lvl="0" indent="0" algn="ctr" defTabSz="914400" rtl="0" eaLnBrk="1" fontAlgn="auto" latinLnBrk="0" hangingPunct="1">
+              <a:lnSpc>
+                <a:spcPct val="100000"/>
+              </a:lnSpc>
+              <a:spcBef>
+                <a:spcPts val="0"/>
+              </a:spcBef>
+              <a:spcAft>
+                <a:spcPts val="0"/>
+              </a:spcAft>
+              <a:buClrTx/>
+              <a:buSzTx/>
+              <a:buFontTx/>
+              <a:buNone/>
+              <a:defRPr/>
+            </a:pPr>
+            <a:r>
+              <a:rPr lang="en-GB" altLang="zh-CN">
+                <a:sym typeface="+mn-ea"/>
+              </a:rPr>
+              <a:t>DistAI</a:t>
+            </a:r>
+            <a:r>
+              <a:rPr lang="zh-CN" altLang="en-US">
+                <a:sym typeface="+mn-ea"/>
+              </a:rPr>
+              <a:t>项目：一周工作进展</a:t>
+            </a:r>
+            <a:endParaRPr kumimoji="0" lang="zh-CN" altLang="en-US" sz="1200" b="0" i="0" u="none" strike="noStrike" kern="1200" cap="none" spc="0" normalizeH="0" baseline="0" noProof="0" dirty="0">
+              <a:ln>
+                <a:noFill/>
+              </a:ln>
+              <a:solidFill>
+                <a:prstClr val="black">
+                  <a:tint val="75000"/>
+                </a:prstClr>
+              </a:solidFill>
+              <a:effectLst/>
+              <a:uLnTx/>
+              <a:uFillTx/>
+              <a:latin typeface="Calibri"/>
+              <a:ea typeface="黑体"/>
+              <a:cs typeface="+mn-cs"/>
+            </a:endParaRPr>
+          </a:p>
+        </p:txBody>
+      </p:sp>
+      <p:sp>
+        <p:nvSpPr>
+          <p:cNvPr id="2" name="日期占位符 1"/>
+          <p:cNvSpPr>
+            <a:spLocks noGrp="1"/>
+          </p:cNvSpPr>
+          <p:nvPr>
+            <p:ph type="dt" sz="half" idx="10"/>
+          </p:nvPr>
+        </p:nvSpPr>
+        <p:spPr/>
+        <p:txBody>
+          <a:bodyPr/>
+          <a:lstStyle/>
+          <a:p>
+            <a:pPr marL="0" marR="0" lvl="0" indent="0" algn="l" defTabSz="914400" rtl="0" eaLnBrk="1" fontAlgn="auto" latinLnBrk="0" hangingPunct="1">
+              <a:lnSpc>
+                <a:spcPct val="100000"/>
+              </a:lnSpc>
+              <a:spcBef>
+                <a:spcPts val="0"/>
+              </a:spcBef>
+              <a:spcAft>
+                <a:spcPts val="0"/>
+              </a:spcAft>
+              <a:buClrTx/>
+              <a:buSzTx/>
+              <a:buFontTx/>
+              <a:buNone/>
+              <a:defRPr/>
+            </a:pPr>
+            <a:fld id="{161B05A7-3123-2F46-BF5F-045FEB3199CB}" type="datetime1">
+              <a:rPr kumimoji="0" lang="zh-CN" altLang="en-US" sz="1200" b="0" i="0" u="none" strike="noStrike" kern="1200" cap="none" spc="0" normalizeH="0" baseline="0" noProof="0" smtClean="0">
+                <a:ln>
+                  <a:noFill/>
+                </a:ln>
+                <a:solidFill>
+                  <a:prstClr val="black">
+                    <a:tint val="75000"/>
+                  </a:prstClr>
+                </a:solidFill>
+                <a:effectLst/>
+                <a:uLnTx/>
+                <a:uFillTx/>
+                <a:latin typeface="Calibri"/>
+                <a:ea typeface="黑体"/>
+                <a:cs typeface="+mn-cs"/>
+              </a:rPr>
+              <a:t>2022/5/27</a:t>
+            </a:fld>
+            <a:endParaRPr kumimoji="0" lang="zh-CN" altLang="en-US" sz="1200" b="0" i="0" u="none" strike="noStrike" kern="1200" cap="none" spc="0" normalizeH="0" baseline="0" noProof="0">
+              <a:ln>
+                <a:noFill/>
+              </a:ln>
+              <a:solidFill>
+                <a:prstClr val="black">
+                  <a:tint val="75000"/>
+                </a:prstClr>
+              </a:solidFill>
+              <a:effectLst/>
+              <a:uLnTx/>
+              <a:uFillTx/>
+              <a:latin typeface="Calibri"/>
+              <a:ea typeface="黑体"/>
+              <a:cs typeface="+mn-cs"/>
+            </a:endParaRPr>
+          </a:p>
+        </p:txBody>
+      </p:sp>
+    </p:spTree>
+    <p:extLst>
+      <p:ext uri="{BB962C8B-B14F-4D97-AF65-F5344CB8AC3E}">
+        <p14:creationId xmlns:p14="http://schemas.microsoft.com/office/powerpoint/2010/main" val="361054263"/>
+      </p:ext>
+    </p:extLst>
+  </p:cSld>
+  <p:clrMapOvr>
+    <a:masterClrMapping/>
+  </p:clrMapOvr>
+</p:sld>
+</file>
+
+<file path=ppt/slides/slide17.xml><?xml version="1.0" encoding="utf-8"?>
+<p:sld xmlns:a="http://schemas.openxmlformats.org/drawingml/2006/main" xmlns:r="http://schemas.openxmlformats.org/officeDocument/2006/relationships" xmlns:p="http://schemas.openxmlformats.org/presentationml/2006/main">
+  <p:cSld>
+    <p:spTree>
+      <p:nvGrpSpPr>
+        <p:cNvPr id="1" name=""/>
+        <p:cNvGrpSpPr/>
+        <p:nvPr/>
+      </p:nvGrpSpPr>
+      <p:grpSpPr>
+        <a:xfrm>
+          <a:off x="0" y="0"/>
+          <a:ext cx="0" cy="0"/>
+          <a:chOff x="0" y="0"/>
+          <a:chExt cx="0" cy="0"/>
+        </a:xfrm>
+      </p:grpSpPr>
+      <p:sp>
+        <p:nvSpPr>
           <p:cNvPr id="5" name="页脚占位符 4"/>
           <p:cNvSpPr>
             <a:spLocks noGrp="1"/>
@@ -9775,14 +10274,6 @@
               </a:rPr>
               <a:t>Thank You</a:t>
             </a:r>
-            <a:endParaRPr lang="en-US" altLang="zh-CN" sz="5400" dirty="0">
-              <a:solidFill>
-                <a:srgbClr val="5F1051"/>
-              </a:solidFill>
-              <a:latin typeface="Lucida Calligraphy" panose="03010101010101010101" pitchFamily="66" charset="0"/>
-              <a:ea typeface="幼圆" panose="02010509060101010101" pitchFamily="49" charset="-122"/>
-              <a:cs typeface="Arial" panose="020B0604020202020204" pitchFamily="34" charset="0"/>
-            </a:endParaRPr>
           </a:p>
         </p:txBody>
       </p:sp>
@@ -9803,6 +10294,7 @@
           <a:p>
             <a:fld id="{C0BEF7A1-0C0D-F743-88CC-95CC7BA40357}" type="datetime1">
               <a:rPr lang="zh-CN" altLang="en-US" smtClean="0"/>
+              <a:t>2022/5/27</a:t>
             </a:fld>
             <a:endParaRPr lang="zh-CN" altLang="en-US"/>
           </a:p>
@@ -9872,14 +10364,6 @@
               </a:rPr>
               <a:t>协议整理</a:t>
             </a:r>
-            <a:endParaRPr lang="zh-CN" altLang="en-US" b="0" spc="-1" dirty="0">
-              <a:solidFill>
-                <a:srgbClr val="000000"/>
-              </a:solidFill>
-              <a:latin typeface="Arial" panose="020B0604020202020204"/>
-              <a:ea typeface="黑体"/>
-              <a:sym typeface="+mn-ea"/>
-            </a:endParaRPr>
           </a:p>
         </p:txBody>
       </p:sp>
@@ -9907,7 +10391,6 @@
               <a:rPr lang="zh-CN" altLang="en-US" dirty="0"/>
               <a:t>出现的逻辑运算符和量词</a:t>
             </a:r>
-            <a:endParaRPr lang="zh-CN" altLang="en-US" dirty="0"/>
           </a:p>
           <a:p>
             <a:pPr lvl="1"/>
@@ -9915,7 +10398,6 @@
               <a:rPr lang="en-US" altLang="zh-CN" dirty="0"/>
               <a:t>&amp; | -&gt; = ~ </a:t>
             </a:r>
-            <a:endParaRPr lang="en-US" altLang="zh-CN" dirty="0"/>
           </a:p>
           <a:p>
             <a:pPr lvl="1"/>
@@ -9923,7 +10405,6 @@
               <a:rPr lang="en-US" altLang="zh-CN" dirty="0"/>
               <a:t>forall</a:t>
             </a:r>
-            <a:endParaRPr lang="en-US" altLang="zh-CN" dirty="0"/>
           </a:p>
           <a:p>
             <a:pPr lvl="1"/>
@@ -9931,7 +10412,6 @@
               <a:rPr lang="zh-CN" altLang="en-US" dirty="0"/>
               <a:t>都是非常容易转化的</a:t>
             </a:r>
-            <a:endParaRPr lang="zh-CN" altLang="en-US" dirty="0"/>
           </a:p>
           <a:p>
             <a:pPr lvl="1"/>
@@ -9947,7 +10427,6 @@
               <a:rPr lang="zh-CN" altLang="en-US" dirty="0"/>
               <a:t>语法</a:t>
             </a:r>
-            <a:endParaRPr lang="zh-CN" altLang="en-US" dirty="0"/>
           </a:p>
         </p:txBody>
       </p:sp>
@@ -9995,6 +10474,7 @@
           <a:p>
             <a:fld id="{48C0F002-9E81-334E-9897-686C0F3A095B}" type="datetime1">
               <a:rPr lang="zh-CN" altLang="en-US" smtClean="0"/>
+              <a:t>2022/5/27</a:t>
             </a:fld>
             <a:endParaRPr lang="zh-CN" altLang="en-US"/>
           </a:p>
@@ -10017,6 +10497,7 @@
           <a:p>
             <a:fld id="{FDF96B62-0E79-44B5-BB83-6AF64255BCDF}" type="slidenum">
               <a:rPr lang="zh-CN" altLang="en-US" smtClean="0"/>
+              <a:t>2</a:t>
             </a:fld>
             <a:endParaRPr lang="zh-CN" altLang="en-US"/>
           </a:p>
@@ -10212,7 +10693,6 @@
               <a:rPr lang="zh-CN" altLang="en-US" dirty="0"/>
               <a:t>转换策略</a:t>
             </a:r>
-            <a:endParaRPr lang="zh-CN" altLang="en-US" dirty="0"/>
           </a:p>
           <a:p>
             <a:pPr lvl="1"/>
@@ -10228,7 +10708,6 @@
               <a:rPr lang="zh-CN" altLang="en-US" dirty="0"/>
               <a:t>的类型检查</a:t>
             </a:r>
-            <a:endParaRPr lang="zh-CN" altLang="en-US" dirty="0"/>
           </a:p>
         </p:txBody>
       </p:sp>
@@ -10296,14 +10775,6 @@
               </a:rPr>
               <a:t>相关</a:t>
             </a:r>
-            <a:endParaRPr lang="zh-CN" altLang="en-US" b="0" spc="-1" dirty="0">
-              <a:solidFill>
-                <a:srgbClr val="000000"/>
-              </a:solidFill>
-              <a:latin typeface="Arial" panose="020B0604020202020204"/>
-              <a:ea typeface="黑体"/>
-              <a:sym typeface="+mn-ea"/>
-            </a:endParaRPr>
           </a:p>
         </p:txBody>
       </p:sp>
@@ -10331,7 +10802,6 @@
               <a:rPr lang="en-US" altLang="zh-CN" dirty="0"/>
               <a:t>Apalache Type Checker</a:t>
             </a:r>
-            <a:endParaRPr lang="en-US" altLang="zh-CN" dirty="0"/>
           </a:p>
           <a:p>
             <a:pPr lvl="1"/>
@@ -10347,7 +10817,6 @@
               <a:rPr lang="zh-CN" altLang="en-US" dirty="0"/>
               <a:t>独立进行检查</a:t>
             </a:r>
-            <a:endParaRPr lang="zh-CN" altLang="en-US" dirty="0"/>
           </a:p>
           <a:p>
             <a:pPr lvl="1"/>
@@ -10355,7 +10824,6 @@
               <a:rPr lang="zh-CN" altLang="en-US" dirty="0"/>
               <a:t>在TLA+注释中引入了类似Java的注释</a:t>
             </a:r>
-            <a:endParaRPr lang="zh-CN" altLang="en-US" dirty="0"/>
           </a:p>
           <a:p>
             <a:pPr lvl="1"/>
@@ -10363,7 +10831,6 @@
               <a:rPr lang="zh-CN" altLang="en-US" dirty="0"/>
               <a:t>类型检查器会自动查找许多操作符号的类型</a:t>
             </a:r>
-            <a:endParaRPr lang="zh-CN" altLang="en-US" dirty="0"/>
           </a:p>
         </p:txBody>
       </p:sp>
@@ -10411,6 +10878,7 @@
           <a:p>
             <a:fld id="{48C0F002-9E81-334E-9897-686C0F3A095B}" type="datetime1">
               <a:rPr lang="zh-CN" altLang="en-US" smtClean="0"/>
+              <a:t>2022/5/27</a:t>
             </a:fld>
             <a:endParaRPr lang="zh-CN" altLang="en-US"/>
           </a:p>
@@ -10433,6 +10901,7 @@
           <a:p>
             <a:fld id="{FDF96B62-0E79-44B5-BB83-6AF64255BCDF}" type="slidenum">
               <a:rPr lang="zh-CN" altLang="en-US" smtClean="0"/>
+              <a:t>3</a:t>
             </a:fld>
             <a:endParaRPr lang="zh-CN" altLang="en-US"/>
           </a:p>
@@ -10447,7 +10916,7 @@
           <p:nvPr/>
         </p:nvPicPr>
         <p:blipFill>
-          <a:blip r:embed="rId1"/>
+          <a:blip r:embed="rId3"/>
           <a:stretch>
             <a:fillRect/>
           </a:stretch>
@@ -10471,7 +10940,7 @@
           <p:nvPr/>
         </p:nvPicPr>
         <p:blipFill>
-          <a:blip r:embed="rId2"/>
+          <a:blip r:embed="rId4"/>
           <a:stretch>
             <a:fillRect/>
           </a:stretch>
@@ -10539,14 +11008,6 @@
               </a:rPr>
               <a:t>注释详解</a:t>
             </a:r>
-            <a:endParaRPr lang="zh-CN" altLang="en-US" b="0" spc="-1" dirty="0">
-              <a:solidFill>
-                <a:srgbClr val="000000"/>
-              </a:solidFill>
-              <a:latin typeface="Arial" panose="020B0604020202020204"/>
-              <a:ea typeface="黑体"/>
-              <a:sym typeface="+mn-ea"/>
-            </a:endParaRPr>
           </a:p>
         </p:txBody>
       </p:sp>
@@ -10582,7 +11043,6 @@
               <a:rPr lang="en-US" altLang="zh-CN" dirty="0"/>
               <a:t>+,-,*,\div have the signature (Int,Int) =&gt; Int</a:t>
             </a:r>
-            <a:endParaRPr lang="en-US" altLang="zh-CN" dirty="0"/>
           </a:p>
           <a:p>
             <a:pPr lvl="1"/>
@@ -10590,7 +11050,6 @@
               <a:rPr lang="en-US" altLang="zh-CN" dirty="0"/>
               <a:t>{e1} and {e1,e2} have a =&gt; Set(a) and (b,b) =&gt; Set(b)</a:t>
             </a:r>
-            <a:endParaRPr lang="en-US" altLang="zh-CN" dirty="0"/>
           </a:p>
           <a:p>
             <a:pPr lvl="1"/>
@@ -10598,7 +11057,6 @@
               <a:rPr lang="en-US" altLang="zh-CN" dirty="0"/>
               <a:t>&lt;&lt;e1,e2&gt;&gt; have (a,b) =&gt; &lt;&lt;a,b&gt;&gt; | (a,a) =&gt; Seq(a)</a:t>
             </a:r>
-            <a:endParaRPr lang="en-US" altLang="zh-CN" dirty="0"/>
           </a:p>
           <a:p>
             <a:pPr lvl="1"/>
@@ -10606,7 +11064,6 @@
               <a:rPr lang="en-US" altLang="zh-CN" dirty="0"/>
               <a:t>{x∈S:P} becomes ((a =&gt; Bool ) =&gt; Set(a))</a:t>
             </a:r>
-            <a:endParaRPr lang="en-US" altLang="zh-CN" dirty="0"/>
           </a:p>
         </p:txBody>
       </p:sp>
@@ -10654,6 +11111,7 @@
           <a:p>
             <a:fld id="{48C0F002-9E81-334E-9897-686C0F3A095B}" type="datetime1">
               <a:rPr lang="zh-CN" altLang="en-US" smtClean="0"/>
+              <a:t>2022/5/27</a:t>
             </a:fld>
             <a:endParaRPr lang="zh-CN" altLang="en-US"/>
           </a:p>
@@ -10676,6 +11134,7 @@
           <a:p>
             <a:fld id="{FDF96B62-0E79-44B5-BB83-6AF64255BCDF}" type="slidenum">
               <a:rPr lang="zh-CN" altLang="en-US" smtClean="0"/>
+              <a:t>4</a:t>
             </a:fld>
             <a:endParaRPr lang="zh-CN" altLang="en-US"/>
           </a:p>
@@ -10734,14 +11193,6 @@
               </a:rPr>
               <a:t>注释详解</a:t>
             </a:r>
-            <a:endParaRPr lang="zh-CN" altLang="en-US" b="0" spc="-1" dirty="0">
-              <a:solidFill>
-                <a:srgbClr val="000000"/>
-              </a:solidFill>
-              <a:latin typeface="Arial" panose="020B0604020202020204"/>
-              <a:ea typeface="黑体"/>
-              <a:sym typeface="+mn-ea"/>
-            </a:endParaRPr>
           </a:p>
         </p:txBody>
       </p:sp>
@@ -10769,7 +11220,6 @@
               <a:rPr lang="zh-CN" altLang="en-US" dirty="0"/>
               <a:t>注释</a:t>
             </a:r>
-            <a:endParaRPr lang="zh-CN" altLang="en-US" dirty="0"/>
           </a:p>
           <a:p>
             <a:pPr lvl="1"/>
@@ -10777,7 +11227,6 @@
               <a:rPr lang="en-US" altLang="zh-CN" dirty="0"/>
               <a:t>Recipe variables </a:t>
             </a:r>
-            <a:endParaRPr lang="en-US" altLang="zh-CN" dirty="0"/>
           </a:p>
           <a:p>
             <a:pPr lvl="2"/>
@@ -10785,7 +11234,6 @@
               <a:rPr lang="en-US" altLang="zh-CN" dirty="0"/>
               <a:t>@type:Int;</a:t>
             </a:r>
-            <a:endParaRPr lang="en-US" altLang="zh-CN" dirty="0"/>
           </a:p>
           <a:p>
             <a:pPr lvl="1"/>
@@ -10793,7 +11241,6 @@
               <a:rPr lang="en-US" altLang="zh-CN" dirty="0"/>
               <a:t>Constants</a:t>
             </a:r>
-            <a:endParaRPr lang="en-US" altLang="zh-CN" dirty="0"/>
           </a:p>
           <a:p>
             <a:pPr lvl="1"/>
@@ -10801,7 +11248,6 @@
               <a:rPr lang="en-US" altLang="zh-CN" dirty="0"/>
               <a:t>Operators </a:t>
             </a:r>
-            <a:endParaRPr lang="en-US" altLang="zh-CN" dirty="0"/>
           </a:p>
           <a:p>
             <a:pPr lvl="2"/>
@@ -10823,7 +11269,6 @@
               <a:rPr lang="en-US" altLang="zh-CN" dirty="0"/>
               <a:t>Records</a:t>
             </a:r>
-            <a:endParaRPr lang="en-US" altLang="zh-CN" dirty="0"/>
           </a:p>
           <a:p>
             <a:pPr lvl="2"/>
@@ -10831,7 +11276,6 @@
               <a:rPr lang="en-US" altLang="zh-CN" dirty="0"/>
               <a:t>msgs is a set contains records of two types:[type: Str] and [type: Str, rm: RM]</a:t>
             </a:r>
-            <a:endParaRPr lang="en-US" altLang="zh-CN" dirty="0"/>
           </a:p>
           <a:p>
             <a:pPr lvl="2"/>
@@ -10839,7 +11283,6 @@
               <a:rPr lang="en-US" altLang="zh-CN" dirty="0"/>
               <a:t>  \* @type: Set([type: Str, rm: RM]); msgs </a:t>
             </a:r>
-            <a:endParaRPr lang="en-US" altLang="zh-CN" dirty="0"/>
           </a:p>
           <a:p>
             <a:pPr lvl="2"/>
@@ -10847,7 +11290,6 @@
               <a:rPr lang="en-US" altLang="zh-CN" dirty="0"/>
               <a:t>an incorrect field access</a:t>
             </a:r>
-            <a:endParaRPr lang="en-US" altLang="zh-CN" dirty="0"/>
           </a:p>
         </p:txBody>
       </p:sp>
@@ -10895,6 +11337,7 @@
           <a:p>
             <a:fld id="{48C0F002-9E81-334E-9897-686C0F3A095B}" type="datetime1">
               <a:rPr lang="zh-CN" altLang="en-US" smtClean="0"/>
+              <a:t>2022/5/27</a:t>
             </a:fld>
             <a:endParaRPr lang="zh-CN" altLang="en-US"/>
           </a:p>
@@ -10917,6 +11360,7 @@
           <a:p>
             <a:fld id="{FDF96B62-0E79-44B5-BB83-6AF64255BCDF}" type="slidenum">
               <a:rPr lang="zh-CN" altLang="en-US" smtClean="0"/>
+              <a:t>5</a:t>
             </a:fld>
             <a:endParaRPr lang="zh-CN" altLang="en-US"/>
           </a:p>
@@ -10975,14 +11419,6 @@
               </a:rPr>
               <a:t>注释详解</a:t>
             </a:r>
-            <a:endParaRPr lang="zh-CN" altLang="en-US" b="0" spc="-1" dirty="0">
-              <a:solidFill>
-                <a:srgbClr val="000000"/>
-              </a:solidFill>
-              <a:latin typeface="Arial" panose="020B0604020202020204"/>
-              <a:ea typeface="黑体"/>
-              <a:sym typeface="+mn-ea"/>
-            </a:endParaRPr>
           </a:p>
         </p:txBody>
       </p:sp>
@@ -11010,7 +11446,6 @@
               <a:rPr lang="zh-CN" altLang="en-US" dirty="0"/>
               <a:t>注释</a:t>
             </a:r>
-            <a:endParaRPr lang="zh-CN" altLang="en-US" dirty="0"/>
           </a:p>
           <a:p>
             <a:pPr lvl="1"/>
@@ -11018,7 +11453,6 @@
               <a:rPr lang="en-US" altLang="zh-CN" dirty="0"/>
               <a:t>Functions as sequences</a:t>
             </a:r>
-            <a:endParaRPr lang="en-US" altLang="zh-CN" dirty="0"/>
           </a:p>
           <a:p>
             <a:pPr lvl="2"/>
@@ -11026,7 +11460,6 @@
               <a:rPr lang="en-US" altLang="zh-CN" dirty="0"/>
               <a:t>\* @type: (Seq(Int), Int, Int) =&gt; Bool;  Attacks(queens,i,j) == ...</a:t>
             </a:r>
-            <a:endParaRPr lang="en-US" altLang="zh-CN" dirty="0"/>
           </a:p>
           <a:p>
             <a:pPr lvl="1"/>
@@ -11034,7 +11467,6 @@
               <a:rPr lang="en-US" altLang="zh-CN" dirty="0"/>
               <a:t>Type Aliases</a:t>
             </a:r>
-            <a:endParaRPr lang="en-US" altLang="zh-CN" dirty="0"/>
           </a:p>
           <a:p>
             <a:pPr lvl="2"/>
@@ -11042,7 +11474,6 @@
               <a:rPr lang="en-US" altLang="zh-CN" dirty="0"/>
               <a:t>\* @typeAlias: ALIAS = &lt;type&gt;;</a:t>
             </a:r>
-            <a:endParaRPr lang="en-US" altLang="zh-CN" dirty="0"/>
           </a:p>
           <a:p>
             <a:pPr lvl="1"/>
@@ -11050,7 +11481,6 @@
               <a:rPr lang="en-US" altLang="zh-CN" dirty="0"/>
               <a:t>Multi-line</a:t>
             </a:r>
-            <a:endParaRPr lang="en-US" altLang="zh-CN" dirty="0"/>
           </a:p>
           <a:p>
             <a:pPr lvl="1"/>
@@ -11058,7 +11488,6 @@
               <a:rPr lang="en-US" altLang="zh-CN" dirty="0"/>
               <a:t>Comments</a:t>
             </a:r>
-            <a:endParaRPr lang="en-US" altLang="zh-CN" dirty="0"/>
           </a:p>
           <a:p>
             <a:pPr lvl="1"/>
@@ -11066,7 +11495,6 @@
               <a:rPr lang="zh-CN" altLang="en-US" dirty="0"/>
               <a:t>大多数注释都是在关键字和变量之间</a:t>
             </a:r>
-            <a:endParaRPr lang="zh-CN" altLang="en-US" dirty="0"/>
           </a:p>
           <a:p>
             <a:pPr lvl="1"/>
@@ -11142,6 +11570,7 @@
           <a:p>
             <a:fld id="{48C0F002-9E81-334E-9897-686C0F3A095B}" type="datetime1">
               <a:rPr lang="zh-CN" altLang="en-US" smtClean="0"/>
+              <a:t>2022/5/27</a:t>
             </a:fld>
             <a:endParaRPr lang="zh-CN" altLang="en-US"/>
           </a:p>
@@ -11164,6 +11593,7 @@
           <a:p>
             <a:fld id="{FDF96B62-0E79-44B5-BB83-6AF64255BCDF}" type="slidenum">
               <a:rPr lang="zh-CN" altLang="en-US" smtClean="0"/>
+              <a:t>6</a:t>
             </a:fld>
             <a:endParaRPr lang="zh-CN" altLang="en-US"/>
           </a:p>
@@ -11203,7 +11633,6 @@
               <a:rPr lang="zh-CN" altLang="en-US"/>
               <a:t>https://apalache.informal.systems/docs/HOWTOs/howto-write-type-annotations.html</a:t>
             </a:r>
-            <a:endParaRPr lang="zh-CN" altLang="en-US"/>
           </a:p>
           <a:p>
             <a:r>
@@ -11267,14 +11696,6 @@
               </a:rPr>
               <a:t>注释详解</a:t>
             </a:r>
-            <a:endParaRPr lang="zh-CN" altLang="en-US" b="0" spc="-1" dirty="0">
-              <a:solidFill>
-                <a:srgbClr val="000000"/>
-              </a:solidFill>
-              <a:latin typeface="Arial" panose="020B0604020202020204"/>
-              <a:ea typeface="黑体"/>
-              <a:sym typeface="+mn-ea"/>
-            </a:endParaRPr>
           </a:p>
         </p:txBody>
       </p:sp>
@@ -11302,7 +11723,6 @@
               <a:rPr lang="zh-CN" altLang="en-US" dirty="0"/>
               <a:t>uninterpreted types</a:t>
             </a:r>
-            <a:endParaRPr lang="zh-CN" altLang="en-US" dirty="0"/>
           </a:p>
           <a:p>
             <a:pPr lvl="1"/>
@@ -11310,7 +11730,6 @@
               <a:rPr lang="zh-CN" altLang="en-US" dirty="0"/>
               <a:t>CONSTANT RM \* The set of resource managers</a:t>
             </a:r>
-            <a:endParaRPr lang="zh-CN" altLang="en-US" dirty="0"/>
           </a:p>
           <a:p>
             <a:pPr lvl="1"/>
@@ -11318,7 +11737,6 @@
               <a:rPr lang="en-US" altLang="zh-CN" dirty="0"/>
               <a:t>RM = 1..3 or RM = {“a”,”b”,”c”}</a:t>
             </a:r>
-            <a:endParaRPr lang="en-US" altLang="zh-CN" dirty="0"/>
           </a:p>
           <a:p>
             <a:pPr lvl="1"/>
@@ -11326,7 +11744,6 @@
               <a:rPr lang="en-US" altLang="zh-CN" dirty="0"/>
               <a:t>Int  &lt;,&gt;,&gt;=,&lt;=</a:t>
             </a:r>
-            <a:endParaRPr lang="en-US" altLang="zh-CN" dirty="0"/>
           </a:p>
           <a:p>
             <a:pPr lvl="1"/>
@@ -11338,7 +11755,6 @@
               <a:rPr lang="en-US" altLang="zh-CN" dirty="0"/>
               <a:t>  \* @type: UTNAME;</a:t>
             </a:r>
-            <a:endParaRPr lang="en-US" altLang="zh-CN" dirty="0"/>
           </a:p>
           <a:p>
             <a:pPr lvl="1"/>
@@ -11352,9 +11768,6 @@
               </a:rPr>
               <a:t>uninterpreted types</a:t>
             </a:r>
-            <a:endParaRPr lang="zh-CN" altLang="en-US" dirty="0">
-              <a:sym typeface="+mn-ea"/>
-            </a:endParaRPr>
           </a:p>
           <a:p>
             <a:pPr lvl="2"/>
@@ -11362,7 +11775,6 @@
               <a:rPr lang="zh-CN" altLang="en-US" dirty="0"/>
               <a:t>"identifier_OF_TYPENAME"</a:t>
             </a:r>
-            <a:endParaRPr lang="zh-CN" altLang="en-US" dirty="0"/>
           </a:p>
           <a:p>
             <a:pPr lvl="2"/>
@@ -11370,7 +11782,6 @@
               <a:rPr lang="en-US" altLang="zh-CN" dirty="0"/>
               <a:t>“1_OF_UT”</a:t>
             </a:r>
-            <a:endParaRPr lang="en-US" altLang="zh-CN" dirty="0"/>
           </a:p>
           <a:p>
             <a:pPr lvl="2"/>
@@ -11378,7 +11789,6 @@
               <a:rPr lang="en-US" altLang="zh-CN" dirty="0"/>
               <a:t>“abc_OF_UT”</a:t>
             </a:r>
-            <a:endParaRPr lang="en-US" altLang="zh-CN" dirty="0"/>
           </a:p>
           <a:p>
             <a:pPr lvl="2"/>
@@ -11390,7 +11800,6 @@
               <a:rPr lang="en-US" altLang="zh-CN" dirty="0"/>
               <a:t> /false </a:t>
             </a:r>
-            <a:endParaRPr lang="en-US" altLang="zh-CN" dirty="0"/>
           </a:p>
           <a:p>
             <a:pPr lvl="2"/>
@@ -11398,7 +11807,6 @@
               <a:rPr lang="zh-CN" altLang="en-US" dirty="0"/>
               <a:t>"1_OF_A" = "1_OF_B"</a:t>
             </a:r>
-            <a:endParaRPr lang="zh-CN" altLang="en-US" dirty="0"/>
           </a:p>
           <a:p>
             <a:pPr lvl="2"/>
@@ -11406,7 +11814,6 @@
               <a:rPr lang="zh-CN" altLang="en-US" dirty="0"/>
               <a:t>"1_OF_A" = "2_OF_A"</a:t>
             </a:r>
-            <a:endParaRPr lang="zh-CN" altLang="en-US" dirty="0"/>
           </a:p>
           <a:p>
             <a:pPr lvl="2"/>
@@ -11414,7 +11821,6 @@
               <a:rPr lang="zh-CN" altLang="en-US" dirty="0"/>
               <a:t>"1_OF_A" = "1_OF_A"</a:t>
             </a:r>
-            <a:endParaRPr lang="zh-CN" altLang="en-US" dirty="0"/>
           </a:p>
           <a:p>
             <a:pPr lvl="1"/>
@@ -11470,6 +11876,7 @@
           <a:p>
             <a:fld id="{48C0F002-9E81-334E-9897-686C0F3A095B}" type="datetime1">
               <a:rPr lang="zh-CN" altLang="en-US" smtClean="0"/>
+              <a:t>2022/5/27</a:t>
             </a:fld>
             <a:endParaRPr lang="zh-CN" altLang="en-US"/>
           </a:p>
@@ -11492,6 +11899,7 @@
           <a:p>
             <a:fld id="{FDF96B62-0E79-44B5-BB83-6AF64255BCDF}" type="slidenum">
               <a:rPr lang="zh-CN" altLang="en-US" smtClean="0"/>
+              <a:t>7</a:t>
             </a:fld>
             <a:endParaRPr lang="zh-CN" altLang="en-US"/>
           </a:p>
@@ -11550,14 +11958,6 @@
               </a:rPr>
               <a:t>Tools(untyped-&gt;typed)</a:t>
             </a:r>
-            <a:endParaRPr lang="en-US" altLang="zh-CN" b="0" spc="-1" dirty="0">
-              <a:solidFill>
-                <a:srgbClr val="000000"/>
-              </a:solidFill>
-              <a:latin typeface="Arial" panose="020B0604020202020204"/>
-              <a:ea typeface="黑体"/>
-              <a:sym typeface="+mn-ea"/>
-            </a:endParaRPr>
           </a:p>
         </p:txBody>
       </p:sp>
@@ -11585,7 +11985,6 @@
               <a:rPr lang="en-US" altLang="zh-CN" dirty="0"/>
               <a:t>Both of them are independent of the model checker</a:t>
             </a:r>
-            <a:endParaRPr lang="en-US" altLang="zh-CN" dirty="0"/>
           </a:p>
         </p:txBody>
       </p:sp>
@@ -11633,6 +12032,7 @@
           <a:p>
             <a:fld id="{48C0F002-9E81-334E-9897-686C0F3A095B}" type="datetime1">
               <a:rPr lang="zh-CN" altLang="en-US" smtClean="0"/>
+              <a:t>2022/5/27</a:t>
             </a:fld>
             <a:endParaRPr lang="zh-CN" altLang="en-US"/>
           </a:p>
@@ -11655,6 +12055,7 @@
           <a:p>
             <a:fld id="{FDF96B62-0E79-44B5-BB83-6AF64255BCDF}" type="slidenum">
               <a:rPr lang="zh-CN" altLang="en-US" smtClean="0"/>
+              <a:t>8</a:t>
             </a:fld>
             <a:endParaRPr lang="zh-CN" altLang="en-US"/>
           </a:p>
@@ -11850,7 +12251,6 @@
               <a:rPr lang="en-US" altLang="zh-CN" dirty="0"/>
               <a:t>Type Inferer</a:t>
             </a:r>
-            <a:endParaRPr lang="en-US" altLang="zh-CN" dirty="0"/>
           </a:p>
           <a:p>
             <a:pPr lvl="1"/>
@@ -11858,7 +12258,6 @@
               <a:rPr lang="en-US" altLang="zh-CN" dirty="0"/>
               <a:t>Global analysis of the spec.No annotations.</a:t>
             </a:r>
-            <a:endParaRPr lang="en-US" altLang="zh-CN" dirty="0"/>
           </a:p>
           <a:p>
             <a:pPr lvl="1"/>
@@ -12054,13 +12453,8 @@
           <a:p>
             <a:r>
               <a:rPr lang="en-US" altLang="zh-CN" dirty="0"/>
-              <a:t>Type </a:t>
-            </a:r>
-            <a:r>
-              <a:rPr lang="en-US" altLang="zh-CN" dirty="0"/>
-              <a:t>checker</a:t>
-            </a:r>
-            <a:endParaRPr lang="en-US" altLang="zh-CN" dirty="0"/>
+              <a:t>Type checker</a:t>
+            </a:r>
           </a:p>
           <a:p>
             <a:pPr lvl="1"/>
@@ -12068,7 +12462,6 @@
               <a:rPr lang="en-US" altLang="zh-CN" dirty="0"/>
               <a:t>Local analysis of operator definitions.Need for annotations</a:t>
             </a:r>
-            <a:endParaRPr lang="en-US" altLang="zh-CN" dirty="0"/>
           </a:p>
           <a:p>
             <a:pPr lvl="1"/>
@@ -12179,6 +12572,7 @@
           <a:p>
             <a:fld id="{48C0F002-9E81-334E-9897-686C0F3A095B}" type="datetime1">
               <a:rPr lang="zh-CN" altLang="en-US" smtClean="0"/>
+              <a:t>2022/5/27</a:t>
             </a:fld>
             <a:endParaRPr lang="zh-CN" altLang="en-US"/>
           </a:p>
@@ -12201,6 +12595,7 @@
           <a:p>
             <a:fld id="{FDF96B62-0E79-44B5-BB83-6AF64255BCDF}" type="slidenum">
               <a:rPr lang="zh-CN" altLang="en-US" smtClean="0"/>
+              <a:t>9</a:t>
             </a:fld>
             <a:endParaRPr lang="zh-CN" altLang="en-US"/>
           </a:p>
@@ -12209,7 +12604,9 @@
       <p:sp>
         <p:nvSpPr>
           <p:cNvPr id="8" name="内容占位符 7"/>
-          <p:cNvSpPr/>
+          <p:cNvSpPr>
+            <a:spLocks noGrp="1"/>
+          </p:cNvSpPr>
           <p:nvPr>
             <p:ph idx="1"/>
           </p:nvPr>
@@ -12222,12 +12619,12 @@
         </p:spPr>
         <p:txBody>
           <a:bodyPr/>
+          <a:lstStyle/>
           <a:p>
             <a:r>
               <a:rPr lang="en-US" altLang="zh-CN"/>
               <a:t>Type syntax</a:t>
             </a:r>
-            <a:endParaRPr lang="en-US" altLang="zh-CN"/>
           </a:p>
           <a:p>
             <a:pPr lvl="1"/>
@@ -12235,7 +12632,6 @@
               <a:rPr lang="en-US" altLang="zh-CN"/>
               <a:t>Bool | Int | Str | Real     basic types</a:t>
             </a:r>
-            <a:endParaRPr lang="en-US" altLang="zh-CN"/>
           </a:p>
           <a:p>
             <a:pPr lvl="1"/>
@@ -12243,7 +12639,6 @@
               <a:rPr lang="en-US" altLang="zh-CN"/>
               <a:t>IDENTIFIER123 | [_A-Z][_A-Z0-9]*  uninterpreted type</a:t>
             </a:r>
-            <a:endParaRPr lang="en-US" altLang="zh-CN"/>
           </a:p>
           <a:p>
             <a:pPr lvl="2"/>
@@ -12259,7 +12654,6 @@
               <a:rPr lang="en-US" altLang="zh-CN"/>
               <a:t>Often, CONSTANTS are parameterized sets</a:t>
             </a:r>
-            <a:endParaRPr lang="en-US" altLang="zh-CN"/>
           </a:p>
           <a:p>
             <a:pPr lvl="1"/>
@@ -12267,7 +12661,6 @@
               <a:rPr lang="en-US" altLang="zh-CN"/>
               <a:t>T -&gt; T | set(T) | Seq(T)    functions,sets,sequences</a:t>
             </a:r>
-            <a:endParaRPr lang="en-US" altLang="zh-CN"/>
           </a:p>
           <a:p>
             <a:pPr lvl="1"/>
@@ -12275,7 +12668,6 @@
               <a:rPr lang="en-US" altLang="zh-CN"/>
               <a:t>&lt;&lt;T,...T&gt;&gt; | [h1: T,...,hk: T]  tuples,records</a:t>
             </a:r>
-            <a:endParaRPr lang="en-US" altLang="zh-CN"/>
           </a:p>
           <a:p>
             <a:pPr lvl="1"/>
@@ -12283,7 +12675,6 @@
               <a:rPr lang="en-US" altLang="zh-CN"/>
               <a:t>(T,...T) =&gt; T   operators</a:t>
             </a:r>
-            <a:endParaRPr lang="en-US" altLang="zh-CN"/>
           </a:p>
           <a:p>
             <a:pPr lvl="1"/>
@@ -12291,7 +12682,6 @@
               <a:rPr lang="en-US" altLang="zh-CN"/>
               <a:t>a | ... | z    type variables</a:t>
             </a:r>
-            <a:endParaRPr lang="en-US" altLang="zh-CN"/>
           </a:p>
         </p:txBody>
       </p:sp>
@@ -12494,6 +12884,8 @@
       </a:bgFillStyleLst>
     </a:fmtScheme>
   </a:themeElements>
+  <a:objectDefaults/>
+  <a:extraClrSchemeLst/>
   <a:extLst>
     <a:ext uri="{05A4C25C-085E-4340-85A3-A5531E510DB2}">
       <thm15:themeFamily xmlns:thm15="http://schemas.microsoft.com/office/thememl/2012/main" name="Office Theme" id="{62F939B6-93AF-4DB8-9C6B-D6C7DFDC589F}" vid="{4A3C46E8-61CC-4603-A589-7422A47A8E4A}"/>
@@ -12693,6 +13085,8 @@
       </a:bgFillStyleLst>
     </a:fmtScheme>
   </a:themeElements>
+  <a:objectDefaults/>
+  <a:extraClrSchemeLst/>
   <a:extLst>
     <a:ext uri="{05A4C25C-085E-4340-85A3-A5531E510DB2}">
       <thm15:themeFamily xmlns:thm15="http://schemas.microsoft.com/office/thememl/2012/main" name="Office Theme" id="{62F939B6-93AF-4DB8-9C6B-D6C7DFDC589F}" vid="{4A3C46E8-61CC-4603-A589-7422A47A8E4A}"/>
@@ -12952,6 +13346,8 @@
       </a:bgFillStyleLst>
     </a:fmtScheme>
   </a:themeElements>
+  <a:objectDefaults/>
+  <a:extraClrSchemeLst/>
   <a:extLst>
     <a:ext uri="{05A4C25C-085E-4340-85A3-A5531E510DB2}">
       <thm15:themeFamily xmlns:thm15="http://schemas.microsoft.com/office/thememl/2012/main" name="Office Theme" id="{62F939B6-93AF-4DB8-9C6B-D6C7DFDC589F}" vid="{4A3C46E8-61CC-4603-A589-7422A47A8E4A}"/>

--- a/reports/8-20220520-一周工作进展.pptx
+++ b/reports/8-20220520-一周工作进展.pptx
@@ -9294,9 +9294,20 @@
           <a:p>
             <a:r>
               <a:rPr lang="zh-CN" altLang="en-US" dirty="0"/>
-              <a:t>集合运算（交并集，获取集合大小，判定元素是否在集合内）</a:t>
+              <a:t>集合运算</a:t>
             </a:r>
             <a:endParaRPr lang="en-US" altLang="zh-CN" dirty="0"/>
+          </a:p>
+          <a:p>
+            <a:pPr lvl="1"/>
+            <a:r>
+              <a:rPr lang="zh-CN" altLang="en-US" dirty="0"/>
+              <a:t>交并集，获取集合大小，判定元素是否在集合内，集合比较，</a:t>
+            </a:r>
+            <a:r>
+              <a:rPr lang="en-US" altLang="zh-CN" dirty="0"/>
+              <a:t>…</a:t>
+            </a:r>
           </a:p>
           <a:p>
             <a:pPr lvl="1"/>
